--- a/slide-decks/microservices-RI.pptx
+++ b/slide-decks/microservices-RI.pptx
@@ -10,25 +10,25 @@
   <p:sldIdLst>
     <p:sldId id="256" r:id="rId2"/>
     <p:sldId id="257" r:id="rId3"/>
-    <p:sldId id="258" r:id="rId4"/>
-    <p:sldId id="315" r:id="rId5"/>
-    <p:sldId id="312" r:id="rId6"/>
-    <p:sldId id="313" r:id="rId7"/>
-    <p:sldId id="307" r:id="rId8"/>
-    <p:sldId id="319" r:id="rId9"/>
-    <p:sldId id="318" r:id="rId10"/>
-    <p:sldId id="309" r:id="rId11"/>
-    <p:sldId id="302" r:id="rId12"/>
-    <p:sldId id="304" r:id="rId13"/>
-    <p:sldId id="325" r:id="rId14"/>
-    <p:sldId id="305" r:id="rId15"/>
-    <p:sldId id="320" r:id="rId16"/>
-    <p:sldId id="311" r:id="rId17"/>
-    <p:sldId id="321" r:id="rId18"/>
-    <p:sldId id="310" r:id="rId19"/>
-    <p:sldId id="322" r:id="rId20"/>
-    <p:sldId id="316" r:id="rId21"/>
-    <p:sldId id="323" r:id="rId22"/>
+    <p:sldId id="315" r:id="rId4"/>
+    <p:sldId id="312" r:id="rId5"/>
+    <p:sldId id="313" r:id="rId6"/>
+    <p:sldId id="307" r:id="rId7"/>
+    <p:sldId id="319" r:id="rId8"/>
+    <p:sldId id="318" r:id="rId9"/>
+    <p:sldId id="309" r:id="rId10"/>
+    <p:sldId id="302" r:id="rId11"/>
+    <p:sldId id="304" r:id="rId12"/>
+    <p:sldId id="325" r:id="rId13"/>
+    <p:sldId id="305" r:id="rId14"/>
+    <p:sldId id="320" r:id="rId15"/>
+    <p:sldId id="311" r:id="rId16"/>
+    <p:sldId id="321" r:id="rId17"/>
+    <p:sldId id="310" r:id="rId18"/>
+    <p:sldId id="322" r:id="rId19"/>
+    <p:sldId id="316" r:id="rId20"/>
+    <p:sldId id="323" r:id="rId21"/>
+    <p:sldId id="326" r:id="rId22"/>
     <p:sldId id="317" r:id="rId23"/>
     <p:sldId id="324" r:id="rId24"/>
     <p:sldId id="301" r:id="rId25"/>
@@ -764,7 +764,7 @@
           <a:p>
             <a:fld id="{4D3D7829-6833-49EA-A182-69C45F439246}" type="slidenum">
               <a:rPr lang="en-US" smtClean="0"/>
-              <a:t>3</a:t>
+              <a:t>6</a:t>
             </a:fld>
             <a:endParaRPr lang="en-US"/>
           </a:p>
@@ -784,90 +784,6 @@
 </file>
 
 <file path=ppt/notesSlides/notesSlide4.xml><?xml version="1.0" encoding="utf-8"?>
-<p:notes xmlns:a="http://schemas.openxmlformats.org/drawingml/2006/main" xmlns:r="http://schemas.openxmlformats.org/officeDocument/2006/relationships" xmlns:p="http://schemas.openxmlformats.org/presentationml/2006/main">
-  <p:cSld>
-    <p:spTree>
-      <p:nvGrpSpPr>
-        <p:cNvPr id="1" name=""/>
-        <p:cNvGrpSpPr/>
-        <p:nvPr/>
-      </p:nvGrpSpPr>
-      <p:grpSpPr>
-        <a:xfrm>
-          <a:off x="0" y="0"/>
-          <a:ext cx="0" cy="0"/>
-          <a:chOff x="0" y="0"/>
-          <a:chExt cx="0" cy="0"/>
-        </a:xfrm>
-      </p:grpSpPr>
-      <p:sp>
-        <p:nvSpPr>
-          <p:cNvPr id="2" name="Slide Image Placeholder 1"/>
-          <p:cNvSpPr>
-            <a:spLocks noGrp="1" noRot="1" noChangeAspect="1"/>
-          </p:cNvSpPr>
-          <p:nvPr>
-            <p:ph type="sldImg"/>
-          </p:nvPr>
-        </p:nvSpPr>
-        <p:spPr/>
-      </p:sp>
-      <p:sp>
-        <p:nvSpPr>
-          <p:cNvPr id="3" name="Notes Placeholder 2"/>
-          <p:cNvSpPr>
-            <a:spLocks noGrp="1"/>
-          </p:cNvSpPr>
-          <p:nvPr>
-            <p:ph type="body" idx="1"/>
-          </p:nvPr>
-        </p:nvSpPr>
-        <p:spPr/>
-        <p:txBody>
-          <a:bodyPr/>
-          <a:lstStyle/>
-          <a:p>
-            <a:endParaRPr lang="en-US"/>
-          </a:p>
-        </p:txBody>
-      </p:sp>
-      <p:sp>
-        <p:nvSpPr>
-          <p:cNvPr id="4" name="Slide Number Placeholder 3"/>
-          <p:cNvSpPr>
-            <a:spLocks noGrp="1"/>
-          </p:cNvSpPr>
-          <p:nvPr>
-            <p:ph type="sldNum" sz="quarter" idx="5"/>
-          </p:nvPr>
-        </p:nvSpPr>
-        <p:spPr/>
-        <p:txBody>
-          <a:bodyPr/>
-          <a:lstStyle/>
-          <a:p>
-            <a:fld id="{4D3D7829-6833-49EA-A182-69C45F439246}" type="slidenum">
-              <a:rPr lang="en-US" smtClean="0"/>
-              <a:t>7</a:t>
-            </a:fld>
-            <a:endParaRPr lang="en-US"/>
-          </a:p>
-        </p:txBody>
-      </p:sp>
-    </p:spTree>
-    <p:extLst>
-      <p:ext uri="{BB962C8B-B14F-4D97-AF65-F5344CB8AC3E}">
-        <p14:creationId xmlns:p14="http://schemas.microsoft.com/office/powerpoint/2010/main" val="4278881680"/>
-      </p:ext>
-    </p:extLst>
-  </p:cSld>
-  <p:clrMapOvr>
-    <a:masterClrMapping/>
-  </p:clrMapOvr>
-</p:notes>
-</file>
-
-<file path=ppt/notesSlides/notesSlide5.xml><?xml version="1.0" encoding="utf-8"?>
 <p:notes xmlns:a="http://schemas.openxmlformats.org/drawingml/2006/main" xmlns:r="http://schemas.openxmlformats.org/officeDocument/2006/relationships" xmlns:p="http://schemas.openxmlformats.org/presentationml/2006/main">
   <p:cSld>
     <p:spTree>
@@ -4306,74 +4222,10 @@
       </p:grpSpPr>
       <p:sp>
         <p:nvSpPr>
-          <p:cNvPr id="2" name="Title 1">
-            <a:extLst>
-              <a:ext uri="{FF2B5EF4-FFF2-40B4-BE49-F238E27FC236}">
-                <a16:creationId xmlns:a16="http://schemas.microsoft.com/office/drawing/2014/main" id="{516E85FB-5AF7-4F51-9D16-59ED10122FC8}"/>
-              </a:ext>
-            </a:extLst>
-          </p:cNvPr>
-          <p:cNvSpPr>
-            <a:spLocks noGrp="1"/>
-          </p:cNvSpPr>
-          <p:nvPr>
-            <p:ph type="title"/>
-          </p:nvPr>
-        </p:nvSpPr>
-        <p:spPr>
-          <a:xfrm>
-            <a:off x="838200" y="365126"/>
-            <a:ext cx="10515600" cy="686874"/>
-          </a:xfrm>
-        </p:spPr>
-        <p:txBody>
-          <a:bodyPr>
-            <a:normAutofit fontScale="90000"/>
-          </a:bodyPr>
-          <a:lstStyle/>
-          <a:p>
-            <a:r>
-              <a:rPr lang="en-US" dirty="0"/>
-              <a:t>Business Domain – Bounded Contexts</a:t>
-            </a:r>
-          </a:p>
-        </p:txBody>
-      </p:sp>
-      <p:sp>
-        <p:nvSpPr>
-          <p:cNvPr id="4" name="Slide Number Placeholder 3">
-            <a:extLst>
-              <a:ext uri="{FF2B5EF4-FFF2-40B4-BE49-F238E27FC236}">
-                <a16:creationId xmlns:a16="http://schemas.microsoft.com/office/drawing/2014/main" id="{C7755A9E-2CD7-4D3A-A9FC-CE365C8C5649}"/>
-              </a:ext>
-            </a:extLst>
-          </p:cNvPr>
-          <p:cNvSpPr>
-            <a:spLocks noGrp="1"/>
-          </p:cNvSpPr>
-          <p:nvPr>
-            <p:ph type="sldNum" sz="quarter" idx="12"/>
-          </p:nvPr>
-        </p:nvSpPr>
-        <p:spPr/>
-        <p:txBody>
-          <a:bodyPr/>
-          <a:lstStyle/>
-          <a:p>
-            <a:fld id="{945DE137-1981-4A6E-942B-1AACE1746372}" type="slidenum">
-              <a:rPr lang="en-US" smtClean="0"/>
-              <a:t>10</a:t>
-            </a:fld>
-            <a:endParaRPr lang="en-US"/>
-          </a:p>
-        </p:txBody>
-      </p:sp>
-      <p:sp>
-        <p:nvSpPr>
-          <p:cNvPr id="5" name="Flowchart: Alternate Process 4">
-            <a:extLst>
-              <a:ext uri="{FF2B5EF4-FFF2-40B4-BE49-F238E27FC236}">
-                <a16:creationId xmlns:a16="http://schemas.microsoft.com/office/drawing/2014/main" id="{E9B349A7-11BB-40EF-BF1C-DA3824C1EA3F}"/>
+          <p:cNvPr id="9" name="Flowchart: Alternate Process 8">
+            <a:extLst>
+              <a:ext uri="{FF2B5EF4-FFF2-40B4-BE49-F238E27FC236}">
+                <a16:creationId xmlns:a16="http://schemas.microsoft.com/office/drawing/2014/main" id="{23F42113-227C-4E95-B81F-2D2F9CB1D1C6}"/>
               </a:ext>
             </a:extLst>
           </p:cNvPr>
@@ -4382,8 +4234,8 @@
         </p:nvSpPr>
         <p:spPr>
           <a:xfrm>
-            <a:off x="838200" y="1135687"/>
-            <a:ext cx="3906798" cy="1731818"/>
+            <a:off x="838200" y="1704393"/>
+            <a:ext cx="4596879" cy="4111690"/>
           </a:xfrm>
           <a:prstGeom prst="flowChartAlternateProcess">
             <a:avLst/>
@@ -4420,17 +4272,74 @@
             <a:pPr algn="ctr"/>
             <a:r>
               <a:rPr lang="en-US" dirty="0"/>
-              <a:t>Customer Domain</a:t>
-            </a:r>
-          </a:p>
-        </p:txBody>
-      </p:sp>
-      <p:sp>
-        <p:nvSpPr>
-          <p:cNvPr id="6" name="Flowchart: Process 5">
-            <a:extLst>
-              <a:ext uri="{FF2B5EF4-FFF2-40B4-BE49-F238E27FC236}">
-                <a16:creationId xmlns:a16="http://schemas.microsoft.com/office/drawing/2014/main" id="{F9C0CBAE-1B75-4EAF-B90D-C72AEFDF2E0F}"/>
+              <a:t>Catalog</a:t>
+            </a:r>
+          </a:p>
+        </p:txBody>
+      </p:sp>
+      <p:sp>
+        <p:nvSpPr>
+          <p:cNvPr id="39" name="Title 38">
+            <a:extLst>
+              <a:ext uri="{FF2B5EF4-FFF2-40B4-BE49-F238E27FC236}">
+                <a16:creationId xmlns:a16="http://schemas.microsoft.com/office/drawing/2014/main" id="{06B3C134-6BC6-4089-84EB-9C1B15385FF2}"/>
+              </a:ext>
+            </a:extLst>
+          </p:cNvPr>
+          <p:cNvSpPr>
+            <a:spLocks noGrp="1"/>
+          </p:cNvSpPr>
+          <p:nvPr>
+            <p:ph type="title"/>
+          </p:nvPr>
+        </p:nvSpPr>
+        <p:spPr/>
+        <p:txBody>
+          <a:bodyPr/>
+          <a:lstStyle/>
+          <a:p>
+            <a:r>
+              <a:rPr lang="en-US" dirty="0"/>
+              <a:t>Catalog and Inventory Bounded Contexts</a:t>
+            </a:r>
+          </a:p>
+        </p:txBody>
+      </p:sp>
+      <p:sp>
+        <p:nvSpPr>
+          <p:cNvPr id="4" name="Slide Number Placeholder 3">
+            <a:extLst>
+              <a:ext uri="{FF2B5EF4-FFF2-40B4-BE49-F238E27FC236}">
+                <a16:creationId xmlns:a16="http://schemas.microsoft.com/office/drawing/2014/main" id="{A3856F62-39AB-4FA5-AE7F-D1E740BF823D}"/>
+              </a:ext>
+            </a:extLst>
+          </p:cNvPr>
+          <p:cNvSpPr>
+            <a:spLocks noGrp="1"/>
+          </p:cNvSpPr>
+          <p:nvPr>
+            <p:ph type="sldNum" sz="quarter" idx="12"/>
+          </p:nvPr>
+        </p:nvSpPr>
+        <p:spPr/>
+        <p:txBody>
+          <a:bodyPr/>
+          <a:lstStyle/>
+          <a:p>
+            <a:fld id="{945DE137-1981-4A6E-942B-1AACE1746372}" type="slidenum">
+              <a:rPr lang="en-US" smtClean="0"/>
+              <a:t>10</a:t>
+            </a:fld>
+            <a:endParaRPr lang="en-US"/>
+          </a:p>
+        </p:txBody>
+      </p:sp>
+      <p:sp>
+        <p:nvSpPr>
+          <p:cNvPr id="7" name="Flowchart: Process 6">
+            <a:extLst>
+              <a:ext uri="{FF2B5EF4-FFF2-40B4-BE49-F238E27FC236}">
+                <a16:creationId xmlns:a16="http://schemas.microsoft.com/office/drawing/2014/main" id="{3A9D5AD4-AC6D-4297-9971-83C83B55F1A7}"/>
               </a:ext>
             </a:extLst>
           </p:cNvPr>
@@ -4439,8 +4348,8 @@
         </p:nvSpPr>
         <p:spPr>
           <a:xfrm>
-            <a:off x="1161897" y="1908993"/>
-            <a:ext cx="1448733" cy="584719"/>
+            <a:off x="1130565" y="2363750"/>
+            <a:ext cx="2214467" cy="2058959"/>
           </a:xfrm>
           <a:prstGeom prst="flowChartProcess">
             <a:avLst/>
@@ -4463,23 +4372,93 @@
           </a:fontRef>
         </p:style>
         <p:txBody>
-          <a:bodyPr rtlCol="0" anchor="ctr"/>
-          <a:lstStyle/>
-          <a:p>
-            <a:pPr algn="ctr"/>
+          <a:bodyPr rtlCol="0" anchor="t"/>
+          <a:lstStyle/>
+          <a:p>
             <a:r>
               <a:rPr lang="en-US" dirty="0"/>
-              <a:t>Customers</a:t>
-            </a:r>
-          </a:p>
-        </p:txBody>
-      </p:sp>
-      <p:sp>
-        <p:nvSpPr>
-          <p:cNvPr id="7" name="Flowchart: Process 6">
-            <a:extLst>
-              <a:ext uri="{FF2B5EF4-FFF2-40B4-BE49-F238E27FC236}">
-                <a16:creationId xmlns:a16="http://schemas.microsoft.com/office/drawing/2014/main" id="{B0A04DA0-1BF0-4401-995E-DFB32D5F0A67}"/>
+              <a:t>Products</a:t>
+            </a:r>
+          </a:p>
+          <a:p>
+            <a:pPr marL="285750" indent="-285750">
+              <a:buFont typeface="Wingdings" panose="05000000000000000000" pitchFamily="2" charset="2"/>
+              <a:buChar char="§"/>
+            </a:pPr>
+            <a:r>
+              <a:rPr lang="en-US" dirty="0" err="1"/>
+              <a:t>ProductId</a:t>
+            </a:r>
+            <a:endParaRPr lang="en-US" dirty="0"/>
+          </a:p>
+          <a:p>
+            <a:pPr marL="285750" indent="-285750">
+              <a:buFont typeface="Wingdings" panose="05000000000000000000" pitchFamily="2" charset="2"/>
+              <a:buChar char="§"/>
+            </a:pPr>
+            <a:r>
+              <a:rPr lang="en-US" dirty="0"/>
+              <a:t>ProductName</a:t>
+            </a:r>
+          </a:p>
+          <a:p>
+            <a:pPr marL="285750" indent="-285750">
+              <a:buFont typeface="Wingdings" panose="05000000000000000000" pitchFamily="2" charset="2"/>
+              <a:buChar char="§"/>
+            </a:pPr>
+            <a:r>
+              <a:rPr lang="en-US" dirty="0" err="1"/>
+              <a:t>QuantityPerUnit</a:t>
+            </a:r>
+            <a:endParaRPr lang="en-US" dirty="0"/>
+          </a:p>
+          <a:p>
+            <a:pPr marL="285750" indent="-285750">
+              <a:buFont typeface="Wingdings" panose="05000000000000000000" pitchFamily="2" charset="2"/>
+              <a:buChar char="§"/>
+            </a:pPr>
+            <a:r>
+              <a:rPr lang="en-US" dirty="0" err="1"/>
+              <a:t>ListPrice</a:t>
+            </a:r>
+            <a:endParaRPr lang="en-US" dirty="0"/>
+          </a:p>
+          <a:p>
+            <a:pPr marL="285750" indent="-285750">
+              <a:buFont typeface="Wingdings" panose="05000000000000000000" pitchFamily="2" charset="2"/>
+              <a:buChar char="§"/>
+            </a:pPr>
+            <a:r>
+              <a:rPr lang="en-US" dirty="0" err="1"/>
+              <a:t>IsInStock</a:t>
+            </a:r>
+            <a:endParaRPr lang="en-US" dirty="0"/>
+          </a:p>
+          <a:p>
+            <a:pPr marL="285750" indent="-285750">
+              <a:buFont typeface="Wingdings" panose="05000000000000000000" pitchFamily="2" charset="2"/>
+              <a:buChar char="§"/>
+            </a:pPr>
+            <a:r>
+              <a:rPr lang="en-US" dirty="0"/>
+              <a:t>Published</a:t>
+            </a:r>
+          </a:p>
+          <a:p>
+            <a:pPr marL="285750" indent="-285750">
+              <a:buFont typeface="Wingdings" panose="05000000000000000000" pitchFamily="2" charset="2"/>
+              <a:buChar char="§"/>
+            </a:pPr>
+            <a:endParaRPr lang="en-US" dirty="0"/>
+          </a:p>
+        </p:txBody>
+      </p:sp>
+      <p:sp>
+        <p:nvSpPr>
+          <p:cNvPr id="8" name="Flowchart: Process 7">
+            <a:extLst>
+              <a:ext uri="{FF2B5EF4-FFF2-40B4-BE49-F238E27FC236}">
+                <a16:creationId xmlns:a16="http://schemas.microsoft.com/office/drawing/2014/main" id="{5FF14EF1-9E35-4A31-B6EE-EA27ADB0525B}"/>
               </a:ext>
             </a:extLst>
           </p:cNvPr>
@@ -4488,7 +4467,7 @@
         </p:nvSpPr>
         <p:spPr>
           <a:xfrm>
-            <a:off x="3140909" y="1908994"/>
+            <a:off x="3875311" y="3100870"/>
             <a:ext cx="1275183" cy="584718"/>
           </a:xfrm>
           <a:prstGeom prst="flowChartProcess">
@@ -4518,31 +4497,31 @@
             <a:pPr algn="ctr"/>
             <a:r>
               <a:rPr lang="en-US" dirty="0"/>
-              <a:t>Addresses</a:t>
+              <a:t>Categories</a:t>
             </a:r>
           </a:p>
         </p:txBody>
       </p:sp>
       <p:cxnSp>
         <p:nvCxnSpPr>
-          <p:cNvPr id="8" name="Straight Arrow Connector 7">
-            <a:extLst>
-              <a:ext uri="{FF2B5EF4-FFF2-40B4-BE49-F238E27FC236}">
-                <a16:creationId xmlns:a16="http://schemas.microsoft.com/office/drawing/2014/main" id="{87448C69-B8E8-4438-9532-8D87B616F77F}"/>
+          <p:cNvPr id="11" name="Straight Arrow Connector 10">
+            <a:extLst>
+              <a:ext uri="{FF2B5EF4-FFF2-40B4-BE49-F238E27FC236}">
+                <a16:creationId xmlns:a16="http://schemas.microsoft.com/office/drawing/2014/main" id="{25987FF7-2B2F-4337-AAE7-31399FDC0484}"/>
               </a:ext>
             </a:extLst>
           </p:cNvPr>
           <p:cNvCxnSpPr>
             <a:cxnSpLocks/>
-            <a:stCxn id="6" idx="3"/>
-            <a:endCxn id="7" idx="1"/>
+            <a:stCxn id="7" idx="3"/>
+            <a:endCxn id="8" idx="1"/>
           </p:cNvCxnSpPr>
           <p:nvPr/>
         </p:nvCxnSpPr>
         <p:spPr>
-          <a:xfrm>
-            <a:off x="2610630" y="2201353"/>
-            <a:ext cx="530279" cy="0"/>
+          <a:xfrm flipV="1">
+            <a:off x="3345032" y="3393229"/>
+            <a:ext cx="530279" cy="1"/>
           </a:xfrm>
           <a:prstGeom prst="straightConnector1">
             <a:avLst/>
@@ -4568,10 +4547,10 @@
       </p:cxnSp>
       <p:sp>
         <p:nvSpPr>
-          <p:cNvPr id="9" name="Flowchart: Alternate Process 8">
-            <a:extLst>
-              <a:ext uri="{FF2B5EF4-FFF2-40B4-BE49-F238E27FC236}">
-                <a16:creationId xmlns:a16="http://schemas.microsoft.com/office/drawing/2014/main" id="{DAE8330C-CD9F-4378-9576-20AC6A15D889}"/>
+          <p:cNvPr id="13" name="Flowchart: Alternate Process 12">
+            <a:extLst>
+              <a:ext uri="{FF2B5EF4-FFF2-40B4-BE49-F238E27FC236}">
+                <a16:creationId xmlns:a16="http://schemas.microsoft.com/office/drawing/2014/main" id="{3FC55925-EB35-45E0-AEE8-FF119284F202}"/>
               </a:ext>
             </a:extLst>
           </p:cNvPr>
@@ -4580,8 +4559,8 @@
         </p:nvSpPr>
         <p:spPr>
           <a:xfrm>
-            <a:off x="4946371" y="3767839"/>
-            <a:ext cx="4763560" cy="2323857"/>
+            <a:off x="6518987" y="1704393"/>
+            <a:ext cx="4834811" cy="4111690"/>
           </a:xfrm>
           <a:prstGeom prst="flowChartAlternateProcess">
             <a:avLst/>
@@ -4618,17 +4597,17 @@
             <a:pPr algn="ctr"/>
             <a:r>
               <a:rPr lang="en-US" dirty="0"/>
-              <a:t>Shipping Domain</a:t>
-            </a:r>
-          </a:p>
-        </p:txBody>
-      </p:sp>
-      <p:sp>
-        <p:nvSpPr>
-          <p:cNvPr id="10" name="Flowchart: Process 9">
-            <a:extLst>
-              <a:ext uri="{FF2B5EF4-FFF2-40B4-BE49-F238E27FC236}">
-                <a16:creationId xmlns:a16="http://schemas.microsoft.com/office/drawing/2014/main" id="{724DFE8A-FA1B-4CC9-91C0-3C3E24D92748}"/>
+              <a:t>Inventory</a:t>
+            </a:r>
+          </a:p>
+        </p:txBody>
+      </p:sp>
+      <p:sp>
+        <p:nvSpPr>
+          <p:cNvPr id="14" name="Flowchart: Process 13">
+            <a:extLst>
+              <a:ext uri="{FF2B5EF4-FFF2-40B4-BE49-F238E27FC236}">
+                <a16:creationId xmlns:a16="http://schemas.microsoft.com/office/drawing/2014/main" id="{8D3DB894-1534-4515-AC33-57D338E1F99F}"/>
               </a:ext>
             </a:extLst>
           </p:cNvPr>
@@ -4637,8 +4616,8 @@
         </p:nvSpPr>
         <p:spPr>
           <a:xfrm>
-            <a:off x="5314076" y="4370208"/>
-            <a:ext cx="1410612" cy="608050"/>
+            <a:off x="6865772" y="2363751"/>
+            <a:ext cx="2214467" cy="3135090"/>
           </a:xfrm>
           <a:prstGeom prst="flowChartProcess">
             <a:avLst/>
@@ -4661,23 +4640,135 @@
           </a:fontRef>
         </p:style>
         <p:txBody>
-          <a:bodyPr rtlCol="0" anchor="ctr"/>
-          <a:lstStyle/>
-          <a:p>
-            <a:pPr algn="ctr"/>
+          <a:bodyPr rtlCol="0" anchor="t"/>
+          <a:lstStyle/>
+          <a:p>
             <a:r>
               <a:rPr lang="en-US" dirty="0"/>
-              <a:t>Shippers</a:t>
-            </a:r>
-          </a:p>
-        </p:txBody>
-      </p:sp>
-      <p:sp>
-        <p:nvSpPr>
-          <p:cNvPr id="11" name="Flowchart: Process 10">
-            <a:extLst>
-              <a:ext uri="{FF2B5EF4-FFF2-40B4-BE49-F238E27FC236}">
-                <a16:creationId xmlns:a16="http://schemas.microsoft.com/office/drawing/2014/main" id="{377D1D8B-F283-47EB-8DB8-5B6D75F72B4A}"/>
+              <a:t>Products</a:t>
+            </a:r>
+          </a:p>
+          <a:p>
+            <a:pPr marL="285750" indent="-285750">
+              <a:buFont typeface="Wingdings" panose="05000000000000000000" pitchFamily="2" charset="2"/>
+              <a:buChar char="§"/>
+            </a:pPr>
+            <a:r>
+              <a:rPr lang="en-US" dirty="0" err="1"/>
+              <a:t>ProductId</a:t>
+            </a:r>
+            <a:endParaRPr lang="en-US" dirty="0"/>
+          </a:p>
+          <a:p>
+            <a:pPr marL="285750" indent="-285750">
+              <a:buFont typeface="Wingdings" panose="05000000000000000000" pitchFamily="2" charset="2"/>
+              <a:buChar char="§"/>
+            </a:pPr>
+            <a:r>
+              <a:rPr lang="en-US" dirty="0"/>
+              <a:t>ProductName</a:t>
+            </a:r>
+          </a:p>
+          <a:p>
+            <a:pPr marL="285750" indent="-285750">
+              <a:buFont typeface="Wingdings" panose="05000000000000000000" pitchFamily="2" charset="2"/>
+              <a:buChar char="§"/>
+            </a:pPr>
+            <a:r>
+              <a:rPr lang="en-US" dirty="0" err="1"/>
+              <a:t>QuantityPerUnit</a:t>
+            </a:r>
+            <a:endParaRPr lang="en-US" dirty="0"/>
+          </a:p>
+          <a:p>
+            <a:pPr marL="285750" indent="-285750">
+              <a:buFont typeface="Wingdings" panose="05000000000000000000" pitchFamily="2" charset="2"/>
+              <a:buChar char="§"/>
+            </a:pPr>
+            <a:r>
+              <a:rPr lang="en-US" dirty="0" err="1"/>
+              <a:t>UnitPrice</a:t>
+            </a:r>
+            <a:endParaRPr lang="en-US" dirty="0"/>
+          </a:p>
+          <a:p>
+            <a:pPr marL="285750" indent="-285750">
+              <a:buFont typeface="Wingdings" panose="05000000000000000000" pitchFamily="2" charset="2"/>
+              <a:buChar char="§"/>
+            </a:pPr>
+            <a:r>
+              <a:rPr lang="en-US" dirty="0" err="1"/>
+              <a:t>UnitsInStock</a:t>
+            </a:r>
+            <a:endParaRPr lang="en-US" dirty="0"/>
+          </a:p>
+          <a:p>
+            <a:pPr marL="285750" indent="-285750">
+              <a:buFont typeface="Wingdings" panose="05000000000000000000" pitchFamily="2" charset="2"/>
+              <a:buChar char="§"/>
+            </a:pPr>
+            <a:r>
+              <a:rPr lang="en-US" dirty="0" err="1"/>
+              <a:t>UnitsOnOrder</a:t>
+            </a:r>
+            <a:endParaRPr lang="en-US" dirty="0"/>
+          </a:p>
+          <a:p>
+            <a:pPr marL="285750" indent="-285750">
+              <a:buFont typeface="Wingdings" panose="05000000000000000000" pitchFamily="2" charset="2"/>
+              <a:buChar char="§"/>
+            </a:pPr>
+            <a:r>
+              <a:rPr lang="en-US" dirty="0" err="1"/>
+              <a:t>ReorderLevel</a:t>
+            </a:r>
+            <a:endParaRPr lang="en-US" dirty="0"/>
+          </a:p>
+          <a:p>
+            <a:pPr marL="285750" indent="-285750">
+              <a:buFont typeface="Wingdings" panose="05000000000000000000" pitchFamily="2" charset="2"/>
+              <a:buChar char="§"/>
+            </a:pPr>
+            <a:r>
+              <a:rPr lang="en-US" dirty="0"/>
+              <a:t>Discontinued</a:t>
+            </a:r>
+          </a:p>
+          <a:p>
+            <a:pPr marL="285750" indent="-285750">
+              <a:buFont typeface="Wingdings" panose="05000000000000000000" pitchFamily="2" charset="2"/>
+              <a:buChar char="§"/>
+            </a:pPr>
+            <a:r>
+              <a:rPr lang="en-US" dirty="0"/>
+              <a:t>Location</a:t>
+            </a:r>
+          </a:p>
+          <a:p>
+            <a:endParaRPr lang="en-US" dirty="0"/>
+          </a:p>
+          <a:p>
+            <a:pPr marL="285750" indent="-285750">
+              <a:buFont typeface="Wingdings" panose="05000000000000000000" pitchFamily="2" charset="2"/>
+              <a:buChar char="§"/>
+            </a:pPr>
+            <a:endParaRPr lang="en-US" dirty="0"/>
+          </a:p>
+          <a:p>
+            <a:pPr marL="285750" indent="-285750">
+              <a:buFont typeface="Wingdings" panose="05000000000000000000" pitchFamily="2" charset="2"/>
+              <a:buChar char="§"/>
+            </a:pPr>
+            <a:endParaRPr lang="en-US" dirty="0"/>
+          </a:p>
+        </p:txBody>
+      </p:sp>
+      <p:sp>
+        <p:nvSpPr>
+          <p:cNvPr id="18" name="Flowchart: Process 17">
+            <a:extLst>
+              <a:ext uri="{FF2B5EF4-FFF2-40B4-BE49-F238E27FC236}">
+                <a16:creationId xmlns:a16="http://schemas.microsoft.com/office/drawing/2014/main" id="{6BEEACEF-0E3A-4E76-A640-4F2FCE0E61C5}"/>
               </a:ext>
             </a:extLst>
           </p:cNvPr>
@@ -4686,8 +4777,8 @@
         </p:nvSpPr>
         <p:spPr>
           <a:xfrm>
-            <a:off x="7605728" y="4361511"/>
-            <a:ext cx="1577998" cy="606287"/>
+            <a:off x="9786252" y="3638937"/>
+            <a:ext cx="1275183" cy="584718"/>
           </a:xfrm>
           <a:prstGeom prst="flowChartProcess">
             <a:avLst/>
@@ -4715,19 +4806,61 @@
           <a:p>
             <a:pPr algn="ctr"/>
             <a:r>
-              <a:rPr lang="en-US" dirty="0" err="1"/>
-              <a:t>ShippingRates</a:t>
-            </a:r>
-            <a:endParaRPr lang="en-US" dirty="0"/>
-          </a:p>
-        </p:txBody>
-      </p:sp>
-      <p:sp>
-        <p:nvSpPr>
-          <p:cNvPr id="12" name="Flowchart: Process 11">
-            <a:extLst>
-              <a:ext uri="{FF2B5EF4-FFF2-40B4-BE49-F238E27FC236}">
-                <a16:creationId xmlns:a16="http://schemas.microsoft.com/office/drawing/2014/main" id="{6590205C-7519-43B5-85B7-9A95B01A8CD2}"/>
+              <a:rPr lang="en-US" dirty="0"/>
+              <a:t>Suppliers</a:t>
+            </a:r>
+          </a:p>
+        </p:txBody>
+      </p:sp>
+      <p:cxnSp>
+        <p:nvCxnSpPr>
+          <p:cNvPr id="20" name="Straight Arrow Connector 19">
+            <a:extLst>
+              <a:ext uri="{FF2B5EF4-FFF2-40B4-BE49-F238E27FC236}">
+                <a16:creationId xmlns:a16="http://schemas.microsoft.com/office/drawing/2014/main" id="{7C893C3C-0D74-4E1E-940A-D1ED3C9016DC}"/>
+              </a:ext>
+            </a:extLst>
+          </p:cNvPr>
+          <p:cNvCxnSpPr>
+            <a:cxnSpLocks/>
+            <a:stCxn id="14" idx="3"/>
+            <a:endCxn id="18" idx="1"/>
+          </p:cNvCxnSpPr>
+          <p:nvPr/>
+        </p:nvCxnSpPr>
+        <p:spPr>
+          <a:xfrm>
+            <a:off x="9080239" y="3931296"/>
+            <a:ext cx="706013" cy="0"/>
+          </a:xfrm>
+          <a:prstGeom prst="straightConnector1">
+            <a:avLst/>
+          </a:prstGeom>
+          <a:ln w="38100">
+            <a:tailEnd type="triangle"/>
+          </a:ln>
+        </p:spPr>
+        <p:style>
+          <a:lnRef idx="1">
+            <a:schemeClr val="accent1"/>
+          </a:lnRef>
+          <a:fillRef idx="0">
+            <a:schemeClr val="accent1"/>
+          </a:fillRef>
+          <a:effectRef idx="0">
+            <a:schemeClr val="accent1"/>
+          </a:effectRef>
+          <a:fontRef idx="minor">
+            <a:schemeClr val="tx1"/>
+          </a:fontRef>
+        </p:style>
+      </p:cxnSp>
+      <p:sp>
+        <p:nvSpPr>
+          <p:cNvPr id="44" name="Flowchart: Process 43">
+            <a:extLst>
+              <a:ext uri="{FF2B5EF4-FFF2-40B4-BE49-F238E27FC236}">
+                <a16:creationId xmlns:a16="http://schemas.microsoft.com/office/drawing/2014/main" id="{0F2D28D4-5E8A-4AA6-99E6-277A58D59229}"/>
               </a:ext>
             </a:extLst>
           </p:cNvPr>
@@ -4736,8 +4869,8 @@
         </p:nvSpPr>
         <p:spPr>
           <a:xfrm>
-            <a:off x="5314076" y="5320735"/>
-            <a:ext cx="1410612" cy="608050"/>
+            <a:off x="1413593" y="4914123"/>
+            <a:ext cx="1648410" cy="584718"/>
           </a:xfrm>
           <a:prstGeom prst="flowChartProcess">
             <a:avLst/>
@@ -4766,7 +4899,7 @@
             <a:pPr algn="ctr"/>
             <a:r>
               <a:rPr lang="en-US" dirty="0" err="1"/>
-              <a:t>PackingSlips</a:t>
+              <a:t>ProductImages</a:t>
             </a:r>
             <a:endParaRPr lang="en-US" dirty="0"/>
           </a:p>
@@ -4774,24 +4907,24 @@
       </p:sp>
       <p:cxnSp>
         <p:nvCxnSpPr>
-          <p:cNvPr id="13" name="Straight Arrow Connector 12">
-            <a:extLst>
-              <a:ext uri="{FF2B5EF4-FFF2-40B4-BE49-F238E27FC236}">
-                <a16:creationId xmlns:a16="http://schemas.microsoft.com/office/drawing/2014/main" id="{078D8D3A-5F5B-4E26-A154-2E4CE0837E16}"/>
+          <p:cNvPr id="45" name="Straight Arrow Connector 44">
+            <a:extLst>
+              <a:ext uri="{FF2B5EF4-FFF2-40B4-BE49-F238E27FC236}">
+                <a16:creationId xmlns:a16="http://schemas.microsoft.com/office/drawing/2014/main" id="{35F49371-BB38-44A2-8A50-20A7E3293AF3}"/>
               </a:ext>
             </a:extLst>
           </p:cNvPr>
           <p:cNvCxnSpPr>
             <a:cxnSpLocks/>
-            <a:stCxn id="12" idx="3"/>
-            <a:endCxn id="14" idx="1"/>
+            <a:stCxn id="7" idx="2"/>
+            <a:endCxn id="44" idx="0"/>
           </p:cNvCxnSpPr>
           <p:nvPr/>
         </p:nvCxnSpPr>
         <p:spPr>
-          <a:xfrm>
-            <a:off x="6724688" y="5624760"/>
-            <a:ext cx="603463" cy="0"/>
+          <a:xfrm flipH="1">
+            <a:off x="2237798" y="4422709"/>
+            <a:ext cx="1" cy="491414"/>
           </a:xfrm>
           <a:prstGeom prst="straightConnector1">
             <a:avLst/>
@@ -4817,10 +4950,10 @@
       </p:cxnSp>
       <p:sp>
         <p:nvSpPr>
-          <p:cNvPr id="14" name="Flowchart: Process 13">
-            <a:extLst>
-              <a:ext uri="{FF2B5EF4-FFF2-40B4-BE49-F238E27FC236}">
-                <a16:creationId xmlns:a16="http://schemas.microsoft.com/office/drawing/2014/main" id="{EC08A7D6-8816-4A03-9942-3CB17FC9FCF4}"/>
+          <p:cNvPr id="2" name="Rectangle 1">
+            <a:extLst>
+              <a:ext uri="{FF2B5EF4-FFF2-40B4-BE49-F238E27FC236}">
+                <a16:creationId xmlns:a16="http://schemas.microsoft.com/office/drawing/2014/main" id="{6A063F33-01A5-40BF-A386-7986117E7BAB}"/>
               </a:ext>
             </a:extLst>
           </p:cNvPr>
@@ -4829,66 +4962,16 @@
         </p:nvSpPr>
         <p:spPr>
           <a:xfrm>
-            <a:off x="7328151" y="5320735"/>
-            <a:ext cx="1859631" cy="608050"/>
-          </a:xfrm>
-          <a:prstGeom prst="flowChartProcess">
-            <a:avLst/>
-          </a:prstGeom>
-        </p:spPr>
-        <p:style>
-          <a:lnRef idx="2">
-            <a:schemeClr val="accent1">
-              <a:shade val="50000"/>
-            </a:schemeClr>
-          </a:lnRef>
-          <a:fillRef idx="1">
-            <a:schemeClr val="accent1"/>
-          </a:fillRef>
-          <a:effectRef idx="0">
-            <a:schemeClr val="accent1"/>
-          </a:effectRef>
-          <a:fontRef idx="minor">
-            <a:schemeClr val="lt1"/>
-          </a:fontRef>
-        </p:style>
-        <p:txBody>
-          <a:bodyPr rtlCol="0" anchor="ctr"/>
-          <a:lstStyle/>
-          <a:p>
-            <a:pPr algn="ctr"/>
-            <a:r>
-              <a:rPr lang="en-US" dirty="0" err="1"/>
-              <a:t>PackingSlipDetails</a:t>
-            </a:r>
-            <a:endParaRPr lang="en-US" dirty="0"/>
-          </a:p>
-        </p:txBody>
-      </p:sp>
-      <p:sp>
-        <p:nvSpPr>
-          <p:cNvPr id="15" name="Flowchart: Alternate Process 14">
-            <a:extLst>
-              <a:ext uri="{FF2B5EF4-FFF2-40B4-BE49-F238E27FC236}">
-                <a16:creationId xmlns:a16="http://schemas.microsoft.com/office/drawing/2014/main" id="{AFC23B38-EAD4-490A-8933-2577D29720B5}"/>
-              </a:ext>
-            </a:extLst>
-          </p:cNvPr>
-          <p:cNvSpPr/>
-          <p:nvPr/>
-        </p:nvSpPr>
-        <p:spPr>
-          <a:xfrm>
-            <a:off x="4946371" y="1112810"/>
-            <a:ext cx="3960251" cy="2527700"/>
-          </a:xfrm>
-          <a:prstGeom prst="flowChartAlternateProcess">
+            <a:off x="1062630" y="2675942"/>
+            <a:ext cx="2152057" cy="857833"/>
+          </a:xfrm>
+          <a:prstGeom prst="rect">
             <a:avLst/>
           </a:prstGeom>
           <a:noFill/>
-          <a:ln w="9525" cap="flat" cmpd="sng" algn="ctr">
+          <a:ln w="38100" cap="flat" cmpd="sng" algn="ctr">
             <a:solidFill>
-              <a:schemeClr val="dk1"/>
+              <a:schemeClr val="accent6"/>
             </a:solidFill>
             <a:prstDash val="solid"/>
             <a:round/>
@@ -4907,27 +4990,24 @@
             <a:scrgbClr r="0" g="0" b="0"/>
           </a:effectRef>
           <a:fontRef idx="minor">
-            <a:schemeClr val="dk1"/>
+            <a:schemeClr val="accent6"/>
           </a:fontRef>
         </p:style>
         <p:txBody>
-          <a:bodyPr rtlCol="0" anchor="t"/>
+          <a:bodyPr rtlCol="0" anchor="ctr"/>
           <a:lstStyle/>
           <a:p>
             <a:pPr algn="ctr"/>
-            <a:r>
-              <a:rPr lang="en-US" dirty="0"/>
-              <a:t>Catalog Domain</a:t>
-            </a:r>
-          </a:p>
-        </p:txBody>
-      </p:sp>
-      <p:sp>
-        <p:nvSpPr>
-          <p:cNvPr id="16" name="Flowchart: Process 15">
-            <a:extLst>
-              <a:ext uri="{FF2B5EF4-FFF2-40B4-BE49-F238E27FC236}">
-                <a16:creationId xmlns:a16="http://schemas.microsoft.com/office/drawing/2014/main" id="{021516C7-C88E-46AF-80DE-7E77B9876656}"/>
+            <a:endParaRPr lang="en-US"/>
+          </a:p>
+        </p:txBody>
+      </p:sp>
+      <p:sp>
+        <p:nvSpPr>
+          <p:cNvPr id="15" name="Rectangle 14">
+            <a:extLst>
+              <a:ext uri="{FF2B5EF4-FFF2-40B4-BE49-F238E27FC236}">
+                <a16:creationId xmlns:a16="http://schemas.microsoft.com/office/drawing/2014/main" id="{3895CD8A-3850-46E2-8B5F-7F1879FE8F34}"/>
               </a:ext>
             </a:extLst>
           </p:cNvPr>
@@ -4936,157 +5016,16 @@
         </p:nvSpPr>
         <p:spPr>
           <a:xfrm>
-            <a:off x="5213062" y="1772168"/>
-            <a:ext cx="1648410" cy="584718"/>
-          </a:xfrm>
-          <a:prstGeom prst="flowChartProcess">
-            <a:avLst/>
-          </a:prstGeom>
-        </p:spPr>
-        <p:style>
-          <a:lnRef idx="2">
-            <a:schemeClr val="accent6">
-              <a:shade val="50000"/>
-            </a:schemeClr>
-          </a:lnRef>
-          <a:fillRef idx="1">
-            <a:schemeClr val="accent6"/>
-          </a:fillRef>
-          <a:effectRef idx="0">
-            <a:schemeClr val="accent6"/>
-          </a:effectRef>
-          <a:fontRef idx="minor">
-            <a:schemeClr val="lt1"/>
-          </a:fontRef>
-        </p:style>
-        <p:txBody>
-          <a:bodyPr rtlCol="0" anchor="ctr"/>
-          <a:lstStyle/>
-          <a:p>
-            <a:pPr algn="ctr"/>
-            <a:r>
-              <a:rPr lang="en-US" dirty="0"/>
-              <a:t>Products</a:t>
-            </a:r>
-          </a:p>
-        </p:txBody>
-      </p:sp>
-      <p:sp>
-        <p:nvSpPr>
-          <p:cNvPr id="17" name="Flowchart: Process 16">
-            <a:extLst>
-              <a:ext uri="{FF2B5EF4-FFF2-40B4-BE49-F238E27FC236}">
-                <a16:creationId xmlns:a16="http://schemas.microsoft.com/office/drawing/2014/main" id="{8BE99A96-F0E3-47DA-A026-C6E986AF8EC2}"/>
-              </a:ext>
-            </a:extLst>
-          </p:cNvPr>
-          <p:cNvSpPr/>
-          <p:nvPr/>
-        </p:nvSpPr>
-        <p:spPr>
-          <a:xfrm>
-            <a:off x="7360660" y="1772168"/>
-            <a:ext cx="1275183" cy="584718"/>
-          </a:xfrm>
-          <a:prstGeom prst="flowChartProcess">
-            <a:avLst/>
-          </a:prstGeom>
-        </p:spPr>
-        <p:style>
-          <a:lnRef idx="2">
-            <a:schemeClr val="accent1">
-              <a:shade val="50000"/>
-            </a:schemeClr>
-          </a:lnRef>
-          <a:fillRef idx="1">
-            <a:schemeClr val="accent1"/>
-          </a:fillRef>
-          <a:effectRef idx="0">
-            <a:schemeClr val="accent1"/>
-          </a:effectRef>
-          <a:fontRef idx="minor">
-            <a:schemeClr val="lt1"/>
-          </a:fontRef>
-        </p:style>
-        <p:txBody>
-          <a:bodyPr rtlCol="0" anchor="ctr"/>
-          <a:lstStyle/>
-          <a:p>
-            <a:pPr algn="ctr"/>
-            <a:r>
-              <a:rPr lang="en-US" dirty="0"/>
-              <a:t>Categories</a:t>
-            </a:r>
-          </a:p>
-        </p:txBody>
-      </p:sp>
-      <p:cxnSp>
-        <p:nvCxnSpPr>
-          <p:cNvPr id="18" name="Straight Arrow Connector 17">
-            <a:extLst>
-              <a:ext uri="{FF2B5EF4-FFF2-40B4-BE49-F238E27FC236}">
-                <a16:creationId xmlns:a16="http://schemas.microsoft.com/office/drawing/2014/main" id="{6400FFC4-9AB4-4058-8030-A49018C3DCB7}"/>
-              </a:ext>
-            </a:extLst>
-          </p:cNvPr>
-          <p:cNvCxnSpPr>
-            <a:cxnSpLocks/>
-            <a:stCxn id="16" idx="3"/>
-            <a:endCxn id="17" idx="1"/>
-          </p:cNvCxnSpPr>
-          <p:nvPr/>
-        </p:nvCxnSpPr>
-        <p:spPr>
-          <a:xfrm>
-            <a:off x="6861472" y="2064527"/>
-            <a:ext cx="499188" cy="0"/>
-          </a:xfrm>
-          <a:prstGeom prst="straightConnector1">
-            <a:avLst/>
-          </a:prstGeom>
-          <a:ln w="38100">
-            <a:tailEnd type="triangle"/>
-          </a:ln>
-        </p:spPr>
-        <p:style>
-          <a:lnRef idx="1">
-            <a:schemeClr val="accent1"/>
-          </a:lnRef>
-          <a:fillRef idx="0">
-            <a:schemeClr val="accent1"/>
-          </a:fillRef>
-          <a:effectRef idx="0">
-            <a:schemeClr val="accent1"/>
-          </a:effectRef>
-          <a:fontRef idx="minor">
-            <a:schemeClr val="tx1"/>
-          </a:fontRef>
-        </p:style>
-      </p:cxnSp>
-      <p:sp>
-        <p:nvSpPr>
-          <p:cNvPr id="19" name="Flowchart: Alternate Process 18">
-            <a:extLst>
-              <a:ext uri="{FF2B5EF4-FFF2-40B4-BE49-F238E27FC236}">
-                <a16:creationId xmlns:a16="http://schemas.microsoft.com/office/drawing/2014/main" id="{CA378E40-95A7-4870-9C65-6657FD3F1F6E}"/>
-              </a:ext>
-            </a:extLst>
-          </p:cNvPr>
-          <p:cNvSpPr/>
-          <p:nvPr/>
-        </p:nvSpPr>
-        <p:spPr>
-          <a:xfrm>
-            <a:off x="838200" y="4575378"/>
-            <a:ext cx="3906798" cy="1516318"/>
-          </a:xfrm>
-          <a:prstGeom prst="flowChartAlternateProcess">
+            <a:off x="6739530" y="2675942"/>
+            <a:ext cx="2152057" cy="857833"/>
+          </a:xfrm>
+          <a:prstGeom prst="rect">
             <a:avLst/>
           </a:prstGeom>
           <a:noFill/>
-          <a:ln w="9525" cap="flat" cmpd="sng" algn="ctr">
+          <a:ln w="38100" cap="flat" cmpd="sng" algn="ctr">
             <a:solidFill>
-              <a:schemeClr val="dk1"/>
+              <a:schemeClr val="accent6"/>
             </a:solidFill>
             <a:prstDash val="solid"/>
             <a:round/>
@@ -5105,458 +5044,22 @@
             <a:scrgbClr r="0" g="0" b="0"/>
           </a:effectRef>
           <a:fontRef idx="minor">
-            <a:schemeClr val="dk1"/>
+            <a:schemeClr val="accent6"/>
           </a:fontRef>
         </p:style>
         <p:txBody>
-          <a:bodyPr rtlCol="0" anchor="t"/>
+          <a:bodyPr rtlCol="0" anchor="ctr"/>
           <a:lstStyle/>
           <a:p>
             <a:pPr algn="ctr"/>
-            <a:r>
-              <a:rPr lang="en-US" dirty="0"/>
-              <a:t>Inventory Domain</a:t>
-            </a:r>
-          </a:p>
-        </p:txBody>
-      </p:sp>
-      <p:sp>
-        <p:nvSpPr>
-          <p:cNvPr id="21" name="Flowchart: Process 20">
-            <a:extLst>
-              <a:ext uri="{FF2B5EF4-FFF2-40B4-BE49-F238E27FC236}">
-                <a16:creationId xmlns:a16="http://schemas.microsoft.com/office/drawing/2014/main" id="{CD56C37D-60FC-4C6A-8264-A1695D032A08}"/>
-              </a:ext>
-            </a:extLst>
-          </p:cNvPr>
-          <p:cNvSpPr/>
-          <p:nvPr/>
-        </p:nvSpPr>
-        <p:spPr>
-          <a:xfrm>
-            <a:off x="3251104" y="5262067"/>
-            <a:ext cx="1275183" cy="584718"/>
-          </a:xfrm>
-          <a:prstGeom prst="flowChartProcess">
-            <a:avLst/>
-          </a:prstGeom>
-        </p:spPr>
-        <p:style>
-          <a:lnRef idx="2">
-            <a:schemeClr val="accent1">
-              <a:shade val="50000"/>
-            </a:schemeClr>
-          </a:lnRef>
-          <a:fillRef idx="1">
-            <a:schemeClr val="accent1"/>
-          </a:fillRef>
-          <a:effectRef idx="0">
-            <a:schemeClr val="accent1"/>
-          </a:effectRef>
-          <a:fontRef idx="minor">
-            <a:schemeClr val="lt1"/>
-          </a:fontRef>
-        </p:style>
-        <p:txBody>
-          <a:bodyPr rtlCol="0" anchor="ctr"/>
-          <a:lstStyle/>
-          <a:p>
-            <a:pPr algn="ctr"/>
-            <a:r>
-              <a:rPr lang="en-US" dirty="0"/>
-              <a:t>Suppliers</a:t>
-            </a:r>
-          </a:p>
-        </p:txBody>
-      </p:sp>
-      <p:cxnSp>
-        <p:nvCxnSpPr>
-          <p:cNvPr id="22" name="Straight Arrow Connector 21">
-            <a:extLst>
-              <a:ext uri="{FF2B5EF4-FFF2-40B4-BE49-F238E27FC236}">
-                <a16:creationId xmlns:a16="http://schemas.microsoft.com/office/drawing/2014/main" id="{37C79243-AC34-4954-B3AA-84A7E2E042F6}"/>
-              </a:ext>
-            </a:extLst>
-          </p:cNvPr>
-          <p:cNvCxnSpPr>
-            <a:cxnSpLocks/>
-            <a:stCxn id="34" idx="3"/>
-            <a:endCxn id="21" idx="1"/>
-          </p:cNvCxnSpPr>
-          <p:nvPr/>
-        </p:nvCxnSpPr>
-        <p:spPr>
-          <a:xfrm>
-            <a:off x="2610630" y="5554426"/>
-            <a:ext cx="640474" cy="0"/>
-          </a:xfrm>
-          <a:prstGeom prst="straightConnector1">
-            <a:avLst/>
-          </a:prstGeom>
-          <a:ln w="38100">
-            <a:tailEnd type="triangle"/>
-          </a:ln>
-        </p:spPr>
-        <p:style>
-          <a:lnRef idx="1">
-            <a:schemeClr val="accent1"/>
-          </a:lnRef>
-          <a:fillRef idx="0">
-            <a:schemeClr val="accent1"/>
-          </a:fillRef>
-          <a:effectRef idx="0">
-            <a:schemeClr val="accent1"/>
-          </a:effectRef>
-          <a:fontRef idx="minor">
-            <a:schemeClr val="tx1"/>
-          </a:fontRef>
-        </p:style>
-      </p:cxnSp>
-      <p:sp>
-        <p:nvSpPr>
-          <p:cNvPr id="23" name="Flowchart: Process 22">
-            <a:extLst>
-              <a:ext uri="{FF2B5EF4-FFF2-40B4-BE49-F238E27FC236}">
-                <a16:creationId xmlns:a16="http://schemas.microsoft.com/office/drawing/2014/main" id="{5BFE542E-CB8E-4048-846A-C7D4DC5A8610}"/>
-              </a:ext>
-            </a:extLst>
-          </p:cNvPr>
-          <p:cNvSpPr/>
-          <p:nvPr/>
-        </p:nvSpPr>
-        <p:spPr>
-          <a:xfrm>
-            <a:off x="5213062" y="2834732"/>
-            <a:ext cx="1648410" cy="584718"/>
-          </a:xfrm>
-          <a:prstGeom prst="flowChartProcess">
-            <a:avLst/>
-          </a:prstGeom>
-        </p:spPr>
-        <p:style>
-          <a:lnRef idx="2">
-            <a:schemeClr val="accent1">
-              <a:shade val="50000"/>
-            </a:schemeClr>
-          </a:lnRef>
-          <a:fillRef idx="1">
-            <a:schemeClr val="accent1"/>
-          </a:fillRef>
-          <a:effectRef idx="0">
-            <a:schemeClr val="accent1"/>
-          </a:effectRef>
-          <a:fontRef idx="minor">
-            <a:schemeClr val="lt1"/>
-          </a:fontRef>
-        </p:style>
-        <p:txBody>
-          <a:bodyPr rtlCol="0" anchor="ctr"/>
-          <a:lstStyle/>
-          <a:p>
-            <a:pPr algn="ctr"/>
-            <a:r>
-              <a:rPr lang="en-US" dirty="0" err="1"/>
-              <a:t>ProductImages</a:t>
-            </a:r>
-            <a:endParaRPr lang="en-US" dirty="0"/>
-          </a:p>
-        </p:txBody>
-      </p:sp>
-      <p:cxnSp>
-        <p:nvCxnSpPr>
-          <p:cNvPr id="24" name="Straight Arrow Connector 23">
-            <a:extLst>
-              <a:ext uri="{FF2B5EF4-FFF2-40B4-BE49-F238E27FC236}">
-                <a16:creationId xmlns:a16="http://schemas.microsoft.com/office/drawing/2014/main" id="{6CED8414-0AC3-4EED-BE29-1FB128A16837}"/>
-              </a:ext>
-            </a:extLst>
-          </p:cNvPr>
-          <p:cNvCxnSpPr>
-            <a:cxnSpLocks/>
-            <a:stCxn id="16" idx="2"/>
-            <a:endCxn id="23" idx="0"/>
-          </p:cNvCxnSpPr>
-          <p:nvPr/>
-        </p:nvCxnSpPr>
-        <p:spPr>
-          <a:xfrm>
-            <a:off x="6037267" y="2356886"/>
-            <a:ext cx="0" cy="477846"/>
-          </a:xfrm>
-          <a:prstGeom prst="straightConnector1">
-            <a:avLst/>
-          </a:prstGeom>
-          <a:ln w="38100">
-            <a:tailEnd type="triangle"/>
-          </a:ln>
-        </p:spPr>
-        <p:style>
-          <a:lnRef idx="1">
-            <a:schemeClr val="accent1"/>
-          </a:lnRef>
-          <a:fillRef idx="0">
-            <a:schemeClr val="accent1"/>
-          </a:fillRef>
-          <a:effectRef idx="0">
-            <a:schemeClr val="accent1"/>
-          </a:effectRef>
-          <a:fontRef idx="minor">
-            <a:schemeClr val="tx1"/>
-          </a:fontRef>
-        </p:style>
-      </p:cxnSp>
-      <p:sp>
-        <p:nvSpPr>
-          <p:cNvPr id="34" name="Flowchart: Process 33">
-            <a:extLst>
-              <a:ext uri="{FF2B5EF4-FFF2-40B4-BE49-F238E27FC236}">
-                <a16:creationId xmlns:a16="http://schemas.microsoft.com/office/drawing/2014/main" id="{72500E9C-86D9-49A3-897C-96AA77A6E991}"/>
-              </a:ext>
-            </a:extLst>
-          </p:cNvPr>
-          <p:cNvSpPr/>
-          <p:nvPr/>
-        </p:nvSpPr>
-        <p:spPr>
-          <a:xfrm>
-            <a:off x="1161897" y="5262067"/>
-            <a:ext cx="1448733" cy="584718"/>
-          </a:xfrm>
-          <a:prstGeom prst="flowChartProcess">
-            <a:avLst/>
-          </a:prstGeom>
-        </p:spPr>
-        <p:style>
-          <a:lnRef idx="2">
-            <a:schemeClr val="accent6">
-              <a:shade val="50000"/>
-            </a:schemeClr>
-          </a:lnRef>
-          <a:fillRef idx="1">
-            <a:schemeClr val="accent6"/>
-          </a:fillRef>
-          <a:effectRef idx="0">
-            <a:schemeClr val="accent6"/>
-          </a:effectRef>
-          <a:fontRef idx="minor">
-            <a:schemeClr val="lt1"/>
-          </a:fontRef>
-        </p:style>
-        <p:txBody>
-          <a:bodyPr rtlCol="0" anchor="ctr"/>
-          <a:lstStyle/>
-          <a:p>
-            <a:pPr algn="ctr"/>
-            <a:r>
-              <a:rPr lang="en-US" dirty="0"/>
-              <a:t>Products</a:t>
-            </a:r>
-          </a:p>
-        </p:txBody>
-      </p:sp>
-      <p:sp>
-        <p:nvSpPr>
-          <p:cNvPr id="40" name="Flowchart: Alternate Process 39">
-            <a:extLst>
-              <a:ext uri="{FF2B5EF4-FFF2-40B4-BE49-F238E27FC236}">
-                <a16:creationId xmlns:a16="http://schemas.microsoft.com/office/drawing/2014/main" id="{E1D4443F-A08A-480F-99D7-3AEDD41CE680}"/>
-              </a:ext>
-            </a:extLst>
-          </p:cNvPr>
-          <p:cNvSpPr/>
-          <p:nvPr/>
-        </p:nvSpPr>
-        <p:spPr>
-          <a:xfrm>
-            <a:off x="838200" y="2961189"/>
-            <a:ext cx="3906798" cy="1516318"/>
-          </a:xfrm>
-          <a:prstGeom prst="flowChartAlternateProcess">
-            <a:avLst/>
-          </a:prstGeom>
-          <a:noFill/>
-          <a:ln w="9525" cap="flat" cmpd="sng" algn="ctr">
-            <a:solidFill>
-              <a:schemeClr val="dk1"/>
-            </a:solidFill>
-            <a:prstDash val="solid"/>
-            <a:round/>
-            <a:headEnd type="none" w="med" len="med"/>
-            <a:tailEnd type="none" w="med" len="med"/>
-          </a:ln>
-        </p:spPr>
-        <p:style>
-          <a:lnRef idx="0">
-            <a:scrgbClr r="0" g="0" b="0"/>
-          </a:lnRef>
-          <a:fillRef idx="0">
-            <a:scrgbClr r="0" g="0" b="0"/>
-          </a:fillRef>
-          <a:effectRef idx="0">
-            <a:scrgbClr r="0" g="0" b="0"/>
-          </a:effectRef>
-          <a:fontRef idx="minor">
-            <a:schemeClr val="dk1"/>
-          </a:fontRef>
-        </p:style>
-        <p:txBody>
-          <a:bodyPr rtlCol="0" anchor="t"/>
-          <a:lstStyle/>
-          <a:p>
-            <a:pPr algn="ctr"/>
-            <a:r>
-              <a:rPr lang="en-US" dirty="0"/>
-              <a:t>Orders Domain</a:t>
-            </a:r>
-          </a:p>
-        </p:txBody>
-      </p:sp>
-      <p:sp>
-        <p:nvSpPr>
-          <p:cNvPr id="41" name="Flowchart: Process 40">
-            <a:extLst>
-              <a:ext uri="{FF2B5EF4-FFF2-40B4-BE49-F238E27FC236}">
-                <a16:creationId xmlns:a16="http://schemas.microsoft.com/office/drawing/2014/main" id="{1C29D55F-3B04-4409-8202-5BF49D637668}"/>
-              </a:ext>
-            </a:extLst>
-          </p:cNvPr>
-          <p:cNvSpPr/>
-          <p:nvPr/>
-        </p:nvSpPr>
-        <p:spPr>
-          <a:xfrm>
-            <a:off x="3022710" y="3647077"/>
-            <a:ext cx="1482733" cy="584718"/>
-          </a:xfrm>
-          <a:prstGeom prst="flowChartProcess">
-            <a:avLst/>
-          </a:prstGeom>
-        </p:spPr>
-        <p:style>
-          <a:lnRef idx="2">
-            <a:schemeClr val="accent1">
-              <a:shade val="50000"/>
-            </a:schemeClr>
-          </a:lnRef>
-          <a:fillRef idx="1">
-            <a:schemeClr val="accent1"/>
-          </a:fillRef>
-          <a:effectRef idx="0">
-            <a:schemeClr val="accent1"/>
-          </a:effectRef>
-          <a:fontRef idx="minor">
-            <a:schemeClr val="lt1"/>
-          </a:fontRef>
-        </p:style>
-        <p:txBody>
-          <a:bodyPr rtlCol="0" anchor="ctr"/>
-          <a:lstStyle/>
-          <a:p>
-            <a:pPr algn="ctr"/>
-            <a:r>
-              <a:rPr lang="en-US" dirty="0" err="1"/>
-              <a:t>OrderDetails</a:t>
-            </a:r>
-            <a:endParaRPr lang="en-US" dirty="0"/>
-          </a:p>
-        </p:txBody>
-      </p:sp>
-      <p:cxnSp>
-        <p:nvCxnSpPr>
-          <p:cNvPr id="42" name="Straight Arrow Connector 41">
-            <a:extLst>
-              <a:ext uri="{FF2B5EF4-FFF2-40B4-BE49-F238E27FC236}">
-                <a16:creationId xmlns:a16="http://schemas.microsoft.com/office/drawing/2014/main" id="{C96070D3-8B9D-44BF-B8CB-84864E8CE3CA}"/>
-              </a:ext>
-            </a:extLst>
-          </p:cNvPr>
-          <p:cNvCxnSpPr>
-            <a:cxnSpLocks/>
-            <a:stCxn id="43" idx="3"/>
-            <a:endCxn id="41" idx="1"/>
-          </p:cNvCxnSpPr>
-          <p:nvPr/>
-        </p:nvCxnSpPr>
-        <p:spPr>
-          <a:xfrm flipV="1">
-            <a:off x="2610629" y="3939436"/>
-            <a:ext cx="412081" cy="801"/>
-          </a:xfrm>
-          <a:prstGeom prst="straightConnector1">
-            <a:avLst/>
-          </a:prstGeom>
-          <a:ln w="38100">
-            <a:tailEnd type="triangle"/>
-          </a:ln>
-        </p:spPr>
-        <p:style>
-          <a:lnRef idx="1">
-            <a:schemeClr val="accent1"/>
-          </a:lnRef>
-          <a:fillRef idx="0">
-            <a:schemeClr val="accent1"/>
-          </a:fillRef>
-          <a:effectRef idx="0">
-            <a:schemeClr val="accent1"/>
-          </a:effectRef>
-          <a:fontRef idx="minor">
-            <a:schemeClr val="tx1"/>
-          </a:fontRef>
-        </p:style>
-      </p:cxnSp>
-      <p:sp>
-        <p:nvSpPr>
-          <p:cNvPr id="43" name="Flowchart: Process 42">
-            <a:extLst>
-              <a:ext uri="{FF2B5EF4-FFF2-40B4-BE49-F238E27FC236}">
-                <a16:creationId xmlns:a16="http://schemas.microsoft.com/office/drawing/2014/main" id="{3D2E1BAE-08C4-4FC6-B5E9-449A486ABC60}"/>
-              </a:ext>
-            </a:extLst>
-          </p:cNvPr>
-          <p:cNvSpPr/>
-          <p:nvPr/>
-        </p:nvSpPr>
-        <p:spPr>
-          <a:xfrm>
-            <a:off x="1161896" y="3647878"/>
-            <a:ext cx="1448733" cy="584718"/>
-          </a:xfrm>
-          <a:prstGeom prst="flowChartProcess">
-            <a:avLst/>
-          </a:prstGeom>
-        </p:spPr>
-        <p:style>
-          <a:lnRef idx="2">
-            <a:schemeClr val="accent1">
-              <a:shade val="50000"/>
-            </a:schemeClr>
-          </a:lnRef>
-          <a:fillRef idx="1">
-            <a:schemeClr val="accent1"/>
-          </a:fillRef>
-          <a:effectRef idx="0">
-            <a:schemeClr val="accent1"/>
-          </a:effectRef>
-          <a:fontRef idx="minor">
-            <a:schemeClr val="lt1"/>
-          </a:fontRef>
-        </p:style>
-        <p:txBody>
-          <a:bodyPr rtlCol="0" anchor="ctr"/>
-          <a:lstStyle/>
-          <a:p>
-            <a:pPr algn="ctr"/>
-            <a:r>
-              <a:rPr lang="en-US" dirty="0"/>
-              <a:t>Orders</a:t>
-            </a:r>
+            <a:endParaRPr lang="en-US"/>
           </a:p>
         </p:txBody>
       </p:sp>
     </p:spTree>
     <p:extLst>
       <p:ext uri="{BB962C8B-B14F-4D97-AF65-F5344CB8AC3E}">
-        <p14:creationId xmlns:p14="http://schemas.microsoft.com/office/powerpoint/2010/main" val="1681222757"/>
+        <p14:creationId xmlns:p14="http://schemas.microsoft.com/office/powerpoint/2010/main" val="1480930461"/>
       </p:ext>
     </p:extLst>
   </p:cSld>
@@ -5585,67 +5088,10 @@
       </p:grpSpPr>
       <p:sp>
         <p:nvSpPr>
-          <p:cNvPr id="9" name="Flowchart: Alternate Process 8">
-            <a:extLst>
-              <a:ext uri="{FF2B5EF4-FFF2-40B4-BE49-F238E27FC236}">
-                <a16:creationId xmlns:a16="http://schemas.microsoft.com/office/drawing/2014/main" id="{23F42113-227C-4E95-B81F-2D2F9CB1D1C6}"/>
-              </a:ext>
-            </a:extLst>
-          </p:cNvPr>
-          <p:cNvSpPr/>
-          <p:nvPr/>
-        </p:nvSpPr>
-        <p:spPr>
-          <a:xfrm>
-            <a:off x="838200" y="1704393"/>
-            <a:ext cx="4596879" cy="4111690"/>
-          </a:xfrm>
-          <a:prstGeom prst="flowChartAlternateProcess">
-            <a:avLst/>
-          </a:prstGeom>
-          <a:noFill/>
-          <a:ln w="9525" cap="flat" cmpd="sng" algn="ctr">
-            <a:solidFill>
-              <a:schemeClr val="dk1"/>
-            </a:solidFill>
-            <a:prstDash val="solid"/>
-            <a:round/>
-            <a:headEnd type="none" w="med" len="med"/>
-            <a:tailEnd type="none" w="med" len="med"/>
-          </a:ln>
-        </p:spPr>
-        <p:style>
-          <a:lnRef idx="0">
-            <a:scrgbClr r="0" g="0" b="0"/>
-          </a:lnRef>
-          <a:fillRef idx="0">
-            <a:scrgbClr r="0" g="0" b="0"/>
-          </a:fillRef>
-          <a:effectRef idx="0">
-            <a:scrgbClr r="0" g="0" b="0"/>
-          </a:effectRef>
-          <a:fontRef idx="minor">
-            <a:schemeClr val="dk1"/>
-          </a:fontRef>
-        </p:style>
-        <p:txBody>
-          <a:bodyPr rtlCol="0" anchor="t"/>
-          <a:lstStyle/>
-          <a:p>
-            <a:pPr algn="ctr"/>
-            <a:r>
-              <a:rPr lang="en-US" dirty="0"/>
-              <a:t>Catalog</a:t>
-            </a:r>
-          </a:p>
-        </p:txBody>
-      </p:sp>
-      <p:sp>
-        <p:nvSpPr>
-          <p:cNvPr id="39" name="Title 38">
-            <a:extLst>
-              <a:ext uri="{FF2B5EF4-FFF2-40B4-BE49-F238E27FC236}">
-                <a16:creationId xmlns:a16="http://schemas.microsoft.com/office/drawing/2014/main" id="{06B3C134-6BC6-4089-84EB-9C1B15385FF2}"/>
+          <p:cNvPr id="5" name="Title 4">
+            <a:extLst>
+              <a:ext uri="{FF2B5EF4-FFF2-40B4-BE49-F238E27FC236}">
+                <a16:creationId xmlns:a16="http://schemas.microsoft.com/office/drawing/2014/main" id="{6531E01D-72E4-44A9-99E7-9299525B0857}"/>
               </a:ext>
             </a:extLst>
           </p:cNvPr>
@@ -5663,7 +5109,7 @@
           <a:p>
             <a:r>
               <a:rPr lang="en-US" dirty="0"/>
-              <a:t>Catalog and Inventory Bounded Contexts</a:t>
+              <a:t>System Architecture Overview</a:t>
             </a:r>
           </a:p>
         </p:txBody>
@@ -5673,7 +5119,7 @@
           <p:cNvPr id="4" name="Slide Number Placeholder 3">
             <a:extLst>
               <a:ext uri="{FF2B5EF4-FFF2-40B4-BE49-F238E27FC236}">
-                <a16:creationId xmlns:a16="http://schemas.microsoft.com/office/drawing/2014/main" id="{A3856F62-39AB-4FA5-AE7F-D1E740BF823D}"/>
+                <a16:creationId xmlns:a16="http://schemas.microsoft.com/office/drawing/2014/main" id="{5E53C0D5-1E46-44FF-8C70-98B57B8C1B98}"/>
               </a:ext>
             </a:extLst>
           </p:cNvPr>
@@ -5692,707 +5138,6 @@
             <a:fld id="{945DE137-1981-4A6E-942B-1AACE1746372}" type="slidenum">
               <a:rPr lang="en-US" smtClean="0"/>
               <a:t>11</a:t>
-            </a:fld>
-            <a:endParaRPr lang="en-US"/>
-          </a:p>
-        </p:txBody>
-      </p:sp>
-      <p:sp>
-        <p:nvSpPr>
-          <p:cNvPr id="7" name="Flowchart: Process 6">
-            <a:extLst>
-              <a:ext uri="{FF2B5EF4-FFF2-40B4-BE49-F238E27FC236}">
-                <a16:creationId xmlns:a16="http://schemas.microsoft.com/office/drawing/2014/main" id="{3A9D5AD4-AC6D-4297-9971-83C83B55F1A7}"/>
-              </a:ext>
-            </a:extLst>
-          </p:cNvPr>
-          <p:cNvSpPr/>
-          <p:nvPr/>
-        </p:nvSpPr>
-        <p:spPr>
-          <a:xfrm>
-            <a:off x="1130565" y="2363750"/>
-            <a:ext cx="2214467" cy="2058959"/>
-          </a:xfrm>
-          <a:prstGeom prst="flowChartProcess">
-            <a:avLst/>
-          </a:prstGeom>
-        </p:spPr>
-        <p:style>
-          <a:lnRef idx="2">
-            <a:schemeClr val="accent1">
-              <a:shade val="50000"/>
-            </a:schemeClr>
-          </a:lnRef>
-          <a:fillRef idx="1">
-            <a:schemeClr val="accent1"/>
-          </a:fillRef>
-          <a:effectRef idx="0">
-            <a:schemeClr val="accent1"/>
-          </a:effectRef>
-          <a:fontRef idx="minor">
-            <a:schemeClr val="lt1"/>
-          </a:fontRef>
-        </p:style>
-        <p:txBody>
-          <a:bodyPr rtlCol="0" anchor="t"/>
-          <a:lstStyle/>
-          <a:p>
-            <a:r>
-              <a:rPr lang="en-US" dirty="0"/>
-              <a:t>Products</a:t>
-            </a:r>
-          </a:p>
-          <a:p>
-            <a:pPr marL="285750" indent="-285750">
-              <a:buFont typeface="Wingdings" panose="05000000000000000000" pitchFamily="2" charset="2"/>
-              <a:buChar char="§"/>
-            </a:pPr>
-            <a:r>
-              <a:rPr lang="en-US" dirty="0" err="1"/>
-              <a:t>ProductId</a:t>
-            </a:r>
-            <a:endParaRPr lang="en-US" dirty="0"/>
-          </a:p>
-          <a:p>
-            <a:pPr marL="285750" indent="-285750">
-              <a:buFont typeface="Wingdings" panose="05000000000000000000" pitchFamily="2" charset="2"/>
-              <a:buChar char="§"/>
-            </a:pPr>
-            <a:r>
-              <a:rPr lang="en-US" dirty="0"/>
-              <a:t>ProductName</a:t>
-            </a:r>
-          </a:p>
-          <a:p>
-            <a:pPr marL="285750" indent="-285750">
-              <a:buFont typeface="Wingdings" panose="05000000000000000000" pitchFamily="2" charset="2"/>
-              <a:buChar char="§"/>
-            </a:pPr>
-            <a:r>
-              <a:rPr lang="en-US" dirty="0" err="1"/>
-              <a:t>ListPrice</a:t>
-            </a:r>
-            <a:endParaRPr lang="en-US" dirty="0"/>
-          </a:p>
-          <a:p>
-            <a:pPr marL="285750" indent="-285750">
-              <a:buFont typeface="Wingdings" panose="05000000000000000000" pitchFamily="2" charset="2"/>
-              <a:buChar char="§"/>
-            </a:pPr>
-            <a:r>
-              <a:rPr lang="en-US" dirty="0" err="1"/>
-              <a:t>QuantityPerUnit</a:t>
-            </a:r>
-            <a:endParaRPr lang="en-US" dirty="0"/>
-          </a:p>
-          <a:p>
-            <a:pPr marL="285750" indent="-285750">
-              <a:buFont typeface="Wingdings" panose="05000000000000000000" pitchFamily="2" charset="2"/>
-              <a:buChar char="§"/>
-            </a:pPr>
-            <a:r>
-              <a:rPr lang="en-US" dirty="0" err="1"/>
-              <a:t>IsInStock</a:t>
-            </a:r>
-            <a:endParaRPr lang="en-US" dirty="0"/>
-          </a:p>
-          <a:p>
-            <a:pPr marL="285750" indent="-285750">
-              <a:buFont typeface="Wingdings" panose="05000000000000000000" pitchFamily="2" charset="2"/>
-              <a:buChar char="§"/>
-            </a:pPr>
-            <a:r>
-              <a:rPr lang="en-US" dirty="0"/>
-              <a:t>Published</a:t>
-            </a:r>
-          </a:p>
-          <a:p>
-            <a:pPr marL="285750" indent="-285750">
-              <a:buFont typeface="Wingdings" panose="05000000000000000000" pitchFamily="2" charset="2"/>
-              <a:buChar char="§"/>
-            </a:pPr>
-            <a:endParaRPr lang="en-US" dirty="0"/>
-          </a:p>
-        </p:txBody>
-      </p:sp>
-      <p:sp>
-        <p:nvSpPr>
-          <p:cNvPr id="8" name="Flowchart: Process 7">
-            <a:extLst>
-              <a:ext uri="{FF2B5EF4-FFF2-40B4-BE49-F238E27FC236}">
-                <a16:creationId xmlns:a16="http://schemas.microsoft.com/office/drawing/2014/main" id="{5FF14EF1-9E35-4A31-B6EE-EA27ADB0525B}"/>
-              </a:ext>
-            </a:extLst>
-          </p:cNvPr>
-          <p:cNvSpPr/>
-          <p:nvPr/>
-        </p:nvSpPr>
-        <p:spPr>
-          <a:xfrm>
-            <a:off x="3875311" y="3100870"/>
-            <a:ext cx="1275183" cy="584718"/>
-          </a:xfrm>
-          <a:prstGeom prst="flowChartProcess">
-            <a:avLst/>
-          </a:prstGeom>
-        </p:spPr>
-        <p:style>
-          <a:lnRef idx="2">
-            <a:schemeClr val="accent1">
-              <a:shade val="50000"/>
-            </a:schemeClr>
-          </a:lnRef>
-          <a:fillRef idx="1">
-            <a:schemeClr val="accent1"/>
-          </a:fillRef>
-          <a:effectRef idx="0">
-            <a:schemeClr val="accent1"/>
-          </a:effectRef>
-          <a:fontRef idx="minor">
-            <a:schemeClr val="lt1"/>
-          </a:fontRef>
-        </p:style>
-        <p:txBody>
-          <a:bodyPr rtlCol="0" anchor="ctr"/>
-          <a:lstStyle/>
-          <a:p>
-            <a:pPr algn="ctr"/>
-            <a:r>
-              <a:rPr lang="en-US" dirty="0"/>
-              <a:t>Categories</a:t>
-            </a:r>
-          </a:p>
-        </p:txBody>
-      </p:sp>
-      <p:cxnSp>
-        <p:nvCxnSpPr>
-          <p:cNvPr id="11" name="Straight Arrow Connector 10">
-            <a:extLst>
-              <a:ext uri="{FF2B5EF4-FFF2-40B4-BE49-F238E27FC236}">
-                <a16:creationId xmlns:a16="http://schemas.microsoft.com/office/drawing/2014/main" id="{25987FF7-2B2F-4337-AAE7-31399FDC0484}"/>
-              </a:ext>
-            </a:extLst>
-          </p:cNvPr>
-          <p:cNvCxnSpPr>
-            <a:cxnSpLocks/>
-            <a:stCxn id="7" idx="3"/>
-            <a:endCxn id="8" idx="1"/>
-          </p:cNvCxnSpPr>
-          <p:nvPr/>
-        </p:nvCxnSpPr>
-        <p:spPr>
-          <a:xfrm flipV="1">
-            <a:off x="3345032" y="3393229"/>
-            <a:ext cx="530279" cy="1"/>
-          </a:xfrm>
-          <a:prstGeom prst="straightConnector1">
-            <a:avLst/>
-          </a:prstGeom>
-          <a:ln w="38100">
-            <a:tailEnd type="triangle"/>
-          </a:ln>
-        </p:spPr>
-        <p:style>
-          <a:lnRef idx="1">
-            <a:schemeClr val="accent1"/>
-          </a:lnRef>
-          <a:fillRef idx="0">
-            <a:schemeClr val="accent1"/>
-          </a:fillRef>
-          <a:effectRef idx="0">
-            <a:schemeClr val="accent1"/>
-          </a:effectRef>
-          <a:fontRef idx="minor">
-            <a:schemeClr val="tx1"/>
-          </a:fontRef>
-        </p:style>
-      </p:cxnSp>
-      <p:sp>
-        <p:nvSpPr>
-          <p:cNvPr id="13" name="Flowchart: Alternate Process 12">
-            <a:extLst>
-              <a:ext uri="{FF2B5EF4-FFF2-40B4-BE49-F238E27FC236}">
-                <a16:creationId xmlns:a16="http://schemas.microsoft.com/office/drawing/2014/main" id="{3FC55925-EB35-45E0-AEE8-FF119284F202}"/>
-              </a:ext>
-            </a:extLst>
-          </p:cNvPr>
-          <p:cNvSpPr/>
-          <p:nvPr/>
-        </p:nvSpPr>
-        <p:spPr>
-          <a:xfrm>
-            <a:off x="6518987" y="1704393"/>
-            <a:ext cx="4834811" cy="4111690"/>
-          </a:xfrm>
-          <a:prstGeom prst="flowChartAlternateProcess">
-            <a:avLst/>
-          </a:prstGeom>
-          <a:noFill/>
-          <a:ln w="9525" cap="flat" cmpd="sng" algn="ctr">
-            <a:solidFill>
-              <a:schemeClr val="dk1"/>
-            </a:solidFill>
-            <a:prstDash val="solid"/>
-            <a:round/>
-            <a:headEnd type="none" w="med" len="med"/>
-            <a:tailEnd type="none" w="med" len="med"/>
-          </a:ln>
-        </p:spPr>
-        <p:style>
-          <a:lnRef idx="0">
-            <a:scrgbClr r="0" g="0" b="0"/>
-          </a:lnRef>
-          <a:fillRef idx="0">
-            <a:scrgbClr r="0" g="0" b="0"/>
-          </a:fillRef>
-          <a:effectRef idx="0">
-            <a:scrgbClr r="0" g="0" b="0"/>
-          </a:effectRef>
-          <a:fontRef idx="minor">
-            <a:schemeClr val="dk1"/>
-          </a:fontRef>
-        </p:style>
-        <p:txBody>
-          <a:bodyPr rtlCol="0" anchor="t"/>
-          <a:lstStyle/>
-          <a:p>
-            <a:pPr algn="ctr"/>
-            <a:r>
-              <a:rPr lang="en-US" dirty="0"/>
-              <a:t>Inventory</a:t>
-            </a:r>
-          </a:p>
-        </p:txBody>
-      </p:sp>
-      <p:sp>
-        <p:nvSpPr>
-          <p:cNvPr id="14" name="Flowchart: Process 13">
-            <a:extLst>
-              <a:ext uri="{FF2B5EF4-FFF2-40B4-BE49-F238E27FC236}">
-                <a16:creationId xmlns:a16="http://schemas.microsoft.com/office/drawing/2014/main" id="{8D3DB894-1534-4515-AC33-57D338E1F99F}"/>
-              </a:ext>
-            </a:extLst>
-          </p:cNvPr>
-          <p:cNvSpPr/>
-          <p:nvPr/>
-        </p:nvSpPr>
-        <p:spPr>
-          <a:xfrm>
-            <a:off x="6865772" y="2363751"/>
-            <a:ext cx="2214467" cy="3135090"/>
-          </a:xfrm>
-          <a:prstGeom prst="flowChartProcess">
-            <a:avLst/>
-          </a:prstGeom>
-        </p:spPr>
-        <p:style>
-          <a:lnRef idx="2">
-            <a:schemeClr val="accent1">
-              <a:shade val="50000"/>
-            </a:schemeClr>
-          </a:lnRef>
-          <a:fillRef idx="1">
-            <a:schemeClr val="accent1"/>
-          </a:fillRef>
-          <a:effectRef idx="0">
-            <a:schemeClr val="accent1"/>
-          </a:effectRef>
-          <a:fontRef idx="minor">
-            <a:schemeClr val="lt1"/>
-          </a:fontRef>
-        </p:style>
-        <p:txBody>
-          <a:bodyPr rtlCol="0" anchor="t"/>
-          <a:lstStyle/>
-          <a:p>
-            <a:r>
-              <a:rPr lang="en-US" dirty="0"/>
-              <a:t>Products</a:t>
-            </a:r>
-          </a:p>
-          <a:p>
-            <a:pPr marL="285750" indent="-285750">
-              <a:buFont typeface="Wingdings" panose="05000000000000000000" pitchFamily="2" charset="2"/>
-              <a:buChar char="§"/>
-            </a:pPr>
-            <a:r>
-              <a:rPr lang="en-US" dirty="0" err="1"/>
-              <a:t>ProductId</a:t>
-            </a:r>
-            <a:endParaRPr lang="en-US" dirty="0"/>
-          </a:p>
-          <a:p>
-            <a:pPr marL="285750" indent="-285750">
-              <a:buFont typeface="Wingdings" panose="05000000000000000000" pitchFamily="2" charset="2"/>
-              <a:buChar char="§"/>
-            </a:pPr>
-            <a:r>
-              <a:rPr lang="en-US" dirty="0"/>
-              <a:t>ProductName</a:t>
-            </a:r>
-          </a:p>
-          <a:p>
-            <a:pPr marL="285750" indent="-285750">
-              <a:buFont typeface="Wingdings" panose="05000000000000000000" pitchFamily="2" charset="2"/>
-              <a:buChar char="§"/>
-            </a:pPr>
-            <a:r>
-              <a:rPr lang="en-US" dirty="0" err="1"/>
-              <a:t>UnitPrice</a:t>
-            </a:r>
-            <a:endParaRPr lang="en-US" dirty="0"/>
-          </a:p>
-          <a:p>
-            <a:pPr marL="285750" indent="-285750">
-              <a:buFont typeface="Wingdings" panose="05000000000000000000" pitchFamily="2" charset="2"/>
-              <a:buChar char="§"/>
-            </a:pPr>
-            <a:r>
-              <a:rPr lang="en-US" dirty="0" err="1"/>
-              <a:t>QuantityPerUnit</a:t>
-            </a:r>
-            <a:endParaRPr lang="en-US" dirty="0"/>
-          </a:p>
-          <a:p>
-            <a:pPr marL="285750" indent="-285750">
-              <a:buFont typeface="Wingdings" panose="05000000000000000000" pitchFamily="2" charset="2"/>
-              <a:buChar char="§"/>
-            </a:pPr>
-            <a:r>
-              <a:rPr lang="en-US" dirty="0" err="1"/>
-              <a:t>UnitsInStock</a:t>
-            </a:r>
-            <a:endParaRPr lang="en-US" dirty="0"/>
-          </a:p>
-          <a:p>
-            <a:pPr marL="285750" indent="-285750">
-              <a:buFont typeface="Wingdings" panose="05000000000000000000" pitchFamily="2" charset="2"/>
-              <a:buChar char="§"/>
-            </a:pPr>
-            <a:r>
-              <a:rPr lang="en-US" dirty="0" err="1"/>
-              <a:t>UnitsOnOrder</a:t>
-            </a:r>
-            <a:endParaRPr lang="en-US" dirty="0"/>
-          </a:p>
-          <a:p>
-            <a:pPr marL="285750" indent="-285750">
-              <a:buFont typeface="Wingdings" panose="05000000000000000000" pitchFamily="2" charset="2"/>
-              <a:buChar char="§"/>
-            </a:pPr>
-            <a:r>
-              <a:rPr lang="en-US" dirty="0" err="1"/>
-              <a:t>ReorderLevel</a:t>
-            </a:r>
-            <a:endParaRPr lang="en-US" dirty="0"/>
-          </a:p>
-          <a:p>
-            <a:pPr marL="285750" indent="-285750">
-              <a:buFont typeface="Wingdings" panose="05000000000000000000" pitchFamily="2" charset="2"/>
-              <a:buChar char="§"/>
-            </a:pPr>
-            <a:r>
-              <a:rPr lang="en-US" dirty="0"/>
-              <a:t>Discontinued</a:t>
-            </a:r>
-          </a:p>
-          <a:p>
-            <a:pPr marL="285750" indent="-285750">
-              <a:buFont typeface="Wingdings" panose="05000000000000000000" pitchFamily="2" charset="2"/>
-              <a:buChar char="§"/>
-            </a:pPr>
-            <a:r>
-              <a:rPr lang="en-US" dirty="0"/>
-              <a:t>Location</a:t>
-            </a:r>
-          </a:p>
-          <a:p>
-            <a:endParaRPr lang="en-US" dirty="0"/>
-          </a:p>
-          <a:p>
-            <a:pPr marL="285750" indent="-285750">
-              <a:buFont typeface="Wingdings" panose="05000000000000000000" pitchFamily="2" charset="2"/>
-              <a:buChar char="§"/>
-            </a:pPr>
-            <a:endParaRPr lang="en-US" dirty="0"/>
-          </a:p>
-          <a:p>
-            <a:pPr marL="285750" indent="-285750">
-              <a:buFont typeface="Wingdings" panose="05000000000000000000" pitchFamily="2" charset="2"/>
-              <a:buChar char="§"/>
-            </a:pPr>
-            <a:endParaRPr lang="en-US" dirty="0"/>
-          </a:p>
-        </p:txBody>
-      </p:sp>
-      <p:sp>
-        <p:nvSpPr>
-          <p:cNvPr id="18" name="Flowchart: Process 17">
-            <a:extLst>
-              <a:ext uri="{FF2B5EF4-FFF2-40B4-BE49-F238E27FC236}">
-                <a16:creationId xmlns:a16="http://schemas.microsoft.com/office/drawing/2014/main" id="{6BEEACEF-0E3A-4E76-A640-4F2FCE0E61C5}"/>
-              </a:ext>
-            </a:extLst>
-          </p:cNvPr>
-          <p:cNvSpPr/>
-          <p:nvPr/>
-        </p:nvSpPr>
-        <p:spPr>
-          <a:xfrm>
-            <a:off x="9786252" y="3638937"/>
-            <a:ext cx="1275183" cy="584718"/>
-          </a:xfrm>
-          <a:prstGeom prst="flowChartProcess">
-            <a:avLst/>
-          </a:prstGeom>
-        </p:spPr>
-        <p:style>
-          <a:lnRef idx="2">
-            <a:schemeClr val="accent1">
-              <a:shade val="50000"/>
-            </a:schemeClr>
-          </a:lnRef>
-          <a:fillRef idx="1">
-            <a:schemeClr val="accent1"/>
-          </a:fillRef>
-          <a:effectRef idx="0">
-            <a:schemeClr val="accent1"/>
-          </a:effectRef>
-          <a:fontRef idx="minor">
-            <a:schemeClr val="lt1"/>
-          </a:fontRef>
-        </p:style>
-        <p:txBody>
-          <a:bodyPr rtlCol="0" anchor="ctr"/>
-          <a:lstStyle/>
-          <a:p>
-            <a:pPr algn="ctr"/>
-            <a:r>
-              <a:rPr lang="en-US" dirty="0"/>
-              <a:t>Suppliers</a:t>
-            </a:r>
-          </a:p>
-        </p:txBody>
-      </p:sp>
-      <p:cxnSp>
-        <p:nvCxnSpPr>
-          <p:cNvPr id="20" name="Straight Arrow Connector 19">
-            <a:extLst>
-              <a:ext uri="{FF2B5EF4-FFF2-40B4-BE49-F238E27FC236}">
-                <a16:creationId xmlns:a16="http://schemas.microsoft.com/office/drawing/2014/main" id="{7C893C3C-0D74-4E1E-940A-D1ED3C9016DC}"/>
-              </a:ext>
-            </a:extLst>
-          </p:cNvPr>
-          <p:cNvCxnSpPr>
-            <a:cxnSpLocks/>
-            <a:stCxn id="14" idx="3"/>
-            <a:endCxn id="18" idx="1"/>
-          </p:cNvCxnSpPr>
-          <p:nvPr/>
-        </p:nvCxnSpPr>
-        <p:spPr>
-          <a:xfrm>
-            <a:off x="9080239" y="3931296"/>
-            <a:ext cx="706013" cy="0"/>
-          </a:xfrm>
-          <a:prstGeom prst="straightConnector1">
-            <a:avLst/>
-          </a:prstGeom>
-          <a:ln w="38100">
-            <a:tailEnd type="triangle"/>
-          </a:ln>
-        </p:spPr>
-        <p:style>
-          <a:lnRef idx="1">
-            <a:schemeClr val="accent1"/>
-          </a:lnRef>
-          <a:fillRef idx="0">
-            <a:schemeClr val="accent1"/>
-          </a:fillRef>
-          <a:effectRef idx="0">
-            <a:schemeClr val="accent1"/>
-          </a:effectRef>
-          <a:fontRef idx="minor">
-            <a:schemeClr val="tx1"/>
-          </a:fontRef>
-        </p:style>
-      </p:cxnSp>
-      <p:sp>
-        <p:nvSpPr>
-          <p:cNvPr id="44" name="Flowchart: Process 43">
-            <a:extLst>
-              <a:ext uri="{FF2B5EF4-FFF2-40B4-BE49-F238E27FC236}">
-                <a16:creationId xmlns:a16="http://schemas.microsoft.com/office/drawing/2014/main" id="{0F2D28D4-5E8A-4AA6-99E6-277A58D59229}"/>
-              </a:ext>
-            </a:extLst>
-          </p:cNvPr>
-          <p:cNvSpPr/>
-          <p:nvPr/>
-        </p:nvSpPr>
-        <p:spPr>
-          <a:xfrm>
-            <a:off x="1413593" y="4914123"/>
-            <a:ext cx="1648410" cy="584718"/>
-          </a:xfrm>
-          <a:prstGeom prst="flowChartProcess">
-            <a:avLst/>
-          </a:prstGeom>
-        </p:spPr>
-        <p:style>
-          <a:lnRef idx="2">
-            <a:schemeClr val="accent1">
-              <a:shade val="50000"/>
-            </a:schemeClr>
-          </a:lnRef>
-          <a:fillRef idx="1">
-            <a:schemeClr val="accent1"/>
-          </a:fillRef>
-          <a:effectRef idx="0">
-            <a:schemeClr val="accent1"/>
-          </a:effectRef>
-          <a:fontRef idx="minor">
-            <a:schemeClr val="lt1"/>
-          </a:fontRef>
-        </p:style>
-        <p:txBody>
-          <a:bodyPr rtlCol="0" anchor="ctr"/>
-          <a:lstStyle/>
-          <a:p>
-            <a:pPr algn="ctr"/>
-            <a:r>
-              <a:rPr lang="en-US" dirty="0" err="1"/>
-              <a:t>ProductImages</a:t>
-            </a:r>
-            <a:endParaRPr lang="en-US" dirty="0"/>
-          </a:p>
-        </p:txBody>
-      </p:sp>
-      <p:cxnSp>
-        <p:nvCxnSpPr>
-          <p:cNvPr id="45" name="Straight Arrow Connector 44">
-            <a:extLst>
-              <a:ext uri="{FF2B5EF4-FFF2-40B4-BE49-F238E27FC236}">
-                <a16:creationId xmlns:a16="http://schemas.microsoft.com/office/drawing/2014/main" id="{35F49371-BB38-44A2-8A50-20A7E3293AF3}"/>
-              </a:ext>
-            </a:extLst>
-          </p:cNvPr>
-          <p:cNvCxnSpPr>
-            <a:cxnSpLocks/>
-            <a:stCxn id="7" idx="2"/>
-            <a:endCxn id="44" idx="0"/>
-          </p:cNvCxnSpPr>
-          <p:nvPr/>
-        </p:nvCxnSpPr>
-        <p:spPr>
-          <a:xfrm flipH="1">
-            <a:off x="2237798" y="4422709"/>
-            <a:ext cx="1" cy="491414"/>
-          </a:xfrm>
-          <a:prstGeom prst="straightConnector1">
-            <a:avLst/>
-          </a:prstGeom>
-          <a:ln w="38100">
-            <a:tailEnd type="triangle"/>
-          </a:ln>
-        </p:spPr>
-        <p:style>
-          <a:lnRef idx="1">
-            <a:schemeClr val="accent1"/>
-          </a:lnRef>
-          <a:fillRef idx="0">
-            <a:schemeClr val="accent1"/>
-          </a:fillRef>
-          <a:effectRef idx="0">
-            <a:schemeClr val="accent1"/>
-          </a:effectRef>
-          <a:fontRef idx="minor">
-            <a:schemeClr val="tx1"/>
-          </a:fontRef>
-        </p:style>
-      </p:cxnSp>
-    </p:spTree>
-    <p:extLst>
-      <p:ext uri="{BB962C8B-B14F-4D97-AF65-F5344CB8AC3E}">
-        <p14:creationId xmlns:p14="http://schemas.microsoft.com/office/powerpoint/2010/main" val="1480930461"/>
-      </p:ext>
-    </p:extLst>
-  </p:cSld>
-  <p:clrMapOvr>
-    <a:masterClrMapping/>
-  </p:clrMapOvr>
-</p:sld>
-</file>
-
-<file path=ppt/slides/slide12.xml><?xml version="1.0" encoding="utf-8"?>
-<p:sld xmlns:a="http://schemas.openxmlformats.org/drawingml/2006/main" xmlns:r="http://schemas.openxmlformats.org/officeDocument/2006/relationships" xmlns:p="http://schemas.openxmlformats.org/presentationml/2006/main">
-  <p:cSld>
-    <p:spTree>
-      <p:nvGrpSpPr>
-        <p:cNvPr id="1" name=""/>
-        <p:cNvGrpSpPr/>
-        <p:nvPr/>
-      </p:nvGrpSpPr>
-      <p:grpSpPr>
-        <a:xfrm>
-          <a:off x="0" y="0"/>
-          <a:ext cx="0" cy="0"/>
-          <a:chOff x="0" y="0"/>
-          <a:chExt cx="0" cy="0"/>
-        </a:xfrm>
-      </p:grpSpPr>
-      <p:sp>
-        <p:nvSpPr>
-          <p:cNvPr id="5" name="Title 4">
-            <a:extLst>
-              <a:ext uri="{FF2B5EF4-FFF2-40B4-BE49-F238E27FC236}">
-                <a16:creationId xmlns:a16="http://schemas.microsoft.com/office/drawing/2014/main" id="{6531E01D-72E4-44A9-99E7-9299525B0857}"/>
-              </a:ext>
-            </a:extLst>
-          </p:cNvPr>
-          <p:cNvSpPr>
-            <a:spLocks noGrp="1"/>
-          </p:cNvSpPr>
-          <p:nvPr>
-            <p:ph type="title"/>
-          </p:nvPr>
-        </p:nvSpPr>
-        <p:spPr/>
-        <p:txBody>
-          <a:bodyPr/>
-          <a:lstStyle/>
-          <a:p>
-            <a:r>
-              <a:rPr lang="en-US" dirty="0"/>
-              <a:t>System Architecture Overview</a:t>
-            </a:r>
-          </a:p>
-        </p:txBody>
-      </p:sp>
-      <p:sp>
-        <p:nvSpPr>
-          <p:cNvPr id="4" name="Slide Number Placeholder 3">
-            <a:extLst>
-              <a:ext uri="{FF2B5EF4-FFF2-40B4-BE49-F238E27FC236}">
-                <a16:creationId xmlns:a16="http://schemas.microsoft.com/office/drawing/2014/main" id="{5E53C0D5-1E46-44FF-8C70-98B57B8C1B98}"/>
-              </a:ext>
-            </a:extLst>
-          </p:cNvPr>
-          <p:cNvSpPr>
-            <a:spLocks noGrp="1"/>
-          </p:cNvSpPr>
-          <p:nvPr>
-            <p:ph type="sldNum" sz="quarter" idx="12"/>
-          </p:nvPr>
-        </p:nvSpPr>
-        <p:spPr/>
-        <p:txBody>
-          <a:bodyPr/>
-          <a:lstStyle/>
-          <a:p>
-            <a:fld id="{945DE137-1981-4A6E-942B-1AACE1746372}" type="slidenum">
-              <a:rPr lang="en-US" smtClean="0"/>
-              <a:t>12</a:t>
             </a:fld>
             <a:endParaRPr lang="en-US"/>
           </a:p>
@@ -7736,6 +6481,324 @@
 </p:sld>
 </file>
 
+<file path=ppt/slides/slide12.xml><?xml version="1.0" encoding="utf-8"?>
+<p:sld xmlns:a="http://schemas.openxmlformats.org/drawingml/2006/main" xmlns:r="http://schemas.openxmlformats.org/officeDocument/2006/relationships" xmlns:p="http://schemas.openxmlformats.org/presentationml/2006/main">
+  <p:cSld>
+    <p:spTree>
+      <p:nvGrpSpPr>
+        <p:cNvPr id="1" name=""/>
+        <p:cNvGrpSpPr/>
+        <p:nvPr/>
+      </p:nvGrpSpPr>
+      <p:grpSpPr>
+        <a:xfrm>
+          <a:off x="0" y="0"/>
+          <a:ext cx="0" cy="0"/>
+          <a:chOff x="0" y="0"/>
+          <a:chExt cx="0" cy="0"/>
+        </a:xfrm>
+      </p:grpSpPr>
+      <p:sp>
+        <p:nvSpPr>
+          <p:cNvPr id="2" name="Title 1">
+            <a:extLst>
+              <a:ext uri="{FF2B5EF4-FFF2-40B4-BE49-F238E27FC236}">
+                <a16:creationId xmlns:a16="http://schemas.microsoft.com/office/drawing/2014/main" id="{EA6409AD-9D81-4FC8-A75B-0D8F378875A8}"/>
+              </a:ext>
+            </a:extLst>
+          </p:cNvPr>
+          <p:cNvSpPr>
+            <a:spLocks noGrp="1"/>
+          </p:cNvSpPr>
+          <p:nvPr>
+            <p:ph type="title"/>
+          </p:nvPr>
+        </p:nvSpPr>
+        <p:spPr/>
+        <p:txBody>
+          <a:bodyPr/>
+          <a:lstStyle/>
+          <a:p>
+            <a:r>
+              <a:rPr lang="en-US" dirty="0"/>
+              <a:t>Production-Ready Checklist</a:t>
+            </a:r>
+          </a:p>
+        </p:txBody>
+      </p:sp>
+      <p:sp>
+        <p:nvSpPr>
+          <p:cNvPr id="4" name="Content Placeholder 3">
+            <a:extLst>
+              <a:ext uri="{FF2B5EF4-FFF2-40B4-BE49-F238E27FC236}">
+                <a16:creationId xmlns:a16="http://schemas.microsoft.com/office/drawing/2014/main" id="{BD1F2DAB-F97F-4E95-B9B4-FEC42B5B8CF5}"/>
+              </a:ext>
+            </a:extLst>
+          </p:cNvPr>
+          <p:cNvSpPr>
+            <a:spLocks noGrp="1"/>
+          </p:cNvSpPr>
+          <p:nvPr>
+            <p:ph sz="half" idx="1"/>
+          </p:nvPr>
+        </p:nvSpPr>
+        <p:spPr/>
+        <p:txBody>
+          <a:bodyPr>
+            <a:normAutofit/>
+          </a:bodyPr>
+          <a:lstStyle/>
+          <a:p>
+            <a:pPr>
+              <a:buFont typeface="Wingdings" panose="05000000000000000000" pitchFamily="2" charset="2"/>
+              <a:buChar char="q"/>
+            </a:pPr>
+            <a:r>
+              <a:rPr lang="en-US" dirty="0"/>
+              <a:t>Reliability</a:t>
+            </a:r>
+          </a:p>
+          <a:p>
+            <a:pPr lvl="1">
+              <a:buFont typeface="Wingdings" panose="05000000000000000000" pitchFamily="2" charset="2"/>
+              <a:buChar char="q"/>
+            </a:pPr>
+            <a:r>
+              <a:rPr lang="en-US" dirty="0"/>
+              <a:t>85% Unit test coverage</a:t>
+            </a:r>
+          </a:p>
+          <a:p>
+            <a:pPr lvl="1">
+              <a:buFont typeface="Wingdings" panose="05000000000000000000" pitchFamily="2" charset="2"/>
+              <a:buChar char="q"/>
+            </a:pPr>
+            <a:r>
+              <a:rPr lang="en-US" dirty="0"/>
+              <a:t>Retries and Circuit Breakers on all inter-service REST calls</a:t>
+            </a:r>
+          </a:p>
+          <a:p>
+            <a:pPr>
+              <a:buFont typeface="Wingdings" panose="05000000000000000000" pitchFamily="2" charset="2"/>
+              <a:buChar char="q"/>
+            </a:pPr>
+            <a:r>
+              <a:rPr lang="en-US" dirty="0"/>
+              <a:t>Observability</a:t>
+            </a:r>
+          </a:p>
+          <a:p>
+            <a:pPr lvl="1">
+              <a:buFont typeface="Wingdings" panose="05000000000000000000" pitchFamily="2" charset="2"/>
+              <a:buChar char="q"/>
+            </a:pPr>
+            <a:r>
+              <a:rPr lang="en-US" dirty="0"/>
+              <a:t>Logging</a:t>
+            </a:r>
+          </a:p>
+          <a:p>
+            <a:pPr lvl="1">
+              <a:buFont typeface="Wingdings" panose="05000000000000000000" pitchFamily="2" charset="2"/>
+              <a:buChar char="q"/>
+            </a:pPr>
+            <a:r>
+              <a:rPr lang="en-US" dirty="0"/>
+              <a:t>Metrics</a:t>
+            </a:r>
+          </a:p>
+          <a:p>
+            <a:pPr lvl="1">
+              <a:buFont typeface="Wingdings" panose="05000000000000000000" pitchFamily="2" charset="2"/>
+              <a:buChar char="q"/>
+            </a:pPr>
+            <a:r>
+              <a:rPr lang="en-US" dirty="0"/>
+              <a:t>Tracing</a:t>
+            </a:r>
+          </a:p>
+          <a:p>
+            <a:pPr lvl="1">
+              <a:buFont typeface="Wingdings" panose="05000000000000000000" pitchFamily="2" charset="2"/>
+              <a:buChar char="q"/>
+            </a:pPr>
+            <a:r>
+              <a:rPr lang="en-US" dirty="0"/>
+              <a:t>Health endpoint</a:t>
+            </a:r>
+          </a:p>
+        </p:txBody>
+      </p:sp>
+      <p:sp>
+        <p:nvSpPr>
+          <p:cNvPr id="5" name="Content Placeholder 4">
+            <a:extLst>
+              <a:ext uri="{FF2B5EF4-FFF2-40B4-BE49-F238E27FC236}">
+                <a16:creationId xmlns:a16="http://schemas.microsoft.com/office/drawing/2014/main" id="{C01BB871-25D1-48C2-AADC-E9354D9E219A}"/>
+              </a:ext>
+            </a:extLst>
+          </p:cNvPr>
+          <p:cNvSpPr>
+            <a:spLocks noGrp="1"/>
+          </p:cNvSpPr>
+          <p:nvPr>
+            <p:ph sz="half" idx="2"/>
+          </p:nvPr>
+        </p:nvSpPr>
+        <p:spPr/>
+        <p:txBody>
+          <a:bodyPr/>
+          <a:lstStyle/>
+          <a:p>
+            <a:pPr>
+              <a:buFont typeface="Wingdings" panose="05000000000000000000" pitchFamily="2" charset="2"/>
+              <a:buChar char="q"/>
+            </a:pPr>
+            <a:r>
+              <a:rPr lang="en-US" dirty="0"/>
+              <a:t>Configuration </a:t>
+            </a:r>
+          </a:p>
+          <a:p>
+            <a:pPr lvl="1">
+              <a:buFont typeface="Wingdings" panose="05000000000000000000" pitchFamily="2" charset="2"/>
+              <a:buChar char="q"/>
+            </a:pPr>
+            <a:r>
+              <a:rPr lang="en-US" dirty="0" err="1"/>
+              <a:t>application.properties</a:t>
+            </a:r>
+            <a:endParaRPr lang="en-US" dirty="0"/>
+          </a:p>
+          <a:p>
+            <a:pPr lvl="1">
+              <a:buFont typeface="Wingdings" panose="05000000000000000000" pitchFamily="2" charset="2"/>
+              <a:buChar char="q"/>
+            </a:pPr>
+            <a:r>
+              <a:rPr lang="en-US" dirty="0"/>
+              <a:t>Application-</a:t>
+            </a:r>
+            <a:r>
+              <a:rPr lang="en-US" dirty="0" err="1"/>
+              <a:t>localdev.properties</a:t>
+            </a:r>
+            <a:endParaRPr lang="en-US" dirty="0"/>
+          </a:p>
+          <a:p>
+            <a:pPr lvl="1">
+              <a:buFont typeface="Wingdings" panose="05000000000000000000" pitchFamily="2" charset="2"/>
+              <a:buChar char="q"/>
+            </a:pPr>
+            <a:r>
+              <a:rPr lang="en-US" dirty="0"/>
+              <a:t>Logback-spring.xml</a:t>
+            </a:r>
+          </a:p>
+          <a:p>
+            <a:pPr>
+              <a:buFont typeface="Wingdings" panose="05000000000000000000" pitchFamily="2" charset="2"/>
+              <a:buChar char="q"/>
+            </a:pPr>
+            <a:r>
+              <a:rPr lang="en-US" dirty="0"/>
+              <a:t>Deployment</a:t>
+            </a:r>
+          </a:p>
+          <a:p>
+            <a:pPr lvl="1">
+              <a:buFont typeface="Wingdings" panose="05000000000000000000" pitchFamily="2" charset="2"/>
+              <a:buChar char="q"/>
+            </a:pPr>
+            <a:r>
+              <a:rPr lang="en-US" dirty="0" err="1"/>
+              <a:t>Dockerfile</a:t>
+            </a:r>
+            <a:endParaRPr lang="en-US" dirty="0"/>
+          </a:p>
+          <a:p>
+            <a:pPr lvl="1">
+              <a:buFont typeface="Wingdings" panose="05000000000000000000" pitchFamily="2" charset="2"/>
+              <a:buChar char="q"/>
+            </a:pPr>
+            <a:r>
+              <a:rPr lang="en-US" dirty="0"/>
+              <a:t>docker-</a:t>
+            </a:r>
+            <a:r>
+              <a:rPr lang="en-US" dirty="0" err="1"/>
+              <a:t>compose.yml</a:t>
+            </a:r>
+            <a:endParaRPr lang="en-US" dirty="0"/>
+          </a:p>
+          <a:p>
+            <a:pPr>
+              <a:buFont typeface="Wingdings" panose="05000000000000000000" pitchFamily="2" charset="2"/>
+              <a:buChar char="q"/>
+            </a:pPr>
+            <a:r>
+              <a:rPr lang="en-US" dirty="0"/>
+              <a:t>Documentation</a:t>
+            </a:r>
+          </a:p>
+          <a:p>
+            <a:pPr lvl="1">
+              <a:buFont typeface="Wingdings" panose="05000000000000000000" pitchFamily="2" charset="2"/>
+              <a:buChar char="q"/>
+            </a:pPr>
+            <a:r>
+              <a:rPr lang="en-US" dirty="0"/>
+              <a:t>Swagger</a:t>
+            </a:r>
+          </a:p>
+          <a:p>
+            <a:endParaRPr lang="en-US" dirty="0"/>
+          </a:p>
+        </p:txBody>
+      </p:sp>
+      <p:sp>
+        <p:nvSpPr>
+          <p:cNvPr id="3" name="Slide Number Placeholder 2">
+            <a:extLst>
+              <a:ext uri="{FF2B5EF4-FFF2-40B4-BE49-F238E27FC236}">
+                <a16:creationId xmlns:a16="http://schemas.microsoft.com/office/drawing/2014/main" id="{9B537E25-8C0F-4E8C-AD3C-6B8E1B2ECAC0}"/>
+              </a:ext>
+            </a:extLst>
+          </p:cNvPr>
+          <p:cNvSpPr>
+            <a:spLocks noGrp="1"/>
+          </p:cNvSpPr>
+          <p:nvPr>
+            <p:ph type="sldNum" sz="quarter" idx="12"/>
+          </p:nvPr>
+        </p:nvSpPr>
+        <p:spPr/>
+        <p:txBody>
+          <a:bodyPr/>
+          <a:lstStyle/>
+          <a:p>
+            <a:fld id="{945DE137-1981-4A6E-942B-1AACE1746372}" type="slidenum">
+              <a:rPr lang="en-US" smtClean="0"/>
+              <a:t>12</a:t>
+            </a:fld>
+            <a:endParaRPr lang="en-US"/>
+          </a:p>
+        </p:txBody>
+      </p:sp>
+    </p:spTree>
+    <p:extLst>
+      <p:ext uri="{BB962C8B-B14F-4D97-AF65-F5344CB8AC3E}">
+        <p14:creationId xmlns:p14="http://schemas.microsoft.com/office/powerpoint/2010/main" val="2131648357"/>
+      </p:ext>
+    </p:extLst>
+  </p:cSld>
+  <p:clrMapOvr>
+    <a:masterClrMapping/>
+  </p:clrMapOvr>
+</p:sld>
+</file>
+
 <file path=ppt/slides/slide13.xml><?xml version="1.0" encoding="utf-8"?>
 <p:sld xmlns:a="http://schemas.openxmlformats.org/drawingml/2006/main" xmlns:r="http://schemas.openxmlformats.org/officeDocument/2006/relationships" xmlns:p="http://schemas.openxmlformats.org/presentationml/2006/main">
   <p:cSld>
@@ -7758,7 +6821,7 @@
           <p:cNvPr id="2" name="Title 1">
             <a:extLst>
               <a:ext uri="{FF2B5EF4-FFF2-40B4-BE49-F238E27FC236}">
-                <a16:creationId xmlns:a16="http://schemas.microsoft.com/office/drawing/2014/main" id="{EA6409AD-9D81-4FC8-A75B-0D8F378875A8}"/>
+                <a16:creationId xmlns:a16="http://schemas.microsoft.com/office/drawing/2014/main" id="{20DAF717-A5E3-4F99-9372-28F89B3D648F}"/>
               </a:ext>
             </a:extLst>
           </p:cNvPr>
@@ -7769,255 +6832,29 @@
             <p:ph type="title"/>
           </p:nvPr>
         </p:nvSpPr>
-        <p:spPr/>
+        <p:spPr>
+          <a:xfrm>
+            <a:off x="1025236" y="61360"/>
+            <a:ext cx="2694709" cy="1325563"/>
+          </a:xfrm>
+        </p:spPr>
         <p:txBody>
           <a:bodyPr/>
           <a:lstStyle/>
           <a:p>
             <a:r>
               <a:rPr lang="en-US" dirty="0"/>
-              <a:t>Production-Ready Checklist</a:t>
-            </a:r>
-          </a:p>
-        </p:txBody>
-      </p:sp>
-      <p:sp>
-        <p:nvSpPr>
-          <p:cNvPr id="4" name="Content Placeholder 3">
-            <a:extLst>
-              <a:ext uri="{FF2B5EF4-FFF2-40B4-BE49-F238E27FC236}">
-                <a16:creationId xmlns:a16="http://schemas.microsoft.com/office/drawing/2014/main" id="{BD1F2DAB-F97F-4E95-B9B4-FEC42B5B8CF5}"/>
-              </a:ext>
-            </a:extLst>
-          </p:cNvPr>
-          <p:cNvSpPr>
-            <a:spLocks noGrp="1"/>
-          </p:cNvSpPr>
-          <p:nvPr>
-            <p:ph sz="half" idx="1"/>
-          </p:nvPr>
-        </p:nvSpPr>
-        <p:spPr/>
-        <p:txBody>
-          <a:bodyPr>
-            <a:normAutofit/>
-          </a:bodyPr>
-          <a:lstStyle/>
-          <a:p>
-            <a:pPr>
-              <a:buFont typeface="Wingdings" panose="05000000000000000000" pitchFamily="2" charset="2"/>
-              <a:buChar char="q"/>
-            </a:pPr>
-            <a:r>
-              <a:rPr lang="en-US" dirty="0"/>
-              <a:t>Reliability</a:t>
-            </a:r>
-          </a:p>
-          <a:p>
-            <a:pPr lvl="1">
-              <a:buFont typeface="Wingdings" panose="05000000000000000000" pitchFamily="2" charset="2"/>
-              <a:buChar char="q"/>
-            </a:pPr>
-            <a:r>
-              <a:rPr lang="en-US" dirty="0"/>
-              <a:t>85% Unit test coverage</a:t>
-            </a:r>
-          </a:p>
-          <a:p>
-            <a:pPr lvl="1">
-              <a:buFont typeface="Wingdings" panose="05000000000000000000" pitchFamily="2" charset="2"/>
-              <a:buChar char="q"/>
-            </a:pPr>
-            <a:r>
-              <a:rPr lang="en-US" dirty="0"/>
-              <a:t>Retries and Circuit Breakers on all inter-service REST calls</a:t>
-            </a:r>
-          </a:p>
-          <a:p>
-            <a:pPr>
-              <a:buFont typeface="Wingdings" panose="05000000000000000000" pitchFamily="2" charset="2"/>
-              <a:buChar char="q"/>
-            </a:pPr>
-            <a:r>
-              <a:rPr lang="en-US" dirty="0"/>
-              <a:t>Observability</a:t>
-            </a:r>
-          </a:p>
-          <a:p>
-            <a:pPr lvl="1">
-              <a:buFont typeface="Wingdings" panose="05000000000000000000" pitchFamily="2" charset="2"/>
-              <a:buChar char="q"/>
-            </a:pPr>
-            <a:r>
-              <a:rPr lang="en-US" dirty="0"/>
-              <a:t>Logging</a:t>
-            </a:r>
-          </a:p>
-          <a:p>
-            <a:pPr lvl="1">
-              <a:buFont typeface="Wingdings" panose="05000000000000000000" pitchFamily="2" charset="2"/>
-              <a:buChar char="q"/>
-            </a:pPr>
-            <a:r>
-              <a:rPr lang="en-US" dirty="0"/>
-              <a:t>Metrics</a:t>
-            </a:r>
-          </a:p>
-          <a:p>
-            <a:pPr lvl="1">
-              <a:buFont typeface="Wingdings" panose="05000000000000000000" pitchFamily="2" charset="2"/>
-              <a:buChar char="q"/>
-            </a:pPr>
-            <a:r>
-              <a:rPr lang="en-US" dirty="0"/>
-              <a:t>Tracing</a:t>
-            </a:r>
-          </a:p>
-          <a:p>
-            <a:pPr lvl="1">
-              <a:buFont typeface="Wingdings" panose="05000000000000000000" pitchFamily="2" charset="2"/>
-              <a:buChar char="q"/>
-            </a:pPr>
-            <a:r>
-              <a:rPr lang="en-US" dirty="0"/>
-              <a:t>Health endpoint</a:t>
-            </a:r>
-          </a:p>
-        </p:txBody>
-      </p:sp>
-      <p:sp>
-        <p:nvSpPr>
-          <p:cNvPr id="5" name="Content Placeholder 4">
-            <a:extLst>
-              <a:ext uri="{FF2B5EF4-FFF2-40B4-BE49-F238E27FC236}">
-                <a16:creationId xmlns:a16="http://schemas.microsoft.com/office/drawing/2014/main" id="{C01BB871-25D1-48C2-AADC-E9354D9E219A}"/>
-              </a:ext>
-            </a:extLst>
-          </p:cNvPr>
-          <p:cNvSpPr>
-            <a:spLocks noGrp="1"/>
-          </p:cNvSpPr>
-          <p:nvPr>
-            <p:ph sz="half" idx="2"/>
-          </p:nvPr>
-        </p:nvSpPr>
-        <p:spPr/>
-        <p:txBody>
-          <a:bodyPr/>
-          <a:lstStyle/>
-          <a:p>
-            <a:pPr>
-              <a:buFont typeface="Wingdings" panose="05000000000000000000" pitchFamily="2" charset="2"/>
-              <a:buChar char="q"/>
-            </a:pPr>
-            <a:r>
-              <a:rPr lang="en-US" dirty="0"/>
-              <a:t>Configuration </a:t>
-            </a:r>
-          </a:p>
-          <a:p>
-            <a:pPr lvl="1">
-              <a:buFont typeface="Wingdings" panose="05000000000000000000" pitchFamily="2" charset="2"/>
-              <a:buChar char="q"/>
-            </a:pPr>
-            <a:r>
-              <a:rPr lang="en-US" dirty="0" err="1"/>
-              <a:t>application.properties</a:t>
-            </a:r>
-            <a:endParaRPr lang="en-US" dirty="0"/>
-          </a:p>
-          <a:p>
-            <a:pPr lvl="1">
-              <a:buFont typeface="Wingdings" panose="05000000000000000000" pitchFamily="2" charset="2"/>
-              <a:buChar char="q"/>
-            </a:pPr>
-            <a:r>
-              <a:rPr lang="en-US" dirty="0"/>
-              <a:t>Application-</a:t>
-            </a:r>
-            <a:r>
-              <a:rPr lang="en-US" dirty="0" err="1"/>
-              <a:t>localdev.properties</a:t>
-            </a:r>
-            <a:endParaRPr lang="en-US" dirty="0"/>
-          </a:p>
-          <a:p>
-            <a:pPr lvl="1">
-              <a:buFont typeface="Wingdings" panose="05000000000000000000" pitchFamily="2" charset="2"/>
-              <a:buChar char="q"/>
-            </a:pPr>
-            <a:r>
-              <a:rPr lang="en-US" dirty="0"/>
-              <a:t>Logback-spring.xml</a:t>
-            </a:r>
-          </a:p>
-          <a:p>
-            <a:pPr>
-              <a:buFont typeface="Wingdings" panose="05000000000000000000" pitchFamily="2" charset="2"/>
-              <a:buChar char="q"/>
-            </a:pPr>
-            <a:r>
-              <a:rPr lang="en-US" dirty="0"/>
-              <a:t>Deployment</a:t>
-            </a:r>
-          </a:p>
-          <a:p>
-            <a:pPr lvl="1">
-              <a:buFont typeface="Wingdings" panose="05000000000000000000" pitchFamily="2" charset="2"/>
-              <a:buChar char="q"/>
-            </a:pPr>
-            <a:r>
-              <a:rPr lang="en-US" dirty="0" err="1"/>
-              <a:t>Dockerfile</a:t>
-            </a:r>
-            <a:endParaRPr lang="en-US" dirty="0"/>
-          </a:p>
-          <a:p>
-            <a:pPr lvl="1">
-              <a:buFont typeface="Wingdings" panose="05000000000000000000" pitchFamily="2" charset="2"/>
-              <a:buChar char="q"/>
-            </a:pPr>
-            <a:r>
-              <a:rPr lang="en-US" dirty="0"/>
-              <a:t>docker-</a:t>
-            </a:r>
-            <a:r>
-              <a:rPr lang="en-US" dirty="0" err="1"/>
-              <a:t>compose.yml</a:t>
-            </a:r>
-            <a:endParaRPr lang="en-US" dirty="0"/>
-          </a:p>
-          <a:p>
-            <a:pPr>
-              <a:buFont typeface="Wingdings" panose="05000000000000000000" pitchFamily="2" charset="2"/>
-              <a:buChar char="q"/>
-            </a:pPr>
-            <a:r>
-              <a:rPr lang="en-US" dirty="0"/>
-              <a:t>Documentation</a:t>
-            </a:r>
-          </a:p>
-          <a:p>
-            <a:pPr lvl="1">
-              <a:buFont typeface="Wingdings" panose="05000000000000000000" pitchFamily="2" charset="2"/>
-              <a:buChar char="q"/>
-            </a:pPr>
-            <a:r>
-              <a:rPr lang="en-US" dirty="0"/>
-              <a:t>Swagger</a:t>
-            </a:r>
-          </a:p>
-          <a:p>
-            <a:endParaRPr lang="en-US" dirty="0"/>
-          </a:p>
-        </p:txBody>
-      </p:sp>
-      <p:sp>
-        <p:nvSpPr>
-          <p:cNvPr id="3" name="Slide Number Placeholder 2">
-            <a:extLst>
-              <a:ext uri="{FF2B5EF4-FFF2-40B4-BE49-F238E27FC236}">
-                <a16:creationId xmlns:a16="http://schemas.microsoft.com/office/drawing/2014/main" id="{9B537E25-8C0F-4E8C-AD3C-6B8E1B2ECAC0}"/>
+              <a:t>Customers</a:t>
+            </a:r>
+          </a:p>
+        </p:txBody>
+      </p:sp>
+      <p:sp>
+        <p:nvSpPr>
+          <p:cNvPr id="4" name="Slide Number Placeholder 3">
+            <a:extLst>
+              <a:ext uri="{FF2B5EF4-FFF2-40B4-BE49-F238E27FC236}">
+                <a16:creationId xmlns:a16="http://schemas.microsoft.com/office/drawing/2014/main" id="{53B8EDA7-9721-4CE1-8D3A-CCDDE6D183C6}"/>
               </a:ext>
             </a:extLst>
           </p:cNvPr>
@@ -8036,98 +6873,6 @@
             <a:fld id="{945DE137-1981-4A6E-942B-1AACE1746372}" type="slidenum">
               <a:rPr lang="en-US" smtClean="0"/>
               <a:t>13</a:t>
-            </a:fld>
-            <a:endParaRPr lang="en-US"/>
-          </a:p>
-        </p:txBody>
-      </p:sp>
-    </p:spTree>
-    <p:extLst>
-      <p:ext uri="{BB962C8B-B14F-4D97-AF65-F5344CB8AC3E}">
-        <p14:creationId xmlns:p14="http://schemas.microsoft.com/office/powerpoint/2010/main" val="2131648357"/>
-      </p:ext>
-    </p:extLst>
-  </p:cSld>
-  <p:clrMapOvr>
-    <a:masterClrMapping/>
-  </p:clrMapOvr>
-</p:sld>
-</file>
-
-<file path=ppt/slides/slide14.xml><?xml version="1.0" encoding="utf-8"?>
-<p:sld xmlns:a="http://schemas.openxmlformats.org/drawingml/2006/main" xmlns:r="http://schemas.openxmlformats.org/officeDocument/2006/relationships" xmlns:p="http://schemas.openxmlformats.org/presentationml/2006/main">
-  <p:cSld>
-    <p:spTree>
-      <p:nvGrpSpPr>
-        <p:cNvPr id="1" name=""/>
-        <p:cNvGrpSpPr/>
-        <p:nvPr/>
-      </p:nvGrpSpPr>
-      <p:grpSpPr>
-        <a:xfrm>
-          <a:off x="0" y="0"/>
-          <a:ext cx="0" cy="0"/>
-          <a:chOff x="0" y="0"/>
-          <a:chExt cx="0" cy="0"/>
-        </a:xfrm>
-      </p:grpSpPr>
-      <p:sp>
-        <p:nvSpPr>
-          <p:cNvPr id="2" name="Title 1">
-            <a:extLst>
-              <a:ext uri="{FF2B5EF4-FFF2-40B4-BE49-F238E27FC236}">
-                <a16:creationId xmlns:a16="http://schemas.microsoft.com/office/drawing/2014/main" id="{20DAF717-A5E3-4F99-9372-28F89B3D648F}"/>
-              </a:ext>
-            </a:extLst>
-          </p:cNvPr>
-          <p:cNvSpPr>
-            <a:spLocks noGrp="1"/>
-          </p:cNvSpPr>
-          <p:nvPr>
-            <p:ph type="title"/>
-          </p:nvPr>
-        </p:nvSpPr>
-        <p:spPr>
-          <a:xfrm>
-            <a:off x="1025236" y="61360"/>
-            <a:ext cx="2694709" cy="1325563"/>
-          </a:xfrm>
-        </p:spPr>
-        <p:txBody>
-          <a:bodyPr/>
-          <a:lstStyle/>
-          <a:p>
-            <a:r>
-              <a:rPr lang="en-US" dirty="0"/>
-              <a:t>Customers</a:t>
-            </a:r>
-          </a:p>
-        </p:txBody>
-      </p:sp>
-      <p:sp>
-        <p:nvSpPr>
-          <p:cNvPr id="4" name="Slide Number Placeholder 3">
-            <a:extLst>
-              <a:ext uri="{FF2B5EF4-FFF2-40B4-BE49-F238E27FC236}">
-                <a16:creationId xmlns:a16="http://schemas.microsoft.com/office/drawing/2014/main" id="{53B8EDA7-9721-4CE1-8D3A-CCDDE6D183C6}"/>
-              </a:ext>
-            </a:extLst>
-          </p:cNvPr>
-          <p:cNvSpPr>
-            <a:spLocks noGrp="1"/>
-          </p:cNvSpPr>
-          <p:nvPr>
-            <p:ph type="sldNum" sz="quarter" idx="12"/>
-          </p:nvPr>
-        </p:nvSpPr>
-        <p:spPr/>
-        <p:txBody>
-          <a:bodyPr/>
-          <a:lstStyle/>
-          <a:p>
-            <a:fld id="{945DE137-1981-4A6E-942B-1AACE1746372}" type="slidenum">
-              <a:rPr lang="en-US" smtClean="0"/>
-              <a:t>14</a:t>
             </a:fld>
             <a:endParaRPr lang="en-US"/>
           </a:p>
@@ -9601,6 +8346,133 @@
 </p:sld>
 </file>
 
+<file path=ppt/slides/slide14.xml><?xml version="1.0" encoding="utf-8"?>
+<p:sld xmlns:a="http://schemas.openxmlformats.org/drawingml/2006/main" xmlns:r="http://schemas.openxmlformats.org/officeDocument/2006/relationships" xmlns:p="http://schemas.openxmlformats.org/presentationml/2006/main">
+  <p:cSld>
+    <p:spTree>
+      <p:nvGrpSpPr>
+        <p:cNvPr id="1" name=""/>
+        <p:cNvGrpSpPr/>
+        <p:nvPr/>
+      </p:nvGrpSpPr>
+      <p:grpSpPr>
+        <a:xfrm>
+          <a:off x="0" y="0"/>
+          <a:ext cx="0" cy="0"/>
+          <a:chOff x="0" y="0"/>
+          <a:chExt cx="0" cy="0"/>
+        </a:xfrm>
+      </p:grpSpPr>
+      <p:sp>
+        <p:nvSpPr>
+          <p:cNvPr id="2" name="Title 1">
+            <a:extLst>
+              <a:ext uri="{FF2B5EF4-FFF2-40B4-BE49-F238E27FC236}">
+                <a16:creationId xmlns:a16="http://schemas.microsoft.com/office/drawing/2014/main" id="{E0F1097E-2A9E-48B9-9097-41DFE4E67E81}"/>
+              </a:ext>
+            </a:extLst>
+          </p:cNvPr>
+          <p:cNvSpPr>
+            <a:spLocks noGrp="1"/>
+          </p:cNvSpPr>
+          <p:nvPr>
+            <p:ph type="title"/>
+          </p:nvPr>
+        </p:nvSpPr>
+        <p:spPr/>
+        <p:txBody>
+          <a:bodyPr/>
+          <a:lstStyle/>
+          <a:p>
+            <a:r>
+              <a:rPr lang="en-US" dirty="0"/>
+              <a:t>Customers</a:t>
+            </a:r>
+          </a:p>
+        </p:txBody>
+      </p:sp>
+      <p:sp>
+        <p:nvSpPr>
+          <p:cNvPr id="3" name="Content Placeholder 2">
+            <a:extLst>
+              <a:ext uri="{FF2B5EF4-FFF2-40B4-BE49-F238E27FC236}">
+                <a16:creationId xmlns:a16="http://schemas.microsoft.com/office/drawing/2014/main" id="{9F8B4165-0581-4CF5-80A1-A7F3CDAAB2D7}"/>
+              </a:ext>
+            </a:extLst>
+          </p:cNvPr>
+          <p:cNvSpPr>
+            <a:spLocks noGrp="1"/>
+          </p:cNvSpPr>
+          <p:nvPr>
+            <p:ph idx="1"/>
+          </p:nvPr>
+        </p:nvSpPr>
+        <p:spPr/>
+        <p:txBody>
+          <a:bodyPr/>
+          <a:lstStyle/>
+          <a:p>
+            <a:r>
+              <a:rPr lang="en-US" dirty="0"/>
+              <a:t>Customer-Service should expose an order history endpoint, and call the Order-Service to get the orders for the customer</a:t>
+            </a:r>
+          </a:p>
+          <a:p>
+            <a:r>
+              <a:rPr lang="en-US" dirty="0"/>
+              <a:t>When a customer is created, an event should be placed on the Event Bus containing the new customer data</a:t>
+            </a:r>
+          </a:p>
+          <a:p>
+            <a:r>
+              <a:rPr lang="en-US" dirty="0"/>
+              <a:t>When a customer is updated, an event should be placed on the Event Bus containing the updated customer data</a:t>
+            </a:r>
+          </a:p>
+        </p:txBody>
+      </p:sp>
+      <p:sp>
+        <p:nvSpPr>
+          <p:cNvPr id="4" name="Slide Number Placeholder 3">
+            <a:extLst>
+              <a:ext uri="{FF2B5EF4-FFF2-40B4-BE49-F238E27FC236}">
+                <a16:creationId xmlns:a16="http://schemas.microsoft.com/office/drawing/2014/main" id="{BC8E5027-0D0B-4A9C-85C0-053DAA697822}"/>
+              </a:ext>
+            </a:extLst>
+          </p:cNvPr>
+          <p:cNvSpPr>
+            <a:spLocks noGrp="1"/>
+          </p:cNvSpPr>
+          <p:nvPr>
+            <p:ph type="sldNum" sz="quarter" idx="12"/>
+          </p:nvPr>
+        </p:nvSpPr>
+        <p:spPr/>
+        <p:txBody>
+          <a:bodyPr/>
+          <a:lstStyle/>
+          <a:p>
+            <a:fld id="{945DE137-1981-4A6E-942B-1AACE1746372}" type="slidenum">
+              <a:rPr lang="en-US" smtClean="0"/>
+              <a:t>14</a:t>
+            </a:fld>
+            <a:endParaRPr lang="en-US"/>
+          </a:p>
+        </p:txBody>
+      </p:sp>
+    </p:spTree>
+    <p:extLst>
+      <p:ext uri="{BB962C8B-B14F-4D97-AF65-F5344CB8AC3E}">
+        <p14:creationId xmlns:p14="http://schemas.microsoft.com/office/powerpoint/2010/main" val="3908538988"/>
+      </p:ext>
+    </p:extLst>
+  </p:cSld>
+  <p:clrMapOvr>
+    <a:masterClrMapping/>
+  </p:clrMapOvr>
+</p:sld>
+</file>
+
 <file path=ppt/slides/slide15.xml><?xml version="1.0" encoding="utf-8"?>
 <p:sld xmlns:a="http://schemas.openxmlformats.org/drawingml/2006/main" xmlns:r="http://schemas.openxmlformats.org/officeDocument/2006/relationships" xmlns:p="http://schemas.openxmlformats.org/presentationml/2006/main">
   <p:cSld>
@@ -9623,7 +8495,7 @@
           <p:cNvPr id="2" name="Title 1">
             <a:extLst>
               <a:ext uri="{FF2B5EF4-FFF2-40B4-BE49-F238E27FC236}">
-                <a16:creationId xmlns:a16="http://schemas.microsoft.com/office/drawing/2014/main" id="{E0F1097E-2A9E-48B9-9097-41DFE4E67E81}"/>
+                <a16:creationId xmlns:a16="http://schemas.microsoft.com/office/drawing/2014/main" id="{20DAF717-A5E3-4F99-9372-28F89B3D648F}"/>
               </a:ext>
             </a:extLst>
           </p:cNvPr>
@@ -9634,48 +8506,19 @@
             <p:ph type="title"/>
           </p:nvPr>
         </p:nvSpPr>
-        <p:spPr/>
+        <p:spPr>
+          <a:xfrm>
+            <a:off x="1025236" y="61360"/>
+            <a:ext cx="2694709" cy="1325563"/>
+          </a:xfrm>
+        </p:spPr>
         <p:txBody>
           <a:bodyPr/>
           <a:lstStyle/>
           <a:p>
             <a:r>
               <a:rPr lang="en-US" dirty="0"/>
-              <a:t>Customers</a:t>
-            </a:r>
-          </a:p>
-        </p:txBody>
-      </p:sp>
-      <p:sp>
-        <p:nvSpPr>
-          <p:cNvPr id="3" name="Content Placeholder 2">
-            <a:extLst>
-              <a:ext uri="{FF2B5EF4-FFF2-40B4-BE49-F238E27FC236}">
-                <a16:creationId xmlns:a16="http://schemas.microsoft.com/office/drawing/2014/main" id="{9F8B4165-0581-4CF5-80A1-A7F3CDAAB2D7}"/>
-              </a:ext>
-            </a:extLst>
-          </p:cNvPr>
-          <p:cNvSpPr>
-            <a:spLocks noGrp="1"/>
-          </p:cNvSpPr>
-          <p:nvPr>
-            <p:ph idx="1"/>
-          </p:nvPr>
-        </p:nvSpPr>
-        <p:spPr/>
-        <p:txBody>
-          <a:bodyPr/>
-          <a:lstStyle/>
-          <a:p>
-            <a:r>
-              <a:rPr lang="en-US" dirty="0"/>
-              <a:t>When a customer is created, an event should be placed on the Event Bus containing the new customer data</a:t>
-            </a:r>
-          </a:p>
-          <a:p>
-            <a:r>
-              <a:rPr lang="en-US" dirty="0"/>
-              <a:t>When a customer is updated, an event should be placed on the Event Bus containing the updated customer data</a:t>
+              <a:t>Orders</a:t>
             </a:r>
           </a:p>
         </p:txBody>
@@ -9685,7 +8528,7 @@
           <p:cNvPr id="4" name="Slide Number Placeholder 3">
             <a:extLst>
               <a:ext uri="{FF2B5EF4-FFF2-40B4-BE49-F238E27FC236}">
-                <a16:creationId xmlns:a16="http://schemas.microsoft.com/office/drawing/2014/main" id="{BC8E5027-0D0B-4A9C-85C0-053DAA697822}"/>
+                <a16:creationId xmlns:a16="http://schemas.microsoft.com/office/drawing/2014/main" id="{53B8EDA7-9721-4CE1-8D3A-CCDDE6D183C6}"/>
               </a:ext>
             </a:extLst>
           </p:cNvPr>
@@ -9704,98 +8547,6 @@
             <a:fld id="{945DE137-1981-4A6E-942B-1AACE1746372}" type="slidenum">
               <a:rPr lang="en-US" smtClean="0"/>
               <a:t>15</a:t>
-            </a:fld>
-            <a:endParaRPr lang="en-US"/>
-          </a:p>
-        </p:txBody>
-      </p:sp>
-    </p:spTree>
-    <p:extLst>
-      <p:ext uri="{BB962C8B-B14F-4D97-AF65-F5344CB8AC3E}">
-        <p14:creationId xmlns:p14="http://schemas.microsoft.com/office/powerpoint/2010/main" val="3908538988"/>
-      </p:ext>
-    </p:extLst>
-  </p:cSld>
-  <p:clrMapOvr>
-    <a:masterClrMapping/>
-  </p:clrMapOvr>
-</p:sld>
-</file>
-
-<file path=ppt/slides/slide16.xml><?xml version="1.0" encoding="utf-8"?>
-<p:sld xmlns:a="http://schemas.openxmlformats.org/drawingml/2006/main" xmlns:r="http://schemas.openxmlformats.org/officeDocument/2006/relationships" xmlns:p="http://schemas.openxmlformats.org/presentationml/2006/main">
-  <p:cSld>
-    <p:spTree>
-      <p:nvGrpSpPr>
-        <p:cNvPr id="1" name=""/>
-        <p:cNvGrpSpPr/>
-        <p:nvPr/>
-      </p:nvGrpSpPr>
-      <p:grpSpPr>
-        <a:xfrm>
-          <a:off x="0" y="0"/>
-          <a:ext cx="0" cy="0"/>
-          <a:chOff x="0" y="0"/>
-          <a:chExt cx="0" cy="0"/>
-        </a:xfrm>
-      </p:grpSpPr>
-      <p:sp>
-        <p:nvSpPr>
-          <p:cNvPr id="2" name="Title 1">
-            <a:extLst>
-              <a:ext uri="{FF2B5EF4-FFF2-40B4-BE49-F238E27FC236}">
-                <a16:creationId xmlns:a16="http://schemas.microsoft.com/office/drawing/2014/main" id="{20DAF717-A5E3-4F99-9372-28F89B3D648F}"/>
-              </a:ext>
-            </a:extLst>
-          </p:cNvPr>
-          <p:cNvSpPr>
-            <a:spLocks noGrp="1"/>
-          </p:cNvSpPr>
-          <p:nvPr>
-            <p:ph type="title"/>
-          </p:nvPr>
-        </p:nvSpPr>
-        <p:spPr>
-          <a:xfrm>
-            <a:off x="1025236" y="61360"/>
-            <a:ext cx="2694709" cy="1325563"/>
-          </a:xfrm>
-        </p:spPr>
-        <p:txBody>
-          <a:bodyPr/>
-          <a:lstStyle/>
-          <a:p>
-            <a:r>
-              <a:rPr lang="en-US" dirty="0"/>
-              <a:t>Orders</a:t>
-            </a:r>
-          </a:p>
-        </p:txBody>
-      </p:sp>
-      <p:sp>
-        <p:nvSpPr>
-          <p:cNvPr id="4" name="Slide Number Placeholder 3">
-            <a:extLst>
-              <a:ext uri="{FF2B5EF4-FFF2-40B4-BE49-F238E27FC236}">
-                <a16:creationId xmlns:a16="http://schemas.microsoft.com/office/drawing/2014/main" id="{53B8EDA7-9721-4CE1-8D3A-CCDDE6D183C6}"/>
-              </a:ext>
-            </a:extLst>
-          </p:cNvPr>
-          <p:cNvSpPr>
-            <a:spLocks noGrp="1"/>
-          </p:cNvSpPr>
-          <p:nvPr>
-            <p:ph type="sldNum" sz="quarter" idx="12"/>
-          </p:nvPr>
-        </p:nvSpPr>
-        <p:spPr/>
-        <p:txBody>
-          <a:bodyPr/>
-          <a:lstStyle/>
-          <a:p>
-            <a:fld id="{945DE137-1981-4A6E-942B-1AACE1746372}" type="slidenum">
-              <a:rPr lang="en-US" smtClean="0"/>
-              <a:t>16</a:t>
             </a:fld>
             <a:endParaRPr lang="en-US"/>
           </a:p>
@@ -11525,6 +10276,153 @@
 </p:sld>
 </file>
 
+<file path=ppt/slides/slide16.xml><?xml version="1.0" encoding="utf-8"?>
+<p:sld xmlns:a="http://schemas.openxmlformats.org/drawingml/2006/main" xmlns:r="http://schemas.openxmlformats.org/officeDocument/2006/relationships" xmlns:p="http://schemas.openxmlformats.org/presentationml/2006/main">
+  <p:cSld>
+    <p:spTree>
+      <p:nvGrpSpPr>
+        <p:cNvPr id="1" name=""/>
+        <p:cNvGrpSpPr/>
+        <p:nvPr/>
+      </p:nvGrpSpPr>
+      <p:grpSpPr>
+        <a:xfrm>
+          <a:off x="0" y="0"/>
+          <a:ext cx="0" cy="0"/>
+          <a:chOff x="0" y="0"/>
+          <a:chExt cx="0" cy="0"/>
+        </a:xfrm>
+      </p:grpSpPr>
+      <p:sp>
+        <p:nvSpPr>
+          <p:cNvPr id="2" name="Title 1">
+            <a:extLst>
+              <a:ext uri="{FF2B5EF4-FFF2-40B4-BE49-F238E27FC236}">
+                <a16:creationId xmlns:a16="http://schemas.microsoft.com/office/drawing/2014/main" id="{A76D6DBA-0D68-4077-B396-FD5A09F289ED}"/>
+              </a:ext>
+            </a:extLst>
+          </p:cNvPr>
+          <p:cNvSpPr>
+            <a:spLocks noGrp="1"/>
+          </p:cNvSpPr>
+          <p:nvPr>
+            <p:ph type="title"/>
+          </p:nvPr>
+        </p:nvSpPr>
+        <p:spPr/>
+        <p:txBody>
+          <a:bodyPr/>
+          <a:lstStyle/>
+          <a:p>
+            <a:r>
+              <a:rPr lang="en-US" dirty="0"/>
+              <a:t>Orders</a:t>
+            </a:r>
+          </a:p>
+        </p:txBody>
+      </p:sp>
+      <p:sp>
+        <p:nvSpPr>
+          <p:cNvPr id="3" name="Content Placeholder 2">
+            <a:extLst>
+              <a:ext uri="{FF2B5EF4-FFF2-40B4-BE49-F238E27FC236}">
+                <a16:creationId xmlns:a16="http://schemas.microsoft.com/office/drawing/2014/main" id="{D5D95494-B474-46BA-AEF9-F2860DE4E821}"/>
+              </a:ext>
+            </a:extLst>
+          </p:cNvPr>
+          <p:cNvSpPr>
+            <a:spLocks noGrp="1"/>
+          </p:cNvSpPr>
+          <p:nvPr>
+            <p:ph idx="1"/>
+          </p:nvPr>
+        </p:nvSpPr>
+        <p:spPr/>
+        <p:txBody>
+          <a:bodyPr/>
+          <a:lstStyle/>
+          <a:p>
+            <a:r>
+              <a:rPr lang="en-US" dirty="0"/>
+              <a:t>When an order is placed, an event should be sent to the Event Bus with the order data</a:t>
+            </a:r>
+          </a:p>
+          <a:p>
+            <a:r>
+              <a:rPr lang="en-US" dirty="0"/>
+              <a:t>When an order is cancelled, an event should be sent to the Event Bus</a:t>
+            </a:r>
+          </a:p>
+          <a:p>
+            <a:r>
+              <a:rPr lang="en-US" dirty="0"/>
+              <a:t>When an order is shipped (an </a:t>
+            </a:r>
+            <a:r>
+              <a:rPr lang="en-US" dirty="0" err="1"/>
+              <a:t>OrderShipped</a:t>
+            </a:r>
+            <a:r>
+              <a:rPr lang="en-US" dirty="0"/>
+              <a:t> event received) the order should be marked shipped if allowed.</a:t>
+            </a:r>
+          </a:p>
+          <a:p>
+            <a:r>
+              <a:rPr lang="en-US" dirty="0"/>
+              <a:t>If a freight charge cannot obtained from shipping, a default shipping Rate of 26.08 will be used</a:t>
+            </a:r>
+          </a:p>
+          <a:p>
+            <a:endParaRPr lang="en-US" dirty="0"/>
+          </a:p>
+          <a:p>
+            <a:endParaRPr lang="en-US" dirty="0"/>
+          </a:p>
+        </p:txBody>
+      </p:sp>
+      <p:sp>
+        <p:nvSpPr>
+          <p:cNvPr id="4" name="Slide Number Placeholder 3">
+            <a:extLst>
+              <a:ext uri="{FF2B5EF4-FFF2-40B4-BE49-F238E27FC236}">
+                <a16:creationId xmlns:a16="http://schemas.microsoft.com/office/drawing/2014/main" id="{45814D75-3753-405A-8182-C137C248AA9B}"/>
+              </a:ext>
+            </a:extLst>
+          </p:cNvPr>
+          <p:cNvSpPr>
+            <a:spLocks noGrp="1"/>
+          </p:cNvSpPr>
+          <p:nvPr>
+            <p:ph type="sldNum" sz="quarter" idx="12"/>
+          </p:nvPr>
+        </p:nvSpPr>
+        <p:spPr/>
+        <p:txBody>
+          <a:bodyPr/>
+          <a:lstStyle/>
+          <a:p>
+            <a:fld id="{945DE137-1981-4A6E-942B-1AACE1746372}" type="slidenum">
+              <a:rPr lang="en-US" smtClean="0"/>
+              <a:t>16</a:t>
+            </a:fld>
+            <a:endParaRPr lang="en-US"/>
+          </a:p>
+        </p:txBody>
+      </p:sp>
+    </p:spTree>
+    <p:extLst>
+      <p:ext uri="{BB962C8B-B14F-4D97-AF65-F5344CB8AC3E}">
+        <p14:creationId xmlns:p14="http://schemas.microsoft.com/office/powerpoint/2010/main" val="25950152"/>
+      </p:ext>
+    </p:extLst>
+  </p:cSld>
+  <p:clrMapOvr>
+    <a:masterClrMapping/>
+  </p:clrMapOvr>
+</p:sld>
+</file>
+
 <file path=ppt/slides/slide17.xml><?xml version="1.0" encoding="utf-8"?>
 <p:sld xmlns:a="http://schemas.openxmlformats.org/drawingml/2006/main" xmlns:r="http://schemas.openxmlformats.org/officeDocument/2006/relationships" xmlns:p="http://schemas.openxmlformats.org/presentationml/2006/main">
   <p:cSld>
@@ -11547,7 +10445,7 @@
           <p:cNvPr id="2" name="Title 1">
             <a:extLst>
               <a:ext uri="{FF2B5EF4-FFF2-40B4-BE49-F238E27FC236}">
-                <a16:creationId xmlns:a16="http://schemas.microsoft.com/office/drawing/2014/main" id="{A76D6DBA-0D68-4077-B396-FD5A09F289ED}"/>
+                <a16:creationId xmlns:a16="http://schemas.microsoft.com/office/drawing/2014/main" id="{20DAF717-A5E3-4F99-9372-28F89B3D648F}"/>
               </a:ext>
             </a:extLst>
           </p:cNvPr>
@@ -11558,75 +10456,20 @@
             <p:ph type="title"/>
           </p:nvPr>
         </p:nvSpPr>
-        <p:spPr/>
+        <p:spPr>
+          <a:xfrm>
+            <a:off x="1025236" y="61360"/>
+            <a:ext cx="2694709" cy="1325563"/>
+          </a:xfrm>
+        </p:spPr>
         <p:txBody>
           <a:bodyPr/>
           <a:lstStyle/>
           <a:p>
             <a:r>
               <a:rPr lang="en-US" dirty="0"/>
-              <a:t>Orders</a:t>
-            </a:r>
-          </a:p>
-        </p:txBody>
-      </p:sp>
-      <p:sp>
-        <p:nvSpPr>
-          <p:cNvPr id="3" name="Content Placeholder 2">
-            <a:extLst>
-              <a:ext uri="{FF2B5EF4-FFF2-40B4-BE49-F238E27FC236}">
-                <a16:creationId xmlns:a16="http://schemas.microsoft.com/office/drawing/2014/main" id="{D5D95494-B474-46BA-AEF9-F2860DE4E821}"/>
-              </a:ext>
-            </a:extLst>
-          </p:cNvPr>
-          <p:cNvSpPr>
-            <a:spLocks noGrp="1"/>
-          </p:cNvSpPr>
-          <p:nvPr>
-            <p:ph idx="1"/>
-          </p:nvPr>
-        </p:nvSpPr>
-        <p:spPr/>
-        <p:txBody>
-          <a:bodyPr/>
-          <a:lstStyle/>
-          <a:p>
-            <a:r>
-              <a:rPr lang="en-US" dirty="0"/>
-              <a:t>When an order is placed, an event should be sent to the Event Bus with the order data</a:t>
-            </a:r>
-          </a:p>
-          <a:p>
-            <a:r>
-              <a:rPr lang="en-US" dirty="0"/>
-              <a:t>When an order is cancelled, an event should be sent to the Event Bus</a:t>
-            </a:r>
-          </a:p>
-          <a:p>
-            <a:r>
-              <a:rPr lang="en-US" dirty="0"/>
-              <a:t>When an order is shipped (an </a:t>
-            </a:r>
-            <a:r>
-              <a:rPr lang="en-US" dirty="0" err="1"/>
-              <a:t>OrderShipped</a:t>
-            </a:r>
-            <a:r>
-              <a:rPr lang="en-US" dirty="0"/>
-              <a:t> event received) the order should be marked shipped if allowed.</a:t>
-            </a:r>
-          </a:p>
-          <a:p>
-            <a:r>
-              <a:rPr lang="en-US" dirty="0"/>
-              <a:t>If a freight charge cannot obtained from shipping, a default shipping Rate of 26.08 will be used</a:t>
-            </a:r>
-          </a:p>
-          <a:p>
-            <a:endParaRPr lang="en-US" dirty="0"/>
-          </a:p>
-          <a:p>
-            <a:endParaRPr lang="en-US" dirty="0"/>
+              <a:t>Shipping</a:t>
+            </a:r>
           </a:p>
         </p:txBody>
       </p:sp>
@@ -11635,7 +10478,7 @@
           <p:cNvPr id="4" name="Slide Number Placeholder 3">
             <a:extLst>
               <a:ext uri="{FF2B5EF4-FFF2-40B4-BE49-F238E27FC236}">
-                <a16:creationId xmlns:a16="http://schemas.microsoft.com/office/drawing/2014/main" id="{45814D75-3753-405A-8182-C137C248AA9B}"/>
+                <a16:creationId xmlns:a16="http://schemas.microsoft.com/office/drawing/2014/main" id="{53B8EDA7-9721-4CE1-8D3A-CCDDE6D183C6}"/>
               </a:ext>
             </a:extLst>
           </p:cNvPr>
@@ -11654,98 +10497,6 @@
             <a:fld id="{945DE137-1981-4A6E-942B-1AACE1746372}" type="slidenum">
               <a:rPr lang="en-US" smtClean="0"/>
               <a:t>17</a:t>
-            </a:fld>
-            <a:endParaRPr lang="en-US"/>
-          </a:p>
-        </p:txBody>
-      </p:sp>
-    </p:spTree>
-    <p:extLst>
-      <p:ext uri="{BB962C8B-B14F-4D97-AF65-F5344CB8AC3E}">
-        <p14:creationId xmlns:p14="http://schemas.microsoft.com/office/powerpoint/2010/main" val="25950152"/>
-      </p:ext>
-    </p:extLst>
-  </p:cSld>
-  <p:clrMapOvr>
-    <a:masterClrMapping/>
-  </p:clrMapOvr>
-</p:sld>
-</file>
-
-<file path=ppt/slides/slide18.xml><?xml version="1.0" encoding="utf-8"?>
-<p:sld xmlns:a="http://schemas.openxmlformats.org/drawingml/2006/main" xmlns:r="http://schemas.openxmlformats.org/officeDocument/2006/relationships" xmlns:p="http://schemas.openxmlformats.org/presentationml/2006/main">
-  <p:cSld>
-    <p:spTree>
-      <p:nvGrpSpPr>
-        <p:cNvPr id="1" name=""/>
-        <p:cNvGrpSpPr/>
-        <p:nvPr/>
-      </p:nvGrpSpPr>
-      <p:grpSpPr>
-        <a:xfrm>
-          <a:off x="0" y="0"/>
-          <a:ext cx="0" cy="0"/>
-          <a:chOff x="0" y="0"/>
-          <a:chExt cx="0" cy="0"/>
-        </a:xfrm>
-      </p:grpSpPr>
-      <p:sp>
-        <p:nvSpPr>
-          <p:cNvPr id="2" name="Title 1">
-            <a:extLst>
-              <a:ext uri="{FF2B5EF4-FFF2-40B4-BE49-F238E27FC236}">
-                <a16:creationId xmlns:a16="http://schemas.microsoft.com/office/drawing/2014/main" id="{20DAF717-A5E3-4F99-9372-28F89B3D648F}"/>
-              </a:ext>
-            </a:extLst>
-          </p:cNvPr>
-          <p:cNvSpPr>
-            <a:spLocks noGrp="1"/>
-          </p:cNvSpPr>
-          <p:nvPr>
-            <p:ph type="title"/>
-          </p:nvPr>
-        </p:nvSpPr>
-        <p:spPr>
-          <a:xfrm>
-            <a:off x="1025236" y="61360"/>
-            <a:ext cx="2694709" cy="1325563"/>
-          </a:xfrm>
-        </p:spPr>
-        <p:txBody>
-          <a:bodyPr/>
-          <a:lstStyle/>
-          <a:p>
-            <a:r>
-              <a:rPr lang="en-US" dirty="0"/>
-              <a:t>Shipping</a:t>
-            </a:r>
-          </a:p>
-        </p:txBody>
-      </p:sp>
-      <p:sp>
-        <p:nvSpPr>
-          <p:cNvPr id="4" name="Slide Number Placeholder 3">
-            <a:extLst>
-              <a:ext uri="{FF2B5EF4-FFF2-40B4-BE49-F238E27FC236}">
-                <a16:creationId xmlns:a16="http://schemas.microsoft.com/office/drawing/2014/main" id="{53B8EDA7-9721-4CE1-8D3A-CCDDE6D183C6}"/>
-              </a:ext>
-            </a:extLst>
-          </p:cNvPr>
-          <p:cNvSpPr>
-            <a:spLocks noGrp="1"/>
-          </p:cNvSpPr>
-          <p:nvPr>
-            <p:ph type="sldNum" sz="quarter" idx="12"/>
-          </p:nvPr>
-        </p:nvSpPr>
-        <p:spPr/>
-        <p:txBody>
-          <a:bodyPr/>
-          <a:lstStyle/>
-          <a:p>
-            <a:fld id="{945DE137-1981-4A6E-942B-1AACE1746372}" type="slidenum">
-              <a:rPr lang="en-US" smtClean="0"/>
-              <a:t>18</a:t>
             </a:fld>
             <a:endParaRPr lang="en-US"/>
           </a:p>
@@ -13314,6 +12065,160 @@
 </p:sld>
 </file>
 
+<file path=ppt/slides/slide18.xml><?xml version="1.0" encoding="utf-8"?>
+<p:sld xmlns:a="http://schemas.openxmlformats.org/drawingml/2006/main" xmlns:r="http://schemas.openxmlformats.org/officeDocument/2006/relationships" xmlns:p="http://schemas.openxmlformats.org/presentationml/2006/main">
+  <p:cSld>
+    <p:spTree>
+      <p:nvGrpSpPr>
+        <p:cNvPr id="1" name=""/>
+        <p:cNvGrpSpPr/>
+        <p:nvPr/>
+      </p:nvGrpSpPr>
+      <p:grpSpPr>
+        <a:xfrm>
+          <a:off x="0" y="0"/>
+          <a:ext cx="0" cy="0"/>
+          <a:chOff x="0" y="0"/>
+          <a:chExt cx="0" cy="0"/>
+        </a:xfrm>
+      </p:grpSpPr>
+      <p:sp>
+        <p:nvSpPr>
+          <p:cNvPr id="2" name="Title 1">
+            <a:extLst>
+              <a:ext uri="{FF2B5EF4-FFF2-40B4-BE49-F238E27FC236}">
+                <a16:creationId xmlns:a16="http://schemas.microsoft.com/office/drawing/2014/main" id="{87F96340-F302-42D8-810F-DC961102E790}"/>
+              </a:ext>
+            </a:extLst>
+          </p:cNvPr>
+          <p:cNvSpPr>
+            <a:spLocks noGrp="1"/>
+          </p:cNvSpPr>
+          <p:nvPr>
+            <p:ph type="title"/>
+          </p:nvPr>
+        </p:nvSpPr>
+        <p:spPr/>
+        <p:txBody>
+          <a:bodyPr/>
+          <a:lstStyle/>
+          <a:p>
+            <a:r>
+              <a:rPr lang="en-US" dirty="0"/>
+              <a:t>Shipping</a:t>
+            </a:r>
+          </a:p>
+        </p:txBody>
+      </p:sp>
+      <p:sp>
+        <p:nvSpPr>
+          <p:cNvPr id="3" name="Content Placeholder 2">
+            <a:extLst>
+              <a:ext uri="{FF2B5EF4-FFF2-40B4-BE49-F238E27FC236}">
+                <a16:creationId xmlns:a16="http://schemas.microsoft.com/office/drawing/2014/main" id="{F817D182-148C-455A-9A41-8C6351DCD12A}"/>
+              </a:ext>
+            </a:extLst>
+          </p:cNvPr>
+          <p:cNvSpPr>
+            <a:spLocks noGrp="1"/>
+          </p:cNvSpPr>
+          <p:nvPr>
+            <p:ph idx="1"/>
+          </p:nvPr>
+        </p:nvSpPr>
+        <p:spPr/>
+        <p:txBody>
+          <a:bodyPr/>
+          <a:lstStyle/>
+          <a:p>
+            <a:r>
+              <a:rPr lang="en-US" dirty="0"/>
+              <a:t>An endpoint should be provided for Order-Service to call to get the freight cost for the country being shipped to.</a:t>
+            </a:r>
+          </a:p>
+          <a:p>
+            <a:r>
+              <a:rPr lang="en-US" dirty="0"/>
+              <a:t>Should receive the </a:t>
+            </a:r>
+            <a:r>
+              <a:rPr lang="en-US" dirty="0" err="1"/>
+              <a:t>OrderCreated</a:t>
+            </a:r>
+            <a:r>
+              <a:rPr lang="en-US" dirty="0"/>
+              <a:t> event and create a new </a:t>
+            </a:r>
+            <a:r>
+              <a:rPr lang="en-US" dirty="0" err="1"/>
+              <a:t>PackingSlip</a:t>
+            </a:r>
+            <a:r>
+              <a:rPr lang="en-US" dirty="0"/>
+              <a:t> based on the Order</a:t>
+            </a:r>
+          </a:p>
+          <a:p>
+            <a:r>
+              <a:rPr lang="en-US" dirty="0"/>
+              <a:t>When an Order is shipped, should send an </a:t>
+            </a:r>
+            <a:r>
+              <a:rPr lang="en-US" dirty="0" err="1"/>
+              <a:t>OrderShipped</a:t>
+            </a:r>
+            <a:r>
+              <a:rPr lang="en-US" dirty="0"/>
+              <a:t> event to the Event Bus</a:t>
+            </a:r>
+          </a:p>
+          <a:p>
+            <a:endParaRPr lang="en-US" dirty="0"/>
+          </a:p>
+        </p:txBody>
+      </p:sp>
+      <p:sp>
+        <p:nvSpPr>
+          <p:cNvPr id="4" name="Slide Number Placeholder 3">
+            <a:extLst>
+              <a:ext uri="{FF2B5EF4-FFF2-40B4-BE49-F238E27FC236}">
+                <a16:creationId xmlns:a16="http://schemas.microsoft.com/office/drawing/2014/main" id="{56AEA71C-8E89-4572-A978-E6706D6A28EE}"/>
+              </a:ext>
+            </a:extLst>
+          </p:cNvPr>
+          <p:cNvSpPr>
+            <a:spLocks noGrp="1"/>
+          </p:cNvSpPr>
+          <p:nvPr>
+            <p:ph type="sldNum" sz="quarter" idx="12"/>
+          </p:nvPr>
+        </p:nvSpPr>
+        <p:spPr/>
+        <p:txBody>
+          <a:bodyPr/>
+          <a:lstStyle/>
+          <a:p>
+            <a:fld id="{945DE137-1981-4A6E-942B-1AACE1746372}" type="slidenum">
+              <a:rPr lang="en-US" smtClean="0"/>
+              <a:t>18</a:t>
+            </a:fld>
+            <a:endParaRPr lang="en-US"/>
+          </a:p>
+        </p:txBody>
+      </p:sp>
+    </p:spTree>
+    <p:extLst>
+      <p:ext uri="{BB962C8B-B14F-4D97-AF65-F5344CB8AC3E}">
+        <p14:creationId xmlns:p14="http://schemas.microsoft.com/office/powerpoint/2010/main" val="2700610023"/>
+      </p:ext>
+    </p:extLst>
+  </p:cSld>
+  <p:clrMapOvr>
+    <a:masterClrMapping/>
+  </p:clrMapOvr>
+</p:sld>
+</file>
+
 <file path=ppt/slides/slide19.xml><?xml version="1.0" encoding="utf-8"?>
 <p:sld xmlns:a="http://schemas.openxmlformats.org/drawingml/2006/main" xmlns:r="http://schemas.openxmlformats.org/officeDocument/2006/relationships" xmlns:p="http://schemas.openxmlformats.org/presentationml/2006/main">
   <p:cSld>
@@ -13336,7 +12241,7 @@
           <p:cNvPr id="2" name="Title 1">
             <a:extLst>
               <a:ext uri="{FF2B5EF4-FFF2-40B4-BE49-F238E27FC236}">
-                <a16:creationId xmlns:a16="http://schemas.microsoft.com/office/drawing/2014/main" id="{87F96340-F302-42D8-810F-DC961102E790}"/>
+                <a16:creationId xmlns:a16="http://schemas.microsoft.com/office/drawing/2014/main" id="{20DAF717-A5E3-4F99-9372-28F89B3D648F}"/>
               </a:ext>
             </a:extLst>
           </p:cNvPr>
@@ -13347,82 +12252,20 @@
             <p:ph type="title"/>
           </p:nvPr>
         </p:nvSpPr>
-        <p:spPr/>
+        <p:spPr>
+          <a:xfrm>
+            <a:off x="1025236" y="61360"/>
+            <a:ext cx="2694709" cy="1325563"/>
+          </a:xfrm>
+        </p:spPr>
         <p:txBody>
           <a:bodyPr/>
           <a:lstStyle/>
           <a:p>
             <a:r>
               <a:rPr lang="en-US" dirty="0"/>
-              <a:t>Shipping</a:t>
-            </a:r>
-          </a:p>
-        </p:txBody>
-      </p:sp>
-      <p:sp>
-        <p:nvSpPr>
-          <p:cNvPr id="3" name="Content Placeholder 2">
-            <a:extLst>
-              <a:ext uri="{FF2B5EF4-FFF2-40B4-BE49-F238E27FC236}">
-                <a16:creationId xmlns:a16="http://schemas.microsoft.com/office/drawing/2014/main" id="{F817D182-148C-455A-9A41-8C6351DCD12A}"/>
-              </a:ext>
-            </a:extLst>
-          </p:cNvPr>
-          <p:cNvSpPr>
-            <a:spLocks noGrp="1"/>
-          </p:cNvSpPr>
-          <p:nvPr>
-            <p:ph idx="1"/>
-          </p:nvPr>
-        </p:nvSpPr>
-        <p:spPr/>
-        <p:txBody>
-          <a:bodyPr/>
-          <a:lstStyle/>
-          <a:p>
-            <a:r>
-              <a:rPr lang="en-US" dirty="0"/>
-              <a:t>An endpoint should be provided for Order-Service to call to get the freight cost for the country being shipped to.</a:t>
-            </a:r>
-          </a:p>
-          <a:p>
-            <a:r>
-              <a:rPr lang="en-US" dirty="0"/>
-              <a:t>Should receive the </a:t>
-            </a:r>
-            <a:r>
-              <a:rPr lang="en-US" dirty="0" err="1"/>
-              <a:t>OrderCreated</a:t>
-            </a:r>
-            <a:r>
-              <a:rPr lang="en-US" dirty="0"/>
-              <a:t> event and create a new </a:t>
-            </a:r>
-            <a:r>
-              <a:rPr lang="en-US" dirty="0" err="1"/>
-              <a:t>PackingSlip</a:t>
-            </a:r>
-            <a:r>
-              <a:rPr lang="en-US" dirty="0"/>
-              <a:t> based on the Order</a:t>
-            </a:r>
-          </a:p>
-          <a:p>
-            <a:r>
-              <a:rPr lang="en-US" dirty="0"/>
-              <a:t>When an Order is shipped, should send an </a:t>
-            </a:r>
-            <a:r>
-              <a:rPr lang="en-US" dirty="0" err="1"/>
-              <a:t>OrderShipped</a:t>
-            </a:r>
-            <a:r>
-              <a:rPr lang="en-US" dirty="0"/>
-              <a:t> event to the Event Bus</a:t>
-            </a:r>
-          </a:p>
-          <a:p>
-            <a:endParaRPr lang="en-US" dirty="0"/>
+              <a:t>Catalog</a:t>
+            </a:r>
           </a:p>
         </p:txBody>
       </p:sp>
@@ -13431,7 +12274,7 @@
           <p:cNvPr id="4" name="Slide Number Placeholder 3">
             <a:extLst>
               <a:ext uri="{FF2B5EF4-FFF2-40B4-BE49-F238E27FC236}">
-                <a16:creationId xmlns:a16="http://schemas.microsoft.com/office/drawing/2014/main" id="{56AEA71C-8E89-4572-A978-E6706D6A28EE}"/>
+                <a16:creationId xmlns:a16="http://schemas.microsoft.com/office/drawing/2014/main" id="{53B8EDA7-9721-4CE1-8D3A-CCDDE6D183C6}"/>
               </a:ext>
             </a:extLst>
           </p:cNvPr>
@@ -13450,276 +12293,6 @@
             <a:fld id="{945DE137-1981-4A6E-942B-1AACE1746372}" type="slidenum">
               <a:rPr lang="en-US" smtClean="0"/>
               <a:t>19</a:t>
-            </a:fld>
-            <a:endParaRPr lang="en-US"/>
-          </a:p>
-        </p:txBody>
-      </p:sp>
-    </p:spTree>
-    <p:extLst>
-      <p:ext uri="{BB962C8B-B14F-4D97-AF65-F5344CB8AC3E}">
-        <p14:creationId xmlns:p14="http://schemas.microsoft.com/office/powerpoint/2010/main" val="2700610023"/>
-      </p:ext>
-    </p:extLst>
-  </p:cSld>
-  <p:clrMapOvr>
-    <a:masterClrMapping/>
-  </p:clrMapOvr>
-</p:sld>
-</file>
-
-<file path=ppt/slides/slide2.xml><?xml version="1.0" encoding="utf-8"?>
-<p:sld xmlns:a="http://schemas.openxmlformats.org/drawingml/2006/main" xmlns:r="http://schemas.openxmlformats.org/officeDocument/2006/relationships" xmlns:p="http://schemas.openxmlformats.org/presentationml/2006/main">
-  <p:cSld>
-    <p:spTree>
-      <p:nvGrpSpPr>
-        <p:cNvPr id="1" name=""/>
-        <p:cNvGrpSpPr/>
-        <p:nvPr/>
-      </p:nvGrpSpPr>
-      <p:grpSpPr>
-        <a:xfrm>
-          <a:off x="0" y="0"/>
-          <a:ext cx="0" cy="0"/>
-          <a:chOff x="0" y="0"/>
-          <a:chExt cx="0" cy="0"/>
-        </a:xfrm>
-      </p:grpSpPr>
-      <p:sp>
-        <p:nvSpPr>
-          <p:cNvPr id="2" name="Title 1">
-            <a:extLst>
-              <a:ext uri="{FF2B5EF4-FFF2-40B4-BE49-F238E27FC236}">
-                <a16:creationId xmlns:a16="http://schemas.microsoft.com/office/drawing/2014/main" id="{65944CE2-51B1-4B0B-BFA3-08D4FDB5FBF0}"/>
-              </a:ext>
-            </a:extLst>
-          </p:cNvPr>
-          <p:cNvSpPr>
-            <a:spLocks noGrp="1"/>
-          </p:cNvSpPr>
-          <p:nvPr>
-            <p:ph type="title"/>
-          </p:nvPr>
-        </p:nvSpPr>
-        <p:spPr/>
-        <p:txBody>
-          <a:bodyPr/>
-          <a:lstStyle/>
-          <a:p>
-            <a:r>
-              <a:rPr lang="en-US" dirty="0"/>
-              <a:t>About Me</a:t>
-            </a:r>
-          </a:p>
-        </p:txBody>
-      </p:sp>
-      <p:sp>
-        <p:nvSpPr>
-          <p:cNvPr id="3" name="Content Placeholder 2">
-            <a:extLst>
-              <a:ext uri="{FF2B5EF4-FFF2-40B4-BE49-F238E27FC236}">
-                <a16:creationId xmlns:a16="http://schemas.microsoft.com/office/drawing/2014/main" id="{879089F3-F828-48F0-AEB3-6E88969AA0D7}"/>
-              </a:ext>
-            </a:extLst>
-          </p:cNvPr>
-          <p:cNvSpPr>
-            <a:spLocks noGrp="1"/>
-          </p:cNvSpPr>
-          <p:nvPr>
-            <p:ph idx="1"/>
-          </p:nvPr>
-        </p:nvSpPr>
-        <p:spPr/>
-        <p:txBody>
-          <a:bodyPr/>
-          <a:lstStyle/>
-          <a:p>
-            <a:pPr marL="0" indent="0">
-              <a:buNone/>
-            </a:pPr>
-            <a:r>
-              <a:rPr lang="en-US" sz="3600" dirty="0"/>
-              <a:t>Jason Penniman</a:t>
-            </a:r>
-          </a:p>
-          <a:p>
-            <a:r>
-              <a:rPr lang="en-US" dirty="0"/>
-              <a:t>Founder, CEO, Chief Architect of Milestone Technology Group, LLC</a:t>
-            </a:r>
-          </a:p>
-          <a:p>
-            <a:r>
-              <a:rPr lang="en-US" dirty="0"/>
-              <a:t>20+ years building enterprise solutions</a:t>
-            </a:r>
-          </a:p>
-          <a:p>
-            <a:r>
-              <a:rPr lang="en-US" dirty="0"/>
-              <a:t>Email: </a:t>
-            </a:r>
-            <a:r>
-              <a:rPr lang="en-US" dirty="0">
-                <a:hlinkClick r:id="rId3"/>
-              </a:rPr>
-              <a:t>jason.penniman@milestonetg.com</a:t>
-            </a:r>
-            <a:endParaRPr lang="en-US" dirty="0"/>
-          </a:p>
-          <a:p>
-            <a:r>
-              <a:rPr lang="en-US" dirty="0"/>
-              <a:t>Twitter: @TheArchitect452</a:t>
-            </a:r>
-          </a:p>
-          <a:p>
-            <a:r>
-              <a:rPr lang="en-US" dirty="0"/>
-              <a:t>GitHub: </a:t>
-            </a:r>
-            <a:r>
-              <a:rPr lang="en-US" dirty="0" err="1"/>
-              <a:t>jpenniman</a:t>
-            </a:r>
-            <a:endParaRPr lang="en-US" dirty="0"/>
-          </a:p>
-          <a:p>
-            <a:r>
-              <a:rPr lang="en-US" dirty="0" err="1"/>
-              <a:t>StackOverflow</a:t>
-            </a:r>
-            <a:r>
-              <a:rPr lang="en-US" dirty="0"/>
-              <a:t>: </a:t>
-            </a:r>
-            <a:r>
-              <a:rPr lang="en-US" dirty="0" err="1"/>
-              <a:t>jpenniman</a:t>
-            </a:r>
-            <a:endParaRPr lang="en-US" dirty="0"/>
-          </a:p>
-          <a:p>
-            <a:endParaRPr lang="en-US" dirty="0"/>
-          </a:p>
-        </p:txBody>
-      </p:sp>
-      <p:sp>
-        <p:nvSpPr>
-          <p:cNvPr id="4" name="Slide Number Placeholder 3">
-            <a:extLst>
-              <a:ext uri="{FF2B5EF4-FFF2-40B4-BE49-F238E27FC236}">
-                <a16:creationId xmlns:a16="http://schemas.microsoft.com/office/drawing/2014/main" id="{46A02775-028E-4110-911D-0F3F14E13102}"/>
-              </a:ext>
-            </a:extLst>
-          </p:cNvPr>
-          <p:cNvSpPr>
-            <a:spLocks noGrp="1"/>
-          </p:cNvSpPr>
-          <p:nvPr>
-            <p:ph type="sldNum" sz="quarter" idx="12"/>
-          </p:nvPr>
-        </p:nvSpPr>
-        <p:spPr/>
-        <p:txBody>
-          <a:bodyPr/>
-          <a:lstStyle/>
-          <a:p>
-            <a:fld id="{945DE137-1981-4A6E-942B-1AACE1746372}" type="slidenum">
-              <a:rPr lang="en-US" smtClean="0"/>
-              <a:t>2</a:t>
-            </a:fld>
-            <a:endParaRPr lang="en-US"/>
-          </a:p>
-        </p:txBody>
-      </p:sp>
-    </p:spTree>
-    <p:extLst>
-      <p:ext uri="{BB962C8B-B14F-4D97-AF65-F5344CB8AC3E}">
-        <p14:creationId xmlns:p14="http://schemas.microsoft.com/office/powerpoint/2010/main" val="2781154489"/>
-      </p:ext>
-    </p:extLst>
-  </p:cSld>
-  <p:clrMapOvr>
-    <a:masterClrMapping/>
-  </p:clrMapOvr>
-</p:sld>
-</file>
-
-<file path=ppt/slides/slide20.xml><?xml version="1.0" encoding="utf-8"?>
-<p:sld xmlns:a="http://schemas.openxmlformats.org/drawingml/2006/main" xmlns:r="http://schemas.openxmlformats.org/officeDocument/2006/relationships" xmlns:p="http://schemas.openxmlformats.org/presentationml/2006/main">
-  <p:cSld>
-    <p:spTree>
-      <p:nvGrpSpPr>
-        <p:cNvPr id="1" name=""/>
-        <p:cNvGrpSpPr/>
-        <p:nvPr/>
-      </p:nvGrpSpPr>
-      <p:grpSpPr>
-        <a:xfrm>
-          <a:off x="0" y="0"/>
-          <a:ext cx="0" cy="0"/>
-          <a:chOff x="0" y="0"/>
-          <a:chExt cx="0" cy="0"/>
-        </a:xfrm>
-      </p:grpSpPr>
-      <p:sp>
-        <p:nvSpPr>
-          <p:cNvPr id="2" name="Title 1">
-            <a:extLst>
-              <a:ext uri="{FF2B5EF4-FFF2-40B4-BE49-F238E27FC236}">
-                <a16:creationId xmlns:a16="http://schemas.microsoft.com/office/drawing/2014/main" id="{20DAF717-A5E3-4F99-9372-28F89B3D648F}"/>
-              </a:ext>
-            </a:extLst>
-          </p:cNvPr>
-          <p:cNvSpPr>
-            <a:spLocks noGrp="1"/>
-          </p:cNvSpPr>
-          <p:nvPr>
-            <p:ph type="title"/>
-          </p:nvPr>
-        </p:nvSpPr>
-        <p:spPr>
-          <a:xfrm>
-            <a:off x="1025236" y="61360"/>
-            <a:ext cx="2694709" cy="1325563"/>
-          </a:xfrm>
-        </p:spPr>
-        <p:txBody>
-          <a:bodyPr/>
-          <a:lstStyle/>
-          <a:p>
-            <a:r>
-              <a:rPr lang="en-US" dirty="0"/>
-              <a:t>Catalog</a:t>
-            </a:r>
-          </a:p>
-        </p:txBody>
-      </p:sp>
-      <p:sp>
-        <p:nvSpPr>
-          <p:cNvPr id="4" name="Slide Number Placeholder 3">
-            <a:extLst>
-              <a:ext uri="{FF2B5EF4-FFF2-40B4-BE49-F238E27FC236}">
-                <a16:creationId xmlns:a16="http://schemas.microsoft.com/office/drawing/2014/main" id="{53B8EDA7-9721-4CE1-8D3A-CCDDE6D183C6}"/>
-              </a:ext>
-            </a:extLst>
-          </p:cNvPr>
-          <p:cNvSpPr>
-            <a:spLocks noGrp="1"/>
-          </p:cNvSpPr>
-          <p:nvPr>
-            <p:ph type="sldNum" sz="quarter" idx="12"/>
-          </p:nvPr>
-        </p:nvSpPr>
-        <p:spPr/>
-        <p:txBody>
-          <a:bodyPr/>
-          <a:lstStyle/>
-          <a:p>
-            <a:fld id="{945DE137-1981-4A6E-942B-1AACE1746372}" type="slidenum">
-              <a:rPr lang="en-US" smtClean="0"/>
-              <a:t>20</a:t>
             </a:fld>
             <a:endParaRPr lang="en-US"/>
           </a:p>
@@ -15330,6 +13903,377 @@
 </p:sld>
 </file>
 
+<file path=ppt/slides/slide2.xml><?xml version="1.0" encoding="utf-8"?>
+<p:sld xmlns:a="http://schemas.openxmlformats.org/drawingml/2006/main" xmlns:r="http://schemas.openxmlformats.org/officeDocument/2006/relationships" xmlns:p="http://schemas.openxmlformats.org/presentationml/2006/main">
+  <p:cSld>
+    <p:spTree>
+      <p:nvGrpSpPr>
+        <p:cNvPr id="1" name=""/>
+        <p:cNvGrpSpPr/>
+        <p:nvPr/>
+      </p:nvGrpSpPr>
+      <p:grpSpPr>
+        <a:xfrm>
+          <a:off x="0" y="0"/>
+          <a:ext cx="0" cy="0"/>
+          <a:chOff x="0" y="0"/>
+          <a:chExt cx="0" cy="0"/>
+        </a:xfrm>
+      </p:grpSpPr>
+      <p:sp>
+        <p:nvSpPr>
+          <p:cNvPr id="2" name="Title 1">
+            <a:extLst>
+              <a:ext uri="{FF2B5EF4-FFF2-40B4-BE49-F238E27FC236}">
+                <a16:creationId xmlns:a16="http://schemas.microsoft.com/office/drawing/2014/main" id="{65944CE2-51B1-4B0B-BFA3-08D4FDB5FBF0}"/>
+              </a:ext>
+            </a:extLst>
+          </p:cNvPr>
+          <p:cNvSpPr>
+            <a:spLocks noGrp="1"/>
+          </p:cNvSpPr>
+          <p:nvPr>
+            <p:ph type="title"/>
+          </p:nvPr>
+        </p:nvSpPr>
+        <p:spPr/>
+        <p:txBody>
+          <a:bodyPr/>
+          <a:lstStyle/>
+          <a:p>
+            <a:r>
+              <a:rPr lang="en-US" dirty="0"/>
+              <a:t>About Me</a:t>
+            </a:r>
+          </a:p>
+        </p:txBody>
+      </p:sp>
+      <p:sp>
+        <p:nvSpPr>
+          <p:cNvPr id="3" name="Content Placeholder 2">
+            <a:extLst>
+              <a:ext uri="{FF2B5EF4-FFF2-40B4-BE49-F238E27FC236}">
+                <a16:creationId xmlns:a16="http://schemas.microsoft.com/office/drawing/2014/main" id="{879089F3-F828-48F0-AEB3-6E88969AA0D7}"/>
+              </a:ext>
+            </a:extLst>
+          </p:cNvPr>
+          <p:cNvSpPr>
+            <a:spLocks noGrp="1"/>
+          </p:cNvSpPr>
+          <p:nvPr>
+            <p:ph idx="1"/>
+          </p:nvPr>
+        </p:nvSpPr>
+        <p:spPr/>
+        <p:txBody>
+          <a:bodyPr/>
+          <a:lstStyle/>
+          <a:p>
+            <a:pPr marL="0" indent="0">
+              <a:buNone/>
+            </a:pPr>
+            <a:r>
+              <a:rPr lang="en-US" sz="3600" dirty="0"/>
+              <a:t>Jason Penniman</a:t>
+            </a:r>
+          </a:p>
+          <a:p>
+            <a:r>
+              <a:rPr lang="en-US" dirty="0"/>
+              <a:t>Founder, CEO, Chief Architect of Milestone Technology Group, LLC</a:t>
+            </a:r>
+          </a:p>
+          <a:p>
+            <a:r>
+              <a:rPr lang="en-US" dirty="0"/>
+              <a:t>25+ years building enterprise solutions</a:t>
+            </a:r>
+          </a:p>
+          <a:p>
+            <a:r>
+              <a:rPr lang="en-US" dirty="0"/>
+              <a:t>Email: </a:t>
+            </a:r>
+            <a:r>
+              <a:rPr lang="en-US" dirty="0">
+                <a:hlinkClick r:id="rId3"/>
+              </a:rPr>
+              <a:t>jason.penniman@milestonetg.com</a:t>
+            </a:r>
+            <a:endParaRPr lang="en-US" dirty="0"/>
+          </a:p>
+          <a:p>
+            <a:r>
+              <a:rPr lang="en-US" dirty="0"/>
+              <a:t>Twitter: @TheArchitect452</a:t>
+            </a:r>
+          </a:p>
+          <a:p>
+            <a:r>
+              <a:rPr lang="en-US" dirty="0"/>
+              <a:t>GitHub: </a:t>
+            </a:r>
+            <a:r>
+              <a:rPr lang="en-US" dirty="0" err="1"/>
+              <a:t>jpenniman</a:t>
+            </a:r>
+            <a:endParaRPr lang="en-US" dirty="0"/>
+          </a:p>
+          <a:p>
+            <a:r>
+              <a:rPr lang="en-US" dirty="0" err="1"/>
+              <a:t>StackOverflow</a:t>
+            </a:r>
+            <a:r>
+              <a:rPr lang="en-US" dirty="0"/>
+              <a:t>: </a:t>
+            </a:r>
+            <a:r>
+              <a:rPr lang="en-US" dirty="0" err="1"/>
+              <a:t>jpenniman</a:t>
+            </a:r>
+            <a:endParaRPr lang="en-US" dirty="0"/>
+          </a:p>
+          <a:p>
+            <a:endParaRPr lang="en-US" dirty="0"/>
+          </a:p>
+        </p:txBody>
+      </p:sp>
+      <p:sp>
+        <p:nvSpPr>
+          <p:cNvPr id="4" name="Slide Number Placeholder 3">
+            <a:extLst>
+              <a:ext uri="{FF2B5EF4-FFF2-40B4-BE49-F238E27FC236}">
+                <a16:creationId xmlns:a16="http://schemas.microsoft.com/office/drawing/2014/main" id="{46A02775-028E-4110-911D-0F3F14E13102}"/>
+              </a:ext>
+            </a:extLst>
+          </p:cNvPr>
+          <p:cNvSpPr>
+            <a:spLocks noGrp="1"/>
+          </p:cNvSpPr>
+          <p:nvPr>
+            <p:ph type="sldNum" sz="quarter" idx="12"/>
+          </p:nvPr>
+        </p:nvSpPr>
+        <p:spPr/>
+        <p:txBody>
+          <a:bodyPr/>
+          <a:lstStyle/>
+          <a:p>
+            <a:fld id="{945DE137-1981-4A6E-942B-1AACE1746372}" type="slidenum">
+              <a:rPr lang="en-US" smtClean="0"/>
+              <a:t>2</a:t>
+            </a:fld>
+            <a:endParaRPr lang="en-US"/>
+          </a:p>
+        </p:txBody>
+      </p:sp>
+    </p:spTree>
+    <p:extLst>
+      <p:ext uri="{BB962C8B-B14F-4D97-AF65-F5344CB8AC3E}">
+        <p14:creationId xmlns:p14="http://schemas.microsoft.com/office/powerpoint/2010/main" val="2781154489"/>
+      </p:ext>
+    </p:extLst>
+  </p:cSld>
+  <p:clrMapOvr>
+    <a:masterClrMapping/>
+  </p:clrMapOvr>
+</p:sld>
+</file>
+
+<file path=ppt/slides/slide20.xml><?xml version="1.0" encoding="utf-8"?>
+<p:sld xmlns:a="http://schemas.openxmlformats.org/drawingml/2006/main" xmlns:r="http://schemas.openxmlformats.org/officeDocument/2006/relationships" xmlns:p="http://schemas.openxmlformats.org/presentationml/2006/main">
+  <p:cSld>
+    <p:spTree>
+      <p:nvGrpSpPr>
+        <p:cNvPr id="1" name=""/>
+        <p:cNvGrpSpPr/>
+        <p:nvPr/>
+      </p:nvGrpSpPr>
+      <p:grpSpPr>
+        <a:xfrm>
+          <a:off x="0" y="0"/>
+          <a:ext cx="0" cy="0"/>
+          <a:chOff x="0" y="0"/>
+          <a:chExt cx="0" cy="0"/>
+        </a:xfrm>
+      </p:grpSpPr>
+      <p:sp>
+        <p:nvSpPr>
+          <p:cNvPr id="2" name="Title 1">
+            <a:extLst>
+              <a:ext uri="{FF2B5EF4-FFF2-40B4-BE49-F238E27FC236}">
+                <a16:creationId xmlns:a16="http://schemas.microsoft.com/office/drawing/2014/main" id="{BA12112A-1F29-448A-80AE-91B2ED47A7B2}"/>
+              </a:ext>
+            </a:extLst>
+          </p:cNvPr>
+          <p:cNvSpPr>
+            <a:spLocks noGrp="1"/>
+          </p:cNvSpPr>
+          <p:nvPr>
+            <p:ph type="title"/>
+          </p:nvPr>
+        </p:nvSpPr>
+        <p:spPr/>
+        <p:txBody>
+          <a:bodyPr/>
+          <a:lstStyle/>
+          <a:p>
+            <a:r>
+              <a:rPr lang="en-US" dirty="0"/>
+              <a:t>Catalog Service</a:t>
+            </a:r>
+          </a:p>
+        </p:txBody>
+      </p:sp>
+      <p:sp>
+        <p:nvSpPr>
+          <p:cNvPr id="3" name="Content Placeholder 2">
+            <a:extLst>
+              <a:ext uri="{FF2B5EF4-FFF2-40B4-BE49-F238E27FC236}">
+                <a16:creationId xmlns:a16="http://schemas.microsoft.com/office/drawing/2014/main" id="{7F33C825-74BF-42FE-A137-4B3BC94A4D8B}"/>
+              </a:ext>
+            </a:extLst>
+          </p:cNvPr>
+          <p:cNvSpPr>
+            <a:spLocks noGrp="1"/>
+          </p:cNvSpPr>
+          <p:nvPr>
+            <p:ph idx="1"/>
+          </p:nvPr>
+        </p:nvSpPr>
+        <p:spPr/>
+        <p:txBody>
+          <a:bodyPr/>
+          <a:lstStyle/>
+          <a:p>
+            <a:r>
+              <a:rPr lang="en-US" dirty="0"/>
+              <a:t>Is the source of truth for the Product table—it owns Products.</a:t>
+            </a:r>
+          </a:p>
+          <a:p>
+            <a:r>
+              <a:rPr lang="en-US" dirty="0"/>
+              <a:t>When a Product is Created, a </a:t>
+            </a:r>
+            <a:r>
+              <a:rPr lang="en-US" dirty="0" err="1"/>
+              <a:t>ProductCreated</a:t>
+            </a:r>
+            <a:r>
+              <a:rPr lang="en-US" dirty="0"/>
+              <a:t> event should be published to the Event Bus</a:t>
+            </a:r>
+          </a:p>
+          <a:p>
+            <a:r>
+              <a:rPr lang="en-US" dirty="0"/>
+              <a:t>When a Product is Updated, a </a:t>
+            </a:r>
+            <a:r>
+              <a:rPr lang="en-US" dirty="0" err="1"/>
+              <a:t>ProductUpdated</a:t>
+            </a:r>
+            <a:r>
+              <a:rPr lang="en-US" dirty="0"/>
+              <a:t> event should be published to the Event Bus</a:t>
+            </a:r>
+          </a:p>
+          <a:p>
+            <a:r>
+              <a:rPr lang="en-US" dirty="0"/>
+              <a:t>Receive a </a:t>
+            </a:r>
+            <a:r>
+              <a:rPr lang="en-US" dirty="0" err="1"/>
+              <a:t>ProductOutOfStock</a:t>
+            </a:r>
+            <a:r>
+              <a:rPr lang="en-US" dirty="0"/>
+              <a:t> event and updated the </a:t>
+            </a:r>
+            <a:r>
+              <a:rPr lang="en-US" dirty="0" err="1"/>
+              <a:t>InStock</a:t>
+            </a:r>
+            <a:r>
+              <a:rPr lang="en-US" dirty="0"/>
+              <a:t> flag on the product</a:t>
+            </a:r>
+          </a:p>
+          <a:p>
+            <a:r>
+              <a:rPr lang="en-US" dirty="0"/>
+              <a:t>Receive a </a:t>
+            </a:r>
+            <a:r>
+              <a:rPr lang="en-US" dirty="0" err="1"/>
+              <a:t>ProductInStock</a:t>
+            </a:r>
+            <a:r>
+              <a:rPr lang="en-US" dirty="0"/>
+              <a:t> event and updated the </a:t>
+            </a:r>
+            <a:r>
+              <a:rPr lang="en-US" dirty="0" err="1"/>
+              <a:t>InStock</a:t>
+            </a:r>
+            <a:r>
+              <a:rPr lang="en-US" dirty="0"/>
+              <a:t> flag on the product</a:t>
+            </a:r>
+          </a:p>
+          <a:p>
+            <a:endParaRPr lang="en-US" dirty="0"/>
+          </a:p>
+          <a:p>
+            <a:endParaRPr lang="en-US" dirty="0"/>
+          </a:p>
+        </p:txBody>
+      </p:sp>
+      <p:sp>
+        <p:nvSpPr>
+          <p:cNvPr id="4" name="Slide Number Placeholder 3">
+            <a:extLst>
+              <a:ext uri="{FF2B5EF4-FFF2-40B4-BE49-F238E27FC236}">
+                <a16:creationId xmlns:a16="http://schemas.microsoft.com/office/drawing/2014/main" id="{2AA75C2A-1D15-441D-AF86-2DB36CC1C2ED}"/>
+              </a:ext>
+            </a:extLst>
+          </p:cNvPr>
+          <p:cNvSpPr>
+            <a:spLocks noGrp="1"/>
+          </p:cNvSpPr>
+          <p:nvPr>
+            <p:ph type="sldNum" sz="quarter" idx="12"/>
+          </p:nvPr>
+        </p:nvSpPr>
+        <p:spPr/>
+        <p:txBody>
+          <a:bodyPr/>
+          <a:lstStyle/>
+          <a:p>
+            <a:fld id="{945DE137-1981-4A6E-942B-1AACE1746372}" type="slidenum">
+              <a:rPr lang="en-US" smtClean="0"/>
+              <a:t>20</a:t>
+            </a:fld>
+            <a:endParaRPr lang="en-US"/>
+          </a:p>
+        </p:txBody>
+      </p:sp>
+    </p:spTree>
+    <p:extLst>
+      <p:ext uri="{BB962C8B-B14F-4D97-AF65-F5344CB8AC3E}">
+        <p14:creationId xmlns:p14="http://schemas.microsoft.com/office/powerpoint/2010/main" val="1435062323"/>
+      </p:ext>
+    </p:extLst>
+  </p:cSld>
+  <p:clrMapOvr>
+    <a:masterClrMapping/>
+  </p:clrMapOvr>
+</p:sld>
+</file>
+
 <file path=ppt/slides/slide21.xml><?xml version="1.0" encoding="utf-8"?>
 <p:sld xmlns:a="http://schemas.openxmlformats.org/drawingml/2006/main" xmlns:r="http://schemas.openxmlformats.org/officeDocument/2006/relationships" xmlns:p="http://schemas.openxmlformats.org/presentationml/2006/main">
   <p:cSld>
@@ -15352,7 +14296,7 @@
           <p:cNvPr id="2" name="Title 1">
             <a:extLst>
               <a:ext uri="{FF2B5EF4-FFF2-40B4-BE49-F238E27FC236}">
-                <a16:creationId xmlns:a16="http://schemas.microsoft.com/office/drawing/2014/main" id="{BA12112A-1F29-448A-80AE-91B2ED47A7B2}"/>
+                <a16:creationId xmlns:a16="http://schemas.microsoft.com/office/drawing/2014/main" id="{AF45A4CF-C57F-4004-847F-9E8D0B6DA18E}"/>
               </a:ext>
             </a:extLst>
           </p:cNvPr>
@@ -15370,7 +14314,7 @@
           <a:p>
             <a:r>
               <a:rPr lang="en-US" dirty="0"/>
-              <a:t>Catalog Service</a:t>
+              <a:t>Catalog-DB</a:t>
             </a:r>
           </a:p>
         </p:txBody>
@@ -15380,7 +14324,7 @@
           <p:cNvPr id="3" name="Content Placeholder 2">
             <a:extLst>
               <a:ext uri="{FF2B5EF4-FFF2-40B4-BE49-F238E27FC236}">
-                <a16:creationId xmlns:a16="http://schemas.microsoft.com/office/drawing/2014/main" id="{7F33C825-74BF-42FE-A137-4B3BC94A4D8B}"/>
+                <a16:creationId xmlns:a16="http://schemas.microsoft.com/office/drawing/2014/main" id="{B9781DD9-284F-4B4E-BA11-90CF63015909}"/>
               </a:ext>
             </a:extLst>
           </p:cNvPr>
@@ -15391,56 +14335,19 @@
             <p:ph idx="1"/>
           </p:nvPr>
         </p:nvSpPr>
-        <p:spPr/>
+        <p:spPr>
+          <a:xfrm>
+            <a:off x="838200" y="1825625"/>
+            <a:ext cx="10515600" cy="688975"/>
+          </a:xfrm>
+        </p:spPr>
         <p:txBody>
           <a:bodyPr/>
           <a:lstStyle/>
           <a:p>
             <a:r>
               <a:rPr lang="en-US" dirty="0"/>
-              <a:t>Is the source of truth for the Product table—it owns Products.</a:t>
-            </a:r>
-          </a:p>
-          <a:p>
-            <a:r>
-              <a:rPr lang="en-US" dirty="0"/>
-              <a:t>When a Product is Created, a </a:t>
-            </a:r>
-            <a:r>
-              <a:rPr lang="en-US" dirty="0" err="1"/>
-              <a:t>ProductCreated</a:t>
-            </a:r>
-            <a:r>
-              <a:rPr lang="en-US" dirty="0"/>
-              <a:t> event should be published to the Event Bus</a:t>
-            </a:r>
-          </a:p>
-          <a:p>
-            <a:r>
-              <a:rPr lang="en-US" dirty="0"/>
-              <a:t>When a Product is Updated, a </a:t>
-            </a:r>
-            <a:r>
-              <a:rPr lang="en-US" dirty="0" err="1"/>
-              <a:t>ProductUpdated</a:t>
-            </a:r>
-            <a:r>
-              <a:rPr lang="en-US" dirty="0"/>
-              <a:t> event should be published to the Event Bus</a:t>
-            </a:r>
-          </a:p>
-          <a:p>
-            <a:r>
-              <a:rPr lang="en-US" dirty="0"/>
-              <a:t>Receive a </a:t>
-            </a:r>
-            <a:r>
-              <a:rPr lang="en-US" dirty="0" err="1"/>
-              <a:t>ProductOutOfStock</a:t>
-            </a:r>
-            <a:r>
-              <a:rPr lang="en-US" dirty="0"/>
-              <a:t> event and updated the </a:t>
+              <a:t>Add a column for </a:t>
             </a:r>
             <a:r>
               <a:rPr lang="en-US" dirty="0" err="1"/>
@@ -15448,29 +14355,7 @@
             </a:r>
             <a:r>
               <a:rPr lang="en-US" dirty="0"/>
-              <a:t> flag on the product</a:t>
-            </a:r>
-          </a:p>
-          <a:p>
-            <a:r>
-              <a:rPr lang="en-US" dirty="0"/>
-              <a:t>Receive a </a:t>
-            </a:r>
-            <a:r>
-              <a:rPr lang="en-US" dirty="0" err="1"/>
-              <a:t>ProductInStock</a:t>
-            </a:r>
-            <a:r>
-              <a:rPr lang="en-US" dirty="0"/>
-              <a:t> event and updated the </a:t>
-            </a:r>
-            <a:r>
-              <a:rPr lang="en-US" dirty="0" err="1"/>
-              <a:t>InStock</a:t>
-            </a:r>
-            <a:r>
-              <a:rPr lang="en-US" dirty="0"/>
-              <a:t> flag on the product</a:t>
+              <a:t> flag…</a:t>
             </a:r>
           </a:p>
           <a:p>
@@ -15486,7 +14371,7 @@
           <p:cNvPr id="4" name="Slide Number Placeholder 3">
             <a:extLst>
               <a:ext uri="{FF2B5EF4-FFF2-40B4-BE49-F238E27FC236}">
-                <a16:creationId xmlns:a16="http://schemas.microsoft.com/office/drawing/2014/main" id="{2AA75C2A-1D15-441D-AF86-2DB36CC1C2ED}"/>
+                <a16:creationId xmlns:a16="http://schemas.microsoft.com/office/drawing/2014/main" id="{7AFDADD1-D60C-41C7-8B1F-7BD99F43A4EC}"/>
               </a:ext>
             </a:extLst>
           </p:cNvPr>
@@ -15510,10 +14395,75 @@
           </a:p>
         </p:txBody>
       </p:sp>
+      <p:sp>
+        <p:nvSpPr>
+          <p:cNvPr id="5" name="TextBox 4">
+            <a:extLst>
+              <a:ext uri="{FF2B5EF4-FFF2-40B4-BE49-F238E27FC236}">
+                <a16:creationId xmlns:a16="http://schemas.microsoft.com/office/drawing/2014/main" id="{3AD2F9B4-F771-4E5E-82E8-820FA98FCBF3}"/>
+              </a:ext>
+            </a:extLst>
+          </p:cNvPr>
+          <p:cNvSpPr txBox="1"/>
+          <p:nvPr/>
+        </p:nvSpPr>
+        <p:spPr>
+          <a:xfrm>
+            <a:off x="838200" y="2649537"/>
+            <a:ext cx="7479933" cy="1384995"/>
+          </a:xfrm>
+          <a:prstGeom prst="rect">
+            <a:avLst/>
+          </a:prstGeom>
+          <a:noFill/>
+        </p:spPr>
+        <p:txBody>
+          <a:bodyPr wrap="none" rtlCol="0">
+            <a:spAutoFit/>
+          </a:bodyPr>
+          <a:lstStyle/>
+          <a:p>
+            <a:r>
+              <a:rPr lang="en-US" sz="2800" dirty="0">
+                <a:latin typeface="Consolas" panose="020B0609020204030204" pitchFamily="49" charset="0"/>
+              </a:rPr>
+              <a:t>use `catalog-</a:t>
+            </a:r>
+            <a:r>
+              <a:rPr lang="en-US" sz="2800" dirty="0" err="1">
+                <a:latin typeface="Consolas" panose="020B0609020204030204" pitchFamily="49" charset="0"/>
+              </a:rPr>
+              <a:t>db</a:t>
+            </a:r>
+            <a:r>
+              <a:rPr lang="en-US" sz="2800" dirty="0">
+                <a:latin typeface="Consolas" panose="020B0609020204030204" pitchFamily="49" charset="0"/>
+              </a:rPr>
+              <a:t>`;</a:t>
+            </a:r>
+          </a:p>
+          <a:p>
+            <a:r>
+              <a:rPr lang="en-US" sz="2800" dirty="0">
+                <a:latin typeface="Consolas" panose="020B0609020204030204" pitchFamily="49" charset="0"/>
+              </a:rPr>
+              <a:t>alter table Products</a:t>
+            </a:r>
+          </a:p>
+          <a:p>
+            <a:r>
+              <a:rPr lang="en-US" sz="2800" dirty="0">
+                <a:latin typeface="Consolas" panose="020B0609020204030204" pitchFamily="49" charset="0"/>
+              </a:rPr>
+              <a:t>    add column InStock bit default 1;</a:t>
+            </a:r>
+          </a:p>
+        </p:txBody>
+      </p:sp>
     </p:spTree>
     <p:extLst>
       <p:ext uri="{BB962C8B-B14F-4D97-AF65-F5344CB8AC3E}">
-        <p14:creationId xmlns:p14="http://schemas.microsoft.com/office/powerpoint/2010/main" val="1435062323"/>
+        <p14:creationId xmlns:p14="http://schemas.microsoft.com/office/powerpoint/2010/main" val="1497967913"/>
       </p:ext>
     </p:extLst>
   </p:cSld>
@@ -17658,10 +16608,10 @@
       </p:grpSpPr>
       <p:sp>
         <p:nvSpPr>
-          <p:cNvPr id="2" name="Title 1">
-            <a:extLst>
-              <a:ext uri="{FF2B5EF4-FFF2-40B4-BE49-F238E27FC236}">
-                <a16:creationId xmlns:a16="http://schemas.microsoft.com/office/drawing/2014/main" id="{E7D94025-A36F-48DD-BB09-6D3DC7AA6236}"/>
+          <p:cNvPr id="5" name="Title 4">
+            <a:extLst>
+              <a:ext uri="{FF2B5EF4-FFF2-40B4-BE49-F238E27FC236}">
+                <a16:creationId xmlns:a16="http://schemas.microsoft.com/office/drawing/2014/main" id="{F3239F89-1300-43D0-9C48-5062A1FE11CE}"/>
               </a:ext>
             </a:extLst>
           </p:cNvPr>
@@ -17679,17 +16629,17 @@
           <a:p>
             <a:r>
               <a:rPr lang="en-US" dirty="0"/>
-              <a:t>About Milestone – Shameless plug</a:t>
-            </a:r>
-          </a:p>
-        </p:txBody>
-      </p:sp>
-      <p:sp>
-        <p:nvSpPr>
-          <p:cNvPr id="3" name="Content Placeholder 2">
-            <a:extLst>
-              <a:ext uri="{FF2B5EF4-FFF2-40B4-BE49-F238E27FC236}">
-                <a16:creationId xmlns:a16="http://schemas.microsoft.com/office/drawing/2014/main" id="{281B625E-7EA0-42C6-B0A3-B482F474F16B}"/>
+              <a:t>Background…</a:t>
+            </a:r>
+          </a:p>
+        </p:txBody>
+      </p:sp>
+      <p:sp>
+        <p:nvSpPr>
+          <p:cNvPr id="6" name="Text Placeholder 5">
+            <a:extLst>
+              <a:ext uri="{FF2B5EF4-FFF2-40B4-BE49-F238E27FC236}">
+                <a16:creationId xmlns:a16="http://schemas.microsoft.com/office/drawing/2014/main" id="{870C0824-D6A1-48EB-9296-F6A5A7EAF065}"/>
               </a:ext>
             </a:extLst>
           </p:cNvPr>
@@ -17697,7 +16647,7 @@
             <a:spLocks noGrp="1"/>
           </p:cNvSpPr>
           <p:nvPr>
-            <p:ph idx="1"/>
+            <p:ph type="body" idx="1"/>
           </p:nvPr>
         </p:nvSpPr>
         <p:spPr/>
@@ -17705,63 +16655,7 @@
           <a:bodyPr/>
           <a:lstStyle/>
           <a:p>
-            <a:r>
-              <a:rPr lang="en-US" dirty="0"/>
-              <a:t>Consultancy founded in 2009</a:t>
-            </a:r>
-          </a:p>
-          <a:p>
-            <a:r>
-              <a:rPr lang="en-US" dirty="0"/>
-              <a:t>Application development – Enterprise, Mobile, Web</a:t>
-            </a:r>
-          </a:p>
-          <a:p>
-            <a:r>
-              <a:rPr lang="en-US" dirty="0"/>
-              <a:t>Cloud consulting and management</a:t>
-            </a:r>
-          </a:p>
-          <a:p>
-            <a:r>
-              <a:rPr lang="en-US" dirty="0"/>
-              <a:t>Architecture analysis</a:t>
-            </a:r>
-          </a:p>
-          <a:p>
-            <a:endParaRPr lang="en-US" dirty="0"/>
-          </a:p>
-          <a:p>
-            <a:r>
-              <a:rPr lang="en-US" dirty="0"/>
-              <a:t>Web: https://www.milestonetg.com</a:t>
-            </a:r>
-          </a:p>
-          <a:p>
-            <a:r>
-              <a:rPr lang="en-US" dirty="0"/>
-              <a:t>Twitter: @</a:t>
-            </a:r>
-            <a:r>
-              <a:rPr lang="en-US" dirty="0" err="1"/>
-              <a:t>milestonetg</a:t>
-            </a:r>
-            <a:endParaRPr lang="en-US" dirty="0"/>
-          </a:p>
-          <a:p>
-            <a:r>
-              <a:rPr lang="en-US" dirty="0" err="1"/>
-              <a:t>Github</a:t>
-            </a:r>
-            <a:r>
-              <a:rPr lang="en-US" dirty="0"/>
-              <a:t>: </a:t>
-            </a:r>
-            <a:r>
-              <a:rPr lang="en-US" dirty="0" err="1"/>
-              <a:t>milestonetg</a:t>
-            </a:r>
-            <a:endParaRPr lang="en-US" dirty="0"/>
+            <a:endParaRPr lang="en-US"/>
           </a:p>
         </p:txBody>
       </p:sp>
@@ -17770,7 +16664,7 @@
           <p:cNvPr id="4" name="Slide Number Placeholder 3">
             <a:extLst>
               <a:ext uri="{FF2B5EF4-FFF2-40B4-BE49-F238E27FC236}">
-                <a16:creationId xmlns:a16="http://schemas.microsoft.com/office/drawing/2014/main" id="{2C1D1988-2F70-45D2-AC3F-DC0F8B527B70}"/>
+                <a16:creationId xmlns:a16="http://schemas.microsoft.com/office/drawing/2014/main" id="{EBC0AAAD-017C-4120-A6CB-BDF966730D46}"/>
               </a:ext>
             </a:extLst>
           </p:cNvPr>
@@ -17789,118 +16683,6 @@
             <a:fld id="{945DE137-1981-4A6E-942B-1AACE1746372}" type="slidenum">
               <a:rPr lang="en-US" smtClean="0"/>
               <a:t>3</a:t>
-            </a:fld>
-            <a:endParaRPr lang="en-US"/>
-          </a:p>
-        </p:txBody>
-      </p:sp>
-    </p:spTree>
-    <p:extLst>
-      <p:ext uri="{BB962C8B-B14F-4D97-AF65-F5344CB8AC3E}">
-        <p14:creationId xmlns:p14="http://schemas.microsoft.com/office/powerpoint/2010/main" val="987661240"/>
-      </p:ext>
-    </p:extLst>
-  </p:cSld>
-  <p:clrMapOvr>
-    <a:masterClrMapping/>
-  </p:clrMapOvr>
-</p:sld>
-</file>
-
-<file path=ppt/slides/slide4.xml><?xml version="1.0" encoding="utf-8"?>
-<p:sld xmlns:a="http://schemas.openxmlformats.org/drawingml/2006/main" xmlns:r="http://schemas.openxmlformats.org/officeDocument/2006/relationships" xmlns:p="http://schemas.openxmlformats.org/presentationml/2006/main">
-  <p:cSld>
-    <p:spTree>
-      <p:nvGrpSpPr>
-        <p:cNvPr id="1" name=""/>
-        <p:cNvGrpSpPr/>
-        <p:nvPr/>
-      </p:nvGrpSpPr>
-      <p:grpSpPr>
-        <a:xfrm>
-          <a:off x="0" y="0"/>
-          <a:ext cx="0" cy="0"/>
-          <a:chOff x="0" y="0"/>
-          <a:chExt cx="0" cy="0"/>
-        </a:xfrm>
-      </p:grpSpPr>
-      <p:sp>
-        <p:nvSpPr>
-          <p:cNvPr id="5" name="Title 4">
-            <a:extLst>
-              <a:ext uri="{FF2B5EF4-FFF2-40B4-BE49-F238E27FC236}">
-                <a16:creationId xmlns:a16="http://schemas.microsoft.com/office/drawing/2014/main" id="{F3239F89-1300-43D0-9C48-5062A1FE11CE}"/>
-              </a:ext>
-            </a:extLst>
-          </p:cNvPr>
-          <p:cNvSpPr>
-            <a:spLocks noGrp="1"/>
-          </p:cNvSpPr>
-          <p:nvPr>
-            <p:ph type="title"/>
-          </p:nvPr>
-        </p:nvSpPr>
-        <p:spPr/>
-        <p:txBody>
-          <a:bodyPr/>
-          <a:lstStyle/>
-          <a:p>
-            <a:r>
-              <a:rPr lang="en-US" dirty="0"/>
-              <a:t>Background…</a:t>
-            </a:r>
-          </a:p>
-        </p:txBody>
-      </p:sp>
-      <p:sp>
-        <p:nvSpPr>
-          <p:cNvPr id="6" name="Text Placeholder 5">
-            <a:extLst>
-              <a:ext uri="{FF2B5EF4-FFF2-40B4-BE49-F238E27FC236}">
-                <a16:creationId xmlns:a16="http://schemas.microsoft.com/office/drawing/2014/main" id="{870C0824-D6A1-48EB-9296-F6A5A7EAF065}"/>
-              </a:ext>
-            </a:extLst>
-          </p:cNvPr>
-          <p:cNvSpPr>
-            <a:spLocks noGrp="1"/>
-          </p:cNvSpPr>
-          <p:nvPr>
-            <p:ph type="body" idx="1"/>
-          </p:nvPr>
-        </p:nvSpPr>
-        <p:spPr/>
-        <p:txBody>
-          <a:bodyPr/>
-          <a:lstStyle/>
-          <a:p>
-            <a:endParaRPr lang="en-US"/>
-          </a:p>
-        </p:txBody>
-      </p:sp>
-      <p:sp>
-        <p:nvSpPr>
-          <p:cNvPr id="4" name="Slide Number Placeholder 3">
-            <a:extLst>
-              <a:ext uri="{FF2B5EF4-FFF2-40B4-BE49-F238E27FC236}">
-                <a16:creationId xmlns:a16="http://schemas.microsoft.com/office/drawing/2014/main" id="{EBC0AAAD-017C-4120-A6CB-BDF966730D46}"/>
-              </a:ext>
-            </a:extLst>
-          </p:cNvPr>
-          <p:cNvSpPr>
-            <a:spLocks noGrp="1"/>
-          </p:cNvSpPr>
-          <p:nvPr>
-            <p:ph type="sldNum" sz="quarter" idx="12"/>
-          </p:nvPr>
-        </p:nvSpPr>
-        <p:spPr/>
-        <p:txBody>
-          <a:bodyPr/>
-          <a:lstStyle/>
-          <a:p>
-            <a:fld id="{945DE137-1981-4A6E-942B-1AACE1746372}" type="slidenum">
-              <a:rPr lang="en-US" smtClean="0"/>
-              <a:t>4</a:t>
             </a:fld>
             <a:endParaRPr lang="en-US"/>
           </a:p>
@@ -17919,7 +16701,7 @@
 </p:sld>
 </file>
 
-<file path=ppt/slides/slide5.xml><?xml version="1.0" encoding="utf-8"?>
+<file path=ppt/slides/slide4.xml><?xml version="1.0" encoding="utf-8"?>
 <p:sld xmlns:a="http://schemas.openxmlformats.org/drawingml/2006/main" xmlns:r="http://schemas.openxmlformats.org/officeDocument/2006/relationships" xmlns:p="http://schemas.openxmlformats.org/presentationml/2006/main">
   <p:cSld>
     <p:bg>
@@ -18100,7 +16882,7 @@
                   <a:spcPts val="600"/>
                 </a:spcAft>
               </a:pPr>
-              <a:t>5</a:t>
+              <a:t>4</a:t>
             </a:fld>
             <a:endParaRPr lang="en-US"/>
           </a:p>
@@ -18689,7 +17471,7 @@
 </p:sld>
 </file>
 
-<file path=ppt/slides/slide6.xml><?xml version="1.0" encoding="utf-8"?>
+<file path=ppt/slides/slide5.xml><?xml version="1.0" encoding="utf-8"?>
 <p:sld xmlns:a="http://schemas.openxmlformats.org/drawingml/2006/main" xmlns:r="http://schemas.openxmlformats.org/officeDocument/2006/relationships" xmlns:p="http://schemas.openxmlformats.org/presentationml/2006/main">
   <p:cSld>
     <p:spTree>
@@ -18762,7 +17544,7 @@
           <a:p>
             <a:fld id="{945DE137-1981-4A6E-942B-1AACE1746372}" type="slidenum">
               <a:rPr lang="en-US" smtClean="0"/>
-              <a:t>6</a:t>
+              <a:t>5</a:t>
             </a:fld>
             <a:endParaRPr lang="en-US"/>
           </a:p>
@@ -19661,7 +18443,7 @@
 </p:sld>
 </file>
 
-<file path=ppt/slides/slide7.xml><?xml version="1.0" encoding="utf-8"?>
+<file path=ppt/slides/slide6.xml><?xml version="1.0" encoding="utf-8"?>
 <p:sld xmlns:a="http://schemas.openxmlformats.org/drawingml/2006/main" xmlns:r="http://schemas.openxmlformats.org/officeDocument/2006/relationships" xmlns:p="http://schemas.openxmlformats.org/presentationml/2006/main">
   <p:cSld>
     <p:spTree>
@@ -19773,7 +18555,7 @@
           <a:p>
             <a:fld id="{945DE137-1981-4A6E-942B-1AACE1746372}" type="slidenum">
               <a:rPr lang="en-US" smtClean="0"/>
-              <a:t>7</a:t>
+              <a:t>6</a:t>
             </a:fld>
             <a:endParaRPr lang="en-US"/>
           </a:p>
@@ -19972,7 +18754,7 @@
 </p:sld>
 </file>
 
-<file path=ppt/slides/slide8.xml><?xml version="1.0" encoding="utf-8"?>
+<file path=ppt/slides/slide7.xml><?xml version="1.0" encoding="utf-8"?>
 <p:sld xmlns:a="http://schemas.openxmlformats.org/drawingml/2006/main" xmlns:r="http://schemas.openxmlformats.org/officeDocument/2006/relationships" xmlns:p="http://schemas.openxmlformats.org/presentationml/2006/main">
   <p:cSld>
     <p:spTree>
@@ -20157,7 +18939,7 @@
           <a:p>
             <a:fld id="{945DE137-1981-4A6E-942B-1AACE1746372}" type="slidenum">
               <a:rPr lang="en-US" smtClean="0"/>
-              <a:t>8</a:t>
+              <a:t>7</a:t>
             </a:fld>
             <a:endParaRPr lang="en-US"/>
           </a:p>
@@ -21105,6 +19887,1565 @@
 </p:sld>
 </file>
 
+<file path=ppt/slides/slide8.xml><?xml version="1.0" encoding="utf-8"?>
+<p:sld xmlns:a="http://schemas.openxmlformats.org/drawingml/2006/main" xmlns:r="http://schemas.openxmlformats.org/officeDocument/2006/relationships" xmlns:p="http://schemas.openxmlformats.org/presentationml/2006/main">
+  <p:cSld>
+    <p:spTree>
+      <p:nvGrpSpPr>
+        <p:cNvPr id="1" name=""/>
+        <p:cNvGrpSpPr/>
+        <p:nvPr/>
+      </p:nvGrpSpPr>
+      <p:grpSpPr>
+        <a:xfrm>
+          <a:off x="0" y="0"/>
+          <a:ext cx="0" cy="0"/>
+          <a:chOff x="0" y="0"/>
+          <a:chExt cx="0" cy="0"/>
+        </a:xfrm>
+      </p:grpSpPr>
+      <p:sp>
+        <p:nvSpPr>
+          <p:cNvPr id="2" name="Title 1">
+            <a:extLst>
+              <a:ext uri="{FF2B5EF4-FFF2-40B4-BE49-F238E27FC236}">
+                <a16:creationId xmlns:a16="http://schemas.microsoft.com/office/drawing/2014/main" id="{516E85FB-5AF7-4F51-9D16-59ED10122FC8}"/>
+              </a:ext>
+            </a:extLst>
+          </p:cNvPr>
+          <p:cNvSpPr>
+            <a:spLocks noGrp="1"/>
+          </p:cNvSpPr>
+          <p:nvPr>
+            <p:ph type="title"/>
+          </p:nvPr>
+        </p:nvSpPr>
+        <p:spPr>
+          <a:xfrm>
+            <a:off x="660402" y="365126"/>
+            <a:ext cx="10693398" cy="686874"/>
+          </a:xfrm>
+        </p:spPr>
+        <p:txBody>
+          <a:bodyPr>
+            <a:normAutofit fontScale="90000"/>
+          </a:bodyPr>
+          <a:lstStyle/>
+          <a:p>
+            <a:r>
+              <a:rPr lang="en-US" dirty="0"/>
+              <a:t>Domain Model</a:t>
+            </a:r>
+          </a:p>
+        </p:txBody>
+      </p:sp>
+      <p:sp>
+        <p:nvSpPr>
+          <p:cNvPr id="4" name="Slide Number Placeholder 3">
+            <a:extLst>
+              <a:ext uri="{FF2B5EF4-FFF2-40B4-BE49-F238E27FC236}">
+                <a16:creationId xmlns:a16="http://schemas.microsoft.com/office/drawing/2014/main" id="{C7755A9E-2CD7-4D3A-A9FC-CE365C8C5649}"/>
+              </a:ext>
+            </a:extLst>
+          </p:cNvPr>
+          <p:cNvSpPr>
+            <a:spLocks noGrp="1"/>
+          </p:cNvSpPr>
+          <p:nvPr>
+            <p:ph type="sldNum" sz="quarter" idx="12"/>
+          </p:nvPr>
+        </p:nvSpPr>
+        <p:spPr/>
+        <p:txBody>
+          <a:bodyPr/>
+          <a:lstStyle/>
+          <a:p>
+            <a:fld id="{945DE137-1981-4A6E-942B-1AACE1746372}" type="slidenum">
+              <a:rPr lang="en-US" smtClean="0"/>
+              <a:t>8</a:t>
+            </a:fld>
+            <a:endParaRPr lang="en-US"/>
+          </a:p>
+        </p:txBody>
+      </p:sp>
+      <p:sp>
+        <p:nvSpPr>
+          <p:cNvPr id="6" name="Flowchart: Process 5">
+            <a:extLst>
+              <a:ext uri="{FF2B5EF4-FFF2-40B4-BE49-F238E27FC236}">
+                <a16:creationId xmlns:a16="http://schemas.microsoft.com/office/drawing/2014/main" id="{F9C0CBAE-1B75-4EAF-B90D-C72AEFDF2E0F}"/>
+              </a:ext>
+            </a:extLst>
+          </p:cNvPr>
+          <p:cNvSpPr/>
+          <p:nvPr/>
+        </p:nvSpPr>
+        <p:spPr>
+          <a:xfrm>
+            <a:off x="2110122" y="1336715"/>
+            <a:ext cx="1448733" cy="584719"/>
+          </a:xfrm>
+          <a:prstGeom prst="flowChartProcess">
+            <a:avLst/>
+          </a:prstGeom>
+        </p:spPr>
+        <p:style>
+          <a:lnRef idx="2">
+            <a:schemeClr val="accent1">
+              <a:shade val="50000"/>
+            </a:schemeClr>
+          </a:lnRef>
+          <a:fillRef idx="1">
+            <a:schemeClr val="accent1"/>
+          </a:fillRef>
+          <a:effectRef idx="0">
+            <a:schemeClr val="accent1"/>
+          </a:effectRef>
+          <a:fontRef idx="minor">
+            <a:schemeClr val="lt1"/>
+          </a:fontRef>
+        </p:style>
+        <p:txBody>
+          <a:bodyPr rtlCol="0" anchor="ctr"/>
+          <a:lstStyle/>
+          <a:p>
+            <a:pPr algn="ctr"/>
+            <a:r>
+              <a:rPr lang="en-US" dirty="0"/>
+              <a:t>Customers</a:t>
+            </a:r>
+          </a:p>
+        </p:txBody>
+      </p:sp>
+      <p:sp>
+        <p:nvSpPr>
+          <p:cNvPr id="7" name="Flowchart: Process 6">
+            <a:extLst>
+              <a:ext uri="{FF2B5EF4-FFF2-40B4-BE49-F238E27FC236}">
+                <a16:creationId xmlns:a16="http://schemas.microsoft.com/office/drawing/2014/main" id="{B0A04DA0-1BF0-4401-995E-DFB32D5F0A67}"/>
+              </a:ext>
+            </a:extLst>
+          </p:cNvPr>
+          <p:cNvSpPr/>
+          <p:nvPr/>
+        </p:nvSpPr>
+        <p:spPr>
+          <a:xfrm>
+            <a:off x="4537003" y="1336715"/>
+            <a:ext cx="1275183" cy="584718"/>
+          </a:xfrm>
+          <a:prstGeom prst="flowChartProcess">
+            <a:avLst/>
+          </a:prstGeom>
+        </p:spPr>
+        <p:style>
+          <a:lnRef idx="2">
+            <a:schemeClr val="accent1">
+              <a:shade val="50000"/>
+            </a:schemeClr>
+          </a:lnRef>
+          <a:fillRef idx="1">
+            <a:schemeClr val="accent1"/>
+          </a:fillRef>
+          <a:effectRef idx="0">
+            <a:schemeClr val="accent1"/>
+          </a:effectRef>
+          <a:fontRef idx="minor">
+            <a:schemeClr val="lt1"/>
+          </a:fontRef>
+        </p:style>
+        <p:txBody>
+          <a:bodyPr rtlCol="0" anchor="ctr"/>
+          <a:lstStyle/>
+          <a:p>
+            <a:pPr algn="ctr"/>
+            <a:r>
+              <a:rPr lang="en-US" dirty="0"/>
+              <a:t>Addresses</a:t>
+            </a:r>
+          </a:p>
+        </p:txBody>
+      </p:sp>
+      <p:cxnSp>
+        <p:nvCxnSpPr>
+          <p:cNvPr id="8" name="Straight Arrow Connector 7">
+            <a:extLst>
+              <a:ext uri="{FF2B5EF4-FFF2-40B4-BE49-F238E27FC236}">
+                <a16:creationId xmlns:a16="http://schemas.microsoft.com/office/drawing/2014/main" id="{87448C69-B8E8-4438-9532-8D87B616F77F}"/>
+              </a:ext>
+            </a:extLst>
+          </p:cNvPr>
+          <p:cNvCxnSpPr>
+            <a:cxnSpLocks/>
+            <a:stCxn id="6" idx="3"/>
+            <a:endCxn id="7" idx="1"/>
+          </p:cNvCxnSpPr>
+          <p:nvPr/>
+        </p:nvCxnSpPr>
+        <p:spPr>
+          <a:xfrm flipV="1">
+            <a:off x="3558855" y="1629074"/>
+            <a:ext cx="978148" cy="1"/>
+          </a:xfrm>
+          <a:prstGeom prst="straightConnector1">
+            <a:avLst/>
+          </a:prstGeom>
+          <a:ln w="38100">
+            <a:tailEnd type="triangle"/>
+          </a:ln>
+        </p:spPr>
+        <p:style>
+          <a:lnRef idx="1">
+            <a:schemeClr val="accent1"/>
+          </a:lnRef>
+          <a:fillRef idx="0">
+            <a:schemeClr val="accent1"/>
+          </a:fillRef>
+          <a:effectRef idx="0">
+            <a:schemeClr val="accent1"/>
+          </a:effectRef>
+          <a:fontRef idx="minor">
+            <a:schemeClr val="tx1"/>
+          </a:fontRef>
+        </p:style>
+      </p:cxnSp>
+      <p:sp>
+        <p:nvSpPr>
+          <p:cNvPr id="10" name="Flowchart: Process 9">
+            <a:extLst>
+              <a:ext uri="{FF2B5EF4-FFF2-40B4-BE49-F238E27FC236}">
+                <a16:creationId xmlns:a16="http://schemas.microsoft.com/office/drawing/2014/main" id="{724DFE8A-FA1B-4CC9-91C0-3C3E24D92748}"/>
+              </a:ext>
+            </a:extLst>
+          </p:cNvPr>
+          <p:cNvSpPr/>
+          <p:nvPr/>
+        </p:nvSpPr>
+        <p:spPr>
+          <a:xfrm>
+            <a:off x="2129182" y="4276625"/>
+            <a:ext cx="1410612" cy="608050"/>
+          </a:xfrm>
+          <a:prstGeom prst="flowChartProcess">
+            <a:avLst/>
+          </a:prstGeom>
+        </p:spPr>
+        <p:style>
+          <a:lnRef idx="2">
+            <a:schemeClr val="accent1">
+              <a:shade val="50000"/>
+            </a:schemeClr>
+          </a:lnRef>
+          <a:fillRef idx="1">
+            <a:schemeClr val="accent1"/>
+          </a:fillRef>
+          <a:effectRef idx="0">
+            <a:schemeClr val="accent1"/>
+          </a:effectRef>
+          <a:fontRef idx="minor">
+            <a:schemeClr val="lt1"/>
+          </a:fontRef>
+        </p:style>
+        <p:txBody>
+          <a:bodyPr rtlCol="0" anchor="ctr"/>
+          <a:lstStyle/>
+          <a:p>
+            <a:pPr algn="ctr"/>
+            <a:r>
+              <a:rPr lang="en-US" dirty="0"/>
+              <a:t>Shippers</a:t>
+            </a:r>
+          </a:p>
+        </p:txBody>
+      </p:sp>
+      <p:sp>
+        <p:nvSpPr>
+          <p:cNvPr id="11" name="Flowchart: Process 10">
+            <a:extLst>
+              <a:ext uri="{FF2B5EF4-FFF2-40B4-BE49-F238E27FC236}">
+                <a16:creationId xmlns:a16="http://schemas.microsoft.com/office/drawing/2014/main" id="{377D1D8B-F283-47EB-8DB8-5B6D75F72B4A}"/>
+              </a:ext>
+            </a:extLst>
+          </p:cNvPr>
+          <p:cNvSpPr/>
+          <p:nvPr/>
+        </p:nvSpPr>
+        <p:spPr>
+          <a:xfrm>
+            <a:off x="4401774" y="4260214"/>
+            <a:ext cx="1577998" cy="606287"/>
+          </a:xfrm>
+          <a:prstGeom prst="flowChartProcess">
+            <a:avLst/>
+          </a:prstGeom>
+        </p:spPr>
+        <p:style>
+          <a:lnRef idx="2">
+            <a:schemeClr val="accent1">
+              <a:shade val="50000"/>
+            </a:schemeClr>
+          </a:lnRef>
+          <a:fillRef idx="1">
+            <a:schemeClr val="accent1"/>
+          </a:fillRef>
+          <a:effectRef idx="0">
+            <a:schemeClr val="accent1"/>
+          </a:effectRef>
+          <a:fontRef idx="minor">
+            <a:schemeClr val="lt1"/>
+          </a:fontRef>
+        </p:style>
+        <p:txBody>
+          <a:bodyPr rtlCol="0" anchor="ctr"/>
+          <a:lstStyle/>
+          <a:p>
+            <a:pPr algn="ctr"/>
+            <a:r>
+              <a:rPr lang="en-US" dirty="0" err="1"/>
+              <a:t>ShippingRates</a:t>
+            </a:r>
+            <a:endParaRPr lang="en-US" dirty="0"/>
+          </a:p>
+        </p:txBody>
+      </p:sp>
+      <p:sp>
+        <p:nvSpPr>
+          <p:cNvPr id="12" name="Flowchart: Process 11">
+            <a:extLst>
+              <a:ext uri="{FF2B5EF4-FFF2-40B4-BE49-F238E27FC236}">
+                <a16:creationId xmlns:a16="http://schemas.microsoft.com/office/drawing/2014/main" id="{6590205C-7519-43B5-85B7-9A95B01A8CD2}"/>
+              </a:ext>
+            </a:extLst>
+          </p:cNvPr>
+          <p:cNvSpPr/>
+          <p:nvPr/>
+        </p:nvSpPr>
+        <p:spPr>
+          <a:xfrm>
+            <a:off x="2110122" y="5219438"/>
+            <a:ext cx="1410612" cy="608050"/>
+          </a:xfrm>
+          <a:prstGeom prst="flowChartProcess">
+            <a:avLst/>
+          </a:prstGeom>
+        </p:spPr>
+        <p:style>
+          <a:lnRef idx="2">
+            <a:schemeClr val="accent1">
+              <a:shade val="50000"/>
+            </a:schemeClr>
+          </a:lnRef>
+          <a:fillRef idx="1">
+            <a:schemeClr val="accent1"/>
+          </a:fillRef>
+          <a:effectRef idx="0">
+            <a:schemeClr val="accent1"/>
+          </a:effectRef>
+          <a:fontRef idx="minor">
+            <a:schemeClr val="lt1"/>
+          </a:fontRef>
+        </p:style>
+        <p:txBody>
+          <a:bodyPr rtlCol="0" anchor="ctr"/>
+          <a:lstStyle/>
+          <a:p>
+            <a:pPr algn="ctr"/>
+            <a:r>
+              <a:rPr lang="en-US" dirty="0" err="1"/>
+              <a:t>PackingSlips</a:t>
+            </a:r>
+            <a:endParaRPr lang="en-US" dirty="0"/>
+          </a:p>
+        </p:txBody>
+      </p:sp>
+      <p:cxnSp>
+        <p:nvCxnSpPr>
+          <p:cNvPr id="13" name="Straight Arrow Connector 12">
+            <a:extLst>
+              <a:ext uri="{FF2B5EF4-FFF2-40B4-BE49-F238E27FC236}">
+                <a16:creationId xmlns:a16="http://schemas.microsoft.com/office/drawing/2014/main" id="{078D8D3A-5F5B-4E26-A154-2E4CE0837E16}"/>
+              </a:ext>
+            </a:extLst>
+          </p:cNvPr>
+          <p:cNvCxnSpPr>
+            <a:cxnSpLocks/>
+            <a:stCxn id="12" idx="3"/>
+            <a:endCxn id="14" idx="1"/>
+          </p:cNvCxnSpPr>
+          <p:nvPr/>
+        </p:nvCxnSpPr>
+        <p:spPr>
+          <a:xfrm>
+            <a:off x="3520734" y="5523463"/>
+            <a:ext cx="869073" cy="0"/>
+          </a:xfrm>
+          <a:prstGeom prst="straightConnector1">
+            <a:avLst/>
+          </a:prstGeom>
+          <a:ln w="38100">
+            <a:tailEnd type="triangle"/>
+          </a:ln>
+        </p:spPr>
+        <p:style>
+          <a:lnRef idx="1">
+            <a:schemeClr val="accent1"/>
+          </a:lnRef>
+          <a:fillRef idx="0">
+            <a:schemeClr val="accent1"/>
+          </a:fillRef>
+          <a:effectRef idx="0">
+            <a:schemeClr val="accent1"/>
+          </a:effectRef>
+          <a:fontRef idx="minor">
+            <a:schemeClr val="tx1"/>
+          </a:fontRef>
+        </p:style>
+      </p:cxnSp>
+      <p:sp>
+        <p:nvSpPr>
+          <p:cNvPr id="14" name="Flowchart: Process 13">
+            <a:extLst>
+              <a:ext uri="{FF2B5EF4-FFF2-40B4-BE49-F238E27FC236}">
+                <a16:creationId xmlns:a16="http://schemas.microsoft.com/office/drawing/2014/main" id="{EC08A7D6-8816-4A03-9942-3CB17FC9FCF4}"/>
+              </a:ext>
+            </a:extLst>
+          </p:cNvPr>
+          <p:cNvSpPr/>
+          <p:nvPr/>
+        </p:nvSpPr>
+        <p:spPr>
+          <a:xfrm>
+            <a:off x="4389807" y="5219438"/>
+            <a:ext cx="1859631" cy="608050"/>
+          </a:xfrm>
+          <a:prstGeom prst="flowChartProcess">
+            <a:avLst/>
+          </a:prstGeom>
+        </p:spPr>
+        <p:style>
+          <a:lnRef idx="2">
+            <a:schemeClr val="accent1">
+              <a:shade val="50000"/>
+            </a:schemeClr>
+          </a:lnRef>
+          <a:fillRef idx="1">
+            <a:schemeClr val="accent1"/>
+          </a:fillRef>
+          <a:effectRef idx="0">
+            <a:schemeClr val="accent1"/>
+          </a:effectRef>
+          <a:fontRef idx="minor">
+            <a:schemeClr val="lt1"/>
+          </a:fontRef>
+        </p:style>
+        <p:txBody>
+          <a:bodyPr rtlCol="0" anchor="ctr"/>
+          <a:lstStyle/>
+          <a:p>
+            <a:pPr algn="ctr"/>
+            <a:r>
+              <a:rPr lang="en-US" dirty="0" err="1"/>
+              <a:t>PackingSlipDetails</a:t>
+            </a:r>
+            <a:endParaRPr lang="en-US" dirty="0"/>
+          </a:p>
+        </p:txBody>
+      </p:sp>
+      <p:sp>
+        <p:nvSpPr>
+          <p:cNvPr id="16" name="Flowchart: Process 15">
+            <a:extLst>
+              <a:ext uri="{FF2B5EF4-FFF2-40B4-BE49-F238E27FC236}">
+                <a16:creationId xmlns:a16="http://schemas.microsoft.com/office/drawing/2014/main" id="{021516C7-C88E-46AF-80DE-7E77B9876656}"/>
+              </a:ext>
+            </a:extLst>
+          </p:cNvPr>
+          <p:cNvSpPr/>
+          <p:nvPr/>
+        </p:nvSpPr>
+        <p:spPr>
+          <a:xfrm>
+            <a:off x="7044225" y="2860295"/>
+            <a:ext cx="1648410" cy="584718"/>
+          </a:xfrm>
+          <a:prstGeom prst="flowChartProcess">
+            <a:avLst/>
+          </a:prstGeom>
+        </p:spPr>
+        <p:style>
+          <a:lnRef idx="2">
+            <a:schemeClr val="accent1">
+              <a:shade val="50000"/>
+            </a:schemeClr>
+          </a:lnRef>
+          <a:fillRef idx="1">
+            <a:schemeClr val="accent1"/>
+          </a:fillRef>
+          <a:effectRef idx="0">
+            <a:schemeClr val="accent1"/>
+          </a:effectRef>
+          <a:fontRef idx="minor">
+            <a:schemeClr val="lt1"/>
+          </a:fontRef>
+        </p:style>
+        <p:txBody>
+          <a:bodyPr rtlCol="0" anchor="ctr"/>
+          <a:lstStyle/>
+          <a:p>
+            <a:pPr algn="ctr"/>
+            <a:r>
+              <a:rPr lang="en-US" dirty="0"/>
+              <a:t>Products</a:t>
+            </a:r>
+          </a:p>
+        </p:txBody>
+      </p:sp>
+      <p:sp>
+        <p:nvSpPr>
+          <p:cNvPr id="17" name="Flowchart: Process 16">
+            <a:extLst>
+              <a:ext uri="{FF2B5EF4-FFF2-40B4-BE49-F238E27FC236}">
+                <a16:creationId xmlns:a16="http://schemas.microsoft.com/office/drawing/2014/main" id="{8BE99A96-F0E3-47DA-A026-C6E986AF8EC2}"/>
+              </a:ext>
+            </a:extLst>
+          </p:cNvPr>
+          <p:cNvSpPr/>
+          <p:nvPr/>
+        </p:nvSpPr>
+        <p:spPr>
+          <a:xfrm>
+            <a:off x="10078617" y="2860295"/>
+            <a:ext cx="1275183" cy="584718"/>
+          </a:xfrm>
+          <a:prstGeom prst="flowChartProcess">
+            <a:avLst/>
+          </a:prstGeom>
+        </p:spPr>
+        <p:style>
+          <a:lnRef idx="2">
+            <a:schemeClr val="accent1">
+              <a:shade val="50000"/>
+            </a:schemeClr>
+          </a:lnRef>
+          <a:fillRef idx="1">
+            <a:schemeClr val="accent1"/>
+          </a:fillRef>
+          <a:effectRef idx="0">
+            <a:schemeClr val="accent1"/>
+          </a:effectRef>
+          <a:fontRef idx="minor">
+            <a:schemeClr val="lt1"/>
+          </a:fontRef>
+        </p:style>
+        <p:txBody>
+          <a:bodyPr rtlCol="0" anchor="ctr"/>
+          <a:lstStyle/>
+          <a:p>
+            <a:pPr algn="ctr"/>
+            <a:r>
+              <a:rPr lang="en-US" dirty="0"/>
+              <a:t>Categories</a:t>
+            </a:r>
+          </a:p>
+        </p:txBody>
+      </p:sp>
+      <p:cxnSp>
+        <p:nvCxnSpPr>
+          <p:cNvPr id="18" name="Straight Arrow Connector 17">
+            <a:extLst>
+              <a:ext uri="{FF2B5EF4-FFF2-40B4-BE49-F238E27FC236}">
+                <a16:creationId xmlns:a16="http://schemas.microsoft.com/office/drawing/2014/main" id="{6400FFC4-9AB4-4058-8030-A49018C3DCB7}"/>
+              </a:ext>
+            </a:extLst>
+          </p:cNvPr>
+          <p:cNvCxnSpPr>
+            <a:cxnSpLocks/>
+            <a:stCxn id="16" idx="3"/>
+            <a:endCxn id="17" idx="1"/>
+          </p:cNvCxnSpPr>
+          <p:nvPr/>
+        </p:nvCxnSpPr>
+        <p:spPr>
+          <a:xfrm>
+            <a:off x="8692635" y="3152654"/>
+            <a:ext cx="1385982" cy="0"/>
+          </a:xfrm>
+          <a:prstGeom prst="straightConnector1">
+            <a:avLst/>
+          </a:prstGeom>
+          <a:ln w="38100">
+            <a:tailEnd type="triangle"/>
+          </a:ln>
+        </p:spPr>
+        <p:style>
+          <a:lnRef idx="1">
+            <a:schemeClr val="accent1"/>
+          </a:lnRef>
+          <a:fillRef idx="0">
+            <a:schemeClr val="accent1"/>
+          </a:fillRef>
+          <a:effectRef idx="0">
+            <a:schemeClr val="accent1"/>
+          </a:effectRef>
+          <a:fontRef idx="minor">
+            <a:schemeClr val="tx1"/>
+          </a:fontRef>
+        </p:style>
+      </p:cxnSp>
+      <p:sp>
+        <p:nvSpPr>
+          <p:cNvPr id="21" name="Flowchart: Process 20">
+            <a:extLst>
+              <a:ext uri="{FF2B5EF4-FFF2-40B4-BE49-F238E27FC236}">
+                <a16:creationId xmlns:a16="http://schemas.microsoft.com/office/drawing/2014/main" id="{CD56C37D-60FC-4C6A-8264-A1695D032A08}"/>
+              </a:ext>
+            </a:extLst>
+          </p:cNvPr>
+          <p:cNvSpPr/>
+          <p:nvPr/>
+        </p:nvSpPr>
+        <p:spPr>
+          <a:xfrm>
+            <a:off x="7230838" y="1523829"/>
+            <a:ext cx="1275183" cy="584718"/>
+          </a:xfrm>
+          <a:prstGeom prst="flowChartProcess">
+            <a:avLst/>
+          </a:prstGeom>
+        </p:spPr>
+        <p:style>
+          <a:lnRef idx="2">
+            <a:schemeClr val="accent1">
+              <a:shade val="50000"/>
+            </a:schemeClr>
+          </a:lnRef>
+          <a:fillRef idx="1">
+            <a:schemeClr val="accent1"/>
+          </a:fillRef>
+          <a:effectRef idx="0">
+            <a:schemeClr val="accent1"/>
+          </a:effectRef>
+          <a:fontRef idx="minor">
+            <a:schemeClr val="lt1"/>
+          </a:fontRef>
+        </p:style>
+        <p:txBody>
+          <a:bodyPr rtlCol="0" anchor="ctr"/>
+          <a:lstStyle/>
+          <a:p>
+            <a:pPr algn="ctr"/>
+            <a:r>
+              <a:rPr lang="en-US" dirty="0"/>
+              <a:t>Suppliers</a:t>
+            </a:r>
+          </a:p>
+        </p:txBody>
+      </p:sp>
+      <p:cxnSp>
+        <p:nvCxnSpPr>
+          <p:cNvPr id="22" name="Straight Arrow Connector 21">
+            <a:extLst>
+              <a:ext uri="{FF2B5EF4-FFF2-40B4-BE49-F238E27FC236}">
+                <a16:creationId xmlns:a16="http://schemas.microsoft.com/office/drawing/2014/main" id="{37C79243-AC34-4954-B3AA-84A7E2E042F6}"/>
+              </a:ext>
+            </a:extLst>
+          </p:cNvPr>
+          <p:cNvCxnSpPr>
+            <a:cxnSpLocks/>
+            <a:stCxn id="16" idx="0"/>
+            <a:endCxn id="21" idx="2"/>
+          </p:cNvCxnSpPr>
+          <p:nvPr/>
+        </p:nvCxnSpPr>
+        <p:spPr>
+          <a:xfrm flipV="1">
+            <a:off x="7868430" y="2108547"/>
+            <a:ext cx="0" cy="751748"/>
+          </a:xfrm>
+          <a:prstGeom prst="straightConnector1">
+            <a:avLst/>
+          </a:prstGeom>
+          <a:ln w="38100">
+            <a:tailEnd type="triangle"/>
+          </a:ln>
+        </p:spPr>
+        <p:style>
+          <a:lnRef idx="1">
+            <a:schemeClr val="accent1"/>
+          </a:lnRef>
+          <a:fillRef idx="0">
+            <a:schemeClr val="accent1"/>
+          </a:fillRef>
+          <a:effectRef idx="0">
+            <a:schemeClr val="accent1"/>
+          </a:effectRef>
+          <a:fontRef idx="minor">
+            <a:schemeClr val="tx1"/>
+          </a:fontRef>
+        </p:style>
+      </p:cxnSp>
+      <p:sp>
+        <p:nvSpPr>
+          <p:cNvPr id="23" name="Flowchart: Process 22">
+            <a:extLst>
+              <a:ext uri="{FF2B5EF4-FFF2-40B4-BE49-F238E27FC236}">
+                <a16:creationId xmlns:a16="http://schemas.microsoft.com/office/drawing/2014/main" id="{5BFE542E-CB8E-4048-846A-C7D4DC5A8610}"/>
+              </a:ext>
+            </a:extLst>
+          </p:cNvPr>
+          <p:cNvSpPr/>
+          <p:nvPr/>
+        </p:nvSpPr>
+        <p:spPr>
+          <a:xfrm>
+            <a:off x="7044225" y="4091516"/>
+            <a:ext cx="1648410" cy="584718"/>
+          </a:xfrm>
+          <a:prstGeom prst="flowChartProcess">
+            <a:avLst/>
+          </a:prstGeom>
+        </p:spPr>
+        <p:style>
+          <a:lnRef idx="2">
+            <a:schemeClr val="accent1">
+              <a:shade val="50000"/>
+            </a:schemeClr>
+          </a:lnRef>
+          <a:fillRef idx="1">
+            <a:schemeClr val="accent1"/>
+          </a:fillRef>
+          <a:effectRef idx="0">
+            <a:schemeClr val="accent1"/>
+          </a:effectRef>
+          <a:fontRef idx="minor">
+            <a:schemeClr val="lt1"/>
+          </a:fontRef>
+        </p:style>
+        <p:txBody>
+          <a:bodyPr rtlCol="0" anchor="ctr"/>
+          <a:lstStyle/>
+          <a:p>
+            <a:pPr algn="ctr"/>
+            <a:r>
+              <a:rPr lang="en-US" dirty="0" err="1"/>
+              <a:t>ProductImages</a:t>
+            </a:r>
+            <a:endParaRPr lang="en-US" dirty="0"/>
+          </a:p>
+        </p:txBody>
+      </p:sp>
+      <p:cxnSp>
+        <p:nvCxnSpPr>
+          <p:cNvPr id="24" name="Straight Arrow Connector 23">
+            <a:extLst>
+              <a:ext uri="{FF2B5EF4-FFF2-40B4-BE49-F238E27FC236}">
+                <a16:creationId xmlns:a16="http://schemas.microsoft.com/office/drawing/2014/main" id="{6CED8414-0AC3-4EED-BE29-1FB128A16837}"/>
+              </a:ext>
+            </a:extLst>
+          </p:cNvPr>
+          <p:cNvCxnSpPr>
+            <a:cxnSpLocks/>
+            <a:stCxn id="16" idx="2"/>
+            <a:endCxn id="23" idx="0"/>
+          </p:cNvCxnSpPr>
+          <p:nvPr/>
+        </p:nvCxnSpPr>
+        <p:spPr>
+          <a:xfrm>
+            <a:off x="7868430" y="3445013"/>
+            <a:ext cx="0" cy="646503"/>
+          </a:xfrm>
+          <a:prstGeom prst="straightConnector1">
+            <a:avLst/>
+          </a:prstGeom>
+          <a:ln w="38100">
+            <a:tailEnd type="triangle"/>
+          </a:ln>
+        </p:spPr>
+        <p:style>
+          <a:lnRef idx="1">
+            <a:schemeClr val="accent1"/>
+          </a:lnRef>
+          <a:fillRef idx="0">
+            <a:schemeClr val="accent1"/>
+          </a:fillRef>
+          <a:effectRef idx="0">
+            <a:schemeClr val="accent1"/>
+          </a:effectRef>
+          <a:fontRef idx="minor">
+            <a:schemeClr val="tx1"/>
+          </a:fontRef>
+        </p:style>
+      </p:cxnSp>
+      <p:sp>
+        <p:nvSpPr>
+          <p:cNvPr id="41" name="Flowchart: Process 40">
+            <a:extLst>
+              <a:ext uri="{FF2B5EF4-FFF2-40B4-BE49-F238E27FC236}">
+                <a16:creationId xmlns:a16="http://schemas.microsoft.com/office/drawing/2014/main" id="{1C29D55F-3B04-4409-8202-5BF49D637668}"/>
+              </a:ext>
+            </a:extLst>
+          </p:cNvPr>
+          <p:cNvSpPr/>
+          <p:nvPr/>
+        </p:nvSpPr>
+        <p:spPr>
+          <a:xfrm>
+            <a:off x="4389807" y="2867474"/>
+            <a:ext cx="1482733" cy="584718"/>
+          </a:xfrm>
+          <a:prstGeom prst="flowChartProcess">
+            <a:avLst/>
+          </a:prstGeom>
+        </p:spPr>
+        <p:style>
+          <a:lnRef idx="2">
+            <a:schemeClr val="accent1">
+              <a:shade val="50000"/>
+            </a:schemeClr>
+          </a:lnRef>
+          <a:fillRef idx="1">
+            <a:schemeClr val="accent1"/>
+          </a:fillRef>
+          <a:effectRef idx="0">
+            <a:schemeClr val="accent1"/>
+          </a:effectRef>
+          <a:fontRef idx="minor">
+            <a:schemeClr val="lt1"/>
+          </a:fontRef>
+        </p:style>
+        <p:txBody>
+          <a:bodyPr rtlCol="0" anchor="ctr"/>
+          <a:lstStyle/>
+          <a:p>
+            <a:pPr algn="ctr"/>
+            <a:r>
+              <a:rPr lang="en-US" dirty="0" err="1"/>
+              <a:t>OrderDetails</a:t>
+            </a:r>
+            <a:endParaRPr lang="en-US" dirty="0"/>
+          </a:p>
+        </p:txBody>
+      </p:sp>
+      <p:cxnSp>
+        <p:nvCxnSpPr>
+          <p:cNvPr id="42" name="Straight Arrow Connector 41">
+            <a:extLst>
+              <a:ext uri="{FF2B5EF4-FFF2-40B4-BE49-F238E27FC236}">
+                <a16:creationId xmlns:a16="http://schemas.microsoft.com/office/drawing/2014/main" id="{C96070D3-8B9D-44BF-B8CB-84864E8CE3CA}"/>
+              </a:ext>
+            </a:extLst>
+          </p:cNvPr>
+          <p:cNvCxnSpPr>
+            <a:cxnSpLocks/>
+            <a:stCxn id="43" idx="3"/>
+            <a:endCxn id="41" idx="1"/>
+          </p:cNvCxnSpPr>
+          <p:nvPr/>
+        </p:nvCxnSpPr>
+        <p:spPr>
+          <a:xfrm>
+            <a:off x="3558855" y="3159833"/>
+            <a:ext cx="830952" cy="0"/>
+          </a:xfrm>
+          <a:prstGeom prst="straightConnector1">
+            <a:avLst/>
+          </a:prstGeom>
+          <a:ln w="38100">
+            <a:tailEnd type="triangle"/>
+          </a:ln>
+        </p:spPr>
+        <p:style>
+          <a:lnRef idx="1">
+            <a:schemeClr val="accent1"/>
+          </a:lnRef>
+          <a:fillRef idx="0">
+            <a:schemeClr val="accent1"/>
+          </a:fillRef>
+          <a:effectRef idx="0">
+            <a:schemeClr val="accent1"/>
+          </a:effectRef>
+          <a:fontRef idx="minor">
+            <a:schemeClr val="tx1"/>
+          </a:fontRef>
+        </p:style>
+      </p:cxnSp>
+      <p:sp>
+        <p:nvSpPr>
+          <p:cNvPr id="43" name="Flowchart: Process 42">
+            <a:extLst>
+              <a:ext uri="{FF2B5EF4-FFF2-40B4-BE49-F238E27FC236}">
+                <a16:creationId xmlns:a16="http://schemas.microsoft.com/office/drawing/2014/main" id="{3D2E1BAE-08C4-4FC6-B5E9-449A486ABC60}"/>
+              </a:ext>
+            </a:extLst>
+          </p:cNvPr>
+          <p:cNvSpPr/>
+          <p:nvPr/>
+        </p:nvSpPr>
+        <p:spPr>
+          <a:xfrm>
+            <a:off x="2110122" y="2867474"/>
+            <a:ext cx="1448733" cy="584718"/>
+          </a:xfrm>
+          <a:prstGeom prst="flowChartProcess">
+            <a:avLst/>
+          </a:prstGeom>
+        </p:spPr>
+        <p:style>
+          <a:lnRef idx="2">
+            <a:schemeClr val="accent1">
+              <a:shade val="50000"/>
+            </a:schemeClr>
+          </a:lnRef>
+          <a:fillRef idx="1">
+            <a:schemeClr val="accent1"/>
+          </a:fillRef>
+          <a:effectRef idx="0">
+            <a:schemeClr val="accent1"/>
+          </a:effectRef>
+          <a:fontRef idx="minor">
+            <a:schemeClr val="lt1"/>
+          </a:fontRef>
+        </p:style>
+        <p:txBody>
+          <a:bodyPr rtlCol="0" anchor="ctr"/>
+          <a:lstStyle/>
+          <a:p>
+            <a:pPr algn="ctr"/>
+            <a:r>
+              <a:rPr lang="en-US" dirty="0"/>
+              <a:t>Orders</a:t>
+            </a:r>
+          </a:p>
+        </p:txBody>
+      </p:sp>
+      <p:sp>
+        <p:nvSpPr>
+          <p:cNvPr id="28" name="TextBox 27">
+            <a:extLst>
+              <a:ext uri="{FF2B5EF4-FFF2-40B4-BE49-F238E27FC236}">
+                <a16:creationId xmlns:a16="http://schemas.microsoft.com/office/drawing/2014/main" id="{0D3F1BDF-18EE-4B45-9DB3-9FF361CC36D9}"/>
+              </a:ext>
+            </a:extLst>
+          </p:cNvPr>
+          <p:cNvSpPr txBox="1"/>
+          <p:nvPr/>
+        </p:nvSpPr>
+        <p:spPr>
+          <a:xfrm>
+            <a:off x="8881305" y="2805564"/>
+            <a:ext cx="1076898" cy="369332"/>
+          </a:xfrm>
+          <a:prstGeom prst="rect">
+            <a:avLst/>
+          </a:prstGeom>
+          <a:noFill/>
+        </p:spPr>
+        <p:txBody>
+          <a:bodyPr wrap="none" rtlCol="0">
+            <a:spAutoFit/>
+          </a:bodyPr>
+          <a:lstStyle/>
+          <a:p>
+            <a:r>
+              <a:rPr lang="en-US" dirty="0"/>
+              <a:t>belong to</a:t>
+            </a:r>
+          </a:p>
+        </p:txBody>
+      </p:sp>
+      <p:cxnSp>
+        <p:nvCxnSpPr>
+          <p:cNvPr id="35" name="Straight Arrow Connector 34">
+            <a:extLst>
+              <a:ext uri="{FF2B5EF4-FFF2-40B4-BE49-F238E27FC236}">
+                <a16:creationId xmlns:a16="http://schemas.microsoft.com/office/drawing/2014/main" id="{E335AB3B-82A8-43A7-9170-C64915E04E8F}"/>
+              </a:ext>
+            </a:extLst>
+          </p:cNvPr>
+          <p:cNvCxnSpPr>
+            <a:cxnSpLocks/>
+            <a:stCxn id="6" idx="2"/>
+            <a:endCxn id="43" idx="0"/>
+          </p:cNvCxnSpPr>
+          <p:nvPr/>
+        </p:nvCxnSpPr>
+        <p:spPr>
+          <a:xfrm>
+            <a:off x="2834489" y="1921434"/>
+            <a:ext cx="0" cy="946040"/>
+          </a:xfrm>
+          <a:prstGeom prst="straightConnector1">
+            <a:avLst/>
+          </a:prstGeom>
+          <a:ln w="38100">
+            <a:tailEnd type="triangle"/>
+          </a:ln>
+        </p:spPr>
+        <p:style>
+          <a:lnRef idx="1">
+            <a:schemeClr val="accent1"/>
+          </a:lnRef>
+          <a:fillRef idx="0">
+            <a:schemeClr val="accent1"/>
+          </a:fillRef>
+          <a:effectRef idx="0">
+            <a:schemeClr val="accent1"/>
+          </a:effectRef>
+          <a:fontRef idx="minor">
+            <a:schemeClr val="tx1"/>
+          </a:fontRef>
+        </p:style>
+      </p:cxnSp>
+      <p:sp>
+        <p:nvSpPr>
+          <p:cNvPr id="37" name="TextBox 36">
+            <a:extLst>
+              <a:ext uri="{FF2B5EF4-FFF2-40B4-BE49-F238E27FC236}">
+                <a16:creationId xmlns:a16="http://schemas.microsoft.com/office/drawing/2014/main" id="{744D25D0-E2EF-42F4-A2A4-52EE4C1BA699}"/>
+              </a:ext>
+            </a:extLst>
+          </p:cNvPr>
+          <p:cNvSpPr txBox="1"/>
+          <p:nvPr/>
+        </p:nvSpPr>
+        <p:spPr>
+          <a:xfrm>
+            <a:off x="2110122" y="2156269"/>
+            <a:ext cx="683200" cy="369332"/>
+          </a:xfrm>
+          <a:prstGeom prst="rect">
+            <a:avLst/>
+          </a:prstGeom>
+          <a:noFill/>
+        </p:spPr>
+        <p:txBody>
+          <a:bodyPr wrap="none" rtlCol="0">
+            <a:spAutoFit/>
+          </a:bodyPr>
+          <a:lstStyle/>
+          <a:p>
+            <a:r>
+              <a:rPr lang="en-US" dirty="0"/>
+              <a:t>place</a:t>
+            </a:r>
+          </a:p>
+        </p:txBody>
+      </p:sp>
+      <p:sp>
+        <p:nvSpPr>
+          <p:cNvPr id="39" name="TextBox 38">
+            <a:extLst>
+              <a:ext uri="{FF2B5EF4-FFF2-40B4-BE49-F238E27FC236}">
+                <a16:creationId xmlns:a16="http://schemas.microsoft.com/office/drawing/2014/main" id="{1BFEA822-426F-4395-9D9B-EEA08BE60F1E}"/>
+              </a:ext>
+            </a:extLst>
+          </p:cNvPr>
+          <p:cNvSpPr txBox="1"/>
+          <p:nvPr/>
+        </p:nvSpPr>
+        <p:spPr>
+          <a:xfrm>
+            <a:off x="3600525" y="2805564"/>
+            <a:ext cx="630622" cy="369332"/>
+          </a:xfrm>
+          <a:prstGeom prst="rect">
+            <a:avLst/>
+          </a:prstGeom>
+          <a:noFill/>
+        </p:spPr>
+        <p:txBody>
+          <a:bodyPr wrap="none" rtlCol="0">
+            <a:spAutoFit/>
+          </a:bodyPr>
+          <a:lstStyle/>
+          <a:p>
+            <a:r>
+              <a:rPr lang="en-US" dirty="0"/>
+              <a:t>have</a:t>
+            </a:r>
+          </a:p>
+        </p:txBody>
+      </p:sp>
+      <p:cxnSp>
+        <p:nvCxnSpPr>
+          <p:cNvPr id="44" name="Straight Arrow Connector 43">
+            <a:extLst>
+              <a:ext uri="{FF2B5EF4-FFF2-40B4-BE49-F238E27FC236}">
+                <a16:creationId xmlns:a16="http://schemas.microsoft.com/office/drawing/2014/main" id="{B51BDE50-31EF-4224-A4F4-987DFD498247}"/>
+              </a:ext>
+            </a:extLst>
+          </p:cNvPr>
+          <p:cNvCxnSpPr>
+            <a:cxnSpLocks/>
+            <a:stCxn id="41" idx="3"/>
+            <a:endCxn id="16" idx="1"/>
+          </p:cNvCxnSpPr>
+          <p:nvPr/>
+        </p:nvCxnSpPr>
+        <p:spPr>
+          <a:xfrm flipV="1">
+            <a:off x="5872540" y="3152654"/>
+            <a:ext cx="1171685" cy="7179"/>
+          </a:xfrm>
+          <a:prstGeom prst="straightConnector1">
+            <a:avLst/>
+          </a:prstGeom>
+          <a:ln w="38100">
+            <a:tailEnd type="triangle"/>
+          </a:ln>
+        </p:spPr>
+        <p:style>
+          <a:lnRef idx="1">
+            <a:schemeClr val="accent1"/>
+          </a:lnRef>
+          <a:fillRef idx="0">
+            <a:schemeClr val="accent1"/>
+          </a:fillRef>
+          <a:effectRef idx="0">
+            <a:schemeClr val="accent1"/>
+          </a:effectRef>
+          <a:fontRef idx="minor">
+            <a:schemeClr val="tx1"/>
+          </a:fontRef>
+        </p:style>
+      </p:cxnSp>
+      <p:sp>
+        <p:nvSpPr>
+          <p:cNvPr id="45" name="TextBox 44">
+            <a:extLst>
+              <a:ext uri="{FF2B5EF4-FFF2-40B4-BE49-F238E27FC236}">
+                <a16:creationId xmlns:a16="http://schemas.microsoft.com/office/drawing/2014/main" id="{EE6C0D41-0894-4992-9A19-3EF6B71A1BD7}"/>
+              </a:ext>
+            </a:extLst>
+          </p:cNvPr>
+          <p:cNvSpPr txBox="1"/>
+          <p:nvPr/>
+        </p:nvSpPr>
+        <p:spPr>
+          <a:xfrm>
+            <a:off x="5843255" y="2796882"/>
+            <a:ext cx="1180131" cy="369332"/>
+          </a:xfrm>
+          <a:prstGeom prst="rect">
+            <a:avLst/>
+          </a:prstGeom>
+          <a:noFill/>
+        </p:spPr>
+        <p:txBody>
+          <a:bodyPr wrap="none" rtlCol="0">
+            <a:spAutoFit/>
+          </a:bodyPr>
+          <a:lstStyle/>
+          <a:p>
+            <a:r>
+              <a:rPr lang="en-US" dirty="0"/>
+              <a:t>defined by</a:t>
+            </a:r>
+          </a:p>
+        </p:txBody>
+      </p:sp>
+      <p:sp>
+        <p:nvSpPr>
+          <p:cNvPr id="46" name="TextBox 45">
+            <a:extLst>
+              <a:ext uri="{FF2B5EF4-FFF2-40B4-BE49-F238E27FC236}">
+                <a16:creationId xmlns:a16="http://schemas.microsoft.com/office/drawing/2014/main" id="{D87053CA-BBA7-423F-A6B9-B594361B623D}"/>
+              </a:ext>
+            </a:extLst>
+          </p:cNvPr>
+          <p:cNvSpPr txBox="1"/>
+          <p:nvPr/>
+        </p:nvSpPr>
+        <p:spPr>
+          <a:xfrm>
+            <a:off x="3732618" y="1300676"/>
+            <a:ext cx="630622" cy="369332"/>
+          </a:xfrm>
+          <a:prstGeom prst="rect">
+            <a:avLst/>
+          </a:prstGeom>
+          <a:noFill/>
+        </p:spPr>
+        <p:txBody>
+          <a:bodyPr wrap="none" rtlCol="0">
+            <a:spAutoFit/>
+          </a:bodyPr>
+          <a:lstStyle/>
+          <a:p>
+            <a:r>
+              <a:rPr lang="en-US" dirty="0"/>
+              <a:t>have</a:t>
+            </a:r>
+          </a:p>
+        </p:txBody>
+      </p:sp>
+      <p:sp>
+        <p:nvSpPr>
+          <p:cNvPr id="47" name="TextBox 46">
+            <a:extLst>
+              <a:ext uri="{FF2B5EF4-FFF2-40B4-BE49-F238E27FC236}">
+                <a16:creationId xmlns:a16="http://schemas.microsoft.com/office/drawing/2014/main" id="{1E72B56A-154B-4B0B-98F0-F38AC38E5003}"/>
+              </a:ext>
+            </a:extLst>
+          </p:cNvPr>
+          <p:cNvSpPr txBox="1"/>
+          <p:nvPr/>
+        </p:nvSpPr>
+        <p:spPr>
+          <a:xfrm>
+            <a:off x="7843547" y="2245024"/>
+            <a:ext cx="1668342" cy="369332"/>
+          </a:xfrm>
+          <a:prstGeom prst="rect">
+            <a:avLst/>
+          </a:prstGeom>
+          <a:noFill/>
+        </p:spPr>
+        <p:txBody>
+          <a:bodyPr wrap="none" rtlCol="0">
+            <a:spAutoFit/>
+          </a:bodyPr>
+          <a:lstStyle/>
+          <a:p>
+            <a:r>
+              <a:rPr lang="en-US" dirty="0"/>
+              <a:t>purchased from</a:t>
+            </a:r>
+          </a:p>
+        </p:txBody>
+      </p:sp>
+      <p:sp>
+        <p:nvSpPr>
+          <p:cNvPr id="49" name="TextBox 48">
+            <a:extLst>
+              <a:ext uri="{FF2B5EF4-FFF2-40B4-BE49-F238E27FC236}">
+                <a16:creationId xmlns:a16="http://schemas.microsoft.com/office/drawing/2014/main" id="{0225BC34-51B6-44CA-B2F0-4D64124234F8}"/>
+              </a:ext>
+            </a:extLst>
+          </p:cNvPr>
+          <p:cNvSpPr txBox="1"/>
+          <p:nvPr/>
+        </p:nvSpPr>
+        <p:spPr>
+          <a:xfrm>
+            <a:off x="7868429" y="3614491"/>
+            <a:ext cx="630622" cy="369332"/>
+          </a:xfrm>
+          <a:prstGeom prst="rect">
+            <a:avLst/>
+          </a:prstGeom>
+          <a:noFill/>
+        </p:spPr>
+        <p:txBody>
+          <a:bodyPr wrap="none" rtlCol="0">
+            <a:spAutoFit/>
+          </a:bodyPr>
+          <a:lstStyle/>
+          <a:p>
+            <a:r>
+              <a:rPr lang="en-US" dirty="0"/>
+              <a:t>have</a:t>
+            </a:r>
+          </a:p>
+        </p:txBody>
+      </p:sp>
+      <p:sp>
+        <p:nvSpPr>
+          <p:cNvPr id="51" name="TextBox 50">
+            <a:extLst>
+              <a:ext uri="{FF2B5EF4-FFF2-40B4-BE49-F238E27FC236}">
+                <a16:creationId xmlns:a16="http://schemas.microsoft.com/office/drawing/2014/main" id="{FD247221-6B67-4D31-9565-0EE2AB0C37A2}"/>
+              </a:ext>
+            </a:extLst>
+          </p:cNvPr>
+          <p:cNvSpPr txBox="1"/>
+          <p:nvPr/>
+        </p:nvSpPr>
+        <p:spPr>
+          <a:xfrm>
+            <a:off x="3637709" y="5154131"/>
+            <a:ext cx="630622" cy="369332"/>
+          </a:xfrm>
+          <a:prstGeom prst="rect">
+            <a:avLst/>
+          </a:prstGeom>
+          <a:noFill/>
+        </p:spPr>
+        <p:txBody>
+          <a:bodyPr wrap="none" rtlCol="0">
+            <a:spAutoFit/>
+          </a:bodyPr>
+          <a:lstStyle/>
+          <a:p>
+            <a:r>
+              <a:rPr lang="en-US" dirty="0"/>
+              <a:t>have</a:t>
+            </a:r>
+          </a:p>
+        </p:txBody>
+      </p:sp>
+      <p:cxnSp>
+        <p:nvCxnSpPr>
+          <p:cNvPr id="52" name="Straight Arrow Connector 51">
+            <a:extLst>
+              <a:ext uri="{FF2B5EF4-FFF2-40B4-BE49-F238E27FC236}">
+                <a16:creationId xmlns:a16="http://schemas.microsoft.com/office/drawing/2014/main" id="{CF52BA18-C974-440F-B2E9-09538E2983F4}"/>
+              </a:ext>
+            </a:extLst>
+          </p:cNvPr>
+          <p:cNvCxnSpPr>
+            <a:cxnSpLocks/>
+            <a:stCxn id="43" idx="2"/>
+            <a:endCxn id="10" idx="0"/>
+          </p:cNvCxnSpPr>
+          <p:nvPr/>
+        </p:nvCxnSpPr>
+        <p:spPr>
+          <a:xfrm flipH="1">
+            <a:off x="2834488" y="3452192"/>
+            <a:ext cx="1" cy="824433"/>
+          </a:xfrm>
+          <a:prstGeom prst="straightConnector1">
+            <a:avLst/>
+          </a:prstGeom>
+          <a:ln w="38100">
+            <a:tailEnd type="triangle"/>
+          </a:ln>
+        </p:spPr>
+        <p:style>
+          <a:lnRef idx="1">
+            <a:schemeClr val="accent1"/>
+          </a:lnRef>
+          <a:fillRef idx="0">
+            <a:schemeClr val="accent1"/>
+          </a:fillRef>
+          <a:effectRef idx="0">
+            <a:schemeClr val="accent1"/>
+          </a:effectRef>
+          <a:fontRef idx="minor">
+            <a:schemeClr val="tx1"/>
+          </a:fontRef>
+        </p:style>
+      </p:cxnSp>
+      <p:sp>
+        <p:nvSpPr>
+          <p:cNvPr id="56" name="TextBox 55">
+            <a:extLst>
+              <a:ext uri="{FF2B5EF4-FFF2-40B4-BE49-F238E27FC236}">
+                <a16:creationId xmlns:a16="http://schemas.microsoft.com/office/drawing/2014/main" id="{6011934D-A4B6-4F84-A26C-BEB2D2545303}"/>
+              </a:ext>
+            </a:extLst>
+          </p:cNvPr>
+          <p:cNvSpPr txBox="1"/>
+          <p:nvPr/>
+        </p:nvSpPr>
+        <p:spPr>
+          <a:xfrm>
+            <a:off x="1980052" y="3586920"/>
+            <a:ext cx="1207831" cy="369332"/>
+          </a:xfrm>
+          <a:prstGeom prst="rect">
+            <a:avLst/>
+          </a:prstGeom>
+          <a:noFill/>
+        </p:spPr>
+        <p:txBody>
+          <a:bodyPr wrap="none" rtlCol="0">
+            <a:spAutoFit/>
+          </a:bodyPr>
+          <a:lstStyle/>
+          <a:p>
+            <a:r>
+              <a:rPr lang="en-US" dirty="0"/>
+              <a:t>shipped by</a:t>
+            </a:r>
+          </a:p>
+        </p:txBody>
+      </p:sp>
+      <p:cxnSp>
+        <p:nvCxnSpPr>
+          <p:cNvPr id="59" name="Connector: Elbow 58">
+            <a:extLst>
+              <a:ext uri="{FF2B5EF4-FFF2-40B4-BE49-F238E27FC236}">
+                <a16:creationId xmlns:a16="http://schemas.microsoft.com/office/drawing/2014/main" id="{C13612EB-1ABB-42F6-8BAC-06926FFFF46D}"/>
+              </a:ext>
+            </a:extLst>
+          </p:cNvPr>
+          <p:cNvCxnSpPr>
+            <a:stCxn id="43" idx="1"/>
+            <a:endCxn id="12" idx="1"/>
+          </p:cNvCxnSpPr>
+          <p:nvPr/>
+        </p:nvCxnSpPr>
+        <p:spPr>
+          <a:xfrm rot="10800000" flipV="1">
+            <a:off x="2110122" y="3159833"/>
+            <a:ext cx="12700" cy="2363630"/>
+          </a:xfrm>
+          <a:prstGeom prst="bentConnector3">
+            <a:avLst>
+              <a:gd name="adj1" fmla="val 3808157"/>
+            </a:avLst>
+          </a:prstGeom>
+          <a:ln w="38100">
+            <a:tailEnd type="triangle"/>
+          </a:ln>
+        </p:spPr>
+        <p:style>
+          <a:lnRef idx="1">
+            <a:schemeClr val="accent1"/>
+          </a:lnRef>
+          <a:fillRef idx="0">
+            <a:schemeClr val="accent1"/>
+          </a:fillRef>
+          <a:effectRef idx="0">
+            <a:schemeClr val="accent1"/>
+          </a:effectRef>
+          <a:fontRef idx="minor">
+            <a:schemeClr val="tx1"/>
+          </a:fontRef>
+        </p:style>
+      </p:cxnSp>
+      <p:sp>
+        <p:nvSpPr>
+          <p:cNvPr id="61" name="TextBox 60">
+            <a:extLst>
+              <a:ext uri="{FF2B5EF4-FFF2-40B4-BE49-F238E27FC236}">
+                <a16:creationId xmlns:a16="http://schemas.microsoft.com/office/drawing/2014/main" id="{912ED244-19F0-4E18-BF44-0A4518CEDC53}"/>
+              </a:ext>
+            </a:extLst>
+          </p:cNvPr>
+          <p:cNvSpPr txBox="1"/>
+          <p:nvPr/>
+        </p:nvSpPr>
+        <p:spPr>
+          <a:xfrm>
+            <a:off x="173248" y="3772762"/>
+            <a:ext cx="1415772" cy="923330"/>
+          </a:xfrm>
+          <a:prstGeom prst="rect">
+            <a:avLst/>
+          </a:prstGeom>
+          <a:noFill/>
+        </p:spPr>
+        <p:txBody>
+          <a:bodyPr wrap="none" rtlCol="0">
+            <a:spAutoFit/>
+          </a:bodyPr>
+          <a:lstStyle/>
+          <a:p>
+            <a:pPr algn="r"/>
+            <a:r>
+              <a:rPr lang="en-US" dirty="0"/>
+              <a:t>picked using</a:t>
+            </a:r>
+          </a:p>
+          <a:p>
+            <a:pPr algn="r"/>
+            <a:r>
+              <a:rPr lang="en-US" dirty="0"/>
+              <a:t>and</a:t>
+            </a:r>
+          </a:p>
+          <a:p>
+            <a:pPr algn="r"/>
+            <a:r>
+              <a:rPr lang="en-US" dirty="0"/>
+              <a:t>shipped with</a:t>
+            </a:r>
+          </a:p>
+        </p:txBody>
+      </p:sp>
+      <p:cxnSp>
+        <p:nvCxnSpPr>
+          <p:cNvPr id="63" name="Straight Arrow Connector 62">
+            <a:extLst>
+              <a:ext uri="{FF2B5EF4-FFF2-40B4-BE49-F238E27FC236}">
+                <a16:creationId xmlns:a16="http://schemas.microsoft.com/office/drawing/2014/main" id="{87BA0199-92AF-4D3D-8E4E-DD3F001B0259}"/>
+              </a:ext>
+            </a:extLst>
+          </p:cNvPr>
+          <p:cNvCxnSpPr>
+            <a:cxnSpLocks/>
+          </p:cNvCxnSpPr>
+          <p:nvPr/>
+        </p:nvCxnSpPr>
+        <p:spPr>
+          <a:xfrm>
+            <a:off x="3577570" y="3463859"/>
+            <a:ext cx="812237" cy="796355"/>
+          </a:xfrm>
+          <a:prstGeom prst="straightConnector1">
+            <a:avLst/>
+          </a:prstGeom>
+          <a:ln w="38100">
+            <a:tailEnd type="triangle"/>
+          </a:ln>
+        </p:spPr>
+        <p:style>
+          <a:lnRef idx="1">
+            <a:schemeClr val="accent1"/>
+          </a:lnRef>
+          <a:fillRef idx="0">
+            <a:schemeClr val="accent1"/>
+          </a:fillRef>
+          <a:effectRef idx="0">
+            <a:schemeClr val="accent1"/>
+          </a:effectRef>
+          <a:fontRef idx="minor">
+            <a:schemeClr val="tx1"/>
+          </a:fontRef>
+        </p:style>
+      </p:cxnSp>
+      <p:sp>
+        <p:nvSpPr>
+          <p:cNvPr id="66" name="TextBox 65">
+            <a:extLst>
+              <a:ext uri="{FF2B5EF4-FFF2-40B4-BE49-F238E27FC236}">
+                <a16:creationId xmlns:a16="http://schemas.microsoft.com/office/drawing/2014/main" id="{246BDA90-C082-45B0-95F2-94B4A7AD48F7}"/>
+              </a:ext>
+            </a:extLst>
+          </p:cNvPr>
+          <p:cNvSpPr txBox="1"/>
+          <p:nvPr/>
+        </p:nvSpPr>
+        <p:spPr>
+          <a:xfrm>
+            <a:off x="4108886" y="3771524"/>
+            <a:ext cx="1917513" cy="369332"/>
+          </a:xfrm>
+          <a:prstGeom prst="rect">
+            <a:avLst/>
+          </a:prstGeom>
+          <a:noFill/>
+        </p:spPr>
+        <p:txBody>
+          <a:bodyPr wrap="none" rtlCol="0">
+            <a:spAutoFit/>
+          </a:bodyPr>
+          <a:lstStyle/>
+          <a:p>
+            <a:r>
+              <a:rPr lang="en-US" dirty="0"/>
+              <a:t>have a cost to ship</a:t>
+            </a:r>
+          </a:p>
+        </p:txBody>
+      </p:sp>
+    </p:spTree>
+    <p:extLst>
+      <p:ext uri="{BB962C8B-B14F-4D97-AF65-F5344CB8AC3E}">
+        <p14:creationId xmlns:p14="http://schemas.microsoft.com/office/powerpoint/2010/main" val="4019502829"/>
+      </p:ext>
+    </p:extLst>
+  </p:cSld>
+  <p:clrMapOvr>
+    <a:masterClrMapping/>
+  </p:clrMapOvr>
+</p:sld>
+</file>
+
 <file path=ppt/slides/slide9.xml><?xml version="1.0" encoding="utf-8"?>
 <p:sld xmlns:a="http://schemas.openxmlformats.org/drawingml/2006/main" xmlns:r="http://schemas.openxmlformats.org/officeDocument/2006/relationships" xmlns:p="http://schemas.openxmlformats.org/presentationml/2006/main">
   <p:cSld>
@@ -21140,8 +21481,8 @@
         </p:nvSpPr>
         <p:spPr>
           <a:xfrm>
-            <a:off x="660402" y="365126"/>
-            <a:ext cx="10693398" cy="686874"/>
+            <a:off x="838200" y="365126"/>
+            <a:ext cx="10515600" cy="686874"/>
           </a:xfrm>
         </p:spPr>
         <p:txBody>
@@ -21152,7 +21493,7 @@
           <a:p>
             <a:r>
               <a:rPr lang="en-US" dirty="0"/>
-              <a:t>Domain Model</a:t>
+              <a:t>Business Domain – Bounded Contexts</a:t>
             </a:r>
           </a:p>
         </p:txBody>
@@ -21188,10 +21529,10 @@
       </p:sp>
       <p:sp>
         <p:nvSpPr>
-          <p:cNvPr id="6" name="Flowchart: Process 5">
-            <a:extLst>
-              <a:ext uri="{FF2B5EF4-FFF2-40B4-BE49-F238E27FC236}">
-                <a16:creationId xmlns:a16="http://schemas.microsoft.com/office/drawing/2014/main" id="{F9C0CBAE-1B75-4EAF-B90D-C72AEFDF2E0F}"/>
+          <p:cNvPr id="5" name="Flowchart: Alternate Process 4">
+            <a:extLst>
+              <a:ext uri="{FF2B5EF4-FFF2-40B4-BE49-F238E27FC236}">
+                <a16:creationId xmlns:a16="http://schemas.microsoft.com/office/drawing/2014/main" id="{E9B349A7-11BB-40EF-BF1C-DA3824C1EA3F}"/>
               </a:ext>
             </a:extLst>
           </p:cNvPr>
@@ -21200,7 +21541,64 @@
         </p:nvSpPr>
         <p:spPr>
           <a:xfrm>
-            <a:off x="2110122" y="1336715"/>
+            <a:off x="838200" y="1135687"/>
+            <a:ext cx="3906798" cy="1731818"/>
+          </a:xfrm>
+          <a:prstGeom prst="flowChartAlternateProcess">
+            <a:avLst/>
+          </a:prstGeom>
+          <a:noFill/>
+          <a:ln w="9525" cap="flat" cmpd="sng" algn="ctr">
+            <a:solidFill>
+              <a:schemeClr val="dk1"/>
+            </a:solidFill>
+            <a:prstDash val="solid"/>
+            <a:round/>
+            <a:headEnd type="none" w="med" len="med"/>
+            <a:tailEnd type="none" w="med" len="med"/>
+          </a:ln>
+        </p:spPr>
+        <p:style>
+          <a:lnRef idx="0">
+            <a:scrgbClr r="0" g="0" b="0"/>
+          </a:lnRef>
+          <a:fillRef idx="0">
+            <a:scrgbClr r="0" g="0" b="0"/>
+          </a:fillRef>
+          <a:effectRef idx="0">
+            <a:scrgbClr r="0" g="0" b="0"/>
+          </a:effectRef>
+          <a:fontRef idx="minor">
+            <a:schemeClr val="dk1"/>
+          </a:fontRef>
+        </p:style>
+        <p:txBody>
+          <a:bodyPr rtlCol="0" anchor="t"/>
+          <a:lstStyle/>
+          <a:p>
+            <a:pPr algn="ctr"/>
+            <a:r>
+              <a:rPr lang="en-US" dirty="0"/>
+              <a:t>Customer Domain</a:t>
+            </a:r>
+          </a:p>
+        </p:txBody>
+      </p:sp>
+      <p:sp>
+        <p:nvSpPr>
+          <p:cNvPr id="6" name="Flowchart: Process 5">
+            <a:extLst>
+              <a:ext uri="{FF2B5EF4-FFF2-40B4-BE49-F238E27FC236}">
+                <a16:creationId xmlns:a16="http://schemas.microsoft.com/office/drawing/2014/main" id="{F9C0CBAE-1B75-4EAF-B90D-C72AEFDF2E0F}"/>
+              </a:ext>
+            </a:extLst>
+          </p:cNvPr>
+          <p:cNvSpPr/>
+          <p:nvPr/>
+        </p:nvSpPr>
+        <p:spPr>
+          <a:xfrm>
+            <a:off x="1161897" y="1908993"/>
             <a:ext cx="1448733" cy="584719"/>
           </a:xfrm>
           <a:prstGeom prst="flowChartProcess">
@@ -21249,7 +21647,7 @@
         </p:nvSpPr>
         <p:spPr>
           <a:xfrm>
-            <a:off x="4537003" y="1336715"/>
+            <a:off x="3140909" y="1908994"/>
             <a:ext cx="1275183" cy="584718"/>
           </a:xfrm>
           <a:prstGeom prst="flowChartProcess">
@@ -21301,9 +21699,9 @@
           <p:nvPr/>
         </p:nvCxnSpPr>
         <p:spPr>
-          <a:xfrm flipV="1">
-            <a:off x="3558855" y="1629074"/>
-            <a:ext cx="978148" cy="1"/>
+          <a:xfrm>
+            <a:off x="2610630" y="2201353"/>
+            <a:ext cx="530279" cy="0"/>
           </a:xfrm>
           <a:prstGeom prst="straightConnector1">
             <a:avLst/>
@@ -21329,10 +21727,10 @@
       </p:cxnSp>
       <p:sp>
         <p:nvSpPr>
-          <p:cNvPr id="10" name="Flowchart: Process 9">
-            <a:extLst>
-              <a:ext uri="{FF2B5EF4-FFF2-40B4-BE49-F238E27FC236}">
-                <a16:creationId xmlns:a16="http://schemas.microsoft.com/office/drawing/2014/main" id="{724DFE8A-FA1B-4CC9-91C0-3C3E24D92748}"/>
+          <p:cNvPr id="9" name="Flowchart: Alternate Process 8">
+            <a:extLst>
+              <a:ext uri="{FF2B5EF4-FFF2-40B4-BE49-F238E27FC236}">
+                <a16:creationId xmlns:a16="http://schemas.microsoft.com/office/drawing/2014/main" id="{DAE8330C-CD9F-4378-9576-20AC6A15D889}"/>
               </a:ext>
             </a:extLst>
           </p:cNvPr>
@@ -21341,7 +21739,64 @@
         </p:nvSpPr>
         <p:spPr>
           <a:xfrm>
-            <a:off x="2129182" y="4276625"/>
+            <a:off x="4946371" y="3767839"/>
+            <a:ext cx="4763560" cy="2323857"/>
+          </a:xfrm>
+          <a:prstGeom prst="flowChartAlternateProcess">
+            <a:avLst/>
+          </a:prstGeom>
+          <a:noFill/>
+          <a:ln w="9525" cap="flat" cmpd="sng" algn="ctr">
+            <a:solidFill>
+              <a:schemeClr val="dk1"/>
+            </a:solidFill>
+            <a:prstDash val="solid"/>
+            <a:round/>
+            <a:headEnd type="none" w="med" len="med"/>
+            <a:tailEnd type="none" w="med" len="med"/>
+          </a:ln>
+        </p:spPr>
+        <p:style>
+          <a:lnRef idx="0">
+            <a:scrgbClr r="0" g="0" b="0"/>
+          </a:lnRef>
+          <a:fillRef idx="0">
+            <a:scrgbClr r="0" g="0" b="0"/>
+          </a:fillRef>
+          <a:effectRef idx="0">
+            <a:scrgbClr r="0" g="0" b="0"/>
+          </a:effectRef>
+          <a:fontRef idx="minor">
+            <a:schemeClr val="dk1"/>
+          </a:fontRef>
+        </p:style>
+        <p:txBody>
+          <a:bodyPr rtlCol="0" anchor="t"/>
+          <a:lstStyle/>
+          <a:p>
+            <a:pPr algn="ctr"/>
+            <a:r>
+              <a:rPr lang="en-US" dirty="0"/>
+              <a:t>Shipping Domain</a:t>
+            </a:r>
+          </a:p>
+        </p:txBody>
+      </p:sp>
+      <p:sp>
+        <p:nvSpPr>
+          <p:cNvPr id="10" name="Flowchart: Process 9">
+            <a:extLst>
+              <a:ext uri="{FF2B5EF4-FFF2-40B4-BE49-F238E27FC236}">
+                <a16:creationId xmlns:a16="http://schemas.microsoft.com/office/drawing/2014/main" id="{724DFE8A-FA1B-4CC9-91C0-3C3E24D92748}"/>
+              </a:ext>
+            </a:extLst>
+          </p:cNvPr>
+          <p:cNvSpPr/>
+          <p:nvPr/>
+        </p:nvSpPr>
+        <p:spPr>
+          <a:xfrm>
+            <a:off x="5314076" y="4370208"/>
             <a:ext cx="1410612" cy="608050"/>
           </a:xfrm>
           <a:prstGeom prst="flowChartProcess">
@@ -21390,7 +21845,7 @@
         </p:nvSpPr>
         <p:spPr>
           <a:xfrm>
-            <a:off x="4401774" y="4260214"/>
+            <a:off x="7605728" y="4361511"/>
             <a:ext cx="1577998" cy="606287"/>
           </a:xfrm>
           <a:prstGeom prst="flowChartProcess">
@@ -21440,7 +21895,7 @@
         </p:nvSpPr>
         <p:spPr>
           <a:xfrm>
-            <a:off x="2110122" y="5219438"/>
+            <a:off x="5314076" y="5320735"/>
             <a:ext cx="1410612" cy="608050"/>
           </a:xfrm>
           <a:prstGeom prst="flowChartProcess">
@@ -21494,8 +21949,8 @@
         </p:nvCxnSpPr>
         <p:spPr>
           <a:xfrm>
-            <a:off x="3520734" y="5523463"/>
-            <a:ext cx="869073" cy="0"/>
+            <a:off x="6724688" y="5624760"/>
+            <a:ext cx="603463" cy="0"/>
           </a:xfrm>
           <a:prstGeom prst="straightConnector1">
             <a:avLst/>
@@ -21533,7 +21988,7 @@
         </p:nvSpPr>
         <p:spPr>
           <a:xfrm>
-            <a:off x="4389807" y="5219438"/>
+            <a:off x="7328151" y="5320735"/>
             <a:ext cx="1859631" cy="608050"/>
           </a:xfrm>
           <a:prstGeom prst="flowChartProcess">
@@ -21571,10 +22026,10 @@
       </p:sp>
       <p:sp>
         <p:nvSpPr>
-          <p:cNvPr id="16" name="Flowchart: Process 15">
-            <a:extLst>
-              <a:ext uri="{FF2B5EF4-FFF2-40B4-BE49-F238E27FC236}">
-                <a16:creationId xmlns:a16="http://schemas.microsoft.com/office/drawing/2014/main" id="{021516C7-C88E-46AF-80DE-7E77B9876656}"/>
+          <p:cNvPr id="15" name="Flowchart: Alternate Process 14">
+            <a:extLst>
+              <a:ext uri="{FF2B5EF4-FFF2-40B4-BE49-F238E27FC236}">
+                <a16:creationId xmlns:a16="http://schemas.microsoft.com/office/drawing/2014/main" id="{AFC23B38-EAD4-490A-8933-2577D29720B5}"/>
               </a:ext>
             </a:extLst>
           </p:cNvPr>
@@ -21583,8 +22038,114 @@
         </p:nvSpPr>
         <p:spPr>
           <a:xfrm>
-            <a:off x="7044225" y="2860295"/>
+            <a:off x="4946371" y="1112810"/>
+            <a:ext cx="3960251" cy="2527700"/>
+          </a:xfrm>
+          <a:prstGeom prst="flowChartAlternateProcess">
+            <a:avLst/>
+          </a:prstGeom>
+          <a:noFill/>
+          <a:ln w="9525" cap="flat" cmpd="sng" algn="ctr">
+            <a:solidFill>
+              <a:schemeClr val="dk1"/>
+            </a:solidFill>
+            <a:prstDash val="solid"/>
+            <a:round/>
+            <a:headEnd type="none" w="med" len="med"/>
+            <a:tailEnd type="none" w="med" len="med"/>
+          </a:ln>
+        </p:spPr>
+        <p:style>
+          <a:lnRef idx="0">
+            <a:scrgbClr r="0" g="0" b="0"/>
+          </a:lnRef>
+          <a:fillRef idx="0">
+            <a:scrgbClr r="0" g="0" b="0"/>
+          </a:fillRef>
+          <a:effectRef idx="0">
+            <a:scrgbClr r="0" g="0" b="0"/>
+          </a:effectRef>
+          <a:fontRef idx="minor">
+            <a:schemeClr val="dk1"/>
+          </a:fontRef>
+        </p:style>
+        <p:txBody>
+          <a:bodyPr rtlCol="0" anchor="t"/>
+          <a:lstStyle/>
+          <a:p>
+            <a:pPr algn="ctr"/>
+            <a:r>
+              <a:rPr lang="en-US" dirty="0"/>
+              <a:t>Catalog Domain</a:t>
+            </a:r>
+          </a:p>
+        </p:txBody>
+      </p:sp>
+      <p:sp>
+        <p:nvSpPr>
+          <p:cNvPr id="16" name="Flowchart: Process 15">
+            <a:extLst>
+              <a:ext uri="{FF2B5EF4-FFF2-40B4-BE49-F238E27FC236}">
+                <a16:creationId xmlns:a16="http://schemas.microsoft.com/office/drawing/2014/main" id="{021516C7-C88E-46AF-80DE-7E77B9876656}"/>
+              </a:ext>
+            </a:extLst>
+          </p:cNvPr>
+          <p:cNvSpPr/>
+          <p:nvPr/>
+        </p:nvSpPr>
+        <p:spPr>
+          <a:xfrm>
+            <a:off x="5213062" y="1772168"/>
             <a:ext cx="1648410" cy="584718"/>
+          </a:xfrm>
+          <a:prstGeom prst="flowChartProcess">
+            <a:avLst/>
+          </a:prstGeom>
+        </p:spPr>
+        <p:style>
+          <a:lnRef idx="2">
+            <a:schemeClr val="accent6">
+              <a:shade val="50000"/>
+            </a:schemeClr>
+          </a:lnRef>
+          <a:fillRef idx="1">
+            <a:schemeClr val="accent6"/>
+          </a:fillRef>
+          <a:effectRef idx="0">
+            <a:schemeClr val="accent6"/>
+          </a:effectRef>
+          <a:fontRef idx="minor">
+            <a:schemeClr val="lt1"/>
+          </a:fontRef>
+        </p:style>
+        <p:txBody>
+          <a:bodyPr rtlCol="0" anchor="ctr"/>
+          <a:lstStyle/>
+          <a:p>
+            <a:pPr algn="ctr"/>
+            <a:r>
+              <a:rPr lang="en-US" dirty="0"/>
+              <a:t>Products</a:t>
+            </a:r>
+          </a:p>
+        </p:txBody>
+      </p:sp>
+      <p:sp>
+        <p:nvSpPr>
+          <p:cNvPr id="17" name="Flowchart: Process 16">
+            <a:extLst>
+              <a:ext uri="{FF2B5EF4-FFF2-40B4-BE49-F238E27FC236}">
+                <a16:creationId xmlns:a16="http://schemas.microsoft.com/office/drawing/2014/main" id="{8BE99A96-F0E3-47DA-A026-C6E986AF8EC2}"/>
+              </a:ext>
+            </a:extLst>
+          </p:cNvPr>
+          <p:cNvSpPr/>
+          <p:nvPr/>
+        </p:nvSpPr>
+        <p:spPr>
+          <a:xfrm>
+            <a:off x="7360660" y="1772168"/>
+            <a:ext cx="1275183" cy="584718"/>
           </a:xfrm>
           <a:prstGeom prst="flowChartProcess">
             <a:avLst/>
@@ -21613,17 +22174,60 @@
             <a:pPr algn="ctr"/>
             <a:r>
               <a:rPr lang="en-US" dirty="0"/>
-              <a:t>Products</a:t>
-            </a:r>
-          </a:p>
-        </p:txBody>
-      </p:sp>
-      <p:sp>
-        <p:nvSpPr>
-          <p:cNvPr id="17" name="Flowchart: Process 16">
-            <a:extLst>
-              <a:ext uri="{FF2B5EF4-FFF2-40B4-BE49-F238E27FC236}">
-                <a16:creationId xmlns:a16="http://schemas.microsoft.com/office/drawing/2014/main" id="{8BE99A96-F0E3-47DA-A026-C6E986AF8EC2}"/>
+              <a:t>Categories</a:t>
+            </a:r>
+          </a:p>
+        </p:txBody>
+      </p:sp>
+      <p:cxnSp>
+        <p:nvCxnSpPr>
+          <p:cNvPr id="18" name="Straight Arrow Connector 17">
+            <a:extLst>
+              <a:ext uri="{FF2B5EF4-FFF2-40B4-BE49-F238E27FC236}">
+                <a16:creationId xmlns:a16="http://schemas.microsoft.com/office/drawing/2014/main" id="{6400FFC4-9AB4-4058-8030-A49018C3DCB7}"/>
+              </a:ext>
+            </a:extLst>
+          </p:cNvPr>
+          <p:cNvCxnSpPr>
+            <a:cxnSpLocks/>
+            <a:stCxn id="16" idx="3"/>
+            <a:endCxn id="17" idx="1"/>
+          </p:cNvCxnSpPr>
+          <p:nvPr/>
+        </p:nvCxnSpPr>
+        <p:spPr>
+          <a:xfrm>
+            <a:off x="6861472" y="2064527"/>
+            <a:ext cx="499188" cy="0"/>
+          </a:xfrm>
+          <a:prstGeom prst="straightConnector1">
+            <a:avLst/>
+          </a:prstGeom>
+          <a:ln w="38100">
+            <a:tailEnd type="triangle"/>
+          </a:ln>
+        </p:spPr>
+        <p:style>
+          <a:lnRef idx="1">
+            <a:schemeClr val="accent1"/>
+          </a:lnRef>
+          <a:fillRef idx="0">
+            <a:schemeClr val="accent1"/>
+          </a:fillRef>
+          <a:effectRef idx="0">
+            <a:schemeClr val="accent1"/>
+          </a:effectRef>
+          <a:fontRef idx="minor">
+            <a:schemeClr val="tx1"/>
+          </a:fontRef>
+        </p:style>
+      </p:cxnSp>
+      <p:sp>
+        <p:nvSpPr>
+          <p:cNvPr id="19" name="Flowchart: Alternate Process 18">
+            <a:extLst>
+              <a:ext uri="{FF2B5EF4-FFF2-40B4-BE49-F238E27FC236}">
+                <a16:creationId xmlns:a16="http://schemas.microsoft.com/office/drawing/2014/main" id="{CA378E40-95A7-4870-9C65-6657FD3F1F6E}"/>
               </a:ext>
             </a:extLst>
           </p:cNvPr>
@@ -21632,7 +22236,64 @@
         </p:nvSpPr>
         <p:spPr>
           <a:xfrm>
-            <a:off x="10078617" y="2860295"/>
+            <a:off x="838200" y="4575378"/>
+            <a:ext cx="3906798" cy="1516318"/>
+          </a:xfrm>
+          <a:prstGeom prst="flowChartAlternateProcess">
+            <a:avLst/>
+          </a:prstGeom>
+          <a:noFill/>
+          <a:ln w="9525" cap="flat" cmpd="sng" algn="ctr">
+            <a:solidFill>
+              <a:schemeClr val="dk1"/>
+            </a:solidFill>
+            <a:prstDash val="solid"/>
+            <a:round/>
+            <a:headEnd type="none" w="med" len="med"/>
+            <a:tailEnd type="none" w="med" len="med"/>
+          </a:ln>
+        </p:spPr>
+        <p:style>
+          <a:lnRef idx="0">
+            <a:scrgbClr r="0" g="0" b="0"/>
+          </a:lnRef>
+          <a:fillRef idx="0">
+            <a:scrgbClr r="0" g="0" b="0"/>
+          </a:fillRef>
+          <a:effectRef idx="0">
+            <a:scrgbClr r="0" g="0" b="0"/>
+          </a:effectRef>
+          <a:fontRef idx="minor">
+            <a:schemeClr val="dk1"/>
+          </a:fontRef>
+        </p:style>
+        <p:txBody>
+          <a:bodyPr rtlCol="0" anchor="t"/>
+          <a:lstStyle/>
+          <a:p>
+            <a:pPr algn="ctr"/>
+            <a:r>
+              <a:rPr lang="en-US" dirty="0"/>
+              <a:t>Inventory Domain</a:t>
+            </a:r>
+          </a:p>
+        </p:txBody>
+      </p:sp>
+      <p:sp>
+        <p:nvSpPr>
+          <p:cNvPr id="21" name="Flowchart: Process 20">
+            <a:extLst>
+              <a:ext uri="{FF2B5EF4-FFF2-40B4-BE49-F238E27FC236}">
+                <a16:creationId xmlns:a16="http://schemas.microsoft.com/office/drawing/2014/main" id="{CD56C37D-60FC-4C6A-8264-A1695D032A08}"/>
+              </a:ext>
+            </a:extLst>
+          </p:cNvPr>
+          <p:cNvSpPr/>
+          <p:nvPr/>
+        </p:nvSpPr>
+        <p:spPr>
+          <a:xfrm>
+            <a:off x="3251104" y="5262067"/>
             <a:ext cx="1275183" cy="584718"/>
           </a:xfrm>
           <a:prstGeom prst="flowChartProcess">
@@ -21662,31 +22323,31 @@
             <a:pPr algn="ctr"/>
             <a:r>
               <a:rPr lang="en-US" dirty="0"/>
-              <a:t>Categories</a:t>
+              <a:t>Suppliers</a:t>
             </a:r>
           </a:p>
         </p:txBody>
       </p:sp>
       <p:cxnSp>
         <p:nvCxnSpPr>
-          <p:cNvPr id="18" name="Straight Arrow Connector 17">
-            <a:extLst>
-              <a:ext uri="{FF2B5EF4-FFF2-40B4-BE49-F238E27FC236}">
-                <a16:creationId xmlns:a16="http://schemas.microsoft.com/office/drawing/2014/main" id="{6400FFC4-9AB4-4058-8030-A49018C3DCB7}"/>
+          <p:cNvPr id="22" name="Straight Arrow Connector 21">
+            <a:extLst>
+              <a:ext uri="{FF2B5EF4-FFF2-40B4-BE49-F238E27FC236}">
+                <a16:creationId xmlns:a16="http://schemas.microsoft.com/office/drawing/2014/main" id="{37C79243-AC34-4954-B3AA-84A7E2E042F6}"/>
               </a:ext>
             </a:extLst>
           </p:cNvPr>
           <p:cNvCxnSpPr>
             <a:cxnSpLocks/>
-            <a:stCxn id="16" idx="3"/>
-            <a:endCxn id="17" idx="1"/>
+            <a:stCxn id="34" idx="3"/>
+            <a:endCxn id="21" idx="1"/>
           </p:cNvCxnSpPr>
           <p:nvPr/>
         </p:nvCxnSpPr>
         <p:spPr>
           <a:xfrm>
-            <a:off x="8692635" y="3152654"/>
-            <a:ext cx="1385982" cy="0"/>
+            <a:off x="2610630" y="5554426"/>
+            <a:ext cx="640474" cy="0"/>
           </a:xfrm>
           <a:prstGeom prst="straightConnector1">
             <a:avLst/>
@@ -21712,10 +22373,10 @@
       </p:cxnSp>
       <p:sp>
         <p:nvSpPr>
-          <p:cNvPr id="21" name="Flowchart: Process 20">
-            <a:extLst>
-              <a:ext uri="{FF2B5EF4-FFF2-40B4-BE49-F238E27FC236}">
-                <a16:creationId xmlns:a16="http://schemas.microsoft.com/office/drawing/2014/main" id="{CD56C37D-60FC-4C6A-8264-A1695D032A08}"/>
+          <p:cNvPr id="23" name="Flowchart: Process 22">
+            <a:extLst>
+              <a:ext uri="{FF2B5EF4-FFF2-40B4-BE49-F238E27FC236}">
+                <a16:creationId xmlns:a16="http://schemas.microsoft.com/office/drawing/2014/main" id="{5BFE542E-CB8E-4048-846A-C7D4DC5A8610}"/>
               </a:ext>
             </a:extLst>
           </p:cNvPr>
@@ -21724,8 +22385,8 @@
         </p:nvSpPr>
         <p:spPr>
           <a:xfrm>
-            <a:off x="7230838" y="1523829"/>
-            <a:ext cx="1275183" cy="584718"/>
+            <a:off x="5213062" y="2834732"/>
+            <a:ext cx="1648410" cy="584718"/>
           </a:xfrm>
           <a:prstGeom prst="flowChartProcess">
             <a:avLst/>
@@ -21753,32 +22414,33 @@
           <a:p>
             <a:pPr algn="ctr"/>
             <a:r>
-              <a:rPr lang="en-US" dirty="0"/>
-              <a:t>Suppliers</a:t>
-            </a:r>
+              <a:rPr lang="en-US" dirty="0" err="1"/>
+              <a:t>ProductImages</a:t>
+            </a:r>
+            <a:endParaRPr lang="en-US" dirty="0"/>
           </a:p>
         </p:txBody>
       </p:sp>
       <p:cxnSp>
         <p:nvCxnSpPr>
-          <p:cNvPr id="22" name="Straight Arrow Connector 21">
-            <a:extLst>
-              <a:ext uri="{FF2B5EF4-FFF2-40B4-BE49-F238E27FC236}">
-                <a16:creationId xmlns:a16="http://schemas.microsoft.com/office/drawing/2014/main" id="{37C79243-AC34-4954-B3AA-84A7E2E042F6}"/>
+          <p:cNvPr id="24" name="Straight Arrow Connector 23">
+            <a:extLst>
+              <a:ext uri="{FF2B5EF4-FFF2-40B4-BE49-F238E27FC236}">
+                <a16:creationId xmlns:a16="http://schemas.microsoft.com/office/drawing/2014/main" id="{6CED8414-0AC3-4EED-BE29-1FB128A16837}"/>
               </a:ext>
             </a:extLst>
           </p:cNvPr>
           <p:cNvCxnSpPr>
             <a:cxnSpLocks/>
-            <a:stCxn id="16" idx="0"/>
-            <a:endCxn id="21" idx="2"/>
+            <a:stCxn id="16" idx="2"/>
+            <a:endCxn id="23" idx="0"/>
           </p:cNvCxnSpPr>
           <p:nvPr/>
         </p:nvCxnSpPr>
         <p:spPr>
-          <a:xfrm flipV="1">
-            <a:off x="7868430" y="2108547"/>
-            <a:ext cx="0" cy="751748"/>
+          <a:xfrm>
+            <a:off x="6037267" y="2356886"/>
+            <a:ext cx="0" cy="477846"/>
           </a:xfrm>
           <a:prstGeom prst="straightConnector1">
             <a:avLst/>
@@ -21804,10 +22466,10 @@
       </p:cxnSp>
       <p:sp>
         <p:nvSpPr>
-          <p:cNvPr id="23" name="Flowchart: Process 22">
-            <a:extLst>
-              <a:ext uri="{FF2B5EF4-FFF2-40B4-BE49-F238E27FC236}">
-                <a16:creationId xmlns:a16="http://schemas.microsoft.com/office/drawing/2014/main" id="{5BFE542E-CB8E-4048-846A-C7D4DC5A8610}"/>
+          <p:cNvPr id="34" name="Flowchart: Process 33">
+            <a:extLst>
+              <a:ext uri="{FF2B5EF4-FFF2-40B4-BE49-F238E27FC236}">
+                <a16:creationId xmlns:a16="http://schemas.microsoft.com/office/drawing/2014/main" id="{72500E9C-86D9-49A3-897C-96AA77A6E991}"/>
               </a:ext>
             </a:extLst>
           </p:cNvPr>
@@ -21816,8 +22478,114 @@
         </p:nvSpPr>
         <p:spPr>
           <a:xfrm>
-            <a:off x="7044225" y="4091516"/>
-            <a:ext cx="1648410" cy="584718"/>
+            <a:off x="1161897" y="5262067"/>
+            <a:ext cx="1448733" cy="584718"/>
+          </a:xfrm>
+          <a:prstGeom prst="flowChartProcess">
+            <a:avLst/>
+          </a:prstGeom>
+        </p:spPr>
+        <p:style>
+          <a:lnRef idx="2">
+            <a:schemeClr val="accent6">
+              <a:shade val="50000"/>
+            </a:schemeClr>
+          </a:lnRef>
+          <a:fillRef idx="1">
+            <a:schemeClr val="accent6"/>
+          </a:fillRef>
+          <a:effectRef idx="0">
+            <a:schemeClr val="accent6"/>
+          </a:effectRef>
+          <a:fontRef idx="minor">
+            <a:schemeClr val="lt1"/>
+          </a:fontRef>
+        </p:style>
+        <p:txBody>
+          <a:bodyPr rtlCol="0" anchor="ctr"/>
+          <a:lstStyle/>
+          <a:p>
+            <a:pPr algn="ctr"/>
+            <a:r>
+              <a:rPr lang="en-US" dirty="0"/>
+              <a:t>Products</a:t>
+            </a:r>
+          </a:p>
+        </p:txBody>
+      </p:sp>
+      <p:sp>
+        <p:nvSpPr>
+          <p:cNvPr id="40" name="Flowchart: Alternate Process 39">
+            <a:extLst>
+              <a:ext uri="{FF2B5EF4-FFF2-40B4-BE49-F238E27FC236}">
+                <a16:creationId xmlns:a16="http://schemas.microsoft.com/office/drawing/2014/main" id="{E1D4443F-A08A-480F-99D7-3AEDD41CE680}"/>
+              </a:ext>
+            </a:extLst>
+          </p:cNvPr>
+          <p:cNvSpPr/>
+          <p:nvPr/>
+        </p:nvSpPr>
+        <p:spPr>
+          <a:xfrm>
+            <a:off x="838200" y="2961189"/>
+            <a:ext cx="3906798" cy="1516318"/>
+          </a:xfrm>
+          <a:prstGeom prst="flowChartAlternateProcess">
+            <a:avLst/>
+          </a:prstGeom>
+          <a:noFill/>
+          <a:ln w="9525" cap="flat" cmpd="sng" algn="ctr">
+            <a:solidFill>
+              <a:schemeClr val="dk1"/>
+            </a:solidFill>
+            <a:prstDash val="solid"/>
+            <a:round/>
+            <a:headEnd type="none" w="med" len="med"/>
+            <a:tailEnd type="none" w="med" len="med"/>
+          </a:ln>
+        </p:spPr>
+        <p:style>
+          <a:lnRef idx="0">
+            <a:scrgbClr r="0" g="0" b="0"/>
+          </a:lnRef>
+          <a:fillRef idx="0">
+            <a:scrgbClr r="0" g="0" b="0"/>
+          </a:fillRef>
+          <a:effectRef idx="0">
+            <a:scrgbClr r="0" g="0" b="0"/>
+          </a:effectRef>
+          <a:fontRef idx="minor">
+            <a:schemeClr val="dk1"/>
+          </a:fontRef>
+        </p:style>
+        <p:txBody>
+          <a:bodyPr rtlCol="0" anchor="t"/>
+          <a:lstStyle/>
+          <a:p>
+            <a:pPr algn="ctr"/>
+            <a:r>
+              <a:rPr lang="en-US" dirty="0"/>
+              <a:t>Orders Domain</a:t>
+            </a:r>
+          </a:p>
+        </p:txBody>
+      </p:sp>
+      <p:sp>
+        <p:nvSpPr>
+          <p:cNvPr id="41" name="Flowchart: Process 40">
+            <a:extLst>
+              <a:ext uri="{FF2B5EF4-FFF2-40B4-BE49-F238E27FC236}">
+                <a16:creationId xmlns:a16="http://schemas.microsoft.com/office/drawing/2014/main" id="{1C29D55F-3B04-4409-8202-5BF49D637668}"/>
+              </a:ext>
+            </a:extLst>
+          </p:cNvPr>
+          <p:cNvSpPr/>
+          <p:nvPr/>
+        </p:nvSpPr>
+        <p:spPr>
+          <a:xfrm>
+            <a:off x="3022710" y="3647077"/>
+            <a:ext cx="1482733" cy="584718"/>
           </a:xfrm>
           <a:prstGeom prst="flowChartProcess">
             <a:avLst/>
@@ -21846,7 +22614,7 @@
             <a:pPr algn="ctr"/>
             <a:r>
               <a:rPr lang="en-US" dirty="0" err="1"/>
-              <a:t>ProductImages</a:t>
+              <a:t>OrderDetails</a:t>
             </a:r>
             <a:endParaRPr lang="en-US" dirty="0"/>
           </a:p>
@@ -21854,24 +22622,24 @@
       </p:sp>
       <p:cxnSp>
         <p:nvCxnSpPr>
-          <p:cNvPr id="24" name="Straight Arrow Connector 23">
-            <a:extLst>
-              <a:ext uri="{FF2B5EF4-FFF2-40B4-BE49-F238E27FC236}">
-                <a16:creationId xmlns:a16="http://schemas.microsoft.com/office/drawing/2014/main" id="{6CED8414-0AC3-4EED-BE29-1FB128A16837}"/>
+          <p:cNvPr id="42" name="Straight Arrow Connector 41">
+            <a:extLst>
+              <a:ext uri="{FF2B5EF4-FFF2-40B4-BE49-F238E27FC236}">
+                <a16:creationId xmlns:a16="http://schemas.microsoft.com/office/drawing/2014/main" id="{C96070D3-8B9D-44BF-B8CB-84864E8CE3CA}"/>
               </a:ext>
             </a:extLst>
           </p:cNvPr>
           <p:cNvCxnSpPr>
             <a:cxnSpLocks/>
-            <a:stCxn id="16" idx="2"/>
-            <a:endCxn id="23" idx="0"/>
+            <a:stCxn id="43" idx="3"/>
+            <a:endCxn id="41" idx="1"/>
           </p:cNvCxnSpPr>
           <p:nvPr/>
         </p:nvCxnSpPr>
         <p:spPr>
-          <a:xfrm>
-            <a:off x="7868430" y="3445013"/>
-            <a:ext cx="0" cy="646503"/>
+          <a:xfrm flipV="1">
+            <a:off x="2610629" y="3939436"/>
+            <a:ext cx="412081" cy="801"/>
           </a:xfrm>
           <a:prstGeom prst="straightConnector1">
             <a:avLst/>
@@ -21897,10 +22665,10 @@
       </p:cxnSp>
       <p:sp>
         <p:nvSpPr>
-          <p:cNvPr id="41" name="Flowchart: Process 40">
-            <a:extLst>
-              <a:ext uri="{FF2B5EF4-FFF2-40B4-BE49-F238E27FC236}">
-                <a16:creationId xmlns:a16="http://schemas.microsoft.com/office/drawing/2014/main" id="{1C29D55F-3B04-4409-8202-5BF49D637668}"/>
+          <p:cNvPr id="43" name="Flowchart: Process 42">
+            <a:extLst>
+              <a:ext uri="{FF2B5EF4-FFF2-40B4-BE49-F238E27FC236}">
+                <a16:creationId xmlns:a16="http://schemas.microsoft.com/office/drawing/2014/main" id="{3D2E1BAE-08C4-4FC6-B5E9-449A486ABC60}"/>
               </a:ext>
             </a:extLst>
           </p:cNvPr>
@@ -21909,8 +22677,8 @@
         </p:nvSpPr>
         <p:spPr>
           <a:xfrm>
-            <a:off x="4389807" y="2867474"/>
-            <a:ext cx="1482733" cy="584718"/>
+            <a:off x="1161896" y="3647878"/>
+            <a:ext cx="1448733" cy="584718"/>
           </a:xfrm>
           <a:prstGeom prst="flowChartProcess">
             <a:avLst/>
@@ -21938,715 +22706,8 @@
           <a:p>
             <a:pPr algn="ctr"/>
             <a:r>
-              <a:rPr lang="en-US" dirty="0" err="1"/>
-              <a:t>OrderDetails</a:t>
-            </a:r>
-            <a:endParaRPr lang="en-US" dirty="0"/>
-          </a:p>
-        </p:txBody>
-      </p:sp>
-      <p:cxnSp>
-        <p:nvCxnSpPr>
-          <p:cNvPr id="42" name="Straight Arrow Connector 41">
-            <a:extLst>
-              <a:ext uri="{FF2B5EF4-FFF2-40B4-BE49-F238E27FC236}">
-                <a16:creationId xmlns:a16="http://schemas.microsoft.com/office/drawing/2014/main" id="{C96070D3-8B9D-44BF-B8CB-84864E8CE3CA}"/>
-              </a:ext>
-            </a:extLst>
-          </p:cNvPr>
-          <p:cNvCxnSpPr>
-            <a:cxnSpLocks/>
-            <a:stCxn id="43" idx="3"/>
-            <a:endCxn id="41" idx="1"/>
-          </p:cNvCxnSpPr>
-          <p:nvPr/>
-        </p:nvCxnSpPr>
-        <p:spPr>
-          <a:xfrm>
-            <a:off x="3558855" y="3159833"/>
-            <a:ext cx="830952" cy="0"/>
-          </a:xfrm>
-          <a:prstGeom prst="straightConnector1">
-            <a:avLst/>
-          </a:prstGeom>
-          <a:ln w="38100">
-            <a:tailEnd type="triangle"/>
-          </a:ln>
-        </p:spPr>
-        <p:style>
-          <a:lnRef idx="1">
-            <a:schemeClr val="accent1"/>
-          </a:lnRef>
-          <a:fillRef idx="0">
-            <a:schemeClr val="accent1"/>
-          </a:fillRef>
-          <a:effectRef idx="0">
-            <a:schemeClr val="accent1"/>
-          </a:effectRef>
-          <a:fontRef idx="minor">
-            <a:schemeClr val="tx1"/>
-          </a:fontRef>
-        </p:style>
-      </p:cxnSp>
-      <p:sp>
-        <p:nvSpPr>
-          <p:cNvPr id="43" name="Flowchart: Process 42">
-            <a:extLst>
-              <a:ext uri="{FF2B5EF4-FFF2-40B4-BE49-F238E27FC236}">
-                <a16:creationId xmlns:a16="http://schemas.microsoft.com/office/drawing/2014/main" id="{3D2E1BAE-08C4-4FC6-B5E9-449A486ABC60}"/>
-              </a:ext>
-            </a:extLst>
-          </p:cNvPr>
-          <p:cNvSpPr/>
-          <p:nvPr/>
-        </p:nvSpPr>
-        <p:spPr>
-          <a:xfrm>
-            <a:off x="2110122" y="2867474"/>
-            <a:ext cx="1448733" cy="584718"/>
-          </a:xfrm>
-          <a:prstGeom prst="flowChartProcess">
-            <a:avLst/>
-          </a:prstGeom>
-        </p:spPr>
-        <p:style>
-          <a:lnRef idx="2">
-            <a:schemeClr val="accent1">
-              <a:shade val="50000"/>
-            </a:schemeClr>
-          </a:lnRef>
-          <a:fillRef idx="1">
-            <a:schemeClr val="accent1"/>
-          </a:fillRef>
-          <a:effectRef idx="0">
-            <a:schemeClr val="accent1"/>
-          </a:effectRef>
-          <a:fontRef idx="minor">
-            <a:schemeClr val="lt1"/>
-          </a:fontRef>
-        </p:style>
-        <p:txBody>
-          <a:bodyPr rtlCol="0" anchor="ctr"/>
-          <a:lstStyle/>
-          <a:p>
-            <a:pPr algn="ctr"/>
-            <a:r>
               <a:rPr lang="en-US" dirty="0"/>
               <a:t>Orders</a:t>
-            </a:r>
-          </a:p>
-        </p:txBody>
-      </p:sp>
-      <p:sp>
-        <p:nvSpPr>
-          <p:cNvPr id="28" name="TextBox 27">
-            <a:extLst>
-              <a:ext uri="{FF2B5EF4-FFF2-40B4-BE49-F238E27FC236}">
-                <a16:creationId xmlns:a16="http://schemas.microsoft.com/office/drawing/2014/main" id="{0D3F1BDF-18EE-4B45-9DB3-9FF361CC36D9}"/>
-              </a:ext>
-            </a:extLst>
-          </p:cNvPr>
-          <p:cNvSpPr txBox="1"/>
-          <p:nvPr/>
-        </p:nvSpPr>
-        <p:spPr>
-          <a:xfrm>
-            <a:off x="8881305" y="2805564"/>
-            <a:ext cx="1076898" cy="369332"/>
-          </a:xfrm>
-          <a:prstGeom prst="rect">
-            <a:avLst/>
-          </a:prstGeom>
-          <a:noFill/>
-        </p:spPr>
-        <p:txBody>
-          <a:bodyPr wrap="none" rtlCol="0">
-            <a:spAutoFit/>
-          </a:bodyPr>
-          <a:lstStyle/>
-          <a:p>
-            <a:r>
-              <a:rPr lang="en-US" dirty="0"/>
-              <a:t>belong to</a:t>
-            </a:r>
-          </a:p>
-        </p:txBody>
-      </p:sp>
-      <p:cxnSp>
-        <p:nvCxnSpPr>
-          <p:cNvPr id="35" name="Straight Arrow Connector 34">
-            <a:extLst>
-              <a:ext uri="{FF2B5EF4-FFF2-40B4-BE49-F238E27FC236}">
-                <a16:creationId xmlns:a16="http://schemas.microsoft.com/office/drawing/2014/main" id="{E335AB3B-82A8-43A7-9170-C64915E04E8F}"/>
-              </a:ext>
-            </a:extLst>
-          </p:cNvPr>
-          <p:cNvCxnSpPr>
-            <a:cxnSpLocks/>
-            <a:stCxn id="6" idx="2"/>
-            <a:endCxn id="43" idx="0"/>
-          </p:cNvCxnSpPr>
-          <p:nvPr/>
-        </p:nvCxnSpPr>
-        <p:spPr>
-          <a:xfrm>
-            <a:off x="2834489" y="1921434"/>
-            <a:ext cx="0" cy="946040"/>
-          </a:xfrm>
-          <a:prstGeom prst="straightConnector1">
-            <a:avLst/>
-          </a:prstGeom>
-          <a:ln w="38100">
-            <a:tailEnd type="triangle"/>
-          </a:ln>
-        </p:spPr>
-        <p:style>
-          <a:lnRef idx="1">
-            <a:schemeClr val="accent1"/>
-          </a:lnRef>
-          <a:fillRef idx="0">
-            <a:schemeClr val="accent1"/>
-          </a:fillRef>
-          <a:effectRef idx="0">
-            <a:schemeClr val="accent1"/>
-          </a:effectRef>
-          <a:fontRef idx="minor">
-            <a:schemeClr val="tx1"/>
-          </a:fontRef>
-        </p:style>
-      </p:cxnSp>
-      <p:sp>
-        <p:nvSpPr>
-          <p:cNvPr id="37" name="TextBox 36">
-            <a:extLst>
-              <a:ext uri="{FF2B5EF4-FFF2-40B4-BE49-F238E27FC236}">
-                <a16:creationId xmlns:a16="http://schemas.microsoft.com/office/drawing/2014/main" id="{744D25D0-E2EF-42F4-A2A4-52EE4C1BA699}"/>
-              </a:ext>
-            </a:extLst>
-          </p:cNvPr>
-          <p:cNvSpPr txBox="1"/>
-          <p:nvPr/>
-        </p:nvSpPr>
-        <p:spPr>
-          <a:xfrm>
-            <a:off x="2110122" y="2156269"/>
-            <a:ext cx="683200" cy="369332"/>
-          </a:xfrm>
-          <a:prstGeom prst="rect">
-            <a:avLst/>
-          </a:prstGeom>
-          <a:noFill/>
-        </p:spPr>
-        <p:txBody>
-          <a:bodyPr wrap="none" rtlCol="0">
-            <a:spAutoFit/>
-          </a:bodyPr>
-          <a:lstStyle/>
-          <a:p>
-            <a:r>
-              <a:rPr lang="en-US" dirty="0"/>
-              <a:t>place</a:t>
-            </a:r>
-          </a:p>
-        </p:txBody>
-      </p:sp>
-      <p:sp>
-        <p:nvSpPr>
-          <p:cNvPr id="39" name="TextBox 38">
-            <a:extLst>
-              <a:ext uri="{FF2B5EF4-FFF2-40B4-BE49-F238E27FC236}">
-                <a16:creationId xmlns:a16="http://schemas.microsoft.com/office/drawing/2014/main" id="{1BFEA822-426F-4395-9D9B-EEA08BE60F1E}"/>
-              </a:ext>
-            </a:extLst>
-          </p:cNvPr>
-          <p:cNvSpPr txBox="1"/>
-          <p:nvPr/>
-        </p:nvSpPr>
-        <p:spPr>
-          <a:xfrm>
-            <a:off x="3600525" y="2805564"/>
-            <a:ext cx="630622" cy="369332"/>
-          </a:xfrm>
-          <a:prstGeom prst="rect">
-            <a:avLst/>
-          </a:prstGeom>
-          <a:noFill/>
-        </p:spPr>
-        <p:txBody>
-          <a:bodyPr wrap="none" rtlCol="0">
-            <a:spAutoFit/>
-          </a:bodyPr>
-          <a:lstStyle/>
-          <a:p>
-            <a:r>
-              <a:rPr lang="en-US" dirty="0"/>
-              <a:t>have</a:t>
-            </a:r>
-          </a:p>
-        </p:txBody>
-      </p:sp>
-      <p:cxnSp>
-        <p:nvCxnSpPr>
-          <p:cNvPr id="44" name="Straight Arrow Connector 43">
-            <a:extLst>
-              <a:ext uri="{FF2B5EF4-FFF2-40B4-BE49-F238E27FC236}">
-                <a16:creationId xmlns:a16="http://schemas.microsoft.com/office/drawing/2014/main" id="{B51BDE50-31EF-4224-A4F4-987DFD498247}"/>
-              </a:ext>
-            </a:extLst>
-          </p:cNvPr>
-          <p:cNvCxnSpPr>
-            <a:cxnSpLocks/>
-            <a:stCxn id="41" idx="3"/>
-            <a:endCxn id="16" idx="1"/>
-          </p:cNvCxnSpPr>
-          <p:nvPr/>
-        </p:nvCxnSpPr>
-        <p:spPr>
-          <a:xfrm flipV="1">
-            <a:off x="5872540" y="3152654"/>
-            <a:ext cx="1171685" cy="7179"/>
-          </a:xfrm>
-          <a:prstGeom prst="straightConnector1">
-            <a:avLst/>
-          </a:prstGeom>
-          <a:ln w="38100">
-            <a:tailEnd type="triangle"/>
-          </a:ln>
-        </p:spPr>
-        <p:style>
-          <a:lnRef idx="1">
-            <a:schemeClr val="accent1"/>
-          </a:lnRef>
-          <a:fillRef idx="0">
-            <a:schemeClr val="accent1"/>
-          </a:fillRef>
-          <a:effectRef idx="0">
-            <a:schemeClr val="accent1"/>
-          </a:effectRef>
-          <a:fontRef idx="minor">
-            <a:schemeClr val="tx1"/>
-          </a:fontRef>
-        </p:style>
-      </p:cxnSp>
-      <p:sp>
-        <p:nvSpPr>
-          <p:cNvPr id="45" name="TextBox 44">
-            <a:extLst>
-              <a:ext uri="{FF2B5EF4-FFF2-40B4-BE49-F238E27FC236}">
-                <a16:creationId xmlns:a16="http://schemas.microsoft.com/office/drawing/2014/main" id="{EE6C0D41-0894-4992-9A19-3EF6B71A1BD7}"/>
-              </a:ext>
-            </a:extLst>
-          </p:cNvPr>
-          <p:cNvSpPr txBox="1"/>
-          <p:nvPr/>
-        </p:nvSpPr>
-        <p:spPr>
-          <a:xfrm>
-            <a:off x="5843255" y="2796882"/>
-            <a:ext cx="1180131" cy="369332"/>
-          </a:xfrm>
-          <a:prstGeom prst="rect">
-            <a:avLst/>
-          </a:prstGeom>
-          <a:noFill/>
-        </p:spPr>
-        <p:txBody>
-          <a:bodyPr wrap="none" rtlCol="0">
-            <a:spAutoFit/>
-          </a:bodyPr>
-          <a:lstStyle/>
-          <a:p>
-            <a:r>
-              <a:rPr lang="en-US" dirty="0"/>
-              <a:t>defined by</a:t>
-            </a:r>
-          </a:p>
-        </p:txBody>
-      </p:sp>
-      <p:sp>
-        <p:nvSpPr>
-          <p:cNvPr id="46" name="TextBox 45">
-            <a:extLst>
-              <a:ext uri="{FF2B5EF4-FFF2-40B4-BE49-F238E27FC236}">
-                <a16:creationId xmlns:a16="http://schemas.microsoft.com/office/drawing/2014/main" id="{D87053CA-BBA7-423F-A6B9-B594361B623D}"/>
-              </a:ext>
-            </a:extLst>
-          </p:cNvPr>
-          <p:cNvSpPr txBox="1"/>
-          <p:nvPr/>
-        </p:nvSpPr>
-        <p:spPr>
-          <a:xfrm>
-            <a:off x="3732618" y="1300676"/>
-            <a:ext cx="630622" cy="369332"/>
-          </a:xfrm>
-          <a:prstGeom prst="rect">
-            <a:avLst/>
-          </a:prstGeom>
-          <a:noFill/>
-        </p:spPr>
-        <p:txBody>
-          <a:bodyPr wrap="none" rtlCol="0">
-            <a:spAutoFit/>
-          </a:bodyPr>
-          <a:lstStyle/>
-          <a:p>
-            <a:r>
-              <a:rPr lang="en-US" dirty="0"/>
-              <a:t>have</a:t>
-            </a:r>
-          </a:p>
-        </p:txBody>
-      </p:sp>
-      <p:sp>
-        <p:nvSpPr>
-          <p:cNvPr id="47" name="TextBox 46">
-            <a:extLst>
-              <a:ext uri="{FF2B5EF4-FFF2-40B4-BE49-F238E27FC236}">
-                <a16:creationId xmlns:a16="http://schemas.microsoft.com/office/drawing/2014/main" id="{1E72B56A-154B-4B0B-98F0-F38AC38E5003}"/>
-              </a:ext>
-            </a:extLst>
-          </p:cNvPr>
-          <p:cNvSpPr txBox="1"/>
-          <p:nvPr/>
-        </p:nvSpPr>
-        <p:spPr>
-          <a:xfrm>
-            <a:off x="7843547" y="2245024"/>
-            <a:ext cx="1668342" cy="369332"/>
-          </a:xfrm>
-          <a:prstGeom prst="rect">
-            <a:avLst/>
-          </a:prstGeom>
-          <a:noFill/>
-        </p:spPr>
-        <p:txBody>
-          <a:bodyPr wrap="none" rtlCol="0">
-            <a:spAutoFit/>
-          </a:bodyPr>
-          <a:lstStyle/>
-          <a:p>
-            <a:r>
-              <a:rPr lang="en-US" dirty="0"/>
-              <a:t>purchased from</a:t>
-            </a:r>
-          </a:p>
-        </p:txBody>
-      </p:sp>
-      <p:sp>
-        <p:nvSpPr>
-          <p:cNvPr id="49" name="TextBox 48">
-            <a:extLst>
-              <a:ext uri="{FF2B5EF4-FFF2-40B4-BE49-F238E27FC236}">
-                <a16:creationId xmlns:a16="http://schemas.microsoft.com/office/drawing/2014/main" id="{0225BC34-51B6-44CA-B2F0-4D64124234F8}"/>
-              </a:ext>
-            </a:extLst>
-          </p:cNvPr>
-          <p:cNvSpPr txBox="1"/>
-          <p:nvPr/>
-        </p:nvSpPr>
-        <p:spPr>
-          <a:xfrm>
-            <a:off x="7868429" y="3614491"/>
-            <a:ext cx="630622" cy="369332"/>
-          </a:xfrm>
-          <a:prstGeom prst="rect">
-            <a:avLst/>
-          </a:prstGeom>
-          <a:noFill/>
-        </p:spPr>
-        <p:txBody>
-          <a:bodyPr wrap="none" rtlCol="0">
-            <a:spAutoFit/>
-          </a:bodyPr>
-          <a:lstStyle/>
-          <a:p>
-            <a:r>
-              <a:rPr lang="en-US" dirty="0"/>
-              <a:t>have</a:t>
-            </a:r>
-          </a:p>
-        </p:txBody>
-      </p:sp>
-      <p:sp>
-        <p:nvSpPr>
-          <p:cNvPr id="51" name="TextBox 50">
-            <a:extLst>
-              <a:ext uri="{FF2B5EF4-FFF2-40B4-BE49-F238E27FC236}">
-                <a16:creationId xmlns:a16="http://schemas.microsoft.com/office/drawing/2014/main" id="{FD247221-6B67-4D31-9565-0EE2AB0C37A2}"/>
-              </a:ext>
-            </a:extLst>
-          </p:cNvPr>
-          <p:cNvSpPr txBox="1"/>
-          <p:nvPr/>
-        </p:nvSpPr>
-        <p:spPr>
-          <a:xfrm>
-            <a:off x="3637709" y="5154131"/>
-            <a:ext cx="630622" cy="369332"/>
-          </a:xfrm>
-          <a:prstGeom prst="rect">
-            <a:avLst/>
-          </a:prstGeom>
-          <a:noFill/>
-        </p:spPr>
-        <p:txBody>
-          <a:bodyPr wrap="none" rtlCol="0">
-            <a:spAutoFit/>
-          </a:bodyPr>
-          <a:lstStyle/>
-          <a:p>
-            <a:r>
-              <a:rPr lang="en-US" dirty="0"/>
-              <a:t>have</a:t>
-            </a:r>
-          </a:p>
-        </p:txBody>
-      </p:sp>
-      <p:cxnSp>
-        <p:nvCxnSpPr>
-          <p:cNvPr id="52" name="Straight Arrow Connector 51">
-            <a:extLst>
-              <a:ext uri="{FF2B5EF4-FFF2-40B4-BE49-F238E27FC236}">
-                <a16:creationId xmlns:a16="http://schemas.microsoft.com/office/drawing/2014/main" id="{CF52BA18-C974-440F-B2E9-09538E2983F4}"/>
-              </a:ext>
-            </a:extLst>
-          </p:cNvPr>
-          <p:cNvCxnSpPr>
-            <a:cxnSpLocks/>
-            <a:stCxn id="43" idx="2"/>
-            <a:endCxn id="10" idx="0"/>
-          </p:cNvCxnSpPr>
-          <p:nvPr/>
-        </p:nvCxnSpPr>
-        <p:spPr>
-          <a:xfrm flipH="1">
-            <a:off x="2834488" y="3452192"/>
-            <a:ext cx="1" cy="824433"/>
-          </a:xfrm>
-          <a:prstGeom prst="straightConnector1">
-            <a:avLst/>
-          </a:prstGeom>
-          <a:ln w="38100">
-            <a:tailEnd type="triangle"/>
-          </a:ln>
-        </p:spPr>
-        <p:style>
-          <a:lnRef idx="1">
-            <a:schemeClr val="accent1"/>
-          </a:lnRef>
-          <a:fillRef idx="0">
-            <a:schemeClr val="accent1"/>
-          </a:fillRef>
-          <a:effectRef idx="0">
-            <a:schemeClr val="accent1"/>
-          </a:effectRef>
-          <a:fontRef idx="minor">
-            <a:schemeClr val="tx1"/>
-          </a:fontRef>
-        </p:style>
-      </p:cxnSp>
-      <p:sp>
-        <p:nvSpPr>
-          <p:cNvPr id="56" name="TextBox 55">
-            <a:extLst>
-              <a:ext uri="{FF2B5EF4-FFF2-40B4-BE49-F238E27FC236}">
-                <a16:creationId xmlns:a16="http://schemas.microsoft.com/office/drawing/2014/main" id="{6011934D-A4B6-4F84-A26C-BEB2D2545303}"/>
-              </a:ext>
-            </a:extLst>
-          </p:cNvPr>
-          <p:cNvSpPr txBox="1"/>
-          <p:nvPr/>
-        </p:nvSpPr>
-        <p:spPr>
-          <a:xfrm>
-            <a:off x="1980052" y="3586920"/>
-            <a:ext cx="1207831" cy="369332"/>
-          </a:xfrm>
-          <a:prstGeom prst="rect">
-            <a:avLst/>
-          </a:prstGeom>
-          <a:noFill/>
-        </p:spPr>
-        <p:txBody>
-          <a:bodyPr wrap="none" rtlCol="0">
-            <a:spAutoFit/>
-          </a:bodyPr>
-          <a:lstStyle/>
-          <a:p>
-            <a:r>
-              <a:rPr lang="en-US" dirty="0"/>
-              <a:t>shipped by</a:t>
-            </a:r>
-          </a:p>
-        </p:txBody>
-      </p:sp>
-      <p:cxnSp>
-        <p:nvCxnSpPr>
-          <p:cNvPr id="59" name="Connector: Elbow 58">
-            <a:extLst>
-              <a:ext uri="{FF2B5EF4-FFF2-40B4-BE49-F238E27FC236}">
-                <a16:creationId xmlns:a16="http://schemas.microsoft.com/office/drawing/2014/main" id="{C13612EB-1ABB-42F6-8BAC-06926FFFF46D}"/>
-              </a:ext>
-            </a:extLst>
-          </p:cNvPr>
-          <p:cNvCxnSpPr>
-            <a:stCxn id="43" idx="1"/>
-            <a:endCxn id="12" idx="1"/>
-          </p:cNvCxnSpPr>
-          <p:nvPr/>
-        </p:nvCxnSpPr>
-        <p:spPr>
-          <a:xfrm rot="10800000" flipV="1">
-            <a:off x="2110122" y="3159833"/>
-            <a:ext cx="12700" cy="2363630"/>
-          </a:xfrm>
-          <a:prstGeom prst="bentConnector3">
-            <a:avLst>
-              <a:gd name="adj1" fmla="val 3808157"/>
-            </a:avLst>
-          </a:prstGeom>
-          <a:ln w="38100">
-            <a:tailEnd type="triangle"/>
-          </a:ln>
-        </p:spPr>
-        <p:style>
-          <a:lnRef idx="1">
-            <a:schemeClr val="accent1"/>
-          </a:lnRef>
-          <a:fillRef idx="0">
-            <a:schemeClr val="accent1"/>
-          </a:fillRef>
-          <a:effectRef idx="0">
-            <a:schemeClr val="accent1"/>
-          </a:effectRef>
-          <a:fontRef idx="minor">
-            <a:schemeClr val="tx1"/>
-          </a:fontRef>
-        </p:style>
-      </p:cxnSp>
-      <p:sp>
-        <p:nvSpPr>
-          <p:cNvPr id="61" name="TextBox 60">
-            <a:extLst>
-              <a:ext uri="{FF2B5EF4-FFF2-40B4-BE49-F238E27FC236}">
-                <a16:creationId xmlns:a16="http://schemas.microsoft.com/office/drawing/2014/main" id="{912ED244-19F0-4E18-BF44-0A4518CEDC53}"/>
-              </a:ext>
-            </a:extLst>
-          </p:cNvPr>
-          <p:cNvSpPr txBox="1"/>
-          <p:nvPr/>
-        </p:nvSpPr>
-        <p:spPr>
-          <a:xfrm>
-            <a:off x="173248" y="3772762"/>
-            <a:ext cx="1415772" cy="923330"/>
-          </a:xfrm>
-          <a:prstGeom prst="rect">
-            <a:avLst/>
-          </a:prstGeom>
-          <a:noFill/>
-        </p:spPr>
-        <p:txBody>
-          <a:bodyPr wrap="none" rtlCol="0">
-            <a:spAutoFit/>
-          </a:bodyPr>
-          <a:lstStyle/>
-          <a:p>
-            <a:pPr algn="r"/>
-            <a:r>
-              <a:rPr lang="en-US" dirty="0"/>
-              <a:t>picked using</a:t>
-            </a:r>
-          </a:p>
-          <a:p>
-            <a:pPr algn="r"/>
-            <a:r>
-              <a:rPr lang="en-US" dirty="0"/>
-              <a:t>and</a:t>
-            </a:r>
-          </a:p>
-          <a:p>
-            <a:pPr algn="r"/>
-            <a:r>
-              <a:rPr lang="en-US" dirty="0"/>
-              <a:t>shipped with</a:t>
-            </a:r>
-          </a:p>
-        </p:txBody>
-      </p:sp>
-      <p:cxnSp>
-        <p:nvCxnSpPr>
-          <p:cNvPr id="63" name="Straight Arrow Connector 62">
-            <a:extLst>
-              <a:ext uri="{FF2B5EF4-FFF2-40B4-BE49-F238E27FC236}">
-                <a16:creationId xmlns:a16="http://schemas.microsoft.com/office/drawing/2014/main" id="{87BA0199-92AF-4D3D-8E4E-DD3F001B0259}"/>
-              </a:ext>
-            </a:extLst>
-          </p:cNvPr>
-          <p:cNvCxnSpPr>
-            <a:cxnSpLocks/>
-          </p:cNvCxnSpPr>
-          <p:nvPr/>
-        </p:nvCxnSpPr>
-        <p:spPr>
-          <a:xfrm>
-            <a:off x="3577570" y="3463859"/>
-            <a:ext cx="812237" cy="796355"/>
-          </a:xfrm>
-          <a:prstGeom prst="straightConnector1">
-            <a:avLst/>
-          </a:prstGeom>
-          <a:ln w="38100">
-            <a:tailEnd type="triangle"/>
-          </a:ln>
-        </p:spPr>
-        <p:style>
-          <a:lnRef idx="1">
-            <a:schemeClr val="accent1"/>
-          </a:lnRef>
-          <a:fillRef idx="0">
-            <a:schemeClr val="accent1"/>
-          </a:fillRef>
-          <a:effectRef idx="0">
-            <a:schemeClr val="accent1"/>
-          </a:effectRef>
-          <a:fontRef idx="minor">
-            <a:schemeClr val="tx1"/>
-          </a:fontRef>
-        </p:style>
-      </p:cxnSp>
-      <p:sp>
-        <p:nvSpPr>
-          <p:cNvPr id="66" name="TextBox 65">
-            <a:extLst>
-              <a:ext uri="{FF2B5EF4-FFF2-40B4-BE49-F238E27FC236}">
-                <a16:creationId xmlns:a16="http://schemas.microsoft.com/office/drawing/2014/main" id="{246BDA90-C082-45B0-95F2-94B4A7AD48F7}"/>
-              </a:ext>
-            </a:extLst>
-          </p:cNvPr>
-          <p:cNvSpPr txBox="1"/>
-          <p:nvPr/>
-        </p:nvSpPr>
-        <p:spPr>
-          <a:xfrm>
-            <a:off x="4108886" y="3771524"/>
-            <a:ext cx="1917513" cy="369332"/>
-          </a:xfrm>
-          <a:prstGeom prst="rect">
-            <a:avLst/>
-          </a:prstGeom>
-          <a:noFill/>
-        </p:spPr>
-        <p:txBody>
-          <a:bodyPr wrap="none" rtlCol="0">
-            <a:spAutoFit/>
-          </a:bodyPr>
-          <a:lstStyle/>
-          <a:p>
-            <a:r>
-              <a:rPr lang="en-US" dirty="0"/>
-              <a:t>have a cost to ship</a:t>
             </a:r>
           </a:p>
         </p:txBody>
@@ -22654,7 +22715,7 @@
     </p:spTree>
     <p:extLst>
       <p:ext uri="{BB962C8B-B14F-4D97-AF65-F5344CB8AC3E}">
-        <p14:creationId xmlns:p14="http://schemas.microsoft.com/office/powerpoint/2010/main" val="4019502829"/>
+        <p14:creationId xmlns:p14="http://schemas.microsoft.com/office/powerpoint/2010/main" val="1681222757"/>
       </p:ext>
     </p:extLst>
   </p:cSld>

--- a/slide-decks/microservices-RI.pptx
+++ b/slide-decks/microservices-RI.pptx
@@ -5,7 +5,7 @@
     <p:sldMasterId id="2147483648" r:id="rId1"/>
   </p:sldMasterIdLst>
   <p:notesMasterIdLst>
-    <p:notesMasterId r:id="rId26"/>
+    <p:notesMasterId r:id="rId28"/>
   </p:notesMasterIdLst>
   <p:sldIdLst>
     <p:sldId id="256" r:id="rId2"/>
@@ -22,16 +22,18 @@
     <p:sldId id="325" r:id="rId13"/>
     <p:sldId id="305" r:id="rId14"/>
     <p:sldId id="320" r:id="rId15"/>
-    <p:sldId id="311" r:id="rId16"/>
-    <p:sldId id="321" r:id="rId17"/>
-    <p:sldId id="310" r:id="rId18"/>
-    <p:sldId id="322" r:id="rId19"/>
-    <p:sldId id="316" r:id="rId20"/>
-    <p:sldId id="323" r:id="rId21"/>
-    <p:sldId id="326" r:id="rId22"/>
-    <p:sldId id="317" r:id="rId23"/>
-    <p:sldId id="324" r:id="rId24"/>
-    <p:sldId id="301" r:id="rId25"/>
+    <p:sldId id="327" r:id="rId16"/>
+    <p:sldId id="328" r:id="rId17"/>
+    <p:sldId id="311" r:id="rId18"/>
+    <p:sldId id="321" r:id="rId19"/>
+    <p:sldId id="310" r:id="rId20"/>
+    <p:sldId id="322" r:id="rId21"/>
+    <p:sldId id="316" r:id="rId22"/>
+    <p:sldId id="323" r:id="rId23"/>
+    <p:sldId id="326" r:id="rId24"/>
+    <p:sldId id="317" r:id="rId25"/>
+    <p:sldId id="324" r:id="rId26"/>
+    <p:sldId id="301" r:id="rId27"/>
   </p:sldIdLst>
   <p:sldSz cx="12192000" cy="6858000"/>
   <p:notesSz cx="6858000" cy="9144000"/>
@@ -848,7 +850,7 @@
           <a:p>
             <a:fld id="{4D3D7829-6833-49EA-A182-69C45F439246}" type="slidenum">
               <a:rPr lang="en-US" smtClean="0"/>
-              <a:t>24</a:t>
+              <a:t>26</a:t>
             </a:fld>
             <a:endParaRPr lang="en-US"/>
           </a:p>
@@ -5933,7 +5935,7 @@
             <a:pPr algn="ctr"/>
             <a:r>
               <a:rPr lang="en-US" sz="1400" dirty="0"/>
-              <a:t>Event Bus</a:t>
+              <a:t>Event Bus (RabbitMQ)</a:t>
             </a:r>
           </a:p>
         </p:txBody>
@@ -8495,7 +8497,7 @@
           <p:cNvPr id="2" name="Title 1">
             <a:extLst>
               <a:ext uri="{FF2B5EF4-FFF2-40B4-BE49-F238E27FC236}">
-                <a16:creationId xmlns:a16="http://schemas.microsoft.com/office/drawing/2014/main" id="{20DAF717-A5E3-4F99-9372-28F89B3D648F}"/>
+                <a16:creationId xmlns:a16="http://schemas.microsoft.com/office/drawing/2014/main" id="{525A3758-42BF-4FDB-8597-047C822C3258}"/>
               </a:ext>
             </a:extLst>
           </p:cNvPr>
@@ -8506,10 +8508,38 @@
             <p:ph type="title"/>
           </p:nvPr>
         </p:nvSpPr>
+        <p:spPr/>
+        <p:txBody>
+          <a:bodyPr/>
+          <a:lstStyle/>
+          <a:p>
+            <a:r>
+              <a:rPr lang="en-US" dirty="0"/>
+              <a:t>Customers</a:t>
+            </a:r>
+          </a:p>
+        </p:txBody>
+      </p:sp>
+      <p:sp>
+        <p:nvSpPr>
+          <p:cNvPr id="3" name="Content Placeholder 2">
+            <a:extLst>
+              <a:ext uri="{FF2B5EF4-FFF2-40B4-BE49-F238E27FC236}">
+                <a16:creationId xmlns:a16="http://schemas.microsoft.com/office/drawing/2014/main" id="{6072B2D2-65DC-4A57-845D-15096A13AF8E}"/>
+              </a:ext>
+            </a:extLst>
+          </p:cNvPr>
+          <p:cNvSpPr>
+            <a:spLocks noGrp="1"/>
+          </p:cNvSpPr>
+          <p:nvPr>
+            <p:ph idx="1"/>
+          </p:nvPr>
+        </p:nvSpPr>
         <p:spPr>
           <a:xfrm>
-            <a:off x="1025236" y="61360"/>
-            <a:ext cx="2694709" cy="1325563"/>
+            <a:off x="838200" y="1825625"/>
+            <a:ext cx="10515600" cy="1046163"/>
           </a:xfrm>
         </p:spPr>
         <p:txBody>
@@ -8518,8 +8548,11 @@
           <a:p>
             <a:r>
               <a:rPr lang="en-US" dirty="0"/>
-              <a:t>Orders</a:t>
-            </a:r>
+              <a:t>Provide an endpoint to return the total order total comparison for 2 months—bring back the 2 months in parallel.</a:t>
+            </a:r>
+          </a:p>
+          <a:p>
+            <a:endParaRPr lang="en-US" dirty="0"/>
           </a:p>
         </p:txBody>
       </p:sp>
@@ -8528,7 +8561,7 @@
           <p:cNvPr id="4" name="Slide Number Placeholder 3">
             <a:extLst>
               <a:ext uri="{FF2B5EF4-FFF2-40B4-BE49-F238E27FC236}">
-                <a16:creationId xmlns:a16="http://schemas.microsoft.com/office/drawing/2014/main" id="{53B8EDA7-9721-4CE1-8D3A-CCDDE6D183C6}"/>
+                <a16:creationId xmlns:a16="http://schemas.microsoft.com/office/drawing/2014/main" id="{0D284E8F-9607-4FAD-A21A-35BBAC77F7C0}"/>
               </a:ext>
             </a:extLst>
           </p:cNvPr>
@@ -8547,6 +8580,342 @@
             <a:fld id="{945DE137-1981-4A6E-942B-1AACE1746372}" type="slidenum">
               <a:rPr lang="en-US" smtClean="0"/>
               <a:t>15</a:t>
+            </a:fld>
+            <a:endParaRPr lang="en-US"/>
+          </a:p>
+        </p:txBody>
+      </p:sp>
+      <p:sp>
+        <p:nvSpPr>
+          <p:cNvPr id="5" name="TextBox 4">
+            <a:extLst>
+              <a:ext uri="{FF2B5EF4-FFF2-40B4-BE49-F238E27FC236}">
+                <a16:creationId xmlns:a16="http://schemas.microsoft.com/office/drawing/2014/main" id="{AA9C40C7-4D9A-4DE1-A5E9-3E0ACE88FD4A}"/>
+              </a:ext>
+            </a:extLst>
+          </p:cNvPr>
+          <p:cNvSpPr txBox="1"/>
+          <p:nvPr/>
+        </p:nvSpPr>
+        <p:spPr>
+          <a:xfrm>
+            <a:off x="909638" y="3006725"/>
+            <a:ext cx="3730508" cy="2862322"/>
+          </a:xfrm>
+          <a:prstGeom prst="rect">
+            <a:avLst/>
+          </a:prstGeom>
+          <a:noFill/>
+        </p:spPr>
+        <p:txBody>
+          <a:bodyPr wrap="none" rtlCol="0">
+            <a:spAutoFit/>
+          </a:bodyPr>
+          <a:lstStyle/>
+          <a:p>
+            <a:r>
+              <a:rPr lang="en-US" dirty="0">
+                <a:latin typeface="Consolas" panose="020B0609020204030204" pitchFamily="49" charset="0"/>
+              </a:rPr>
+              <a:t>{</a:t>
+            </a:r>
+          </a:p>
+          <a:p>
+            <a:r>
+              <a:rPr lang="en-US" dirty="0">
+                <a:latin typeface="Consolas" panose="020B0609020204030204" pitchFamily="49" charset="0"/>
+              </a:rPr>
+              <a:t>   “month1”: {</a:t>
+            </a:r>
+          </a:p>
+          <a:p>
+            <a:r>
+              <a:rPr lang="en-US" dirty="0">
+                <a:latin typeface="Consolas" panose="020B0609020204030204" pitchFamily="49" charset="0"/>
+              </a:rPr>
+              <a:t>       “date”: “2019-12-31”,</a:t>
+            </a:r>
+          </a:p>
+          <a:p>
+            <a:r>
+              <a:rPr lang="en-US" dirty="0">
+                <a:latin typeface="Consolas" panose="020B0609020204030204" pitchFamily="49" charset="0"/>
+              </a:rPr>
+              <a:t>       “amount”: 123456.99</a:t>
+            </a:r>
+          </a:p>
+          <a:p>
+            <a:r>
+              <a:rPr lang="en-US" dirty="0">
+                <a:latin typeface="Consolas" panose="020B0609020204030204" pitchFamily="49" charset="0"/>
+              </a:rPr>
+              <a:t>   },</a:t>
+            </a:r>
+          </a:p>
+          <a:p>
+            <a:r>
+              <a:rPr lang="en-US" dirty="0">
+                <a:latin typeface="Consolas" panose="020B0609020204030204" pitchFamily="49" charset="0"/>
+              </a:rPr>
+              <a:t>   “month2”: {</a:t>
+            </a:r>
+          </a:p>
+          <a:p>
+            <a:r>
+              <a:rPr lang="en-US" dirty="0">
+                <a:latin typeface="Consolas" panose="020B0609020204030204" pitchFamily="49" charset="0"/>
+              </a:rPr>
+              <a:t>       “date”: “2019-11-30”,</a:t>
+            </a:r>
+          </a:p>
+          <a:p>
+            <a:r>
+              <a:rPr lang="en-US" dirty="0">
+                <a:latin typeface="Consolas" panose="020B0609020204030204" pitchFamily="49" charset="0"/>
+              </a:rPr>
+              <a:t>       “amount”: 123456.99</a:t>
+            </a:r>
+          </a:p>
+          <a:p>
+            <a:r>
+              <a:rPr lang="en-US" dirty="0">
+                <a:latin typeface="Consolas" panose="020B0609020204030204" pitchFamily="49" charset="0"/>
+              </a:rPr>
+              <a:t>   },</a:t>
+            </a:r>
+          </a:p>
+          <a:p>
+            <a:r>
+              <a:rPr lang="en-US" dirty="0">
+                <a:latin typeface="Consolas" panose="020B0609020204030204" pitchFamily="49" charset="0"/>
+              </a:rPr>
+              <a:t>}</a:t>
+            </a:r>
+          </a:p>
+        </p:txBody>
+      </p:sp>
+    </p:spTree>
+    <p:extLst>
+      <p:ext uri="{BB962C8B-B14F-4D97-AF65-F5344CB8AC3E}">
+        <p14:creationId xmlns:p14="http://schemas.microsoft.com/office/powerpoint/2010/main" val="2209829585"/>
+      </p:ext>
+    </p:extLst>
+  </p:cSld>
+  <p:clrMapOvr>
+    <a:masterClrMapping/>
+  </p:clrMapOvr>
+</p:sld>
+</file>
+
+<file path=ppt/slides/slide16.xml><?xml version="1.0" encoding="utf-8"?>
+<p:sld xmlns:a="http://schemas.openxmlformats.org/drawingml/2006/main" xmlns:r="http://schemas.openxmlformats.org/officeDocument/2006/relationships" xmlns:p="http://schemas.openxmlformats.org/presentationml/2006/main">
+  <p:cSld>
+    <p:spTree>
+      <p:nvGrpSpPr>
+        <p:cNvPr id="1" name=""/>
+        <p:cNvGrpSpPr/>
+        <p:nvPr/>
+      </p:nvGrpSpPr>
+      <p:grpSpPr>
+        <a:xfrm>
+          <a:off x="0" y="0"/>
+          <a:ext cx="0" cy="0"/>
+          <a:chOff x="0" y="0"/>
+          <a:chExt cx="0" cy="0"/>
+        </a:xfrm>
+      </p:grpSpPr>
+      <p:sp>
+        <p:nvSpPr>
+          <p:cNvPr id="2" name="Title 1">
+            <a:extLst>
+              <a:ext uri="{FF2B5EF4-FFF2-40B4-BE49-F238E27FC236}">
+                <a16:creationId xmlns:a16="http://schemas.microsoft.com/office/drawing/2014/main" id="{48FF5710-FD79-46E9-88EB-BE761C9B5706}"/>
+              </a:ext>
+            </a:extLst>
+          </p:cNvPr>
+          <p:cNvSpPr>
+            <a:spLocks noGrp="1"/>
+          </p:cNvSpPr>
+          <p:nvPr>
+            <p:ph type="title"/>
+          </p:nvPr>
+        </p:nvSpPr>
+        <p:spPr/>
+        <p:txBody>
+          <a:bodyPr/>
+          <a:lstStyle/>
+          <a:p>
+            <a:r>
+              <a:rPr lang="en-US" dirty="0"/>
+              <a:t>Customers</a:t>
+            </a:r>
+          </a:p>
+        </p:txBody>
+      </p:sp>
+      <p:sp>
+        <p:nvSpPr>
+          <p:cNvPr id="3" name="Content Placeholder 2">
+            <a:extLst>
+              <a:ext uri="{FF2B5EF4-FFF2-40B4-BE49-F238E27FC236}">
+                <a16:creationId xmlns:a16="http://schemas.microsoft.com/office/drawing/2014/main" id="{216F76E5-E78D-4472-A353-8F8EBFB8A8AF}"/>
+              </a:ext>
+            </a:extLst>
+          </p:cNvPr>
+          <p:cNvSpPr>
+            <a:spLocks noGrp="1"/>
+          </p:cNvSpPr>
+          <p:nvPr>
+            <p:ph idx="1"/>
+          </p:nvPr>
+        </p:nvSpPr>
+        <p:spPr/>
+        <p:txBody>
+          <a:bodyPr/>
+          <a:lstStyle/>
+          <a:p>
+            <a:r>
+              <a:rPr lang="en-US" dirty="0"/>
+              <a:t>Replace the </a:t>
+            </a:r>
+            <a:r>
+              <a:rPr lang="en-US" dirty="0" err="1"/>
+              <a:t>MetricsFilter</a:t>
+            </a:r>
+            <a:r>
+              <a:rPr lang="en-US" dirty="0"/>
+              <a:t> servlet filter with a Spring MVC Interceptor:</a:t>
+            </a:r>
+          </a:p>
+          <a:p>
+            <a:r>
+              <a:rPr lang="en-US" dirty="0">
+                <a:hlinkClick r:id="rId2"/>
+              </a:rPr>
+              <a:t>https://www.baeldung.com/spring-mvc-handlerinterceptor</a:t>
+            </a:r>
+            <a:endParaRPr lang="en-US" dirty="0"/>
+          </a:p>
+          <a:p>
+            <a:endParaRPr lang="en-US" dirty="0"/>
+          </a:p>
+        </p:txBody>
+      </p:sp>
+      <p:sp>
+        <p:nvSpPr>
+          <p:cNvPr id="4" name="Slide Number Placeholder 3">
+            <a:extLst>
+              <a:ext uri="{FF2B5EF4-FFF2-40B4-BE49-F238E27FC236}">
+                <a16:creationId xmlns:a16="http://schemas.microsoft.com/office/drawing/2014/main" id="{1436944B-F639-4B26-9B83-75EBA461EE8E}"/>
+              </a:ext>
+            </a:extLst>
+          </p:cNvPr>
+          <p:cNvSpPr>
+            <a:spLocks noGrp="1"/>
+          </p:cNvSpPr>
+          <p:nvPr>
+            <p:ph type="sldNum" sz="quarter" idx="12"/>
+          </p:nvPr>
+        </p:nvSpPr>
+        <p:spPr/>
+        <p:txBody>
+          <a:bodyPr/>
+          <a:lstStyle/>
+          <a:p>
+            <a:fld id="{945DE137-1981-4A6E-942B-1AACE1746372}" type="slidenum">
+              <a:rPr lang="en-US" smtClean="0"/>
+              <a:t>16</a:t>
+            </a:fld>
+            <a:endParaRPr lang="en-US"/>
+          </a:p>
+        </p:txBody>
+      </p:sp>
+    </p:spTree>
+    <p:extLst>
+      <p:ext uri="{BB962C8B-B14F-4D97-AF65-F5344CB8AC3E}">
+        <p14:creationId xmlns:p14="http://schemas.microsoft.com/office/powerpoint/2010/main" val="3576577132"/>
+      </p:ext>
+    </p:extLst>
+  </p:cSld>
+  <p:clrMapOvr>
+    <a:masterClrMapping/>
+  </p:clrMapOvr>
+</p:sld>
+</file>
+
+<file path=ppt/slides/slide17.xml><?xml version="1.0" encoding="utf-8"?>
+<p:sld xmlns:a="http://schemas.openxmlformats.org/drawingml/2006/main" xmlns:r="http://schemas.openxmlformats.org/officeDocument/2006/relationships" xmlns:p="http://schemas.openxmlformats.org/presentationml/2006/main">
+  <p:cSld>
+    <p:spTree>
+      <p:nvGrpSpPr>
+        <p:cNvPr id="1" name=""/>
+        <p:cNvGrpSpPr/>
+        <p:nvPr/>
+      </p:nvGrpSpPr>
+      <p:grpSpPr>
+        <a:xfrm>
+          <a:off x="0" y="0"/>
+          <a:ext cx="0" cy="0"/>
+          <a:chOff x="0" y="0"/>
+          <a:chExt cx="0" cy="0"/>
+        </a:xfrm>
+      </p:grpSpPr>
+      <p:sp>
+        <p:nvSpPr>
+          <p:cNvPr id="2" name="Title 1">
+            <a:extLst>
+              <a:ext uri="{FF2B5EF4-FFF2-40B4-BE49-F238E27FC236}">
+                <a16:creationId xmlns:a16="http://schemas.microsoft.com/office/drawing/2014/main" id="{20DAF717-A5E3-4F99-9372-28F89B3D648F}"/>
+              </a:ext>
+            </a:extLst>
+          </p:cNvPr>
+          <p:cNvSpPr>
+            <a:spLocks noGrp="1"/>
+          </p:cNvSpPr>
+          <p:nvPr>
+            <p:ph type="title"/>
+          </p:nvPr>
+        </p:nvSpPr>
+        <p:spPr>
+          <a:xfrm>
+            <a:off x="1025236" y="61360"/>
+            <a:ext cx="2694709" cy="1325563"/>
+          </a:xfrm>
+        </p:spPr>
+        <p:txBody>
+          <a:bodyPr/>
+          <a:lstStyle/>
+          <a:p>
+            <a:r>
+              <a:rPr lang="en-US" dirty="0"/>
+              <a:t>Orders</a:t>
+            </a:r>
+          </a:p>
+        </p:txBody>
+      </p:sp>
+      <p:sp>
+        <p:nvSpPr>
+          <p:cNvPr id="4" name="Slide Number Placeholder 3">
+            <a:extLst>
+              <a:ext uri="{FF2B5EF4-FFF2-40B4-BE49-F238E27FC236}">
+                <a16:creationId xmlns:a16="http://schemas.microsoft.com/office/drawing/2014/main" id="{53B8EDA7-9721-4CE1-8D3A-CCDDE6D183C6}"/>
+              </a:ext>
+            </a:extLst>
+          </p:cNvPr>
+          <p:cNvSpPr>
+            <a:spLocks noGrp="1"/>
+          </p:cNvSpPr>
+          <p:nvPr>
+            <p:ph type="sldNum" sz="quarter" idx="12"/>
+          </p:nvPr>
+        </p:nvSpPr>
+        <p:spPr/>
+        <p:txBody>
+          <a:bodyPr/>
+          <a:lstStyle/>
+          <a:p>
+            <a:fld id="{945DE137-1981-4A6E-942B-1AACE1746372}" type="slidenum">
+              <a:rPr lang="en-US" smtClean="0"/>
+              <a:t>17</a:t>
             </a:fld>
             <a:endParaRPr lang="en-US"/>
           </a:p>
@@ -10276,7 +10645,7 @@
 </p:sld>
 </file>
 
-<file path=ppt/slides/slide16.xml><?xml version="1.0" encoding="utf-8"?>
+<file path=ppt/slides/slide18.xml><?xml version="1.0" encoding="utf-8"?>
 <p:sld xmlns:a="http://schemas.openxmlformats.org/drawingml/2006/main" xmlns:r="http://schemas.openxmlformats.org/officeDocument/2006/relationships" xmlns:p="http://schemas.openxmlformats.org/presentationml/2006/main">
   <p:cSld>
     <p:spTree>
@@ -10404,7 +10773,7 @@
           <a:p>
             <a:fld id="{945DE137-1981-4A6E-942B-1AACE1746372}" type="slidenum">
               <a:rPr lang="en-US" smtClean="0"/>
-              <a:t>16</a:t>
+              <a:t>18</a:t>
             </a:fld>
             <a:endParaRPr lang="en-US"/>
           </a:p>
@@ -10423,7 +10792,7 @@
 </p:sld>
 </file>
 
-<file path=ppt/slides/slide17.xml><?xml version="1.0" encoding="utf-8"?>
+<file path=ppt/slides/slide19.xml><?xml version="1.0" encoding="utf-8"?>
 <p:sld xmlns:a="http://schemas.openxmlformats.org/drawingml/2006/main" xmlns:r="http://schemas.openxmlformats.org/officeDocument/2006/relationships" xmlns:p="http://schemas.openxmlformats.org/presentationml/2006/main">
   <p:cSld>
     <p:spTree>
@@ -10496,7 +10865,7 @@
           <a:p>
             <a:fld id="{945DE137-1981-4A6E-942B-1AACE1746372}" type="slidenum">
               <a:rPr lang="en-US" smtClean="0"/>
-              <a:t>17</a:t>
+              <a:t>19</a:t>
             </a:fld>
             <a:endParaRPr lang="en-US"/>
           </a:p>
@@ -12065,7 +12434,7 @@
 </p:sld>
 </file>
 
-<file path=ppt/slides/slide18.xml><?xml version="1.0" encoding="utf-8"?>
+<file path=ppt/slides/slide2.xml><?xml version="1.0" encoding="utf-8"?>
 <p:sld xmlns:a="http://schemas.openxmlformats.org/drawingml/2006/main" xmlns:r="http://schemas.openxmlformats.org/officeDocument/2006/relationships" xmlns:p="http://schemas.openxmlformats.org/presentationml/2006/main">
   <p:cSld>
     <p:spTree>
@@ -12087,7 +12456,7 @@
           <p:cNvPr id="2" name="Title 1">
             <a:extLst>
               <a:ext uri="{FF2B5EF4-FFF2-40B4-BE49-F238E27FC236}">
-                <a16:creationId xmlns:a16="http://schemas.microsoft.com/office/drawing/2014/main" id="{87F96340-F302-42D8-810F-DC961102E790}"/>
+                <a16:creationId xmlns:a16="http://schemas.microsoft.com/office/drawing/2014/main" id="{65944CE2-51B1-4B0B-BFA3-08D4FDB5FBF0}"/>
               </a:ext>
             </a:extLst>
           </p:cNvPr>
@@ -12105,7 +12474,7 @@
           <a:p>
             <a:r>
               <a:rPr lang="en-US" dirty="0"/>
-              <a:t>Shipping</a:t>
+              <a:t>About Me</a:t>
             </a:r>
           </a:p>
         </p:txBody>
@@ -12115,7 +12484,7 @@
           <p:cNvPr id="3" name="Content Placeholder 2">
             <a:extLst>
               <a:ext uri="{FF2B5EF4-FFF2-40B4-BE49-F238E27FC236}">
-                <a16:creationId xmlns:a16="http://schemas.microsoft.com/office/drawing/2014/main" id="{F817D182-148C-455A-9A41-8C6351DCD12A}"/>
+                <a16:creationId xmlns:a16="http://schemas.microsoft.com/office/drawing/2014/main" id="{879089F3-F828-48F0-AEB3-6E88969AA0D7}"/>
               </a:ext>
             </a:extLst>
           </p:cNvPr>
@@ -12131,50 +12500,74 @@
           <a:bodyPr/>
           <a:lstStyle/>
           <a:p>
+            <a:pPr marL="0" indent="0">
+              <a:buNone/>
+            </a:pPr>
+            <a:r>
+              <a:rPr lang="en-US" sz="3600" dirty="0"/>
+              <a:t>Jason Penniman</a:t>
+            </a:r>
+          </a:p>
+          <a:p>
             <a:r>
               <a:rPr lang="en-US" dirty="0"/>
-              <a:t>An endpoint should be provided for Order-Service to call to get the freight cost for the country being shipped to.</a:t>
+              <a:t>Founder, CEO, Chief Architect of Milestone Technology Group, LLC</a:t>
             </a:r>
           </a:p>
           <a:p>
             <a:r>
               <a:rPr lang="en-US" dirty="0"/>
-              <a:t>Should receive the </a:t>
+              <a:t>25+ years building enterprise solutions</a:t>
+            </a:r>
+          </a:p>
+          <a:p>
+            <a:r>
+              <a:rPr lang="en-US" dirty="0"/>
+              <a:t>Email: </a:t>
+            </a:r>
+            <a:r>
+              <a:rPr lang="en-US" dirty="0">
+                <a:hlinkClick r:id="rId3"/>
+              </a:rPr>
+              <a:t>jason.penniman@milestonetg.com</a:t>
+            </a:r>
+            <a:endParaRPr lang="en-US" dirty="0"/>
+          </a:p>
+          <a:p>
+            <a:r>
+              <a:rPr lang="en-US" dirty="0"/>
+              <a:t>Twitter: @TheArchitect452</a:t>
+            </a:r>
+          </a:p>
+          <a:p>
+            <a:r>
+              <a:rPr lang="en-US" dirty="0"/>
+              <a:t>GitHub: </a:t>
             </a:r>
             <a:r>
               <a:rPr lang="en-US" dirty="0" err="1"/>
-              <a:t>OrderCreated</a:t>
+              <a:t>jpenniman</a:t>
+            </a:r>
+            <a:endParaRPr lang="en-US" dirty="0"/>
+          </a:p>
+          <a:p>
+            <a:r>
+              <a:rPr lang="en-US" dirty="0" err="1"/>
+              <a:t>StackOverflow</a:t>
             </a:r>
             <a:r>
               <a:rPr lang="en-US" dirty="0"/>
-              <a:t> event and create a new </a:t>
+              <a:t>: </a:t>
             </a:r>
             <a:r>
               <a:rPr lang="en-US" dirty="0" err="1"/>
-              <a:t>PackingSlip</a:t>
-            </a:r>
-            <a:r>
-              <a:rPr lang="en-US" dirty="0"/>
-              <a:t> based on the Order</a:t>
-            </a:r>
-          </a:p>
-          <a:p>
-            <a:r>
-              <a:rPr lang="en-US" dirty="0"/>
-              <a:t>When an Order is shipped, should send an </a:t>
-            </a:r>
-            <a:r>
-              <a:rPr lang="en-US" dirty="0" err="1"/>
-              <a:t>OrderShipped</a:t>
-            </a:r>
-            <a:r>
-              <a:rPr lang="en-US" dirty="0"/>
-              <a:t> event to the Event Bus</a:t>
-            </a:r>
-          </a:p>
-          <a:p>
+              <a:t>jpenniman</a:t>
+            </a:r>
             <a:endParaRPr lang="en-US" dirty="0"/>
           </a:p>
+          <a:p>
+            <a:endParaRPr lang="en-US" dirty="0"/>
+          </a:p>
         </p:txBody>
       </p:sp>
       <p:sp>
@@ -12182,7 +12575,7 @@
           <p:cNvPr id="4" name="Slide Number Placeholder 3">
             <a:extLst>
               <a:ext uri="{FF2B5EF4-FFF2-40B4-BE49-F238E27FC236}">
-                <a16:creationId xmlns:a16="http://schemas.microsoft.com/office/drawing/2014/main" id="{56AEA71C-8E89-4572-A978-E6706D6A28EE}"/>
+                <a16:creationId xmlns:a16="http://schemas.microsoft.com/office/drawing/2014/main" id="{46A02775-028E-4110-911D-0F3F14E13102}"/>
               </a:ext>
             </a:extLst>
           </p:cNvPr>
@@ -12200,7 +12593,7 @@
           <a:p>
             <a:fld id="{945DE137-1981-4A6E-942B-1AACE1746372}" type="slidenum">
               <a:rPr lang="en-US" smtClean="0"/>
-              <a:t>18</a:t>
+              <a:t>2</a:t>
             </a:fld>
             <a:endParaRPr lang="en-US"/>
           </a:p>
@@ -12209,7 +12602,7 @@
     </p:spTree>
     <p:extLst>
       <p:ext uri="{BB962C8B-B14F-4D97-AF65-F5344CB8AC3E}">
-        <p14:creationId xmlns:p14="http://schemas.microsoft.com/office/powerpoint/2010/main" val="2700610023"/>
+        <p14:creationId xmlns:p14="http://schemas.microsoft.com/office/powerpoint/2010/main" val="2781154489"/>
       </p:ext>
     </p:extLst>
   </p:cSld>
@@ -12219,7 +12612,7 @@
 </p:sld>
 </file>
 
-<file path=ppt/slides/slide19.xml><?xml version="1.0" encoding="utf-8"?>
+<file path=ppt/slides/slide20.xml><?xml version="1.0" encoding="utf-8"?>
 <p:sld xmlns:a="http://schemas.openxmlformats.org/drawingml/2006/main" xmlns:r="http://schemas.openxmlformats.org/officeDocument/2006/relationships" xmlns:p="http://schemas.openxmlformats.org/presentationml/2006/main">
   <p:cSld>
     <p:spTree>
@@ -12241,7 +12634,7 @@
           <p:cNvPr id="2" name="Title 1">
             <a:extLst>
               <a:ext uri="{FF2B5EF4-FFF2-40B4-BE49-F238E27FC236}">
-                <a16:creationId xmlns:a16="http://schemas.microsoft.com/office/drawing/2014/main" id="{20DAF717-A5E3-4F99-9372-28F89B3D648F}"/>
+                <a16:creationId xmlns:a16="http://schemas.microsoft.com/office/drawing/2014/main" id="{87F96340-F302-42D8-810F-DC961102E790}"/>
               </a:ext>
             </a:extLst>
           </p:cNvPr>
@@ -12252,20 +12645,82 @@
             <p:ph type="title"/>
           </p:nvPr>
         </p:nvSpPr>
-        <p:spPr>
-          <a:xfrm>
-            <a:off x="1025236" y="61360"/>
-            <a:ext cx="2694709" cy="1325563"/>
-          </a:xfrm>
-        </p:spPr>
+        <p:spPr/>
         <p:txBody>
           <a:bodyPr/>
           <a:lstStyle/>
           <a:p>
             <a:r>
               <a:rPr lang="en-US" dirty="0"/>
-              <a:t>Catalog</a:t>
-            </a:r>
+              <a:t>Shipping</a:t>
+            </a:r>
+          </a:p>
+        </p:txBody>
+      </p:sp>
+      <p:sp>
+        <p:nvSpPr>
+          <p:cNvPr id="3" name="Content Placeholder 2">
+            <a:extLst>
+              <a:ext uri="{FF2B5EF4-FFF2-40B4-BE49-F238E27FC236}">
+                <a16:creationId xmlns:a16="http://schemas.microsoft.com/office/drawing/2014/main" id="{F817D182-148C-455A-9A41-8C6351DCD12A}"/>
+              </a:ext>
+            </a:extLst>
+          </p:cNvPr>
+          <p:cNvSpPr>
+            <a:spLocks noGrp="1"/>
+          </p:cNvSpPr>
+          <p:nvPr>
+            <p:ph idx="1"/>
+          </p:nvPr>
+        </p:nvSpPr>
+        <p:spPr/>
+        <p:txBody>
+          <a:bodyPr/>
+          <a:lstStyle/>
+          <a:p>
+            <a:r>
+              <a:rPr lang="en-US" dirty="0"/>
+              <a:t>An endpoint should be provided for Order-Service to call to get the freight cost for the country being shipped to.</a:t>
+            </a:r>
+          </a:p>
+          <a:p>
+            <a:r>
+              <a:rPr lang="en-US" dirty="0"/>
+              <a:t>Should receive the </a:t>
+            </a:r>
+            <a:r>
+              <a:rPr lang="en-US" dirty="0" err="1"/>
+              <a:t>OrderPlaced</a:t>
+            </a:r>
+            <a:r>
+              <a:rPr lang="en-US" dirty="0"/>
+              <a:t> event and create a new </a:t>
+            </a:r>
+            <a:r>
+              <a:rPr lang="en-US" dirty="0" err="1"/>
+              <a:t>PackingSlip</a:t>
+            </a:r>
+            <a:r>
+              <a:rPr lang="en-US" dirty="0"/>
+              <a:t> based on the Order</a:t>
+            </a:r>
+          </a:p>
+          <a:p>
+            <a:r>
+              <a:rPr lang="en-US" dirty="0"/>
+              <a:t>When an Order is shipped, should send an </a:t>
+            </a:r>
+            <a:r>
+              <a:rPr lang="en-US" dirty="0" err="1"/>
+              <a:t>OrderShipped</a:t>
+            </a:r>
+            <a:r>
+              <a:rPr lang="en-US" dirty="0"/>
+              <a:t> event to the Event Bus</a:t>
+            </a:r>
+          </a:p>
+          <a:p>
+            <a:endParaRPr lang="en-US" dirty="0"/>
           </a:p>
         </p:txBody>
       </p:sp>
@@ -12274,7 +12729,7 @@
           <p:cNvPr id="4" name="Slide Number Placeholder 3">
             <a:extLst>
               <a:ext uri="{FF2B5EF4-FFF2-40B4-BE49-F238E27FC236}">
-                <a16:creationId xmlns:a16="http://schemas.microsoft.com/office/drawing/2014/main" id="{53B8EDA7-9721-4CE1-8D3A-CCDDE6D183C6}"/>
+                <a16:creationId xmlns:a16="http://schemas.microsoft.com/office/drawing/2014/main" id="{56AEA71C-8E89-4572-A978-E6706D6A28EE}"/>
               </a:ext>
             </a:extLst>
           </p:cNvPr>
@@ -12292,7 +12747,99 @@
           <a:p>
             <a:fld id="{945DE137-1981-4A6E-942B-1AACE1746372}" type="slidenum">
               <a:rPr lang="en-US" smtClean="0"/>
-              <a:t>19</a:t>
+              <a:t>20</a:t>
+            </a:fld>
+            <a:endParaRPr lang="en-US"/>
+          </a:p>
+        </p:txBody>
+      </p:sp>
+    </p:spTree>
+    <p:extLst>
+      <p:ext uri="{BB962C8B-B14F-4D97-AF65-F5344CB8AC3E}">
+        <p14:creationId xmlns:p14="http://schemas.microsoft.com/office/powerpoint/2010/main" val="2700610023"/>
+      </p:ext>
+    </p:extLst>
+  </p:cSld>
+  <p:clrMapOvr>
+    <a:masterClrMapping/>
+  </p:clrMapOvr>
+</p:sld>
+</file>
+
+<file path=ppt/slides/slide21.xml><?xml version="1.0" encoding="utf-8"?>
+<p:sld xmlns:a="http://schemas.openxmlformats.org/drawingml/2006/main" xmlns:r="http://schemas.openxmlformats.org/officeDocument/2006/relationships" xmlns:p="http://schemas.openxmlformats.org/presentationml/2006/main">
+  <p:cSld>
+    <p:spTree>
+      <p:nvGrpSpPr>
+        <p:cNvPr id="1" name=""/>
+        <p:cNvGrpSpPr/>
+        <p:nvPr/>
+      </p:nvGrpSpPr>
+      <p:grpSpPr>
+        <a:xfrm>
+          <a:off x="0" y="0"/>
+          <a:ext cx="0" cy="0"/>
+          <a:chOff x="0" y="0"/>
+          <a:chExt cx="0" cy="0"/>
+        </a:xfrm>
+      </p:grpSpPr>
+      <p:sp>
+        <p:nvSpPr>
+          <p:cNvPr id="2" name="Title 1">
+            <a:extLst>
+              <a:ext uri="{FF2B5EF4-FFF2-40B4-BE49-F238E27FC236}">
+                <a16:creationId xmlns:a16="http://schemas.microsoft.com/office/drawing/2014/main" id="{20DAF717-A5E3-4F99-9372-28F89B3D648F}"/>
+              </a:ext>
+            </a:extLst>
+          </p:cNvPr>
+          <p:cNvSpPr>
+            <a:spLocks noGrp="1"/>
+          </p:cNvSpPr>
+          <p:nvPr>
+            <p:ph type="title"/>
+          </p:nvPr>
+        </p:nvSpPr>
+        <p:spPr>
+          <a:xfrm>
+            <a:off x="1025236" y="61360"/>
+            <a:ext cx="2694709" cy="1325563"/>
+          </a:xfrm>
+        </p:spPr>
+        <p:txBody>
+          <a:bodyPr/>
+          <a:lstStyle/>
+          <a:p>
+            <a:r>
+              <a:rPr lang="en-US" dirty="0"/>
+              <a:t>Catalog</a:t>
+            </a:r>
+          </a:p>
+        </p:txBody>
+      </p:sp>
+      <p:sp>
+        <p:nvSpPr>
+          <p:cNvPr id="4" name="Slide Number Placeholder 3">
+            <a:extLst>
+              <a:ext uri="{FF2B5EF4-FFF2-40B4-BE49-F238E27FC236}">
+                <a16:creationId xmlns:a16="http://schemas.microsoft.com/office/drawing/2014/main" id="{53B8EDA7-9721-4CE1-8D3A-CCDDE6D183C6}"/>
+              </a:ext>
+            </a:extLst>
+          </p:cNvPr>
+          <p:cNvSpPr>
+            <a:spLocks noGrp="1"/>
+          </p:cNvSpPr>
+          <p:nvPr>
+            <p:ph type="sldNum" sz="quarter" idx="12"/>
+          </p:nvPr>
+        </p:nvSpPr>
+        <p:spPr/>
+        <p:txBody>
+          <a:bodyPr/>
+          <a:lstStyle/>
+          <a:p>
+            <a:fld id="{945DE137-1981-4A6E-942B-1AACE1746372}" type="slidenum">
+              <a:rPr lang="en-US" smtClean="0"/>
+              <a:t>21</a:t>
             </a:fld>
             <a:endParaRPr lang="en-US"/>
           </a:p>
@@ -13903,576 +14450,6 @@
 </p:sld>
 </file>
 
-<file path=ppt/slides/slide2.xml><?xml version="1.0" encoding="utf-8"?>
-<p:sld xmlns:a="http://schemas.openxmlformats.org/drawingml/2006/main" xmlns:r="http://schemas.openxmlformats.org/officeDocument/2006/relationships" xmlns:p="http://schemas.openxmlformats.org/presentationml/2006/main">
-  <p:cSld>
-    <p:spTree>
-      <p:nvGrpSpPr>
-        <p:cNvPr id="1" name=""/>
-        <p:cNvGrpSpPr/>
-        <p:nvPr/>
-      </p:nvGrpSpPr>
-      <p:grpSpPr>
-        <a:xfrm>
-          <a:off x="0" y="0"/>
-          <a:ext cx="0" cy="0"/>
-          <a:chOff x="0" y="0"/>
-          <a:chExt cx="0" cy="0"/>
-        </a:xfrm>
-      </p:grpSpPr>
-      <p:sp>
-        <p:nvSpPr>
-          <p:cNvPr id="2" name="Title 1">
-            <a:extLst>
-              <a:ext uri="{FF2B5EF4-FFF2-40B4-BE49-F238E27FC236}">
-                <a16:creationId xmlns:a16="http://schemas.microsoft.com/office/drawing/2014/main" id="{65944CE2-51B1-4B0B-BFA3-08D4FDB5FBF0}"/>
-              </a:ext>
-            </a:extLst>
-          </p:cNvPr>
-          <p:cNvSpPr>
-            <a:spLocks noGrp="1"/>
-          </p:cNvSpPr>
-          <p:nvPr>
-            <p:ph type="title"/>
-          </p:nvPr>
-        </p:nvSpPr>
-        <p:spPr/>
-        <p:txBody>
-          <a:bodyPr/>
-          <a:lstStyle/>
-          <a:p>
-            <a:r>
-              <a:rPr lang="en-US" dirty="0"/>
-              <a:t>About Me</a:t>
-            </a:r>
-          </a:p>
-        </p:txBody>
-      </p:sp>
-      <p:sp>
-        <p:nvSpPr>
-          <p:cNvPr id="3" name="Content Placeholder 2">
-            <a:extLst>
-              <a:ext uri="{FF2B5EF4-FFF2-40B4-BE49-F238E27FC236}">
-                <a16:creationId xmlns:a16="http://schemas.microsoft.com/office/drawing/2014/main" id="{879089F3-F828-48F0-AEB3-6E88969AA0D7}"/>
-              </a:ext>
-            </a:extLst>
-          </p:cNvPr>
-          <p:cNvSpPr>
-            <a:spLocks noGrp="1"/>
-          </p:cNvSpPr>
-          <p:nvPr>
-            <p:ph idx="1"/>
-          </p:nvPr>
-        </p:nvSpPr>
-        <p:spPr/>
-        <p:txBody>
-          <a:bodyPr/>
-          <a:lstStyle/>
-          <a:p>
-            <a:pPr marL="0" indent="0">
-              <a:buNone/>
-            </a:pPr>
-            <a:r>
-              <a:rPr lang="en-US" sz="3600" dirty="0"/>
-              <a:t>Jason Penniman</a:t>
-            </a:r>
-          </a:p>
-          <a:p>
-            <a:r>
-              <a:rPr lang="en-US" dirty="0"/>
-              <a:t>Founder, CEO, Chief Architect of Milestone Technology Group, LLC</a:t>
-            </a:r>
-          </a:p>
-          <a:p>
-            <a:r>
-              <a:rPr lang="en-US" dirty="0"/>
-              <a:t>25+ years building enterprise solutions</a:t>
-            </a:r>
-          </a:p>
-          <a:p>
-            <a:r>
-              <a:rPr lang="en-US" dirty="0"/>
-              <a:t>Email: </a:t>
-            </a:r>
-            <a:r>
-              <a:rPr lang="en-US" dirty="0">
-                <a:hlinkClick r:id="rId3"/>
-              </a:rPr>
-              <a:t>jason.penniman@milestonetg.com</a:t>
-            </a:r>
-            <a:endParaRPr lang="en-US" dirty="0"/>
-          </a:p>
-          <a:p>
-            <a:r>
-              <a:rPr lang="en-US" dirty="0"/>
-              <a:t>Twitter: @TheArchitect452</a:t>
-            </a:r>
-          </a:p>
-          <a:p>
-            <a:r>
-              <a:rPr lang="en-US" dirty="0"/>
-              <a:t>GitHub: </a:t>
-            </a:r>
-            <a:r>
-              <a:rPr lang="en-US" dirty="0" err="1"/>
-              <a:t>jpenniman</a:t>
-            </a:r>
-            <a:endParaRPr lang="en-US" dirty="0"/>
-          </a:p>
-          <a:p>
-            <a:r>
-              <a:rPr lang="en-US" dirty="0" err="1"/>
-              <a:t>StackOverflow</a:t>
-            </a:r>
-            <a:r>
-              <a:rPr lang="en-US" dirty="0"/>
-              <a:t>: </a:t>
-            </a:r>
-            <a:r>
-              <a:rPr lang="en-US" dirty="0" err="1"/>
-              <a:t>jpenniman</a:t>
-            </a:r>
-            <a:endParaRPr lang="en-US" dirty="0"/>
-          </a:p>
-          <a:p>
-            <a:endParaRPr lang="en-US" dirty="0"/>
-          </a:p>
-        </p:txBody>
-      </p:sp>
-      <p:sp>
-        <p:nvSpPr>
-          <p:cNvPr id="4" name="Slide Number Placeholder 3">
-            <a:extLst>
-              <a:ext uri="{FF2B5EF4-FFF2-40B4-BE49-F238E27FC236}">
-                <a16:creationId xmlns:a16="http://schemas.microsoft.com/office/drawing/2014/main" id="{46A02775-028E-4110-911D-0F3F14E13102}"/>
-              </a:ext>
-            </a:extLst>
-          </p:cNvPr>
-          <p:cNvSpPr>
-            <a:spLocks noGrp="1"/>
-          </p:cNvSpPr>
-          <p:nvPr>
-            <p:ph type="sldNum" sz="quarter" idx="12"/>
-          </p:nvPr>
-        </p:nvSpPr>
-        <p:spPr/>
-        <p:txBody>
-          <a:bodyPr/>
-          <a:lstStyle/>
-          <a:p>
-            <a:fld id="{945DE137-1981-4A6E-942B-1AACE1746372}" type="slidenum">
-              <a:rPr lang="en-US" smtClean="0"/>
-              <a:t>2</a:t>
-            </a:fld>
-            <a:endParaRPr lang="en-US"/>
-          </a:p>
-        </p:txBody>
-      </p:sp>
-    </p:spTree>
-    <p:extLst>
-      <p:ext uri="{BB962C8B-B14F-4D97-AF65-F5344CB8AC3E}">
-        <p14:creationId xmlns:p14="http://schemas.microsoft.com/office/powerpoint/2010/main" val="2781154489"/>
-      </p:ext>
-    </p:extLst>
-  </p:cSld>
-  <p:clrMapOvr>
-    <a:masterClrMapping/>
-  </p:clrMapOvr>
-</p:sld>
-</file>
-
-<file path=ppt/slides/slide20.xml><?xml version="1.0" encoding="utf-8"?>
-<p:sld xmlns:a="http://schemas.openxmlformats.org/drawingml/2006/main" xmlns:r="http://schemas.openxmlformats.org/officeDocument/2006/relationships" xmlns:p="http://schemas.openxmlformats.org/presentationml/2006/main">
-  <p:cSld>
-    <p:spTree>
-      <p:nvGrpSpPr>
-        <p:cNvPr id="1" name=""/>
-        <p:cNvGrpSpPr/>
-        <p:nvPr/>
-      </p:nvGrpSpPr>
-      <p:grpSpPr>
-        <a:xfrm>
-          <a:off x="0" y="0"/>
-          <a:ext cx="0" cy="0"/>
-          <a:chOff x="0" y="0"/>
-          <a:chExt cx="0" cy="0"/>
-        </a:xfrm>
-      </p:grpSpPr>
-      <p:sp>
-        <p:nvSpPr>
-          <p:cNvPr id="2" name="Title 1">
-            <a:extLst>
-              <a:ext uri="{FF2B5EF4-FFF2-40B4-BE49-F238E27FC236}">
-                <a16:creationId xmlns:a16="http://schemas.microsoft.com/office/drawing/2014/main" id="{BA12112A-1F29-448A-80AE-91B2ED47A7B2}"/>
-              </a:ext>
-            </a:extLst>
-          </p:cNvPr>
-          <p:cNvSpPr>
-            <a:spLocks noGrp="1"/>
-          </p:cNvSpPr>
-          <p:nvPr>
-            <p:ph type="title"/>
-          </p:nvPr>
-        </p:nvSpPr>
-        <p:spPr/>
-        <p:txBody>
-          <a:bodyPr/>
-          <a:lstStyle/>
-          <a:p>
-            <a:r>
-              <a:rPr lang="en-US" dirty="0"/>
-              <a:t>Catalog Service</a:t>
-            </a:r>
-          </a:p>
-        </p:txBody>
-      </p:sp>
-      <p:sp>
-        <p:nvSpPr>
-          <p:cNvPr id="3" name="Content Placeholder 2">
-            <a:extLst>
-              <a:ext uri="{FF2B5EF4-FFF2-40B4-BE49-F238E27FC236}">
-                <a16:creationId xmlns:a16="http://schemas.microsoft.com/office/drawing/2014/main" id="{7F33C825-74BF-42FE-A137-4B3BC94A4D8B}"/>
-              </a:ext>
-            </a:extLst>
-          </p:cNvPr>
-          <p:cNvSpPr>
-            <a:spLocks noGrp="1"/>
-          </p:cNvSpPr>
-          <p:nvPr>
-            <p:ph idx="1"/>
-          </p:nvPr>
-        </p:nvSpPr>
-        <p:spPr/>
-        <p:txBody>
-          <a:bodyPr/>
-          <a:lstStyle/>
-          <a:p>
-            <a:r>
-              <a:rPr lang="en-US" dirty="0"/>
-              <a:t>Is the source of truth for the Product table—it owns Products.</a:t>
-            </a:r>
-          </a:p>
-          <a:p>
-            <a:r>
-              <a:rPr lang="en-US" dirty="0"/>
-              <a:t>When a Product is Created, a </a:t>
-            </a:r>
-            <a:r>
-              <a:rPr lang="en-US" dirty="0" err="1"/>
-              <a:t>ProductCreated</a:t>
-            </a:r>
-            <a:r>
-              <a:rPr lang="en-US" dirty="0"/>
-              <a:t> event should be published to the Event Bus</a:t>
-            </a:r>
-          </a:p>
-          <a:p>
-            <a:r>
-              <a:rPr lang="en-US" dirty="0"/>
-              <a:t>When a Product is Updated, a </a:t>
-            </a:r>
-            <a:r>
-              <a:rPr lang="en-US" dirty="0" err="1"/>
-              <a:t>ProductUpdated</a:t>
-            </a:r>
-            <a:r>
-              <a:rPr lang="en-US" dirty="0"/>
-              <a:t> event should be published to the Event Bus</a:t>
-            </a:r>
-          </a:p>
-          <a:p>
-            <a:r>
-              <a:rPr lang="en-US" dirty="0"/>
-              <a:t>Receive a </a:t>
-            </a:r>
-            <a:r>
-              <a:rPr lang="en-US" dirty="0" err="1"/>
-              <a:t>ProductOutOfStock</a:t>
-            </a:r>
-            <a:r>
-              <a:rPr lang="en-US" dirty="0"/>
-              <a:t> event and updated the </a:t>
-            </a:r>
-            <a:r>
-              <a:rPr lang="en-US" dirty="0" err="1"/>
-              <a:t>InStock</a:t>
-            </a:r>
-            <a:r>
-              <a:rPr lang="en-US" dirty="0"/>
-              <a:t> flag on the product</a:t>
-            </a:r>
-          </a:p>
-          <a:p>
-            <a:r>
-              <a:rPr lang="en-US" dirty="0"/>
-              <a:t>Receive a </a:t>
-            </a:r>
-            <a:r>
-              <a:rPr lang="en-US" dirty="0" err="1"/>
-              <a:t>ProductInStock</a:t>
-            </a:r>
-            <a:r>
-              <a:rPr lang="en-US" dirty="0"/>
-              <a:t> event and updated the </a:t>
-            </a:r>
-            <a:r>
-              <a:rPr lang="en-US" dirty="0" err="1"/>
-              <a:t>InStock</a:t>
-            </a:r>
-            <a:r>
-              <a:rPr lang="en-US" dirty="0"/>
-              <a:t> flag on the product</a:t>
-            </a:r>
-          </a:p>
-          <a:p>
-            <a:endParaRPr lang="en-US" dirty="0"/>
-          </a:p>
-          <a:p>
-            <a:endParaRPr lang="en-US" dirty="0"/>
-          </a:p>
-        </p:txBody>
-      </p:sp>
-      <p:sp>
-        <p:nvSpPr>
-          <p:cNvPr id="4" name="Slide Number Placeholder 3">
-            <a:extLst>
-              <a:ext uri="{FF2B5EF4-FFF2-40B4-BE49-F238E27FC236}">
-                <a16:creationId xmlns:a16="http://schemas.microsoft.com/office/drawing/2014/main" id="{2AA75C2A-1D15-441D-AF86-2DB36CC1C2ED}"/>
-              </a:ext>
-            </a:extLst>
-          </p:cNvPr>
-          <p:cNvSpPr>
-            <a:spLocks noGrp="1"/>
-          </p:cNvSpPr>
-          <p:nvPr>
-            <p:ph type="sldNum" sz="quarter" idx="12"/>
-          </p:nvPr>
-        </p:nvSpPr>
-        <p:spPr/>
-        <p:txBody>
-          <a:bodyPr/>
-          <a:lstStyle/>
-          <a:p>
-            <a:fld id="{945DE137-1981-4A6E-942B-1AACE1746372}" type="slidenum">
-              <a:rPr lang="en-US" smtClean="0"/>
-              <a:t>20</a:t>
-            </a:fld>
-            <a:endParaRPr lang="en-US"/>
-          </a:p>
-        </p:txBody>
-      </p:sp>
-    </p:spTree>
-    <p:extLst>
-      <p:ext uri="{BB962C8B-B14F-4D97-AF65-F5344CB8AC3E}">
-        <p14:creationId xmlns:p14="http://schemas.microsoft.com/office/powerpoint/2010/main" val="1435062323"/>
-      </p:ext>
-    </p:extLst>
-  </p:cSld>
-  <p:clrMapOvr>
-    <a:masterClrMapping/>
-  </p:clrMapOvr>
-</p:sld>
-</file>
-
-<file path=ppt/slides/slide21.xml><?xml version="1.0" encoding="utf-8"?>
-<p:sld xmlns:a="http://schemas.openxmlformats.org/drawingml/2006/main" xmlns:r="http://schemas.openxmlformats.org/officeDocument/2006/relationships" xmlns:p="http://schemas.openxmlformats.org/presentationml/2006/main">
-  <p:cSld>
-    <p:spTree>
-      <p:nvGrpSpPr>
-        <p:cNvPr id="1" name=""/>
-        <p:cNvGrpSpPr/>
-        <p:nvPr/>
-      </p:nvGrpSpPr>
-      <p:grpSpPr>
-        <a:xfrm>
-          <a:off x="0" y="0"/>
-          <a:ext cx="0" cy="0"/>
-          <a:chOff x="0" y="0"/>
-          <a:chExt cx="0" cy="0"/>
-        </a:xfrm>
-      </p:grpSpPr>
-      <p:sp>
-        <p:nvSpPr>
-          <p:cNvPr id="2" name="Title 1">
-            <a:extLst>
-              <a:ext uri="{FF2B5EF4-FFF2-40B4-BE49-F238E27FC236}">
-                <a16:creationId xmlns:a16="http://schemas.microsoft.com/office/drawing/2014/main" id="{AF45A4CF-C57F-4004-847F-9E8D0B6DA18E}"/>
-              </a:ext>
-            </a:extLst>
-          </p:cNvPr>
-          <p:cNvSpPr>
-            <a:spLocks noGrp="1"/>
-          </p:cNvSpPr>
-          <p:nvPr>
-            <p:ph type="title"/>
-          </p:nvPr>
-        </p:nvSpPr>
-        <p:spPr/>
-        <p:txBody>
-          <a:bodyPr/>
-          <a:lstStyle/>
-          <a:p>
-            <a:r>
-              <a:rPr lang="en-US" dirty="0"/>
-              <a:t>Catalog-DB</a:t>
-            </a:r>
-          </a:p>
-        </p:txBody>
-      </p:sp>
-      <p:sp>
-        <p:nvSpPr>
-          <p:cNvPr id="3" name="Content Placeholder 2">
-            <a:extLst>
-              <a:ext uri="{FF2B5EF4-FFF2-40B4-BE49-F238E27FC236}">
-                <a16:creationId xmlns:a16="http://schemas.microsoft.com/office/drawing/2014/main" id="{B9781DD9-284F-4B4E-BA11-90CF63015909}"/>
-              </a:ext>
-            </a:extLst>
-          </p:cNvPr>
-          <p:cNvSpPr>
-            <a:spLocks noGrp="1"/>
-          </p:cNvSpPr>
-          <p:nvPr>
-            <p:ph idx="1"/>
-          </p:nvPr>
-        </p:nvSpPr>
-        <p:spPr>
-          <a:xfrm>
-            <a:off x="838200" y="1825625"/>
-            <a:ext cx="10515600" cy="688975"/>
-          </a:xfrm>
-        </p:spPr>
-        <p:txBody>
-          <a:bodyPr/>
-          <a:lstStyle/>
-          <a:p>
-            <a:r>
-              <a:rPr lang="en-US" dirty="0"/>
-              <a:t>Add a column for </a:t>
-            </a:r>
-            <a:r>
-              <a:rPr lang="en-US" dirty="0" err="1"/>
-              <a:t>InStock</a:t>
-            </a:r>
-            <a:r>
-              <a:rPr lang="en-US" dirty="0"/>
-              <a:t> flag…</a:t>
-            </a:r>
-          </a:p>
-          <a:p>
-            <a:endParaRPr lang="en-US" dirty="0"/>
-          </a:p>
-          <a:p>
-            <a:endParaRPr lang="en-US" dirty="0"/>
-          </a:p>
-        </p:txBody>
-      </p:sp>
-      <p:sp>
-        <p:nvSpPr>
-          <p:cNvPr id="4" name="Slide Number Placeholder 3">
-            <a:extLst>
-              <a:ext uri="{FF2B5EF4-FFF2-40B4-BE49-F238E27FC236}">
-                <a16:creationId xmlns:a16="http://schemas.microsoft.com/office/drawing/2014/main" id="{7AFDADD1-D60C-41C7-8B1F-7BD99F43A4EC}"/>
-              </a:ext>
-            </a:extLst>
-          </p:cNvPr>
-          <p:cNvSpPr>
-            <a:spLocks noGrp="1"/>
-          </p:cNvSpPr>
-          <p:nvPr>
-            <p:ph type="sldNum" sz="quarter" idx="12"/>
-          </p:nvPr>
-        </p:nvSpPr>
-        <p:spPr/>
-        <p:txBody>
-          <a:bodyPr/>
-          <a:lstStyle/>
-          <a:p>
-            <a:fld id="{945DE137-1981-4A6E-942B-1AACE1746372}" type="slidenum">
-              <a:rPr lang="en-US" smtClean="0"/>
-              <a:t>21</a:t>
-            </a:fld>
-            <a:endParaRPr lang="en-US"/>
-          </a:p>
-        </p:txBody>
-      </p:sp>
-      <p:sp>
-        <p:nvSpPr>
-          <p:cNvPr id="5" name="TextBox 4">
-            <a:extLst>
-              <a:ext uri="{FF2B5EF4-FFF2-40B4-BE49-F238E27FC236}">
-                <a16:creationId xmlns:a16="http://schemas.microsoft.com/office/drawing/2014/main" id="{3AD2F9B4-F771-4E5E-82E8-820FA98FCBF3}"/>
-              </a:ext>
-            </a:extLst>
-          </p:cNvPr>
-          <p:cNvSpPr txBox="1"/>
-          <p:nvPr/>
-        </p:nvSpPr>
-        <p:spPr>
-          <a:xfrm>
-            <a:off x="838200" y="2649537"/>
-            <a:ext cx="7479933" cy="1384995"/>
-          </a:xfrm>
-          <a:prstGeom prst="rect">
-            <a:avLst/>
-          </a:prstGeom>
-          <a:noFill/>
-        </p:spPr>
-        <p:txBody>
-          <a:bodyPr wrap="none" rtlCol="0">
-            <a:spAutoFit/>
-          </a:bodyPr>
-          <a:lstStyle/>
-          <a:p>
-            <a:r>
-              <a:rPr lang="en-US" sz="2800" dirty="0">
-                <a:latin typeface="Consolas" panose="020B0609020204030204" pitchFamily="49" charset="0"/>
-              </a:rPr>
-              <a:t>use `catalog-</a:t>
-            </a:r>
-            <a:r>
-              <a:rPr lang="en-US" sz="2800" dirty="0" err="1">
-                <a:latin typeface="Consolas" panose="020B0609020204030204" pitchFamily="49" charset="0"/>
-              </a:rPr>
-              <a:t>db</a:t>
-            </a:r>
-            <a:r>
-              <a:rPr lang="en-US" sz="2800" dirty="0">
-                <a:latin typeface="Consolas" panose="020B0609020204030204" pitchFamily="49" charset="0"/>
-              </a:rPr>
-              <a:t>`;</a:t>
-            </a:r>
-          </a:p>
-          <a:p>
-            <a:r>
-              <a:rPr lang="en-US" sz="2800" dirty="0">
-                <a:latin typeface="Consolas" panose="020B0609020204030204" pitchFamily="49" charset="0"/>
-              </a:rPr>
-              <a:t>alter table Products</a:t>
-            </a:r>
-          </a:p>
-          <a:p>
-            <a:r>
-              <a:rPr lang="en-US" sz="2800" dirty="0">
-                <a:latin typeface="Consolas" panose="020B0609020204030204" pitchFamily="49" charset="0"/>
-              </a:rPr>
-              <a:t>    add column InStock bit default 1;</a:t>
-            </a:r>
-          </a:p>
-        </p:txBody>
-      </p:sp>
-    </p:spTree>
-    <p:extLst>
-      <p:ext uri="{BB962C8B-B14F-4D97-AF65-F5344CB8AC3E}">
-        <p14:creationId xmlns:p14="http://schemas.microsoft.com/office/powerpoint/2010/main" val="1497967913"/>
-      </p:ext>
-    </p:extLst>
-  </p:cSld>
-  <p:clrMapOvr>
-    <a:masterClrMapping/>
-  </p:clrMapOvr>
-</p:sld>
-</file>
-
 <file path=ppt/slides/slide22.xml><?xml version="1.0" encoding="utf-8"?>
 <p:sld xmlns:a="http://schemas.openxmlformats.org/drawingml/2006/main" xmlns:r="http://schemas.openxmlformats.org/officeDocument/2006/relationships" xmlns:p="http://schemas.openxmlformats.org/presentationml/2006/main">
   <p:cSld>
@@ -14495,7 +14472,7 @@
           <p:cNvPr id="2" name="Title 1">
             <a:extLst>
               <a:ext uri="{FF2B5EF4-FFF2-40B4-BE49-F238E27FC236}">
-                <a16:creationId xmlns:a16="http://schemas.microsoft.com/office/drawing/2014/main" id="{20DAF717-A5E3-4F99-9372-28F89B3D648F}"/>
+                <a16:creationId xmlns:a16="http://schemas.microsoft.com/office/drawing/2014/main" id="{BA12112A-1F29-448A-80AE-91B2ED47A7B2}"/>
               </a:ext>
             </a:extLst>
           </p:cNvPr>
@@ -14506,20 +14483,121 @@
             <p:ph type="title"/>
           </p:nvPr>
         </p:nvSpPr>
-        <p:spPr>
-          <a:xfrm>
-            <a:off x="1025236" y="61360"/>
-            <a:ext cx="2694709" cy="1325563"/>
-          </a:xfrm>
-        </p:spPr>
+        <p:spPr/>
         <p:txBody>
           <a:bodyPr/>
           <a:lstStyle/>
           <a:p>
             <a:r>
               <a:rPr lang="en-US" dirty="0"/>
-              <a:t>Inventory</a:t>
-            </a:r>
+              <a:t>Catalog Service</a:t>
+            </a:r>
+          </a:p>
+        </p:txBody>
+      </p:sp>
+      <p:sp>
+        <p:nvSpPr>
+          <p:cNvPr id="3" name="Content Placeholder 2">
+            <a:extLst>
+              <a:ext uri="{FF2B5EF4-FFF2-40B4-BE49-F238E27FC236}">
+                <a16:creationId xmlns:a16="http://schemas.microsoft.com/office/drawing/2014/main" id="{7F33C825-74BF-42FE-A137-4B3BC94A4D8B}"/>
+              </a:ext>
+            </a:extLst>
+          </p:cNvPr>
+          <p:cNvSpPr>
+            <a:spLocks noGrp="1"/>
+          </p:cNvSpPr>
+          <p:nvPr>
+            <p:ph idx="1"/>
+          </p:nvPr>
+        </p:nvSpPr>
+        <p:spPr/>
+        <p:txBody>
+          <a:bodyPr/>
+          <a:lstStyle/>
+          <a:p>
+            <a:r>
+              <a:rPr lang="en-US" dirty="0"/>
+              <a:t>Is the source of truth for the Product table—it owns Products.</a:t>
+            </a:r>
+          </a:p>
+          <a:p>
+            <a:r>
+              <a:rPr lang="en-US" dirty="0"/>
+              <a:t>When a Product is Created, a </a:t>
+            </a:r>
+            <a:r>
+              <a:rPr lang="en-US" dirty="0" err="1"/>
+              <a:t>ProductCreated</a:t>
+            </a:r>
+            <a:r>
+              <a:rPr lang="en-US" dirty="0"/>
+              <a:t> event should be published to the Event Bus</a:t>
+            </a:r>
+          </a:p>
+          <a:p>
+            <a:r>
+              <a:rPr lang="en-US" dirty="0"/>
+              <a:t>When a Product is Updated, a </a:t>
+            </a:r>
+            <a:r>
+              <a:rPr lang="en-US" dirty="0" err="1"/>
+              <a:t>ProductUpdated</a:t>
+            </a:r>
+            <a:r>
+              <a:rPr lang="en-US" dirty="0"/>
+              <a:t> event should be published to the Event Bus</a:t>
+            </a:r>
+          </a:p>
+          <a:p>
+            <a:r>
+              <a:rPr lang="en-US" dirty="0"/>
+              <a:t>Receive a </a:t>
+            </a:r>
+            <a:r>
+              <a:rPr lang="en-US" dirty="0" err="1"/>
+              <a:t>ProductOutOfStock</a:t>
+            </a:r>
+            <a:r>
+              <a:rPr lang="en-US" dirty="0"/>
+              <a:t> event and updated the </a:t>
+            </a:r>
+            <a:r>
+              <a:rPr lang="en-US" dirty="0" err="1"/>
+              <a:t>InStock</a:t>
+            </a:r>
+            <a:r>
+              <a:rPr lang="en-US" dirty="0"/>
+              <a:t> flag on the product</a:t>
+            </a:r>
+          </a:p>
+          <a:p>
+            <a:r>
+              <a:rPr lang="en-US" dirty="0"/>
+              <a:t>Receive a </a:t>
+            </a:r>
+            <a:r>
+              <a:rPr lang="en-US" dirty="0" err="1"/>
+              <a:t>ProductInStock</a:t>
+            </a:r>
+            <a:r>
+              <a:rPr lang="en-US" dirty="0"/>
+              <a:t> event and updated the </a:t>
+            </a:r>
+            <a:r>
+              <a:rPr lang="en-US" dirty="0" err="1"/>
+              <a:t>InStock</a:t>
+            </a:r>
+            <a:r>
+              <a:rPr lang="en-US" dirty="0"/>
+              <a:t> flag on the product</a:t>
+            </a:r>
+          </a:p>
+          <a:p>
+            <a:endParaRPr lang="en-US" dirty="0"/>
+          </a:p>
+          <a:p>
+            <a:endParaRPr lang="en-US" dirty="0"/>
           </a:p>
         </p:txBody>
       </p:sp>
@@ -14528,7 +14606,7 @@
           <p:cNvPr id="4" name="Slide Number Placeholder 3">
             <a:extLst>
               <a:ext uri="{FF2B5EF4-FFF2-40B4-BE49-F238E27FC236}">
-                <a16:creationId xmlns:a16="http://schemas.microsoft.com/office/drawing/2014/main" id="{53B8EDA7-9721-4CE1-8D3A-CCDDE6D183C6}"/>
+                <a16:creationId xmlns:a16="http://schemas.microsoft.com/office/drawing/2014/main" id="{2AA75C2A-1D15-441D-AF86-2DB36CC1C2ED}"/>
               </a:ext>
             </a:extLst>
           </p:cNvPr>
@@ -14547,6 +14625,297 @@
             <a:fld id="{945DE137-1981-4A6E-942B-1AACE1746372}" type="slidenum">
               <a:rPr lang="en-US" smtClean="0"/>
               <a:t>22</a:t>
+            </a:fld>
+            <a:endParaRPr lang="en-US"/>
+          </a:p>
+        </p:txBody>
+      </p:sp>
+    </p:spTree>
+    <p:extLst>
+      <p:ext uri="{BB962C8B-B14F-4D97-AF65-F5344CB8AC3E}">
+        <p14:creationId xmlns:p14="http://schemas.microsoft.com/office/powerpoint/2010/main" val="1435062323"/>
+      </p:ext>
+    </p:extLst>
+  </p:cSld>
+  <p:clrMapOvr>
+    <a:masterClrMapping/>
+  </p:clrMapOvr>
+</p:sld>
+</file>
+
+<file path=ppt/slides/slide23.xml><?xml version="1.0" encoding="utf-8"?>
+<p:sld xmlns:a="http://schemas.openxmlformats.org/drawingml/2006/main" xmlns:r="http://schemas.openxmlformats.org/officeDocument/2006/relationships" xmlns:p="http://schemas.openxmlformats.org/presentationml/2006/main">
+  <p:cSld>
+    <p:spTree>
+      <p:nvGrpSpPr>
+        <p:cNvPr id="1" name=""/>
+        <p:cNvGrpSpPr/>
+        <p:nvPr/>
+      </p:nvGrpSpPr>
+      <p:grpSpPr>
+        <a:xfrm>
+          <a:off x="0" y="0"/>
+          <a:ext cx="0" cy="0"/>
+          <a:chOff x="0" y="0"/>
+          <a:chExt cx="0" cy="0"/>
+        </a:xfrm>
+      </p:grpSpPr>
+      <p:sp>
+        <p:nvSpPr>
+          <p:cNvPr id="2" name="Title 1">
+            <a:extLst>
+              <a:ext uri="{FF2B5EF4-FFF2-40B4-BE49-F238E27FC236}">
+                <a16:creationId xmlns:a16="http://schemas.microsoft.com/office/drawing/2014/main" id="{AF45A4CF-C57F-4004-847F-9E8D0B6DA18E}"/>
+              </a:ext>
+            </a:extLst>
+          </p:cNvPr>
+          <p:cNvSpPr>
+            <a:spLocks noGrp="1"/>
+          </p:cNvSpPr>
+          <p:nvPr>
+            <p:ph type="title"/>
+          </p:nvPr>
+        </p:nvSpPr>
+        <p:spPr/>
+        <p:txBody>
+          <a:bodyPr/>
+          <a:lstStyle/>
+          <a:p>
+            <a:r>
+              <a:rPr lang="en-US" dirty="0"/>
+              <a:t>Catalog-DB</a:t>
+            </a:r>
+          </a:p>
+        </p:txBody>
+      </p:sp>
+      <p:sp>
+        <p:nvSpPr>
+          <p:cNvPr id="3" name="Content Placeholder 2">
+            <a:extLst>
+              <a:ext uri="{FF2B5EF4-FFF2-40B4-BE49-F238E27FC236}">
+                <a16:creationId xmlns:a16="http://schemas.microsoft.com/office/drawing/2014/main" id="{B9781DD9-284F-4B4E-BA11-90CF63015909}"/>
+              </a:ext>
+            </a:extLst>
+          </p:cNvPr>
+          <p:cNvSpPr>
+            <a:spLocks noGrp="1"/>
+          </p:cNvSpPr>
+          <p:nvPr>
+            <p:ph idx="1"/>
+          </p:nvPr>
+        </p:nvSpPr>
+        <p:spPr>
+          <a:xfrm>
+            <a:off x="838200" y="1825625"/>
+            <a:ext cx="10515600" cy="688975"/>
+          </a:xfrm>
+        </p:spPr>
+        <p:txBody>
+          <a:bodyPr/>
+          <a:lstStyle/>
+          <a:p>
+            <a:r>
+              <a:rPr lang="en-US" dirty="0"/>
+              <a:t>Add a column for </a:t>
+            </a:r>
+            <a:r>
+              <a:rPr lang="en-US" dirty="0" err="1"/>
+              <a:t>InStock</a:t>
+            </a:r>
+            <a:r>
+              <a:rPr lang="en-US" dirty="0"/>
+              <a:t> flag…</a:t>
+            </a:r>
+          </a:p>
+          <a:p>
+            <a:endParaRPr lang="en-US" dirty="0"/>
+          </a:p>
+          <a:p>
+            <a:endParaRPr lang="en-US" dirty="0"/>
+          </a:p>
+        </p:txBody>
+      </p:sp>
+      <p:sp>
+        <p:nvSpPr>
+          <p:cNvPr id="4" name="Slide Number Placeholder 3">
+            <a:extLst>
+              <a:ext uri="{FF2B5EF4-FFF2-40B4-BE49-F238E27FC236}">
+                <a16:creationId xmlns:a16="http://schemas.microsoft.com/office/drawing/2014/main" id="{7AFDADD1-D60C-41C7-8B1F-7BD99F43A4EC}"/>
+              </a:ext>
+            </a:extLst>
+          </p:cNvPr>
+          <p:cNvSpPr>
+            <a:spLocks noGrp="1"/>
+          </p:cNvSpPr>
+          <p:nvPr>
+            <p:ph type="sldNum" sz="quarter" idx="12"/>
+          </p:nvPr>
+        </p:nvSpPr>
+        <p:spPr/>
+        <p:txBody>
+          <a:bodyPr/>
+          <a:lstStyle/>
+          <a:p>
+            <a:fld id="{945DE137-1981-4A6E-942B-1AACE1746372}" type="slidenum">
+              <a:rPr lang="en-US" smtClean="0"/>
+              <a:t>23</a:t>
+            </a:fld>
+            <a:endParaRPr lang="en-US"/>
+          </a:p>
+        </p:txBody>
+      </p:sp>
+      <p:sp>
+        <p:nvSpPr>
+          <p:cNvPr id="5" name="TextBox 4">
+            <a:extLst>
+              <a:ext uri="{FF2B5EF4-FFF2-40B4-BE49-F238E27FC236}">
+                <a16:creationId xmlns:a16="http://schemas.microsoft.com/office/drawing/2014/main" id="{3AD2F9B4-F771-4E5E-82E8-820FA98FCBF3}"/>
+              </a:ext>
+            </a:extLst>
+          </p:cNvPr>
+          <p:cNvSpPr txBox="1"/>
+          <p:nvPr/>
+        </p:nvSpPr>
+        <p:spPr>
+          <a:xfrm>
+            <a:off x="838200" y="2649537"/>
+            <a:ext cx="7479933" cy="1384995"/>
+          </a:xfrm>
+          <a:prstGeom prst="rect">
+            <a:avLst/>
+          </a:prstGeom>
+          <a:noFill/>
+        </p:spPr>
+        <p:txBody>
+          <a:bodyPr wrap="none" rtlCol="0">
+            <a:spAutoFit/>
+          </a:bodyPr>
+          <a:lstStyle/>
+          <a:p>
+            <a:r>
+              <a:rPr lang="en-US" sz="2800" dirty="0">
+                <a:latin typeface="Consolas" panose="020B0609020204030204" pitchFamily="49" charset="0"/>
+              </a:rPr>
+              <a:t>use `catalog-</a:t>
+            </a:r>
+            <a:r>
+              <a:rPr lang="en-US" sz="2800" dirty="0" err="1">
+                <a:latin typeface="Consolas" panose="020B0609020204030204" pitchFamily="49" charset="0"/>
+              </a:rPr>
+              <a:t>db</a:t>
+            </a:r>
+            <a:r>
+              <a:rPr lang="en-US" sz="2800" dirty="0">
+                <a:latin typeface="Consolas" panose="020B0609020204030204" pitchFamily="49" charset="0"/>
+              </a:rPr>
+              <a:t>`;</a:t>
+            </a:r>
+          </a:p>
+          <a:p>
+            <a:r>
+              <a:rPr lang="en-US" sz="2800" dirty="0">
+                <a:latin typeface="Consolas" panose="020B0609020204030204" pitchFamily="49" charset="0"/>
+              </a:rPr>
+              <a:t>alter table Products</a:t>
+            </a:r>
+          </a:p>
+          <a:p>
+            <a:r>
+              <a:rPr lang="en-US" sz="2800" dirty="0">
+                <a:latin typeface="Consolas" panose="020B0609020204030204" pitchFamily="49" charset="0"/>
+              </a:rPr>
+              <a:t>    add column InStock bit default 1;</a:t>
+            </a:r>
+          </a:p>
+        </p:txBody>
+      </p:sp>
+    </p:spTree>
+    <p:extLst>
+      <p:ext uri="{BB962C8B-B14F-4D97-AF65-F5344CB8AC3E}">
+        <p14:creationId xmlns:p14="http://schemas.microsoft.com/office/powerpoint/2010/main" val="1497967913"/>
+      </p:ext>
+    </p:extLst>
+  </p:cSld>
+  <p:clrMapOvr>
+    <a:masterClrMapping/>
+  </p:clrMapOvr>
+</p:sld>
+</file>
+
+<file path=ppt/slides/slide24.xml><?xml version="1.0" encoding="utf-8"?>
+<p:sld xmlns:a="http://schemas.openxmlformats.org/drawingml/2006/main" xmlns:r="http://schemas.openxmlformats.org/officeDocument/2006/relationships" xmlns:p="http://schemas.openxmlformats.org/presentationml/2006/main">
+  <p:cSld>
+    <p:spTree>
+      <p:nvGrpSpPr>
+        <p:cNvPr id="1" name=""/>
+        <p:cNvGrpSpPr/>
+        <p:nvPr/>
+      </p:nvGrpSpPr>
+      <p:grpSpPr>
+        <a:xfrm>
+          <a:off x="0" y="0"/>
+          <a:ext cx="0" cy="0"/>
+          <a:chOff x="0" y="0"/>
+          <a:chExt cx="0" cy="0"/>
+        </a:xfrm>
+      </p:grpSpPr>
+      <p:sp>
+        <p:nvSpPr>
+          <p:cNvPr id="2" name="Title 1">
+            <a:extLst>
+              <a:ext uri="{FF2B5EF4-FFF2-40B4-BE49-F238E27FC236}">
+                <a16:creationId xmlns:a16="http://schemas.microsoft.com/office/drawing/2014/main" id="{20DAF717-A5E3-4F99-9372-28F89B3D648F}"/>
+              </a:ext>
+            </a:extLst>
+          </p:cNvPr>
+          <p:cNvSpPr>
+            <a:spLocks noGrp="1"/>
+          </p:cNvSpPr>
+          <p:nvPr>
+            <p:ph type="title"/>
+          </p:nvPr>
+        </p:nvSpPr>
+        <p:spPr>
+          <a:xfrm>
+            <a:off x="1025236" y="61360"/>
+            <a:ext cx="2694709" cy="1325563"/>
+          </a:xfrm>
+        </p:spPr>
+        <p:txBody>
+          <a:bodyPr/>
+          <a:lstStyle/>
+          <a:p>
+            <a:r>
+              <a:rPr lang="en-US" dirty="0"/>
+              <a:t>Inventory</a:t>
+            </a:r>
+          </a:p>
+        </p:txBody>
+      </p:sp>
+      <p:sp>
+        <p:nvSpPr>
+          <p:cNvPr id="4" name="Slide Number Placeholder 3">
+            <a:extLst>
+              <a:ext uri="{FF2B5EF4-FFF2-40B4-BE49-F238E27FC236}">
+                <a16:creationId xmlns:a16="http://schemas.microsoft.com/office/drawing/2014/main" id="{53B8EDA7-9721-4CE1-8D3A-CCDDE6D183C6}"/>
+              </a:ext>
+            </a:extLst>
+          </p:cNvPr>
+          <p:cNvSpPr>
+            <a:spLocks noGrp="1"/>
+          </p:cNvSpPr>
+          <p:nvPr>
+            <p:ph type="sldNum" sz="quarter" idx="12"/>
+          </p:nvPr>
+        </p:nvSpPr>
+        <p:spPr/>
+        <p:txBody>
+          <a:bodyPr/>
+          <a:lstStyle/>
+          <a:p>
+            <a:fld id="{945DE137-1981-4A6E-942B-1AACE1746372}" type="slidenum">
+              <a:rPr lang="en-US" smtClean="0"/>
+              <a:t>24</a:t>
             </a:fld>
             <a:endParaRPr lang="en-US"/>
           </a:p>
@@ -16265,7 +16634,7 @@
 </p:sld>
 </file>
 
-<file path=ppt/slides/slide23.xml><?xml version="1.0" encoding="utf-8"?>
+<file path=ppt/slides/slide25.xml><?xml version="1.0" encoding="utf-8"?>
 <p:sld xmlns:a="http://schemas.openxmlformats.org/drawingml/2006/main" xmlns:r="http://schemas.openxmlformats.org/officeDocument/2006/relationships" xmlns:p="http://schemas.openxmlformats.org/presentationml/2006/main">
   <p:cSld>
     <p:spTree>
@@ -16455,7 +16824,7 @@
           <a:p>
             <a:fld id="{945DE137-1981-4A6E-942B-1AACE1746372}" type="slidenum">
               <a:rPr lang="en-US" smtClean="0"/>
-              <a:t>23</a:t>
+              <a:t>25</a:t>
             </a:fld>
             <a:endParaRPr lang="en-US"/>
           </a:p>
@@ -16474,7 +16843,7 @@
 </p:sld>
 </file>
 
-<file path=ppt/slides/slide24.xml><?xml version="1.0" encoding="utf-8"?>
+<file path=ppt/slides/slide26.xml><?xml version="1.0" encoding="utf-8"?>
 <p:sld xmlns:a="http://schemas.openxmlformats.org/drawingml/2006/main" xmlns:r="http://schemas.openxmlformats.org/officeDocument/2006/relationships" xmlns:p="http://schemas.openxmlformats.org/presentationml/2006/main">
   <p:cSld>
     <p:spTree>
@@ -16570,7 +16939,7 @@
           <a:p>
             <a:fld id="{945DE137-1981-4A6E-942B-1AACE1746372}" type="slidenum">
               <a:rPr lang="en-US" smtClean="0"/>
-              <a:t>24</a:t>
+              <a:t>26</a:t>
             </a:fld>
             <a:endParaRPr lang="en-US"/>
           </a:p>
